--- a/微前端.pptx
+++ b/微前端.pptx
@@ -5,29 +5,31 @@
     <p:sldMasterId id="2147483648" r:id="rId1"/>
   </p:sldMasterIdLst>
   <p:sldIdLst>
-    <p:sldId id="258" r:id="rId2"/>
-    <p:sldId id="269" r:id="rId3"/>
-    <p:sldId id="268" r:id="rId4"/>
-    <p:sldId id="271" r:id="rId5"/>
-    <p:sldId id="259" r:id="rId6"/>
-    <p:sldId id="261" r:id="rId7"/>
-    <p:sldId id="272" r:id="rId8"/>
-    <p:sldId id="270" r:id="rId9"/>
-    <p:sldId id="273" r:id="rId10"/>
-    <p:sldId id="262" r:id="rId11"/>
-    <p:sldId id="274" r:id="rId12"/>
-    <p:sldId id="263" r:id="rId13"/>
-    <p:sldId id="275" r:id="rId14"/>
-    <p:sldId id="276" r:id="rId15"/>
-    <p:sldId id="264" r:id="rId16"/>
-    <p:sldId id="277" r:id="rId17"/>
-    <p:sldId id="278" r:id="rId18"/>
-    <p:sldId id="266" r:id="rId19"/>
-    <p:sldId id="279" r:id="rId20"/>
-    <p:sldId id="280" r:id="rId21"/>
-    <p:sldId id="281" r:id="rId22"/>
-    <p:sldId id="282" r:id="rId23"/>
-    <p:sldId id="267" r:id="rId24"/>
+    <p:sldId id="258" r:id="rId3"/>
+    <p:sldId id="269" r:id="rId4"/>
+    <p:sldId id="268" r:id="rId5"/>
+    <p:sldId id="271" r:id="rId6"/>
+    <p:sldId id="259" r:id="rId7"/>
+    <p:sldId id="261" r:id="rId8"/>
+    <p:sldId id="272" r:id="rId9"/>
+    <p:sldId id="270" r:id="rId10"/>
+    <p:sldId id="273" r:id="rId11"/>
+    <p:sldId id="262" r:id="rId12"/>
+    <p:sldId id="274" r:id="rId13"/>
+    <p:sldId id="263" r:id="rId14"/>
+    <p:sldId id="275" r:id="rId15"/>
+    <p:sldId id="276" r:id="rId16"/>
+    <p:sldId id="264" r:id="rId17"/>
+    <p:sldId id="277" r:id="rId18"/>
+    <p:sldId id="278" r:id="rId19"/>
+    <p:sldId id="266" r:id="rId20"/>
+    <p:sldId id="279" r:id="rId21"/>
+    <p:sldId id="280" r:id="rId22"/>
+    <p:sldId id="281" r:id="rId23"/>
+    <p:sldId id="282" r:id="rId24"/>
+    <p:sldId id="267" r:id="rId25"/>
+    <p:sldId id="291" r:id="rId26"/>
+    <p:sldId id="292" r:id="rId27"/>
   </p:sldIdLst>
   <p:sldSz cx="12192000" cy="6858000"/>
   <p:notesSz cx="6858000" cy="9144000"/>
@@ -126,11 +128,6 @@
       </a:defRPr>
     </a:lvl9pPr>
   </p:defaultTextStyle>
-  <p:extLst>
-    <p:ext uri="{EFAFB233-063F-42B5-8137-9DF3F51BA10A}">
-      <p15:sldGuideLst xmlns:p15="http://schemas.microsoft.com/office/powerpoint/2012/main"/>
-    </p:ext>
-  </p:extLst>
 </p:presentation>
 </file>
 
@@ -179,6 +176,7 @@
               <a:rPr lang="zh-CN" altLang="en-US"/>
               <a:t>单击此处编辑母版标题样式</a:t>
             </a:r>
+            <a:endParaRPr lang="zh-CN" altLang="en-US"/>
           </a:p>
         </p:txBody>
       </p:sp>
@@ -243,6 +241,7 @@
               <a:rPr lang="zh-CN" altLang="en-US"/>
               <a:t>单击此处编辑母版副标题样式</a:t>
             </a:r>
+            <a:endParaRPr lang="zh-CN" altLang="en-US"/>
           </a:p>
         </p:txBody>
       </p:sp>
@@ -263,7 +262,6 @@
           <a:p>
             <a:fld id="{D997B5FA-0921-464F-AAE1-844C04324D75}" type="datetimeFigureOut">
               <a:rPr lang="zh-CN" altLang="en-US" smtClean="0"/>
-              <a:t>2020/10/5</a:t>
             </a:fld>
             <a:endParaRPr lang="zh-CN" altLang="en-US"/>
           </a:p>
@@ -305,7 +303,6 @@
           <a:p>
             <a:fld id="{565CE74E-AB26-4998-AD42-012C4C1AD076}" type="slidenum">
               <a:rPr lang="zh-CN" altLang="en-US" smtClean="0"/>
-              <a:t>‹#›</a:t>
             </a:fld>
             <a:endParaRPr lang="zh-CN" altLang="en-US"/>
           </a:p>
@@ -356,6 +353,7 @@
               <a:rPr lang="zh-CN" altLang="en-US"/>
               <a:t>单击此处编辑母版标题样式</a:t>
             </a:r>
+            <a:endParaRPr lang="zh-CN" altLang="en-US"/>
           </a:p>
         </p:txBody>
       </p:sp>
@@ -379,6 +377,7 @@
               <a:rPr lang="zh-CN" altLang="en-US"/>
               <a:t>单击此处编辑母版文本样式</a:t>
             </a:r>
+            <a:endParaRPr lang="zh-CN" altLang="en-US"/>
           </a:p>
           <a:p>
             <a:pPr lvl="1"/>
@@ -386,6 +385,7 @@
               <a:rPr lang="zh-CN" altLang="en-US"/>
               <a:t>第二级</a:t>
             </a:r>
+            <a:endParaRPr lang="zh-CN" altLang="en-US"/>
           </a:p>
           <a:p>
             <a:pPr lvl="2"/>
@@ -393,6 +393,7 @@
               <a:rPr lang="zh-CN" altLang="en-US"/>
               <a:t>第三级</a:t>
             </a:r>
+            <a:endParaRPr lang="zh-CN" altLang="en-US"/>
           </a:p>
           <a:p>
             <a:pPr lvl="3"/>
@@ -400,6 +401,7 @@
               <a:rPr lang="zh-CN" altLang="en-US"/>
               <a:t>第四级</a:t>
             </a:r>
+            <a:endParaRPr lang="zh-CN" altLang="en-US"/>
           </a:p>
           <a:p>
             <a:pPr lvl="4"/>
@@ -407,6 +409,7 @@
               <a:rPr lang="zh-CN" altLang="en-US"/>
               <a:t>第五级</a:t>
             </a:r>
+            <a:endParaRPr lang="zh-CN" altLang="en-US"/>
           </a:p>
         </p:txBody>
       </p:sp>
@@ -427,7 +430,6 @@
           <a:p>
             <a:fld id="{D997B5FA-0921-464F-AAE1-844C04324D75}" type="datetimeFigureOut">
               <a:rPr lang="zh-CN" altLang="en-US" smtClean="0"/>
-              <a:t>2020/10/5</a:t>
             </a:fld>
             <a:endParaRPr lang="zh-CN" altLang="en-US"/>
           </a:p>
@@ -469,7 +471,6 @@
           <a:p>
             <a:fld id="{565CE74E-AB26-4998-AD42-012C4C1AD076}" type="slidenum">
               <a:rPr lang="zh-CN" altLang="en-US" smtClean="0"/>
-              <a:t>‹#›</a:t>
             </a:fld>
             <a:endParaRPr lang="zh-CN" altLang="en-US"/>
           </a:p>
@@ -525,6 +526,7 @@
               <a:rPr lang="zh-CN" altLang="en-US"/>
               <a:t>单击此处编辑母版标题样式</a:t>
             </a:r>
+            <a:endParaRPr lang="zh-CN" altLang="en-US"/>
           </a:p>
         </p:txBody>
       </p:sp>
@@ -553,6 +555,7 @@
               <a:rPr lang="zh-CN" altLang="en-US"/>
               <a:t>单击此处编辑母版文本样式</a:t>
             </a:r>
+            <a:endParaRPr lang="zh-CN" altLang="en-US"/>
           </a:p>
           <a:p>
             <a:pPr lvl="1"/>
@@ -560,6 +563,7 @@
               <a:rPr lang="zh-CN" altLang="en-US"/>
               <a:t>第二级</a:t>
             </a:r>
+            <a:endParaRPr lang="zh-CN" altLang="en-US"/>
           </a:p>
           <a:p>
             <a:pPr lvl="2"/>
@@ -567,6 +571,7 @@
               <a:rPr lang="zh-CN" altLang="en-US"/>
               <a:t>第三级</a:t>
             </a:r>
+            <a:endParaRPr lang="zh-CN" altLang="en-US"/>
           </a:p>
           <a:p>
             <a:pPr lvl="3"/>
@@ -574,6 +579,7 @@
               <a:rPr lang="zh-CN" altLang="en-US"/>
               <a:t>第四级</a:t>
             </a:r>
+            <a:endParaRPr lang="zh-CN" altLang="en-US"/>
           </a:p>
           <a:p>
             <a:pPr lvl="4"/>
@@ -581,6 +587,7 @@
               <a:rPr lang="zh-CN" altLang="en-US"/>
               <a:t>第五级</a:t>
             </a:r>
+            <a:endParaRPr lang="zh-CN" altLang="en-US"/>
           </a:p>
         </p:txBody>
       </p:sp>
@@ -601,7 +608,6 @@
           <a:p>
             <a:fld id="{D997B5FA-0921-464F-AAE1-844C04324D75}" type="datetimeFigureOut">
               <a:rPr lang="zh-CN" altLang="en-US" smtClean="0"/>
-              <a:t>2020/10/5</a:t>
             </a:fld>
             <a:endParaRPr lang="zh-CN" altLang="en-US"/>
           </a:p>
@@ -643,7 +649,6 @@
           <a:p>
             <a:fld id="{565CE74E-AB26-4998-AD42-012C4C1AD076}" type="slidenum">
               <a:rPr lang="zh-CN" altLang="en-US" smtClean="0"/>
-              <a:t>‹#›</a:t>
             </a:fld>
             <a:endParaRPr lang="zh-CN" altLang="en-US"/>
           </a:p>
@@ -694,6 +699,7 @@
               <a:rPr lang="zh-CN" altLang="en-US"/>
               <a:t>单击此处编辑母版标题样式</a:t>
             </a:r>
+            <a:endParaRPr lang="zh-CN" altLang="en-US"/>
           </a:p>
         </p:txBody>
       </p:sp>
@@ -717,6 +723,7 @@
               <a:rPr lang="zh-CN" altLang="en-US"/>
               <a:t>单击此处编辑母版文本样式</a:t>
             </a:r>
+            <a:endParaRPr lang="zh-CN" altLang="en-US"/>
           </a:p>
           <a:p>
             <a:pPr lvl="1"/>
@@ -724,6 +731,7 @@
               <a:rPr lang="zh-CN" altLang="en-US"/>
               <a:t>第二级</a:t>
             </a:r>
+            <a:endParaRPr lang="zh-CN" altLang="en-US"/>
           </a:p>
           <a:p>
             <a:pPr lvl="2"/>
@@ -731,6 +739,7 @@
               <a:rPr lang="zh-CN" altLang="en-US"/>
               <a:t>第三级</a:t>
             </a:r>
+            <a:endParaRPr lang="zh-CN" altLang="en-US"/>
           </a:p>
           <a:p>
             <a:pPr lvl="3"/>
@@ -738,6 +747,7 @@
               <a:rPr lang="zh-CN" altLang="en-US"/>
               <a:t>第四级</a:t>
             </a:r>
+            <a:endParaRPr lang="zh-CN" altLang="en-US"/>
           </a:p>
           <a:p>
             <a:pPr lvl="4"/>
@@ -745,6 +755,7 @@
               <a:rPr lang="zh-CN" altLang="en-US"/>
               <a:t>第五级</a:t>
             </a:r>
+            <a:endParaRPr lang="zh-CN" altLang="en-US"/>
           </a:p>
         </p:txBody>
       </p:sp>
@@ -765,7 +776,6 @@
           <a:p>
             <a:fld id="{D997B5FA-0921-464F-AAE1-844C04324D75}" type="datetimeFigureOut">
               <a:rPr lang="zh-CN" altLang="en-US" smtClean="0"/>
-              <a:t>2020/10/5</a:t>
             </a:fld>
             <a:endParaRPr lang="zh-CN" altLang="en-US"/>
           </a:p>
@@ -807,7 +817,6 @@
           <a:p>
             <a:fld id="{565CE74E-AB26-4998-AD42-012C4C1AD076}" type="slidenum">
               <a:rPr lang="zh-CN" altLang="en-US" smtClean="0"/>
-              <a:t>‹#›</a:t>
             </a:fld>
             <a:endParaRPr lang="zh-CN" altLang="en-US"/>
           </a:p>
@@ -867,6 +876,7 @@
               <a:rPr lang="zh-CN" altLang="en-US"/>
               <a:t>单击此处编辑母版标题样式</a:t>
             </a:r>
+            <a:endParaRPr lang="zh-CN" altLang="en-US"/>
           </a:p>
         </p:txBody>
       </p:sp>
@@ -986,6 +996,7 @@
               <a:rPr lang="zh-CN" altLang="en-US"/>
               <a:t>单击此处编辑母版文本样式</a:t>
             </a:r>
+            <a:endParaRPr lang="zh-CN" altLang="en-US"/>
           </a:p>
         </p:txBody>
       </p:sp>
@@ -1006,7 +1017,6 @@
           <a:p>
             <a:fld id="{D997B5FA-0921-464F-AAE1-844C04324D75}" type="datetimeFigureOut">
               <a:rPr lang="zh-CN" altLang="en-US" smtClean="0"/>
-              <a:t>2020/10/5</a:t>
             </a:fld>
             <a:endParaRPr lang="zh-CN" altLang="en-US"/>
           </a:p>
@@ -1048,7 +1058,6 @@
           <a:p>
             <a:fld id="{565CE74E-AB26-4998-AD42-012C4C1AD076}" type="slidenum">
               <a:rPr lang="zh-CN" altLang="en-US" smtClean="0"/>
-              <a:t>‹#›</a:t>
             </a:fld>
             <a:endParaRPr lang="zh-CN" altLang="en-US"/>
           </a:p>
@@ -1099,6 +1108,7 @@
               <a:rPr lang="zh-CN" altLang="en-US"/>
               <a:t>单击此处编辑母版标题样式</a:t>
             </a:r>
+            <a:endParaRPr lang="zh-CN" altLang="en-US"/>
           </a:p>
         </p:txBody>
       </p:sp>
@@ -1127,6 +1137,7 @@
               <a:rPr lang="zh-CN" altLang="en-US"/>
               <a:t>单击此处编辑母版文本样式</a:t>
             </a:r>
+            <a:endParaRPr lang="zh-CN" altLang="en-US"/>
           </a:p>
           <a:p>
             <a:pPr lvl="1"/>
@@ -1134,6 +1145,7 @@
               <a:rPr lang="zh-CN" altLang="en-US"/>
               <a:t>第二级</a:t>
             </a:r>
+            <a:endParaRPr lang="zh-CN" altLang="en-US"/>
           </a:p>
           <a:p>
             <a:pPr lvl="2"/>
@@ -1141,6 +1153,7 @@
               <a:rPr lang="zh-CN" altLang="en-US"/>
               <a:t>第三级</a:t>
             </a:r>
+            <a:endParaRPr lang="zh-CN" altLang="en-US"/>
           </a:p>
           <a:p>
             <a:pPr lvl="3"/>
@@ -1148,6 +1161,7 @@
               <a:rPr lang="zh-CN" altLang="en-US"/>
               <a:t>第四级</a:t>
             </a:r>
+            <a:endParaRPr lang="zh-CN" altLang="en-US"/>
           </a:p>
           <a:p>
             <a:pPr lvl="4"/>
@@ -1155,6 +1169,7 @@
               <a:rPr lang="zh-CN" altLang="en-US"/>
               <a:t>第五级</a:t>
             </a:r>
+            <a:endParaRPr lang="zh-CN" altLang="en-US"/>
           </a:p>
         </p:txBody>
       </p:sp>
@@ -1183,6 +1198,7 @@
               <a:rPr lang="zh-CN" altLang="en-US"/>
               <a:t>单击此处编辑母版文本样式</a:t>
             </a:r>
+            <a:endParaRPr lang="zh-CN" altLang="en-US"/>
           </a:p>
           <a:p>
             <a:pPr lvl="1"/>
@@ -1190,6 +1206,7 @@
               <a:rPr lang="zh-CN" altLang="en-US"/>
               <a:t>第二级</a:t>
             </a:r>
+            <a:endParaRPr lang="zh-CN" altLang="en-US"/>
           </a:p>
           <a:p>
             <a:pPr lvl="2"/>
@@ -1197,6 +1214,7 @@
               <a:rPr lang="zh-CN" altLang="en-US"/>
               <a:t>第三级</a:t>
             </a:r>
+            <a:endParaRPr lang="zh-CN" altLang="en-US"/>
           </a:p>
           <a:p>
             <a:pPr lvl="3"/>
@@ -1204,6 +1222,7 @@
               <a:rPr lang="zh-CN" altLang="en-US"/>
               <a:t>第四级</a:t>
             </a:r>
+            <a:endParaRPr lang="zh-CN" altLang="en-US"/>
           </a:p>
           <a:p>
             <a:pPr lvl="4"/>
@@ -1211,6 +1230,7 @@
               <a:rPr lang="zh-CN" altLang="en-US"/>
               <a:t>第五级</a:t>
             </a:r>
+            <a:endParaRPr lang="zh-CN" altLang="en-US"/>
           </a:p>
         </p:txBody>
       </p:sp>
@@ -1231,7 +1251,6 @@
           <a:p>
             <a:fld id="{D997B5FA-0921-464F-AAE1-844C04324D75}" type="datetimeFigureOut">
               <a:rPr lang="zh-CN" altLang="en-US" smtClean="0"/>
-              <a:t>2020/10/5</a:t>
             </a:fld>
             <a:endParaRPr lang="zh-CN" altLang="en-US"/>
           </a:p>
@@ -1273,7 +1292,6 @@
           <a:p>
             <a:fld id="{565CE74E-AB26-4998-AD42-012C4C1AD076}" type="slidenum">
               <a:rPr lang="zh-CN" altLang="en-US" smtClean="0"/>
-              <a:t>‹#›</a:t>
             </a:fld>
             <a:endParaRPr lang="zh-CN" altLang="en-US"/>
           </a:p>
@@ -1329,6 +1347,7 @@
               <a:rPr lang="zh-CN" altLang="en-US"/>
               <a:t>单击此处编辑母版标题样式</a:t>
             </a:r>
+            <a:endParaRPr lang="zh-CN" altLang="en-US"/>
           </a:p>
         </p:txBody>
       </p:sp>
@@ -1394,6 +1413,7 @@
               <a:rPr lang="zh-CN" altLang="en-US"/>
               <a:t>单击此处编辑母版文本样式</a:t>
             </a:r>
+            <a:endParaRPr lang="zh-CN" altLang="en-US"/>
           </a:p>
         </p:txBody>
       </p:sp>
@@ -1422,6 +1442,7 @@
               <a:rPr lang="zh-CN" altLang="en-US"/>
               <a:t>单击此处编辑母版文本样式</a:t>
             </a:r>
+            <a:endParaRPr lang="zh-CN" altLang="en-US"/>
           </a:p>
           <a:p>
             <a:pPr lvl="1"/>
@@ -1429,6 +1450,7 @@
               <a:rPr lang="zh-CN" altLang="en-US"/>
               <a:t>第二级</a:t>
             </a:r>
+            <a:endParaRPr lang="zh-CN" altLang="en-US"/>
           </a:p>
           <a:p>
             <a:pPr lvl="2"/>
@@ -1436,6 +1458,7 @@
               <a:rPr lang="zh-CN" altLang="en-US"/>
               <a:t>第三级</a:t>
             </a:r>
+            <a:endParaRPr lang="zh-CN" altLang="en-US"/>
           </a:p>
           <a:p>
             <a:pPr lvl="3"/>
@@ -1443,6 +1466,7 @@
               <a:rPr lang="zh-CN" altLang="en-US"/>
               <a:t>第四级</a:t>
             </a:r>
+            <a:endParaRPr lang="zh-CN" altLang="en-US"/>
           </a:p>
           <a:p>
             <a:pPr lvl="4"/>
@@ -1450,6 +1474,7 @@
               <a:rPr lang="zh-CN" altLang="en-US"/>
               <a:t>第五级</a:t>
             </a:r>
+            <a:endParaRPr lang="zh-CN" altLang="en-US"/>
           </a:p>
         </p:txBody>
       </p:sp>
@@ -1515,6 +1540,7 @@
               <a:rPr lang="zh-CN" altLang="en-US"/>
               <a:t>单击此处编辑母版文本样式</a:t>
             </a:r>
+            <a:endParaRPr lang="zh-CN" altLang="en-US"/>
           </a:p>
         </p:txBody>
       </p:sp>
@@ -1543,6 +1569,7 @@
               <a:rPr lang="zh-CN" altLang="en-US"/>
               <a:t>单击此处编辑母版文本样式</a:t>
             </a:r>
+            <a:endParaRPr lang="zh-CN" altLang="en-US"/>
           </a:p>
           <a:p>
             <a:pPr lvl="1"/>
@@ -1550,6 +1577,7 @@
               <a:rPr lang="zh-CN" altLang="en-US"/>
               <a:t>第二级</a:t>
             </a:r>
+            <a:endParaRPr lang="zh-CN" altLang="en-US"/>
           </a:p>
           <a:p>
             <a:pPr lvl="2"/>
@@ -1557,6 +1585,7 @@
               <a:rPr lang="zh-CN" altLang="en-US"/>
               <a:t>第三级</a:t>
             </a:r>
+            <a:endParaRPr lang="zh-CN" altLang="en-US"/>
           </a:p>
           <a:p>
             <a:pPr lvl="3"/>
@@ -1564,6 +1593,7 @@
               <a:rPr lang="zh-CN" altLang="en-US"/>
               <a:t>第四级</a:t>
             </a:r>
+            <a:endParaRPr lang="zh-CN" altLang="en-US"/>
           </a:p>
           <a:p>
             <a:pPr lvl="4"/>
@@ -1571,6 +1601,7 @@
               <a:rPr lang="zh-CN" altLang="en-US"/>
               <a:t>第五级</a:t>
             </a:r>
+            <a:endParaRPr lang="zh-CN" altLang="en-US"/>
           </a:p>
         </p:txBody>
       </p:sp>
@@ -1591,7 +1622,6 @@
           <a:p>
             <a:fld id="{D997B5FA-0921-464F-AAE1-844C04324D75}" type="datetimeFigureOut">
               <a:rPr lang="zh-CN" altLang="en-US" smtClean="0"/>
-              <a:t>2020/10/5</a:t>
             </a:fld>
             <a:endParaRPr lang="zh-CN" altLang="en-US"/>
           </a:p>
@@ -1633,7 +1663,6 @@
           <a:p>
             <a:fld id="{565CE74E-AB26-4998-AD42-012C4C1AD076}" type="slidenum">
               <a:rPr lang="zh-CN" altLang="en-US" smtClean="0"/>
-              <a:t>‹#›</a:t>
             </a:fld>
             <a:endParaRPr lang="zh-CN" altLang="en-US"/>
           </a:p>
@@ -1684,6 +1713,7 @@
               <a:rPr lang="zh-CN" altLang="en-US"/>
               <a:t>单击此处编辑母版标题样式</a:t>
             </a:r>
+            <a:endParaRPr lang="zh-CN" altLang="en-US"/>
           </a:p>
         </p:txBody>
       </p:sp>
@@ -1704,7 +1734,6 @@
           <a:p>
             <a:fld id="{D997B5FA-0921-464F-AAE1-844C04324D75}" type="datetimeFigureOut">
               <a:rPr lang="zh-CN" altLang="en-US" smtClean="0"/>
-              <a:t>2020/10/5</a:t>
             </a:fld>
             <a:endParaRPr lang="zh-CN" altLang="en-US"/>
           </a:p>
@@ -1746,7 +1775,6 @@
           <a:p>
             <a:fld id="{565CE74E-AB26-4998-AD42-012C4C1AD076}" type="slidenum">
               <a:rPr lang="zh-CN" altLang="en-US" smtClean="0"/>
-              <a:t>‹#›</a:t>
             </a:fld>
             <a:endParaRPr lang="zh-CN" altLang="en-US"/>
           </a:p>
@@ -1795,7 +1823,6 @@
           <a:p>
             <a:fld id="{D997B5FA-0921-464F-AAE1-844C04324D75}" type="datetimeFigureOut">
               <a:rPr lang="zh-CN" altLang="en-US" smtClean="0"/>
-              <a:t>2020/10/5</a:t>
             </a:fld>
             <a:endParaRPr lang="zh-CN" altLang="en-US"/>
           </a:p>
@@ -1837,7 +1864,6 @@
           <a:p>
             <a:fld id="{565CE74E-AB26-4998-AD42-012C4C1AD076}" type="slidenum">
               <a:rPr lang="zh-CN" altLang="en-US" smtClean="0"/>
-              <a:t>‹#›</a:t>
             </a:fld>
             <a:endParaRPr lang="zh-CN" altLang="en-US"/>
           </a:p>
@@ -1897,6 +1923,7 @@
               <a:rPr lang="zh-CN" altLang="en-US"/>
               <a:t>单击此处编辑母版标题样式</a:t>
             </a:r>
+            <a:endParaRPr lang="zh-CN" altLang="en-US"/>
           </a:p>
         </p:txBody>
       </p:sp>
@@ -1953,6 +1980,7 @@
               <a:rPr lang="zh-CN" altLang="en-US"/>
               <a:t>单击此处编辑母版文本样式</a:t>
             </a:r>
+            <a:endParaRPr lang="zh-CN" altLang="en-US"/>
           </a:p>
           <a:p>
             <a:pPr lvl="1"/>
@@ -1960,6 +1988,7 @@
               <a:rPr lang="zh-CN" altLang="en-US"/>
               <a:t>第二级</a:t>
             </a:r>
+            <a:endParaRPr lang="zh-CN" altLang="en-US"/>
           </a:p>
           <a:p>
             <a:pPr lvl="2"/>
@@ -1967,6 +1996,7 @@
               <a:rPr lang="zh-CN" altLang="en-US"/>
               <a:t>第三级</a:t>
             </a:r>
+            <a:endParaRPr lang="zh-CN" altLang="en-US"/>
           </a:p>
           <a:p>
             <a:pPr lvl="3"/>
@@ -1974,6 +2004,7 @@
               <a:rPr lang="zh-CN" altLang="en-US"/>
               <a:t>第四级</a:t>
             </a:r>
+            <a:endParaRPr lang="zh-CN" altLang="en-US"/>
           </a:p>
           <a:p>
             <a:pPr lvl="4"/>
@@ -1981,6 +2012,7 @@
               <a:rPr lang="zh-CN" altLang="en-US"/>
               <a:t>第五级</a:t>
             </a:r>
+            <a:endParaRPr lang="zh-CN" altLang="en-US"/>
           </a:p>
         </p:txBody>
       </p:sp>
@@ -2046,6 +2078,7 @@
               <a:rPr lang="zh-CN" altLang="en-US"/>
               <a:t>单击此处编辑母版文本样式</a:t>
             </a:r>
+            <a:endParaRPr lang="zh-CN" altLang="en-US"/>
           </a:p>
         </p:txBody>
       </p:sp>
@@ -2066,7 +2099,6 @@
           <a:p>
             <a:fld id="{D997B5FA-0921-464F-AAE1-844C04324D75}" type="datetimeFigureOut">
               <a:rPr lang="zh-CN" altLang="en-US" smtClean="0"/>
-              <a:t>2020/10/5</a:t>
             </a:fld>
             <a:endParaRPr lang="zh-CN" altLang="en-US"/>
           </a:p>
@@ -2108,7 +2140,6 @@
           <a:p>
             <a:fld id="{565CE74E-AB26-4998-AD42-012C4C1AD076}" type="slidenum">
               <a:rPr lang="zh-CN" altLang="en-US" smtClean="0"/>
-              <a:t>‹#›</a:t>
             </a:fld>
             <a:endParaRPr lang="zh-CN" altLang="en-US"/>
           </a:p>
@@ -2168,6 +2199,7 @@
               <a:rPr lang="zh-CN" altLang="en-US"/>
               <a:t>单击此处编辑母版标题样式</a:t>
             </a:r>
+            <a:endParaRPr lang="zh-CN" altLang="en-US"/>
           </a:p>
         </p:txBody>
       </p:sp>
@@ -2294,6 +2326,7 @@
               <a:rPr lang="zh-CN" altLang="en-US"/>
               <a:t>单击此处编辑母版文本样式</a:t>
             </a:r>
+            <a:endParaRPr lang="zh-CN" altLang="en-US"/>
           </a:p>
         </p:txBody>
       </p:sp>
@@ -2314,7 +2347,6 @@
           <a:p>
             <a:fld id="{D997B5FA-0921-464F-AAE1-844C04324D75}" type="datetimeFigureOut">
               <a:rPr lang="zh-CN" altLang="en-US" smtClean="0"/>
-              <a:t>2020/10/5</a:t>
             </a:fld>
             <a:endParaRPr lang="zh-CN" altLang="en-US"/>
           </a:p>
@@ -2356,7 +2388,6 @@
           <a:p>
             <a:fld id="{565CE74E-AB26-4998-AD42-012C4C1AD076}" type="slidenum">
               <a:rPr lang="zh-CN" altLang="en-US" smtClean="0"/>
-              <a:t>‹#›</a:t>
             </a:fld>
             <a:endParaRPr lang="zh-CN" altLang="en-US"/>
           </a:p>
@@ -2430,6 +2461,7 @@
               <a:rPr lang="zh-CN" altLang="en-US"/>
               <a:t>单击此处编辑母版标题样式</a:t>
             </a:r>
+            <a:endParaRPr lang="zh-CN" altLang="en-US"/>
           </a:p>
         </p:txBody>
       </p:sp>
@@ -2465,6 +2497,7 @@
               <a:rPr lang="zh-CN" altLang="en-US"/>
               <a:t>单击此处编辑母版文本样式</a:t>
             </a:r>
+            <a:endParaRPr lang="zh-CN" altLang="en-US"/>
           </a:p>
           <a:p>
             <a:pPr lvl="1"/>
@@ -2472,6 +2505,7 @@
               <a:rPr lang="zh-CN" altLang="en-US"/>
               <a:t>第二级</a:t>
             </a:r>
+            <a:endParaRPr lang="zh-CN" altLang="en-US"/>
           </a:p>
           <a:p>
             <a:pPr lvl="2"/>
@@ -2479,6 +2513,7 @@
               <a:rPr lang="zh-CN" altLang="en-US"/>
               <a:t>第三级</a:t>
             </a:r>
+            <a:endParaRPr lang="zh-CN" altLang="en-US"/>
           </a:p>
           <a:p>
             <a:pPr lvl="3"/>
@@ -2486,6 +2521,7 @@
               <a:rPr lang="zh-CN" altLang="en-US"/>
               <a:t>第四级</a:t>
             </a:r>
+            <a:endParaRPr lang="zh-CN" altLang="en-US"/>
           </a:p>
           <a:p>
             <a:pPr lvl="4"/>
@@ -2493,6 +2529,7 @@
               <a:rPr lang="zh-CN" altLang="en-US"/>
               <a:t>第五级</a:t>
             </a:r>
+            <a:endParaRPr lang="zh-CN" altLang="en-US"/>
           </a:p>
         </p:txBody>
       </p:sp>
@@ -2529,7 +2566,6 @@
           <a:p>
             <a:fld id="{D997B5FA-0921-464F-AAE1-844C04324D75}" type="datetimeFigureOut">
               <a:rPr lang="zh-CN" altLang="en-US" smtClean="0"/>
-              <a:t>2020/10/5</a:t>
             </a:fld>
             <a:endParaRPr lang="zh-CN" altLang="en-US"/>
           </a:p>
@@ -2603,7 +2639,6 @@
           <a:p>
             <a:fld id="{565CE74E-AB26-4998-AD42-012C4C1AD076}" type="slidenum">
               <a:rPr lang="zh-CN" altLang="en-US" smtClean="0"/>
-              <a:t>‹#›</a:t>
             </a:fld>
             <a:endParaRPr lang="zh-CN" altLang="en-US"/>
           </a:p>
@@ -3111,13 +3146,7 @@
       </p:cxnSp>
       <p:sp>
         <p:nvSpPr>
-          <p:cNvPr id="2" name="文本框 1">
-            <a:extLst>
-              <a:ext uri="{FF2B5EF4-FFF2-40B4-BE49-F238E27FC236}">
-                <a16:creationId xmlns:a16="http://schemas.microsoft.com/office/drawing/2014/main" id="{138A7CE0-C386-435F-ADF0-16A723138016}"/>
-              </a:ext>
-            </a:extLst>
-          </p:cNvPr>
+          <p:cNvPr id="2" name="文本框 1"/>
           <p:cNvSpPr txBox="1"/>
           <p:nvPr/>
         </p:nvSpPr>
@@ -3148,18 +3177,19 @@
               </a:rPr>
               <a:t>前端分享会</a:t>
             </a:r>
+            <a:endParaRPr lang="zh-CN" altLang="en-US" sz="3600" dirty="0">
+              <a:solidFill>
+                <a:schemeClr val="bg1"/>
+              </a:solidFill>
+              <a:latin typeface="微软雅黑" panose="020B0503020204020204" pitchFamily="34" charset="-122"/>
+              <a:ea typeface="微软雅黑" panose="020B0503020204020204" pitchFamily="34" charset="-122"/>
+            </a:endParaRPr>
           </a:p>
         </p:txBody>
       </p:sp>
       <p:sp>
         <p:nvSpPr>
-          <p:cNvPr id="3" name="文本框 2">
-            <a:extLst>
-              <a:ext uri="{FF2B5EF4-FFF2-40B4-BE49-F238E27FC236}">
-                <a16:creationId xmlns:a16="http://schemas.microsoft.com/office/drawing/2014/main" id="{6C2912E7-067A-402B-810B-082CA82FA706}"/>
-              </a:ext>
-            </a:extLst>
-          </p:cNvPr>
+          <p:cNvPr id="3" name="文本框 2"/>
           <p:cNvSpPr txBox="1"/>
           <p:nvPr/>
         </p:nvSpPr>
@@ -3190,18 +3220,19 @@
               </a:rPr>
               <a:t>微前端</a:t>
             </a:r>
+            <a:endParaRPr lang="zh-CN" altLang="en-US" sz="6600" b="1" dirty="0">
+              <a:solidFill>
+                <a:schemeClr val="bg1"/>
+              </a:solidFill>
+              <a:latin typeface="微软雅黑" panose="020B0503020204020204" pitchFamily="34" charset="-122"/>
+              <a:ea typeface="微软雅黑" panose="020B0503020204020204" pitchFamily="34" charset="-122"/>
+            </a:endParaRPr>
           </a:p>
         </p:txBody>
       </p:sp>
       <p:sp>
         <p:nvSpPr>
-          <p:cNvPr id="4" name="文本框 3">
-            <a:extLst>
-              <a:ext uri="{FF2B5EF4-FFF2-40B4-BE49-F238E27FC236}">
-                <a16:creationId xmlns:a16="http://schemas.microsoft.com/office/drawing/2014/main" id="{A96EBDE1-5335-4FED-B34C-BBD88931CF52}"/>
-              </a:ext>
-            </a:extLst>
-          </p:cNvPr>
+          <p:cNvPr id="4" name="文本框 3"/>
           <p:cNvSpPr txBox="1"/>
           <p:nvPr/>
         </p:nvSpPr>
@@ -3231,6 +3262,13 @@
               </a:rPr>
               <a:t>研发一部 健康管理组 李浩</a:t>
             </a:r>
+            <a:endParaRPr lang="zh-CN" altLang="en-US" sz="1400" dirty="0">
+              <a:solidFill>
+                <a:schemeClr val="bg1"/>
+              </a:solidFill>
+              <a:latin typeface="微软雅黑 Light" panose="020B0502040204020203" pitchFamily="34" charset="-122"/>
+              <a:ea typeface="微软雅黑 Light" panose="020B0502040204020203" pitchFamily="34" charset="-122"/>
+            </a:endParaRPr>
           </a:p>
         </p:txBody>
       </p:sp>
@@ -3332,11 +3370,18 @@
                 <a:solidFill>
                   <a:schemeClr val="bg1"/>
                 </a:solidFill>
-                <a:latin typeface="微软雅黑" panose="020B0503020204020204" charset="-122"/>
-                <a:ea typeface="微软雅黑" panose="020B0503020204020204" charset="-122"/>
+                <a:latin typeface="微软雅黑" panose="020B0503020204020204" pitchFamily="34" charset="-122"/>
+                <a:ea typeface="微软雅黑" panose="020B0503020204020204" pitchFamily="34" charset="-122"/>
               </a:rPr>
               <a:t>主项目</a:t>
             </a:r>
+            <a:endParaRPr lang="zh-CN" altLang="en-US" sz="1600">
+              <a:solidFill>
+                <a:schemeClr val="bg1"/>
+              </a:solidFill>
+              <a:latin typeface="微软雅黑" panose="020B0503020204020204" pitchFamily="34" charset="-122"/>
+              <a:ea typeface="微软雅黑" panose="020B0503020204020204" pitchFamily="34" charset="-122"/>
+            </a:endParaRPr>
           </a:p>
         </p:txBody>
       </p:sp>
@@ -3376,66 +3421,66 @@
             <a:pPr algn="ctr"/>
             <a:r>
               <a:rPr lang="en-US" altLang="zh-CN" sz="1400" dirty="0" err="1">
-                <a:latin typeface="微软雅黑" panose="020B0503020204020204" charset="-122"/>
-                <a:ea typeface="微软雅黑" panose="020B0503020204020204" charset="-122"/>
+                <a:latin typeface="微软雅黑" panose="020B0503020204020204" pitchFamily="34" charset="-122"/>
+                <a:ea typeface="微软雅黑" panose="020B0503020204020204" pitchFamily="34" charset="-122"/>
               </a:rPr>
               <a:t>Vue+vue-router+Vuex</a:t>
             </a:r>
             <a:endParaRPr lang="en-US" altLang="zh-CN" sz="1400">
-              <a:latin typeface="微软雅黑" panose="020B0503020204020204" charset="-122"/>
-              <a:ea typeface="微软雅黑" panose="020B0503020204020204" charset="-122"/>
+              <a:latin typeface="微软雅黑" panose="020B0503020204020204" pitchFamily="34" charset="-122"/>
+              <a:ea typeface="微软雅黑" panose="020B0503020204020204" pitchFamily="34" charset="-122"/>
             </a:endParaRPr>
           </a:p>
           <a:p>
             <a:pPr algn="ctr"/>
             <a:br>
               <a:rPr lang="en-US" altLang="zh-CN" sz="1400">
-                <a:latin typeface="微软雅黑" panose="020B0503020204020204" charset="-122"/>
-                <a:ea typeface="微软雅黑" panose="020B0503020204020204" charset="-122"/>
+                <a:latin typeface="微软雅黑" panose="020B0503020204020204" pitchFamily="34" charset="-122"/>
+                <a:ea typeface="微软雅黑" panose="020B0503020204020204" pitchFamily="34" charset="-122"/>
               </a:rPr>
             </a:br>
             <a:r>
               <a:rPr lang="en-US" altLang="zh-CN" sz="1400">
-                <a:latin typeface="微软雅黑" panose="020B0503020204020204" charset="-122"/>
-                <a:ea typeface="微软雅黑" panose="020B0503020204020204" charset="-122"/>
+                <a:latin typeface="微软雅黑" panose="020B0503020204020204" pitchFamily="34" charset="-122"/>
+                <a:ea typeface="微软雅黑" panose="020B0503020204020204" pitchFamily="34" charset="-122"/>
               </a:rPr>
               <a:t>webpack@3</a:t>
             </a:r>
             <a:br>
               <a:rPr lang="en-US" altLang="zh-CN" sz="1400">
-                <a:latin typeface="微软雅黑" panose="020B0503020204020204" charset="-122"/>
-                <a:ea typeface="微软雅黑" panose="020B0503020204020204" charset="-122"/>
+                <a:latin typeface="微软雅黑" panose="020B0503020204020204" pitchFamily="34" charset="-122"/>
+                <a:ea typeface="微软雅黑" panose="020B0503020204020204" pitchFamily="34" charset="-122"/>
               </a:rPr>
             </a:br>
             <a:br>
               <a:rPr lang="en-US" altLang="zh-CN" sz="1400">
-                <a:latin typeface="微软雅黑" panose="020B0503020204020204" charset="-122"/>
-                <a:ea typeface="微软雅黑" panose="020B0503020204020204" charset="-122"/>
+                <a:latin typeface="微软雅黑" panose="020B0503020204020204" pitchFamily="34" charset="-122"/>
+                <a:ea typeface="微软雅黑" panose="020B0503020204020204" pitchFamily="34" charset="-122"/>
               </a:rPr>
             </a:br>
             <a:r>
               <a:rPr lang="en-US" altLang="zh-CN" sz="1400">
-                <a:latin typeface="微软雅黑" panose="020B0503020204020204" charset="-122"/>
-                <a:ea typeface="微软雅黑" panose="020B0503020204020204" charset="-122"/>
+                <a:latin typeface="微软雅黑" panose="020B0503020204020204" pitchFamily="34" charset="-122"/>
+                <a:ea typeface="微软雅黑" panose="020B0503020204020204" pitchFamily="34" charset="-122"/>
               </a:rPr>
               <a:t>scss</a:t>
             </a:r>
             <a:br>
               <a:rPr lang="en-US" altLang="zh-CN" sz="1400">
-                <a:latin typeface="微软雅黑" panose="020B0503020204020204" charset="-122"/>
-                <a:ea typeface="微软雅黑" panose="020B0503020204020204" charset="-122"/>
+                <a:latin typeface="微软雅黑" panose="020B0503020204020204" pitchFamily="34" charset="-122"/>
+                <a:ea typeface="微软雅黑" panose="020B0503020204020204" pitchFamily="34" charset="-122"/>
               </a:rPr>
             </a:br>
             <a:br>
               <a:rPr lang="en-US" altLang="zh-CN" sz="1400">
-                <a:latin typeface="微软雅黑" panose="020B0503020204020204" charset="-122"/>
-                <a:ea typeface="微软雅黑" panose="020B0503020204020204" charset="-122"/>
+                <a:latin typeface="微软雅黑" panose="020B0503020204020204" pitchFamily="34" charset="-122"/>
+                <a:ea typeface="微软雅黑" panose="020B0503020204020204" pitchFamily="34" charset="-122"/>
               </a:rPr>
             </a:br>
             <a:r>
               <a:rPr lang="en-US" altLang="zh-CN" sz="1400">
-                <a:latin typeface="微软雅黑" panose="020B0503020204020204" charset="-122"/>
-                <a:ea typeface="微软雅黑" panose="020B0503020204020204" charset="-122"/>
+                <a:latin typeface="微软雅黑" panose="020B0503020204020204" pitchFamily="34" charset="-122"/>
+                <a:ea typeface="微软雅黑" panose="020B0503020204020204" pitchFamily="34" charset="-122"/>
               </a:rPr>
               <a:t>........</a:t>
             </a:r>
@@ -3487,11 +3532,15 @@
             <a:pPr algn="ctr"/>
             <a:r>
               <a:rPr lang="zh-CN" altLang="en-US" dirty="0">
-                <a:latin typeface="微软雅黑" panose="020B0503020204020204" charset="-122"/>
-                <a:ea typeface="微软雅黑" panose="020B0503020204020204" charset="-122"/>
+                <a:latin typeface="微软雅黑" panose="020B0503020204020204" pitchFamily="34" charset="-122"/>
+                <a:ea typeface="微软雅黑" panose="020B0503020204020204" pitchFamily="34" charset="-122"/>
               </a:rPr>
               <a:t>机构养老</a:t>
             </a:r>
+            <a:endParaRPr lang="zh-CN" altLang="en-US" dirty="0">
+              <a:latin typeface="微软雅黑" panose="020B0503020204020204" pitchFamily="34" charset="-122"/>
+              <a:ea typeface="微软雅黑" panose="020B0503020204020204" pitchFamily="34" charset="-122"/>
+            </a:endParaRPr>
           </a:p>
         </p:txBody>
       </p:sp>
@@ -3536,11 +3585,15 @@
             <a:pPr algn="ctr"/>
             <a:r>
               <a:rPr lang="zh-CN" altLang="en-US">
-                <a:latin typeface="微软雅黑" panose="020B0503020204020204" charset="-122"/>
-                <a:ea typeface="微软雅黑" panose="020B0503020204020204" charset="-122"/>
+                <a:latin typeface="微软雅黑" panose="020B0503020204020204" pitchFamily="34" charset="-122"/>
+                <a:ea typeface="微软雅黑" panose="020B0503020204020204" pitchFamily="34" charset="-122"/>
               </a:rPr>
               <a:t>健康档案</a:t>
             </a:r>
+            <a:endParaRPr lang="zh-CN" altLang="en-US">
+              <a:latin typeface="微软雅黑" panose="020B0503020204020204" pitchFamily="34" charset="-122"/>
+              <a:ea typeface="微软雅黑" panose="020B0503020204020204" pitchFamily="34" charset="-122"/>
+            </a:endParaRPr>
           </a:p>
         </p:txBody>
       </p:sp>
@@ -3585,11 +3638,15 @@
             <a:pPr algn="ctr"/>
             <a:r>
               <a:rPr lang="zh-CN" altLang="en-US" dirty="0">
-                <a:latin typeface="微软雅黑" panose="020B0503020204020204" charset="-122"/>
-                <a:ea typeface="微软雅黑" panose="020B0503020204020204" charset="-122"/>
+                <a:latin typeface="微软雅黑" panose="020B0503020204020204" pitchFamily="34" charset="-122"/>
+                <a:ea typeface="微软雅黑" panose="020B0503020204020204" pitchFamily="34" charset="-122"/>
               </a:rPr>
               <a:t>社区居家</a:t>
             </a:r>
+            <a:endParaRPr lang="zh-CN" altLang="en-US" dirty="0">
+              <a:latin typeface="微软雅黑" panose="020B0503020204020204" pitchFamily="34" charset="-122"/>
+              <a:ea typeface="微软雅黑" panose="020B0503020204020204" pitchFamily="34" charset="-122"/>
+            </a:endParaRPr>
           </a:p>
         </p:txBody>
       </p:sp>
@@ -3670,66 +3727,66 @@
             <a:pPr algn="ctr"/>
             <a:r>
               <a:rPr lang="en-US" altLang="zh-CN" sz="1400" dirty="0" err="1">
-                <a:latin typeface="微软雅黑" panose="020B0503020204020204" charset="-122"/>
-                <a:ea typeface="微软雅黑" panose="020B0503020204020204" charset="-122"/>
+                <a:latin typeface="微软雅黑" panose="020B0503020204020204" pitchFamily="34" charset="-122"/>
+                <a:ea typeface="微软雅黑" panose="020B0503020204020204" pitchFamily="34" charset="-122"/>
               </a:rPr>
               <a:t>Vue+vue-router+Vuex</a:t>
             </a:r>
             <a:endParaRPr lang="en-US" altLang="zh-CN" sz="1400" dirty="0">
-              <a:latin typeface="微软雅黑" panose="020B0503020204020204" charset="-122"/>
-              <a:ea typeface="微软雅黑" panose="020B0503020204020204" charset="-122"/>
+              <a:latin typeface="微软雅黑" panose="020B0503020204020204" pitchFamily="34" charset="-122"/>
+              <a:ea typeface="微软雅黑" panose="020B0503020204020204" pitchFamily="34" charset="-122"/>
             </a:endParaRPr>
           </a:p>
           <a:p>
             <a:pPr algn="ctr"/>
             <a:br>
               <a:rPr lang="en-US" altLang="zh-CN" sz="1400" dirty="0">
-                <a:latin typeface="微软雅黑" panose="020B0503020204020204" charset="-122"/>
-                <a:ea typeface="微软雅黑" panose="020B0503020204020204" charset="-122"/>
+                <a:latin typeface="微软雅黑" panose="020B0503020204020204" pitchFamily="34" charset="-122"/>
+                <a:ea typeface="微软雅黑" panose="020B0503020204020204" pitchFamily="34" charset="-122"/>
               </a:rPr>
             </a:br>
             <a:r>
               <a:rPr lang="en-US" altLang="zh-CN" sz="1400" dirty="0">
-                <a:latin typeface="微软雅黑" panose="020B0503020204020204" charset="-122"/>
-                <a:ea typeface="微软雅黑" panose="020B0503020204020204" charset="-122"/>
+                <a:latin typeface="微软雅黑" panose="020B0503020204020204" pitchFamily="34" charset="-122"/>
+                <a:ea typeface="微软雅黑" panose="020B0503020204020204" pitchFamily="34" charset="-122"/>
               </a:rPr>
               <a:t>webpack@4</a:t>
             </a:r>
             <a:br>
               <a:rPr lang="en-US" altLang="zh-CN" sz="1400" dirty="0">
-                <a:latin typeface="微软雅黑" panose="020B0503020204020204" charset="-122"/>
-                <a:ea typeface="微软雅黑" panose="020B0503020204020204" charset="-122"/>
+                <a:latin typeface="微软雅黑" panose="020B0503020204020204" pitchFamily="34" charset="-122"/>
+                <a:ea typeface="微软雅黑" panose="020B0503020204020204" pitchFamily="34" charset="-122"/>
               </a:rPr>
             </a:br>
             <a:br>
               <a:rPr lang="en-US" altLang="zh-CN" sz="1400" dirty="0">
-                <a:latin typeface="微软雅黑" panose="020B0503020204020204" charset="-122"/>
-                <a:ea typeface="微软雅黑" panose="020B0503020204020204" charset="-122"/>
+                <a:latin typeface="微软雅黑" panose="020B0503020204020204" pitchFamily="34" charset="-122"/>
+                <a:ea typeface="微软雅黑" panose="020B0503020204020204" pitchFamily="34" charset="-122"/>
               </a:rPr>
             </a:br>
             <a:r>
               <a:rPr lang="en-US" altLang="zh-CN" sz="1400" dirty="0">
-                <a:latin typeface="微软雅黑" panose="020B0503020204020204" charset="-122"/>
-                <a:ea typeface="微软雅黑" panose="020B0503020204020204" charset="-122"/>
+                <a:latin typeface="微软雅黑" panose="020B0503020204020204" pitchFamily="34" charset="-122"/>
+                <a:ea typeface="微软雅黑" panose="020B0503020204020204" pitchFamily="34" charset="-122"/>
               </a:rPr>
               <a:t>less</a:t>
             </a:r>
             <a:br>
               <a:rPr lang="en-US" altLang="zh-CN" sz="1400" dirty="0">
-                <a:latin typeface="微软雅黑" panose="020B0503020204020204" charset="-122"/>
-                <a:ea typeface="微软雅黑" panose="020B0503020204020204" charset="-122"/>
+                <a:latin typeface="微软雅黑" panose="020B0503020204020204" pitchFamily="34" charset="-122"/>
+                <a:ea typeface="微软雅黑" panose="020B0503020204020204" pitchFamily="34" charset="-122"/>
               </a:rPr>
             </a:br>
             <a:br>
               <a:rPr lang="en-US" altLang="zh-CN" sz="1400" dirty="0">
-                <a:latin typeface="微软雅黑" panose="020B0503020204020204" charset="-122"/>
-                <a:ea typeface="微软雅黑" panose="020B0503020204020204" charset="-122"/>
+                <a:latin typeface="微软雅黑" panose="020B0503020204020204" pitchFamily="34" charset="-122"/>
+                <a:ea typeface="微软雅黑" panose="020B0503020204020204" pitchFamily="34" charset="-122"/>
               </a:rPr>
             </a:br>
             <a:r>
               <a:rPr lang="en-US" altLang="zh-CN" sz="1400" dirty="0">
-                <a:latin typeface="微软雅黑" panose="020B0503020204020204" charset="-122"/>
-                <a:ea typeface="微软雅黑" panose="020B0503020204020204" charset="-122"/>
+                <a:latin typeface="微软雅黑" panose="020B0503020204020204" pitchFamily="34" charset="-122"/>
+                <a:ea typeface="微软雅黑" panose="020B0503020204020204" pitchFamily="34" charset="-122"/>
               </a:rPr>
               <a:t>........</a:t>
             </a:r>
@@ -3781,11 +3838,15 @@
             <a:pPr algn="ctr"/>
             <a:r>
               <a:rPr lang="zh-CN" altLang="en-US">
-                <a:latin typeface="微软雅黑" panose="020B0503020204020204" charset="-122"/>
-                <a:ea typeface="微软雅黑" panose="020B0503020204020204" charset="-122"/>
+                <a:latin typeface="微软雅黑" panose="020B0503020204020204" pitchFamily="34" charset="-122"/>
+                <a:ea typeface="微软雅黑" panose="020B0503020204020204" pitchFamily="34" charset="-122"/>
               </a:rPr>
               <a:t>慢病管理</a:t>
             </a:r>
+            <a:endParaRPr lang="zh-CN" altLang="en-US">
+              <a:latin typeface="微软雅黑" panose="020B0503020204020204" pitchFamily="34" charset="-122"/>
+              <a:ea typeface="微软雅黑" panose="020B0503020204020204" pitchFamily="34" charset="-122"/>
+            </a:endParaRPr>
           </a:p>
         </p:txBody>
       </p:sp>
@@ -3861,11 +3922,15 @@
             <a:pPr algn="ctr"/>
             <a:r>
               <a:rPr lang="zh-CN" altLang="en-US" dirty="0">
-                <a:latin typeface="微软雅黑" panose="020B0503020204020204" charset="-122"/>
-                <a:ea typeface="微软雅黑" panose="020B0503020204020204" charset="-122"/>
+                <a:latin typeface="微软雅黑" panose="020B0503020204020204" pitchFamily="34" charset="-122"/>
+                <a:ea typeface="微软雅黑" panose="020B0503020204020204" pitchFamily="34" charset="-122"/>
               </a:rPr>
               <a:t>心理云</a:t>
             </a:r>
+            <a:endParaRPr lang="zh-CN" altLang="en-US" dirty="0">
+              <a:latin typeface="微软雅黑" panose="020B0503020204020204" pitchFamily="34" charset="-122"/>
+              <a:ea typeface="微软雅黑" panose="020B0503020204020204" pitchFamily="34" charset="-122"/>
+            </a:endParaRPr>
           </a:p>
         </p:txBody>
       </p:sp>
@@ -3905,11 +3970,15 @@
             <a:pPr algn="ctr"/>
             <a:r>
               <a:rPr lang="zh-CN" altLang="en-US" dirty="0">
-                <a:latin typeface="微软雅黑" panose="020B0503020204020204" charset="-122"/>
-                <a:ea typeface="微软雅黑" panose="020B0503020204020204" charset="-122"/>
+                <a:latin typeface="微软雅黑" panose="020B0503020204020204" pitchFamily="34" charset="-122"/>
+                <a:ea typeface="微软雅黑" panose="020B0503020204020204" pitchFamily="34" charset="-122"/>
               </a:rPr>
               <a:t>舌诊</a:t>
             </a:r>
+            <a:endParaRPr lang="zh-CN" altLang="en-US" dirty="0">
+              <a:latin typeface="微软雅黑" panose="020B0503020204020204" pitchFamily="34" charset="-122"/>
+              <a:ea typeface="微软雅黑" panose="020B0503020204020204" pitchFamily="34" charset="-122"/>
+            </a:endParaRPr>
           </a:p>
         </p:txBody>
       </p:sp>
@@ -4008,11 +4077,18 @@
                 <a:solidFill>
                   <a:schemeClr val="bg1"/>
                 </a:solidFill>
-                <a:latin typeface="微软雅黑" panose="020B0503020204020204" charset="-122"/>
-                <a:ea typeface="微软雅黑" panose="020B0503020204020204" charset="-122"/>
+                <a:latin typeface="微软雅黑" panose="020B0503020204020204" pitchFamily="34" charset="-122"/>
+                <a:ea typeface="微软雅黑" panose="020B0503020204020204" pitchFamily="34" charset="-122"/>
               </a:rPr>
               <a:t>子应用</a:t>
             </a:r>
+            <a:endParaRPr lang="zh-CN" altLang="en-US" sz="1600">
+              <a:solidFill>
+                <a:schemeClr val="bg1"/>
+              </a:solidFill>
+              <a:latin typeface="微软雅黑" panose="020B0503020204020204" pitchFamily="34" charset="-122"/>
+              <a:ea typeface="微软雅黑" panose="020B0503020204020204" pitchFamily="34" charset="-122"/>
+            </a:endParaRPr>
           </a:p>
         </p:txBody>
       </p:sp>
@@ -4043,11 +4119,18 @@
                 <a:solidFill>
                   <a:schemeClr val="bg1"/>
                 </a:solidFill>
-                <a:latin typeface="微软雅黑" panose="020B0503020204020204" charset="-122"/>
-                <a:ea typeface="微软雅黑" panose="020B0503020204020204" charset="-122"/>
+                <a:latin typeface="微软雅黑" panose="020B0503020204020204" pitchFamily="34" charset="-122"/>
+                <a:ea typeface="微软雅黑" panose="020B0503020204020204" pitchFamily="34" charset="-122"/>
               </a:rPr>
               <a:t>子应用</a:t>
             </a:r>
+            <a:endParaRPr lang="zh-CN" altLang="en-US" sz="1200">
+              <a:solidFill>
+                <a:schemeClr val="bg1"/>
+              </a:solidFill>
+              <a:latin typeface="微软雅黑" panose="020B0503020204020204" pitchFamily="34" charset="-122"/>
+              <a:ea typeface="微软雅黑" panose="020B0503020204020204" pitchFamily="34" charset="-122"/>
+            </a:endParaRPr>
           </a:p>
         </p:txBody>
       </p:sp>
@@ -4078,11 +4161,18 @@
                 <a:solidFill>
                   <a:schemeClr val="bg1"/>
                 </a:solidFill>
-                <a:latin typeface="微软雅黑" panose="020B0503020204020204" charset="-122"/>
-                <a:ea typeface="微软雅黑" panose="020B0503020204020204" charset="-122"/>
+                <a:latin typeface="微软雅黑" panose="020B0503020204020204" pitchFamily="34" charset="-122"/>
+                <a:ea typeface="微软雅黑" panose="020B0503020204020204" pitchFamily="34" charset="-122"/>
               </a:rPr>
               <a:t>子应用</a:t>
             </a:r>
+            <a:endParaRPr lang="zh-CN" altLang="en-US" sz="1200">
+              <a:solidFill>
+                <a:schemeClr val="bg1"/>
+              </a:solidFill>
+              <a:latin typeface="微软雅黑" panose="020B0503020204020204" pitchFamily="34" charset="-122"/>
+              <a:ea typeface="微软雅黑" panose="020B0503020204020204" pitchFamily="34" charset="-122"/>
+            </a:endParaRPr>
           </a:p>
         </p:txBody>
       </p:sp>
@@ -5562,13 +5652,7 @@
       </p:grpSpPr>
       <p:sp>
         <p:nvSpPr>
-          <p:cNvPr id="2" name="标题 1">
-            <a:extLst>
-              <a:ext uri="{FF2B5EF4-FFF2-40B4-BE49-F238E27FC236}">
-                <a16:creationId xmlns:a16="http://schemas.microsoft.com/office/drawing/2014/main" id="{9E2EC1F2-A3A5-4BEE-A9D2-0D4BCEBB11BC}"/>
-              </a:ext>
-            </a:extLst>
-          </p:cNvPr>
+          <p:cNvPr id="2" name="标题 1"/>
           <p:cNvSpPr>
             <a:spLocks noGrp="1"/>
           </p:cNvSpPr>
@@ -5591,18 +5675,19 @@
               </a:rPr>
               <a:t>微前端特点</a:t>
             </a:r>
+            <a:endParaRPr lang="zh-CN" altLang="en-US" sz="3200" dirty="0">
+              <a:solidFill>
+                <a:schemeClr val="bg1"/>
+              </a:solidFill>
+              <a:latin typeface="微软雅黑" panose="020B0503020204020204" pitchFamily="34" charset="-122"/>
+              <a:ea typeface="微软雅黑" panose="020B0503020204020204" pitchFamily="34" charset="-122"/>
+            </a:endParaRPr>
           </a:p>
         </p:txBody>
       </p:sp>
       <p:sp>
         <p:nvSpPr>
-          <p:cNvPr id="3" name="内容占位符 2">
-            <a:extLst>
-              <a:ext uri="{FF2B5EF4-FFF2-40B4-BE49-F238E27FC236}">
-                <a16:creationId xmlns:a16="http://schemas.microsoft.com/office/drawing/2014/main" id="{248FE100-6841-431B-BD88-6838ECCE2543}"/>
-              </a:ext>
-            </a:extLst>
-          </p:cNvPr>
+          <p:cNvPr id="3" name="内容占位符 2"/>
           <p:cNvSpPr>
             <a:spLocks noGrp="1"/>
           </p:cNvSpPr>
@@ -5630,6 +5715,13 @@
               </a:rPr>
               <a:t>单个前端部分可独立开发、测试和部署</a:t>
             </a:r>
+            <a:endParaRPr lang="zh-CN" altLang="en-US" dirty="0">
+              <a:solidFill>
+                <a:schemeClr val="bg1"/>
+              </a:solidFill>
+              <a:latin typeface="微软雅黑" panose="020B0503020204020204" pitchFamily="34" charset="-122"/>
+              <a:ea typeface="微软雅黑" panose="020B0503020204020204" pitchFamily="34" charset="-122"/>
+            </a:endParaRPr>
           </a:p>
           <a:p>
             <a:pPr>
@@ -5671,15 +5763,17 @@
               </a:rPr>
               <a:t>不同的前端部分可使用不同的技术构建</a:t>
             </a:r>
+            <a:endParaRPr lang="zh-CN" altLang="en-US" dirty="0">
+              <a:solidFill>
+                <a:schemeClr val="bg1"/>
+              </a:solidFill>
+              <a:latin typeface="微软雅黑" panose="020B0503020204020204" pitchFamily="34" charset="-122"/>
+              <a:ea typeface="微软雅黑" panose="020B0503020204020204" pitchFamily="34" charset="-122"/>
+            </a:endParaRPr>
           </a:p>
         </p:txBody>
       </p:sp>
     </p:spTree>
-    <p:extLst>
-      <p:ext uri="{BB962C8B-B14F-4D97-AF65-F5344CB8AC3E}">
-        <p14:creationId xmlns:p14="http://schemas.microsoft.com/office/powerpoint/2010/main" val="3912567686"/>
-      </p:ext>
-    </p:extLst>
   </p:cSld>
   <p:clrMapOvr>
     <a:masterClrMapping/>
@@ -6199,7 +6293,7 @@
           <p:nvPr/>
         </p:nvPicPr>
         <p:blipFill>
-          <a:blip r:embed="rId2"/>
+          <a:blip r:embed="rId1"/>
           <a:stretch>
             <a:fillRect/>
           </a:stretch>
@@ -6242,11 +6336,18 @@
                 <a:solidFill>
                   <a:schemeClr val="bg1"/>
                 </a:solidFill>
-                <a:latin typeface="微软雅黑" panose="020B0503020204020204" charset="-122"/>
-                <a:ea typeface="微软雅黑" panose="020B0503020204020204" charset="-122"/>
+                <a:latin typeface="微软雅黑" panose="020B0503020204020204" pitchFamily="34" charset="-122"/>
+                <a:ea typeface="微软雅黑" panose="020B0503020204020204" pitchFamily="34" charset="-122"/>
               </a:rPr>
               <a:t>参考资料：Florian Rappl</a:t>
             </a:r>
+            <a:endParaRPr lang="zh-CN" altLang="en-US" sz="1200">
+              <a:solidFill>
+                <a:schemeClr val="bg1"/>
+              </a:solidFill>
+              <a:latin typeface="微软雅黑" panose="020B0503020204020204" pitchFamily="34" charset="-122"/>
+              <a:ea typeface="微软雅黑" panose="020B0503020204020204" pitchFamily="34" charset="-122"/>
+            </a:endParaRPr>
           </a:p>
         </p:txBody>
       </p:sp>
@@ -6414,13 +6515,7 @@
       </p:grpSpPr>
       <p:sp>
         <p:nvSpPr>
-          <p:cNvPr id="6" name="文本框 5">
-            <a:extLst>
-              <a:ext uri="{FF2B5EF4-FFF2-40B4-BE49-F238E27FC236}">
-                <a16:creationId xmlns:a16="http://schemas.microsoft.com/office/drawing/2014/main" id="{EB52800B-2CFA-48AD-A27B-BDF2E323423C}"/>
-              </a:ext>
-            </a:extLst>
-          </p:cNvPr>
+          <p:cNvPr id="6" name="文本框 5"/>
           <p:cNvSpPr txBox="1"/>
           <p:nvPr/>
         </p:nvSpPr>
@@ -6455,15 +6550,17 @@
               </a:rPr>
               <a:t>使用微前端需要解决的主要问题以及解决方案</a:t>
             </a:r>
+            <a:endParaRPr lang="zh-CN" altLang="en-US" sz="4800" dirty="0">
+              <a:solidFill>
+                <a:schemeClr val="bg1"/>
+              </a:solidFill>
+              <a:latin typeface="微软雅黑" panose="020B0503020204020204" pitchFamily="34" charset="-122"/>
+              <a:ea typeface="微软雅黑" panose="020B0503020204020204" pitchFamily="34" charset="-122"/>
+            </a:endParaRPr>
           </a:p>
         </p:txBody>
       </p:sp>
     </p:spTree>
-    <p:extLst>
-      <p:ext uri="{BB962C8B-B14F-4D97-AF65-F5344CB8AC3E}">
-        <p14:creationId xmlns:p14="http://schemas.microsoft.com/office/powerpoint/2010/main" val="2781209025"/>
-      </p:ext>
-    </p:extLst>
   </p:cSld>
   <p:clrMapOvr>
     <a:masterClrMapping/>
@@ -6630,13 +6727,7 @@
       </p:grpSpPr>
       <p:sp>
         <p:nvSpPr>
-          <p:cNvPr id="2" name="标题 1">
-            <a:extLst>
-              <a:ext uri="{FF2B5EF4-FFF2-40B4-BE49-F238E27FC236}">
-                <a16:creationId xmlns:a16="http://schemas.microsoft.com/office/drawing/2014/main" id="{0C3E4319-CF48-4DDD-8168-EBCE0F634848}"/>
-              </a:ext>
-            </a:extLst>
-          </p:cNvPr>
+          <p:cNvPr id="2" name="标题 1"/>
           <p:cNvSpPr>
             <a:spLocks noGrp="1"/>
           </p:cNvSpPr>
@@ -6659,18 +6750,19 @@
               </a:rPr>
               <a:t>核心：技术栈无关</a:t>
             </a:r>
+            <a:endParaRPr lang="zh-CN" altLang="en-US" sz="3600" dirty="0">
+              <a:solidFill>
+                <a:schemeClr val="bg1"/>
+              </a:solidFill>
+              <a:latin typeface="微软雅黑" panose="020B0503020204020204" pitchFamily="34" charset="-122"/>
+              <a:ea typeface="微软雅黑" panose="020B0503020204020204" pitchFamily="34" charset="-122"/>
+            </a:endParaRPr>
           </a:p>
         </p:txBody>
       </p:sp>
       <p:sp>
         <p:nvSpPr>
-          <p:cNvPr id="3" name="内容占位符 2">
-            <a:extLst>
-              <a:ext uri="{FF2B5EF4-FFF2-40B4-BE49-F238E27FC236}">
-                <a16:creationId xmlns:a16="http://schemas.microsoft.com/office/drawing/2014/main" id="{3F2C35A7-66A6-4BF3-ACA2-3C5E17C26E9D}"/>
-              </a:ext>
-            </a:extLst>
-          </p:cNvPr>
+          <p:cNvPr id="3" name="内容占位符 2"/>
           <p:cNvSpPr>
             <a:spLocks noGrp="1"/>
           </p:cNvSpPr>
@@ -6731,15 +6823,17 @@
               </a:rPr>
               <a:t>向前兼容：可接入新技术、面向未来</a:t>
             </a:r>
+            <a:endParaRPr lang="zh-CN" altLang="en-US" dirty="0">
+              <a:solidFill>
+                <a:schemeClr val="bg1"/>
+              </a:solidFill>
+              <a:latin typeface="微软雅黑" panose="020B0503020204020204" pitchFamily="34" charset="-122"/>
+              <a:ea typeface="微软雅黑" panose="020B0503020204020204" pitchFamily="34" charset="-122"/>
+            </a:endParaRPr>
           </a:p>
         </p:txBody>
       </p:sp>
     </p:spTree>
-    <p:extLst>
-      <p:ext uri="{BB962C8B-B14F-4D97-AF65-F5344CB8AC3E}">
-        <p14:creationId xmlns:p14="http://schemas.microsoft.com/office/powerpoint/2010/main" val="130707163"/>
-      </p:ext>
-    </p:extLst>
   </p:cSld>
   <p:clrMapOvr>
     <a:masterClrMapping/>
@@ -7334,6 +7428,7 @@
               <a:rPr lang="en-US" altLang="zh-CN" dirty="0"/>
               <a:t>Vue</a:t>
             </a:r>
+            <a:endParaRPr lang="en-US" altLang="zh-CN" dirty="0"/>
           </a:p>
           <a:p>
             <a:pPr algn="ctr"/>
@@ -7416,6 +7511,7 @@
               <a:rPr lang="en-US" altLang="zh-CN" dirty="0"/>
               <a:t>React</a:t>
             </a:r>
+            <a:endParaRPr lang="en-US" altLang="zh-CN" dirty="0"/>
           </a:p>
           <a:p>
             <a:pPr algn="ctr"/>
@@ -7427,6 +7523,7 @@
               <a:rPr lang="en-US" altLang="zh-CN" dirty="0"/>
               <a:t>Webpack@4</a:t>
             </a:r>
+            <a:endParaRPr lang="en-US" altLang="zh-CN" dirty="0"/>
           </a:p>
           <a:p>
             <a:pPr algn="ctr"/>
@@ -7434,6 +7531,7 @@
               <a:rPr lang="en-US" altLang="zh-CN" dirty="0"/>
               <a:t>CSS Modules</a:t>
             </a:r>
+            <a:endParaRPr lang="en-US" altLang="zh-CN" dirty="0"/>
           </a:p>
           <a:p>
             <a:pPr algn="ctr"/>
@@ -7441,6 +7539,7 @@
               <a:rPr lang="en-US" altLang="zh-CN" dirty="0"/>
               <a:t>JSX</a:t>
             </a:r>
+            <a:endParaRPr lang="en-US" altLang="zh-CN" dirty="0"/>
           </a:p>
           <a:p>
             <a:pPr algn="ctr"/>
@@ -7448,6 +7547,7 @@
               <a:rPr lang="en-US" altLang="zh-CN" dirty="0"/>
               <a:t>React@16</a:t>
             </a:r>
+            <a:endParaRPr lang="en-US" altLang="zh-CN" dirty="0"/>
           </a:p>
         </p:txBody>
       </p:sp>
@@ -7497,6 +7597,7 @@
               <a:rPr lang="en-US" altLang="zh-CN" dirty="0"/>
               <a:t>Angular</a:t>
             </a:r>
+            <a:endParaRPr lang="en-US" altLang="zh-CN" dirty="0"/>
           </a:p>
           <a:p>
             <a:pPr algn="ctr"/>
@@ -7508,6 +7609,7 @@
               <a:rPr lang="en-US" altLang="zh-CN" dirty="0"/>
               <a:t>Rx.js</a:t>
             </a:r>
+            <a:endParaRPr lang="en-US" altLang="zh-CN" dirty="0"/>
           </a:p>
           <a:p>
             <a:pPr algn="ctr"/>
@@ -7515,6 +7617,7 @@
               <a:rPr lang="en-US" altLang="zh-CN" dirty="0"/>
               <a:t>CSS</a:t>
             </a:r>
+            <a:endParaRPr lang="en-US" altLang="zh-CN" dirty="0"/>
           </a:p>
           <a:p>
             <a:pPr algn="ctr"/>
@@ -7522,6 +7625,7 @@
               <a:rPr lang="en-US" altLang="zh-CN" dirty="0"/>
               <a:t>angular@6</a:t>
             </a:r>
+            <a:endParaRPr lang="en-US" altLang="zh-CN" dirty="0"/>
           </a:p>
         </p:txBody>
       </p:sp>
@@ -7552,8 +7656,8 @@
                 <a:solidFill>
                   <a:schemeClr val="bg1"/>
                 </a:solidFill>
-                <a:latin typeface="微软雅黑" panose="020B0503020204020204" charset="-122"/>
-                <a:ea typeface="微软雅黑" panose="020B0503020204020204" charset="-122"/>
+                <a:latin typeface="微软雅黑" panose="020B0503020204020204" pitchFamily="34" charset="-122"/>
+                <a:ea typeface="微软雅黑" panose="020B0503020204020204" pitchFamily="34" charset="-122"/>
               </a:rPr>
               <a:t>项目</a:t>
             </a:r>
@@ -7562,8 +7666,8 @@
                 <a:solidFill>
                   <a:schemeClr val="bg1"/>
                 </a:solidFill>
-                <a:latin typeface="微软雅黑" panose="020B0503020204020204" charset="-122"/>
-                <a:ea typeface="微软雅黑" panose="020B0503020204020204" charset="-122"/>
+                <a:latin typeface="微软雅黑" panose="020B0503020204020204" pitchFamily="34" charset="-122"/>
+                <a:ea typeface="微软雅黑" panose="020B0503020204020204" pitchFamily="34" charset="-122"/>
               </a:rPr>
               <a:t>A</a:t>
             </a:r>
@@ -7572,11 +7676,18 @@
                 <a:solidFill>
                   <a:schemeClr val="bg1"/>
                 </a:solidFill>
-                <a:latin typeface="微软雅黑" panose="020B0503020204020204" charset="-122"/>
-                <a:ea typeface="微软雅黑" panose="020B0503020204020204" charset="-122"/>
+                <a:latin typeface="微软雅黑" panose="020B0503020204020204" pitchFamily="34" charset="-122"/>
+                <a:ea typeface="微软雅黑" panose="020B0503020204020204" pitchFamily="34" charset="-122"/>
               </a:rPr>
               <a:t>（作为主应用）</a:t>
             </a:r>
+            <a:endParaRPr lang="zh-CN" altLang="en-US" sz="1600" b="1">
+              <a:solidFill>
+                <a:schemeClr val="bg1"/>
+              </a:solidFill>
+              <a:latin typeface="微软雅黑" panose="020B0503020204020204" pitchFamily="34" charset="-122"/>
+              <a:ea typeface="微软雅黑" panose="020B0503020204020204" pitchFamily="34" charset="-122"/>
+            </a:endParaRPr>
           </a:p>
         </p:txBody>
       </p:sp>
@@ -7607,8 +7718,8 @@
                 <a:solidFill>
                   <a:schemeClr val="bg1"/>
                 </a:solidFill>
-                <a:latin typeface="微软雅黑" panose="020B0503020204020204" charset="-122"/>
-                <a:ea typeface="微软雅黑" panose="020B0503020204020204" charset="-122"/>
+                <a:latin typeface="微软雅黑" panose="020B0503020204020204" pitchFamily="34" charset="-122"/>
+                <a:ea typeface="微软雅黑" panose="020B0503020204020204" pitchFamily="34" charset="-122"/>
               </a:rPr>
               <a:t>项目</a:t>
             </a:r>
@@ -7617,11 +7728,18 @@
                 <a:solidFill>
                   <a:schemeClr val="bg1"/>
                 </a:solidFill>
-                <a:latin typeface="微软雅黑" panose="020B0503020204020204" charset="-122"/>
-                <a:ea typeface="微软雅黑" panose="020B0503020204020204" charset="-122"/>
+                <a:latin typeface="微软雅黑" panose="020B0503020204020204" pitchFamily="34" charset="-122"/>
+                <a:ea typeface="微软雅黑" panose="020B0503020204020204" pitchFamily="34" charset="-122"/>
               </a:rPr>
               <a:t>C</a:t>
             </a:r>
+            <a:endParaRPr lang="en-US" altLang="zh-CN" sz="1600" b="1">
+              <a:solidFill>
+                <a:schemeClr val="bg1"/>
+              </a:solidFill>
+              <a:latin typeface="微软雅黑" panose="020B0503020204020204" pitchFamily="34" charset="-122"/>
+              <a:ea typeface="微软雅黑" panose="020B0503020204020204" pitchFamily="34" charset="-122"/>
+            </a:endParaRPr>
           </a:p>
         </p:txBody>
       </p:sp>
@@ -7652,8 +7770,8 @@
                 <a:solidFill>
                   <a:schemeClr val="bg1"/>
                 </a:solidFill>
-                <a:latin typeface="微软雅黑" panose="020B0503020204020204" charset="-122"/>
-                <a:ea typeface="微软雅黑" panose="020B0503020204020204" charset="-122"/>
+                <a:latin typeface="微软雅黑" panose="020B0503020204020204" pitchFamily="34" charset="-122"/>
+                <a:ea typeface="微软雅黑" panose="020B0503020204020204" pitchFamily="34" charset="-122"/>
               </a:rPr>
               <a:t>项目</a:t>
             </a:r>
@@ -7662,11 +7780,18 @@
                 <a:solidFill>
                   <a:schemeClr val="bg1"/>
                 </a:solidFill>
-                <a:latin typeface="微软雅黑" panose="020B0503020204020204" charset="-122"/>
-                <a:ea typeface="微软雅黑" panose="020B0503020204020204" charset="-122"/>
+                <a:latin typeface="微软雅黑" panose="020B0503020204020204" pitchFamily="34" charset="-122"/>
+                <a:ea typeface="微软雅黑" panose="020B0503020204020204" pitchFamily="34" charset="-122"/>
               </a:rPr>
               <a:t>B</a:t>
             </a:r>
+            <a:endParaRPr lang="en-US" altLang="zh-CN" sz="1600" b="1">
+              <a:solidFill>
+                <a:schemeClr val="bg1"/>
+              </a:solidFill>
+              <a:latin typeface="微软雅黑" panose="020B0503020204020204" pitchFamily="34" charset="-122"/>
+              <a:ea typeface="微软雅黑" panose="020B0503020204020204" pitchFamily="34" charset="-122"/>
+            </a:endParaRPr>
           </a:p>
         </p:txBody>
       </p:sp>
@@ -7705,13 +7830,7 @@
       </p:grpSpPr>
       <p:sp>
         <p:nvSpPr>
-          <p:cNvPr id="2" name="标题 1">
-            <a:extLst>
-              <a:ext uri="{FF2B5EF4-FFF2-40B4-BE49-F238E27FC236}">
-                <a16:creationId xmlns:a16="http://schemas.microsoft.com/office/drawing/2014/main" id="{D109FECE-4A6F-406D-951B-73BC6C848A0B}"/>
-              </a:ext>
-            </a:extLst>
-          </p:cNvPr>
+          <p:cNvPr id="2" name="标题 1"/>
           <p:cNvSpPr>
             <a:spLocks noGrp="1"/>
           </p:cNvSpPr>
@@ -7734,18 +7853,19 @@
               </a:rPr>
               <a:t>其他关键问题</a:t>
             </a:r>
+            <a:endParaRPr lang="zh-CN" altLang="en-US" sz="3600" dirty="0">
+              <a:solidFill>
+                <a:schemeClr val="bg1"/>
+              </a:solidFill>
+              <a:latin typeface="微软雅黑" panose="020B0503020204020204" pitchFamily="34" charset="-122"/>
+              <a:ea typeface="微软雅黑" panose="020B0503020204020204" pitchFamily="34" charset="-122"/>
+            </a:endParaRPr>
           </a:p>
         </p:txBody>
       </p:sp>
       <p:sp>
         <p:nvSpPr>
-          <p:cNvPr id="3" name="内容占位符 2">
-            <a:extLst>
-              <a:ext uri="{FF2B5EF4-FFF2-40B4-BE49-F238E27FC236}">
-                <a16:creationId xmlns:a16="http://schemas.microsoft.com/office/drawing/2014/main" id="{D2B5D9DB-99A9-440E-A6E3-84E29E25B8BE}"/>
-              </a:ext>
-            </a:extLst>
-          </p:cNvPr>
+          <p:cNvPr id="3" name="内容占位符 2"/>
           <p:cNvSpPr>
             <a:spLocks noGrp="1"/>
           </p:cNvSpPr>
@@ -7888,15 +8008,17 @@
               </a:rPr>
               <a:t>父子、子子应用的通讯</a:t>
             </a:r>
+            <a:endParaRPr lang="zh-CN" altLang="en-US" dirty="0">
+              <a:solidFill>
+                <a:schemeClr val="bg1"/>
+              </a:solidFill>
+              <a:latin typeface="微软雅黑" panose="020B0503020204020204" pitchFamily="34" charset="-122"/>
+              <a:ea typeface="微软雅黑" panose="020B0503020204020204" pitchFamily="34" charset="-122"/>
+            </a:endParaRPr>
           </a:p>
         </p:txBody>
       </p:sp>
     </p:spTree>
-    <p:extLst>
-      <p:ext uri="{BB962C8B-B14F-4D97-AF65-F5344CB8AC3E}">
-        <p14:creationId xmlns:p14="http://schemas.microsoft.com/office/powerpoint/2010/main" val="798900602"/>
-      </p:ext>
-    </p:extLst>
   </p:cSld>
   <p:clrMapOvr>
     <a:masterClrMapping/>
@@ -8754,13 +8876,7 @@
       </p:grpSpPr>
       <p:sp>
         <p:nvSpPr>
-          <p:cNvPr id="2" name="标题 1">
-            <a:extLst>
-              <a:ext uri="{FF2B5EF4-FFF2-40B4-BE49-F238E27FC236}">
-                <a16:creationId xmlns:a16="http://schemas.microsoft.com/office/drawing/2014/main" id="{AD27A789-F64E-44E5-8C80-B13DEC9ED90D}"/>
-              </a:ext>
-            </a:extLst>
-          </p:cNvPr>
+          <p:cNvPr id="2" name="标题 1"/>
           <p:cNvSpPr>
             <a:spLocks noGrp="1"/>
           </p:cNvSpPr>
@@ -8783,18 +8899,19 @@
               </a:rPr>
               <a:t>解决方案</a:t>
             </a:r>
+            <a:endParaRPr lang="zh-CN" altLang="en-US" sz="3600" dirty="0">
+              <a:solidFill>
+                <a:schemeClr val="bg1"/>
+              </a:solidFill>
+              <a:latin typeface="微软雅黑" panose="020B0503020204020204" pitchFamily="34" charset="-122"/>
+              <a:ea typeface="微软雅黑" panose="020B0503020204020204" pitchFamily="34" charset="-122"/>
+            </a:endParaRPr>
           </a:p>
         </p:txBody>
       </p:sp>
       <p:sp>
         <p:nvSpPr>
-          <p:cNvPr id="3" name="内容占位符 2">
-            <a:extLst>
-              <a:ext uri="{FF2B5EF4-FFF2-40B4-BE49-F238E27FC236}">
-                <a16:creationId xmlns:a16="http://schemas.microsoft.com/office/drawing/2014/main" id="{9AA08399-107E-4C58-AEA2-D1D51067B4DD}"/>
-              </a:ext>
-            </a:extLst>
-          </p:cNvPr>
+          <p:cNvPr id="3" name="内容占位符 2"/>
           <p:cNvSpPr>
             <a:spLocks noGrp="1"/>
           </p:cNvSpPr>
@@ -8807,7 +8924,7 @@
           <a:bodyPr/>
           <a:lstStyle/>
           <a:p>
-            <a:pPr marL="72000" indent="0">
+            <a:pPr marL="71755" indent="0">
               <a:lnSpc>
                 <a:spcPts val="2000"/>
               </a:lnSpc>
@@ -8826,9 +8943,16 @@
               </a:rPr>
               <a:t>· iframe</a:t>
             </a:r>
-          </a:p>
-          <a:p>
-            <a:pPr marL="72000" indent="0">
+            <a:endParaRPr lang="en-US" altLang="zh-CN" sz="1600" b="1" dirty="0">
+              <a:solidFill>
+                <a:schemeClr val="bg1"/>
+              </a:solidFill>
+              <a:latin typeface="微软雅黑" panose="020B0503020204020204" pitchFamily="34" charset="-122"/>
+              <a:ea typeface="微软雅黑" panose="020B0503020204020204" pitchFamily="34" charset="-122"/>
+            </a:endParaRPr>
+          </a:p>
+          <a:p>
+            <a:pPr marL="71755" indent="0">
               <a:lnSpc>
                 <a:spcPts val="2000"/>
               </a:lnSpc>
@@ -8946,7 +9070,7 @@
             </a:endParaRPr>
           </a:p>
           <a:p>
-            <a:pPr marL="72000" indent="0">
+            <a:pPr marL="71755" indent="0">
               <a:lnSpc>
                 <a:spcPts val="2000"/>
               </a:lnSpc>
@@ -8964,7 +9088,7 @@
             </a:endParaRPr>
           </a:p>
           <a:p>
-            <a:pPr marL="72000" indent="0">
+            <a:pPr marL="71755" indent="0">
               <a:lnSpc>
                 <a:spcPts val="2000"/>
               </a:lnSpc>
@@ -8983,9 +9107,16 @@
               </a:rPr>
               <a:t>· single-spa</a:t>
             </a:r>
-          </a:p>
-          <a:p>
-            <a:pPr marL="72000" indent="0">
+            <a:endParaRPr lang="en-US" altLang="zh-CN" sz="1600" b="1" dirty="0">
+              <a:solidFill>
+                <a:schemeClr val="bg1"/>
+              </a:solidFill>
+              <a:latin typeface="微软雅黑" panose="020B0503020204020204" pitchFamily="34" charset="-122"/>
+              <a:ea typeface="微软雅黑" panose="020B0503020204020204" pitchFamily="34" charset="-122"/>
+            </a:endParaRPr>
+          </a:p>
+          <a:p>
+            <a:pPr marL="71755" indent="0">
               <a:lnSpc>
                 <a:spcPts val="2000"/>
               </a:lnSpc>
@@ -9073,7 +9204,7 @@
             </a:endParaRPr>
           </a:p>
           <a:p>
-            <a:pPr marL="72000" indent="0">
+            <a:pPr marL="71755" indent="0">
               <a:lnSpc>
                 <a:spcPts val="2000"/>
               </a:lnSpc>
@@ -9091,7 +9222,7 @@
             </a:endParaRPr>
           </a:p>
           <a:p>
-            <a:pPr marL="72000" indent="0">
+            <a:pPr marL="71755" indent="0">
               <a:lnSpc>
                 <a:spcPts val="2000"/>
               </a:lnSpc>
@@ -9139,7 +9270,7 @@
             </a:endParaRPr>
           </a:p>
           <a:p>
-            <a:pPr marL="72000" indent="0">
+            <a:pPr marL="71755" indent="0">
               <a:lnSpc>
                 <a:spcPts val="2000"/>
               </a:lnSpc>
@@ -9251,11 +9382,6 @@
         </p:txBody>
       </p:sp>
     </p:spTree>
-    <p:extLst>
-      <p:ext uri="{BB962C8B-B14F-4D97-AF65-F5344CB8AC3E}">
-        <p14:creationId xmlns:p14="http://schemas.microsoft.com/office/powerpoint/2010/main" val="2126162999"/>
-      </p:ext>
-    </p:extLst>
   </p:cSld>
   <p:clrMapOvr>
     <a:masterClrMapping/>
@@ -10100,11 +10226,15 @@
             <a:pPr algn="ctr"/>
             <a:r>
               <a:rPr lang="zh-CN" altLang="en-US">
-                <a:latin typeface="微软雅黑" panose="020B0503020204020204" charset="-122"/>
-                <a:ea typeface="微软雅黑" panose="020B0503020204020204" charset="-122"/>
+                <a:latin typeface="微软雅黑" panose="020B0503020204020204" pitchFamily="34" charset="-122"/>
+                <a:ea typeface="微软雅黑" panose="020B0503020204020204" pitchFamily="34" charset="-122"/>
               </a:rPr>
               <a:t>主应用</a:t>
             </a:r>
+            <a:endParaRPr lang="zh-CN" altLang="en-US">
+              <a:latin typeface="微软雅黑" panose="020B0503020204020204" pitchFamily="34" charset="-122"/>
+              <a:ea typeface="微软雅黑" panose="020B0503020204020204" pitchFamily="34" charset="-122"/>
+            </a:endParaRPr>
           </a:p>
         </p:txBody>
       </p:sp>
@@ -10112,7 +10242,6 @@
         <p:nvCxnSpPr>
           <p:cNvPr id="3" name="直接箭头连接符 2"/>
           <p:cNvCxnSpPr>
-            <a:cxnSpLocks/>
             <a:stCxn id="2" idx="3"/>
             <a:endCxn id="2" idx="3"/>
           </p:cNvCxnSpPr>
@@ -10205,11 +10334,18 @@
                 <a:solidFill>
                   <a:schemeClr val="bg1"/>
                 </a:solidFill>
-                <a:latin typeface="微软雅黑" panose="020B0503020204020204" charset="-122"/>
-                <a:ea typeface="微软雅黑" panose="020B0503020204020204" charset="-122"/>
+                <a:latin typeface="微软雅黑" panose="020B0503020204020204" pitchFamily="34" charset="-122"/>
+                <a:ea typeface="微软雅黑" panose="020B0503020204020204" pitchFamily="34" charset="-122"/>
               </a:rPr>
               <a:t>/proj-1/*</a:t>
             </a:r>
+            <a:endParaRPr lang="en-US" altLang="zh-CN" sz="1600">
+              <a:solidFill>
+                <a:schemeClr val="bg1"/>
+              </a:solidFill>
+              <a:latin typeface="微软雅黑" panose="020B0503020204020204" pitchFamily="34" charset="-122"/>
+              <a:ea typeface="微软雅黑" panose="020B0503020204020204" pitchFamily="34" charset="-122"/>
+            </a:endParaRPr>
           </a:p>
         </p:txBody>
       </p:sp>
@@ -10240,11 +10376,18 @@
                 <a:solidFill>
                   <a:schemeClr val="bg1"/>
                 </a:solidFill>
-                <a:latin typeface="微软雅黑" panose="020B0503020204020204" charset="-122"/>
-                <a:ea typeface="微软雅黑" panose="020B0503020204020204" charset="-122"/>
+                <a:latin typeface="微软雅黑" panose="020B0503020204020204" pitchFamily="34" charset="-122"/>
+                <a:ea typeface="微软雅黑" panose="020B0503020204020204" pitchFamily="34" charset="-122"/>
               </a:rPr>
               <a:t>/proj-2/*</a:t>
             </a:r>
+            <a:endParaRPr lang="en-US" altLang="zh-CN" sz="1600">
+              <a:solidFill>
+                <a:schemeClr val="bg1"/>
+              </a:solidFill>
+              <a:latin typeface="微软雅黑" panose="020B0503020204020204" pitchFamily="34" charset="-122"/>
+              <a:ea typeface="微软雅黑" panose="020B0503020204020204" pitchFamily="34" charset="-122"/>
+            </a:endParaRPr>
           </a:p>
         </p:txBody>
       </p:sp>
@@ -10388,18 +10531,22 @@
             <a:pPr algn="ctr"/>
             <a:r>
               <a:rPr lang="zh-CN" altLang="en-US">
-                <a:latin typeface="微软雅黑" panose="020B0503020204020204" charset="-122"/>
-                <a:ea typeface="微软雅黑" panose="020B0503020204020204" charset="-122"/>
+                <a:latin typeface="微软雅黑" panose="020B0503020204020204" pitchFamily="34" charset="-122"/>
+                <a:ea typeface="微软雅黑" panose="020B0503020204020204" pitchFamily="34" charset="-122"/>
               </a:rPr>
               <a:t>应用</a:t>
             </a:r>
             <a:r>
               <a:rPr lang="en-US" altLang="zh-CN">
-                <a:latin typeface="微软雅黑" panose="020B0503020204020204" charset="-122"/>
-                <a:ea typeface="微软雅黑" panose="020B0503020204020204" charset="-122"/>
+                <a:latin typeface="微软雅黑" panose="020B0503020204020204" pitchFamily="34" charset="-122"/>
+                <a:ea typeface="微软雅黑" panose="020B0503020204020204" pitchFamily="34" charset="-122"/>
               </a:rPr>
               <a:t>1</a:t>
             </a:r>
+            <a:endParaRPr lang="en-US" altLang="zh-CN">
+              <a:latin typeface="微软雅黑" panose="020B0503020204020204" pitchFamily="34" charset="-122"/>
+              <a:ea typeface="微软雅黑" panose="020B0503020204020204" pitchFamily="34" charset="-122"/>
+            </a:endParaRPr>
           </a:p>
         </p:txBody>
       </p:sp>
@@ -10447,18 +10594,22 @@
             <a:pPr algn="ctr"/>
             <a:r>
               <a:rPr lang="zh-CN" altLang="en-US">
-                <a:latin typeface="微软雅黑" panose="020B0503020204020204" charset="-122"/>
-                <a:ea typeface="微软雅黑" panose="020B0503020204020204" charset="-122"/>
+                <a:latin typeface="微软雅黑" panose="020B0503020204020204" pitchFamily="34" charset="-122"/>
+                <a:ea typeface="微软雅黑" panose="020B0503020204020204" pitchFamily="34" charset="-122"/>
               </a:rPr>
               <a:t>应用</a:t>
             </a:r>
             <a:r>
               <a:rPr lang="en-US" altLang="zh-CN">
-                <a:latin typeface="微软雅黑" panose="020B0503020204020204" charset="-122"/>
-                <a:ea typeface="微软雅黑" panose="020B0503020204020204" charset="-122"/>
+                <a:latin typeface="微软雅黑" panose="020B0503020204020204" pitchFamily="34" charset="-122"/>
+                <a:ea typeface="微软雅黑" panose="020B0503020204020204" pitchFamily="34" charset="-122"/>
               </a:rPr>
               <a:t>2</a:t>
             </a:r>
+            <a:endParaRPr lang="en-US" altLang="zh-CN">
+              <a:latin typeface="微软雅黑" panose="020B0503020204020204" pitchFamily="34" charset="-122"/>
+              <a:ea typeface="微软雅黑" panose="020B0503020204020204" pitchFamily="34" charset="-122"/>
+            </a:endParaRPr>
           </a:p>
         </p:txBody>
       </p:sp>
@@ -10506,31 +10657,43 @@
             <a:pPr algn="ctr"/>
             <a:r>
               <a:rPr lang="en-US" altLang="zh-CN" sz="1200">
-                <a:latin typeface="微软雅黑" panose="020B0503020204020204" charset="-122"/>
-                <a:ea typeface="微软雅黑" panose="020B0503020204020204" charset="-122"/>
+                <a:latin typeface="微软雅黑" panose="020B0503020204020204" pitchFamily="34" charset="-122"/>
+                <a:ea typeface="微软雅黑" panose="020B0503020204020204" pitchFamily="34" charset="-122"/>
               </a:rPr>
               <a:t>/proj-1/home</a:t>
             </a:r>
+            <a:endParaRPr lang="en-US" altLang="zh-CN" sz="1200">
+              <a:latin typeface="微软雅黑" panose="020B0503020204020204" pitchFamily="34" charset="-122"/>
+              <a:ea typeface="微软雅黑" panose="020B0503020204020204" pitchFamily="34" charset="-122"/>
+            </a:endParaRPr>
           </a:p>
           <a:p>
             <a:pPr algn="ctr"/>
             <a:r>
               <a:rPr lang="en-US" altLang="zh-CN" sz="1200">
-                <a:latin typeface="微软雅黑" panose="020B0503020204020204" charset="-122"/>
-                <a:ea typeface="微软雅黑" panose="020B0503020204020204" charset="-122"/>
+                <a:latin typeface="微软雅黑" panose="020B0503020204020204" pitchFamily="34" charset="-122"/>
+                <a:ea typeface="微软雅黑" panose="020B0503020204020204" pitchFamily="34" charset="-122"/>
               </a:rPr>
               <a:t>/proj-1/info</a:t>
             </a:r>
+            <a:endParaRPr lang="en-US" altLang="zh-CN" sz="1200">
+              <a:latin typeface="微软雅黑" panose="020B0503020204020204" pitchFamily="34" charset="-122"/>
+              <a:ea typeface="微软雅黑" panose="020B0503020204020204" pitchFamily="34" charset="-122"/>
+            </a:endParaRPr>
           </a:p>
           <a:p>
             <a:pPr algn="ctr"/>
             <a:r>
               <a:rPr lang="en-US" altLang="zh-CN" sz="1200">
-                <a:latin typeface="微软雅黑" panose="020B0503020204020204" charset="-122"/>
-                <a:ea typeface="微软雅黑" panose="020B0503020204020204" charset="-122"/>
+                <a:latin typeface="微软雅黑" panose="020B0503020204020204" pitchFamily="34" charset="-122"/>
+                <a:ea typeface="微软雅黑" panose="020B0503020204020204" pitchFamily="34" charset="-122"/>
               </a:rPr>
               <a:t>......</a:t>
             </a:r>
+            <a:endParaRPr lang="en-US" altLang="zh-CN" sz="1200">
+              <a:latin typeface="微软雅黑" panose="020B0503020204020204" pitchFamily="34" charset="-122"/>
+              <a:ea typeface="微软雅黑" panose="020B0503020204020204" pitchFamily="34" charset="-122"/>
+            </a:endParaRPr>
           </a:p>
         </p:txBody>
       </p:sp>
@@ -10578,43 +10741,49 @@
             <a:pPr algn="ctr"/>
             <a:r>
               <a:rPr lang="en-US" altLang="zh-CN" sz="1200">
-                <a:latin typeface="微软雅黑" panose="020B0503020204020204" charset="-122"/>
-                <a:ea typeface="微软雅黑" panose="020B0503020204020204" charset="-122"/>
+                <a:latin typeface="微软雅黑" panose="020B0503020204020204" pitchFamily="34" charset="-122"/>
+                <a:ea typeface="微软雅黑" panose="020B0503020204020204" pitchFamily="34" charset="-122"/>
               </a:rPr>
               <a:t>/proj-2/home</a:t>
             </a:r>
+            <a:endParaRPr lang="en-US" altLang="zh-CN" sz="1200">
+              <a:latin typeface="微软雅黑" panose="020B0503020204020204" pitchFamily="34" charset="-122"/>
+              <a:ea typeface="微软雅黑" panose="020B0503020204020204" pitchFamily="34" charset="-122"/>
+            </a:endParaRPr>
           </a:p>
           <a:p>
             <a:pPr algn="ctr"/>
             <a:r>
               <a:rPr lang="en-US" altLang="zh-CN" sz="1200">
-                <a:latin typeface="微软雅黑" panose="020B0503020204020204" charset="-122"/>
-                <a:ea typeface="微软雅黑" panose="020B0503020204020204" charset="-122"/>
+                <a:latin typeface="微软雅黑" panose="020B0503020204020204" pitchFamily="34" charset="-122"/>
+                <a:ea typeface="微软雅黑" panose="020B0503020204020204" pitchFamily="34" charset="-122"/>
               </a:rPr>
               <a:t>/proj-2/info</a:t>
             </a:r>
+            <a:endParaRPr lang="en-US" altLang="zh-CN" sz="1200">
+              <a:latin typeface="微软雅黑" panose="020B0503020204020204" pitchFamily="34" charset="-122"/>
+              <a:ea typeface="微软雅黑" panose="020B0503020204020204" pitchFamily="34" charset="-122"/>
+            </a:endParaRPr>
           </a:p>
           <a:p>
             <a:pPr algn="ctr"/>
             <a:r>
               <a:rPr lang="en-US" altLang="zh-CN" sz="1200">
-                <a:latin typeface="微软雅黑" panose="020B0503020204020204" charset="-122"/>
-                <a:ea typeface="微软雅黑" panose="020B0503020204020204" charset="-122"/>
+                <a:latin typeface="微软雅黑" panose="020B0503020204020204" pitchFamily="34" charset="-122"/>
+                <a:ea typeface="微软雅黑" panose="020B0503020204020204" pitchFamily="34" charset="-122"/>
               </a:rPr>
               <a:t>......</a:t>
             </a:r>
+            <a:endParaRPr lang="en-US" altLang="zh-CN" sz="1200">
+              <a:latin typeface="微软雅黑" panose="020B0503020204020204" pitchFamily="34" charset="-122"/>
+              <a:ea typeface="微软雅黑" panose="020B0503020204020204" pitchFamily="34" charset="-122"/>
+            </a:endParaRPr>
           </a:p>
         </p:txBody>
       </p:sp>
       <p:sp>
         <p:nvSpPr>
-          <p:cNvPr id="4" name="文本框 3">
-            <a:extLst>
-              <a:ext uri="{FF2B5EF4-FFF2-40B4-BE49-F238E27FC236}">
-                <a16:creationId xmlns:a16="http://schemas.microsoft.com/office/drawing/2014/main" id="{3677108E-910D-4AB5-A927-14C5BF726338}"/>
-              </a:ext>
-            </a:extLst>
-          </p:cNvPr>
+          <p:cNvPr id="4" name="文本框 3"/>
           <p:cNvSpPr txBox="1"/>
           <p:nvPr/>
         </p:nvSpPr>
@@ -10644,18 +10813,19 @@
               </a:rPr>
               <a:t>应用路由</a:t>
             </a:r>
+            <a:endParaRPr lang="zh-CN" altLang="en-US" sz="3600" dirty="0">
+              <a:solidFill>
+                <a:schemeClr val="bg1"/>
+              </a:solidFill>
+              <a:latin typeface="微软雅黑" panose="020B0503020204020204" pitchFamily="34" charset="-122"/>
+              <a:ea typeface="微软雅黑" panose="020B0503020204020204" pitchFamily="34" charset="-122"/>
+            </a:endParaRPr>
           </a:p>
         </p:txBody>
       </p:sp>
       <p:sp>
         <p:nvSpPr>
-          <p:cNvPr id="5" name="文本框 4">
-            <a:extLst>
-              <a:ext uri="{FF2B5EF4-FFF2-40B4-BE49-F238E27FC236}">
-                <a16:creationId xmlns:a16="http://schemas.microsoft.com/office/drawing/2014/main" id="{76DE27B8-D453-4E9C-AAA0-005D3A33AC54}"/>
-              </a:ext>
-            </a:extLst>
-          </p:cNvPr>
+          <p:cNvPr id="5" name="文本框 4"/>
           <p:cNvSpPr txBox="1"/>
           <p:nvPr/>
         </p:nvSpPr>
@@ -10715,6 +10885,13 @@
               </a:rPr>
               <a:t>的原始方案，包括路由劫持、路由切换、路由加载。</a:t>
             </a:r>
+            <a:endParaRPr lang="zh-CN" altLang="en-US" sz="2000" dirty="0">
+              <a:solidFill>
+                <a:schemeClr val="bg1"/>
+              </a:solidFill>
+              <a:latin typeface="微软雅黑" panose="020B0503020204020204" pitchFamily="34" charset="-122"/>
+              <a:ea typeface="微软雅黑" panose="020B0503020204020204" pitchFamily="34" charset="-122"/>
+            </a:endParaRPr>
           </a:p>
         </p:txBody>
       </p:sp>
@@ -11964,13 +12141,7 @@
       </p:grpSpPr>
       <p:sp>
         <p:nvSpPr>
-          <p:cNvPr id="5" name="文本框 4">
-            <a:extLst>
-              <a:ext uri="{FF2B5EF4-FFF2-40B4-BE49-F238E27FC236}">
-                <a16:creationId xmlns:a16="http://schemas.microsoft.com/office/drawing/2014/main" id="{C25C7AAF-9EFE-47E0-A947-2677A40D16FA}"/>
-              </a:ext>
-            </a:extLst>
-          </p:cNvPr>
+          <p:cNvPr id="5" name="文本框 4"/>
           <p:cNvSpPr txBox="1"/>
           <p:nvPr/>
         </p:nvSpPr>
@@ -12000,18 +12171,19 @@
               </a:rPr>
               <a:t>子应用生命周期</a:t>
             </a:r>
+            <a:endParaRPr lang="zh-CN" altLang="en-US" sz="3600" dirty="0">
+              <a:solidFill>
+                <a:schemeClr val="bg1"/>
+              </a:solidFill>
+              <a:latin typeface="微软雅黑" panose="020B0503020204020204" pitchFamily="34" charset="-122"/>
+              <a:ea typeface="微软雅黑" panose="020B0503020204020204" pitchFamily="34" charset="-122"/>
+            </a:endParaRPr>
           </a:p>
         </p:txBody>
       </p:sp>
       <p:sp>
         <p:nvSpPr>
-          <p:cNvPr id="8" name="文本框 7">
-            <a:extLst>
-              <a:ext uri="{FF2B5EF4-FFF2-40B4-BE49-F238E27FC236}">
-                <a16:creationId xmlns:a16="http://schemas.microsoft.com/office/drawing/2014/main" id="{F0F6A695-2507-46B0-9134-35E99D944440}"/>
-              </a:ext>
-            </a:extLst>
-          </p:cNvPr>
+          <p:cNvPr id="8" name="文本框 7"/>
           <p:cNvSpPr txBox="1"/>
           <p:nvPr/>
         </p:nvSpPr>
@@ -12151,18 +12323,19 @@
               </a:rPr>
               <a:t>就知道该如何去加载这个子应用。</a:t>
             </a:r>
+            <a:endParaRPr lang="zh-CN" altLang="en-US" sz="2000" dirty="0">
+              <a:solidFill>
+                <a:schemeClr val="bg1"/>
+              </a:solidFill>
+              <a:latin typeface="微软雅黑" panose="020B0503020204020204" pitchFamily="34" charset="-122"/>
+              <a:ea typeface="微软雅黑" panose="020B0503020204020204" pitchFamily="34" charset="-122"/>
+            </a:endParaRPr>
           </a:p>
         </p:txBody>
       </p:sp>
       <p:sp>
         <p:nvSpPr>
-          <p:cNvPr id="12" name="文本框 11">
-            <a:extLst>
-              <a:ext uri="{FF2B5EF4-FFF2-40B4-BE49-F238E27FC236}">
-                <a16:creationId xmlns:a16="http://schemas.microsoft.com/office/drawing/2014/main" id="{58633BBE-10D2-46E3-B636-5972B79C7132}"/>
-              </a:ext>
-            </a:extLst>
-          </p:cNvPr>
+          <p:cNvPr id="12" name="文本框 11"/>
           <p:cNvSpPr txBox="1"/>
           <p:nvPr/>
         </p:nvSpPr>
@@ -12192,72 +12365,6 @@
               </a:rPr>
               <a:t>export async function bootstrap() {</a:t>
             </a:r>
-          </a:p>
-          <a:p>
-            <a:r>
-              <a:rPr lang="en-US" altLang="zh-CN" sz="1600" dirty="0">
-                <a:solidFill>
-                  <a:schemeClr val="bg1"/>
-                </a:solidFill>
-                <a:latin typeface="Arial" panose="020B0604020202020204" pitchFamily="34" charset="0"/>
-                <a:cs typeface="Arial" panose="020B0604020202020204" pitchFamily="34" charset="0"/>
-              </a:rPr>
-              <a:t>  console.log("</a:t>
-            </a:r>
-            <a:r>
-              <a:rPr lang="en-US" altLang="zh-CN" sz="1600" dirty="0" err="1">
-                <a:solidFill>
-                  <a:schemeClr val="bg1"/>
-                </a:solidFill>
-                <a:latin typeface="Arial" panose="020B0604020202020204" pitchFamily="34" charset="0"/>
-                <a:cs typeface="Arial" panose="020B0604020202020204" pitchFamily="34" charset="0"/>
-              </a:rPr>
-              <a:t>vue</a:t>
-            </a:r>
-            <a:r>
-              <a:rPr lang="en-US" altLang="zh-CN" sz="1600" dirty="0">
-                <a:solidFill>
-                  <a:schemeClr val="bg1"/>
-                </a:solidFill>
-                <a:latin typeface="Arial" panose="020B0604020202020204" pitchFamily="34" charset="0"/>
-                <a:cs typeface="Arial" panose="020B0604020202020204" pitchFamily="34" charset="0"/>
-              </a:rPr>
-              <a:t> app </a:t>
-            </a:r>
-            <a:r>
-              <a:rPr lang="en-US" altLang="zh-CN" sz="1600" dirty="0" err="1">
-                <a:solidFill>
-                  <a:schemeClr val="bg1"/>
-                </a:solidFill>
-                <a:latin typeface="Arial" panose="020B0604020202020204" pitchFamily="34" charset="0"/>
-                <a:cs typeface="Arial" panose="020B0604020202020204" pitchFamily="34" charset="0"/>
-              </a:rPr>
-              <a:t>bootstraped</a:t>
-            </a:r>
-            <a:r>
-              <a:rPr lang="en-US" altLang="zh-CN" sz="1600" dirty="0">
-                <a:solidFill>
-                  <a:schemeClr val="bg1"/>
-                </a:solidFill>
-                <a:latin typeface="Arial" panose="020B0604020202020204" pitchFamily="34" charset="0"/>
-                <a:cs typeface="Arial" panose="020B0604020202020204" pitchFamily="34" charset="0"/>
-              </a:rPr>
-              <a:t>");</a:t>
-            </a:r>
-          </a:p>
-          <a:p>
-            <a:r>
-              <a:rPr lang="en-US" altLang="zh-CN" sz="1600" dirty="0">
-                <a:solidFill>
-                  <a:schemeClr val="bg1"/>
-                </a:solidFill>
-                <a:latin typeface="Arial" panose="020B0604020202020204" pitchFamily="34" charset="0"/>
-                <a:cs typeface="Arial" panose="020B0604020202020204" pitchFamily="34" charset="0"/>
-              </a:rPr>
-              <a:t>}</a:t>
-            </a:r>
-          </a:p>
-          <a:p>
             <a:endParaRPr lang="en-US" altLang="zh-CN" sz="1600" dirty="0">
               <a:solidFill>
                 <a:schemeClr val="bg1"/>
@@ -12275,10 +12382,18 @@
                 <a:latin typeface="Arial" panose="020B0604020202020204" pitchFamily="34" charset="0"/>
                 <a:cs typeface="Arial" panose="020B0604020202020204" pitchFamily="34" charset="0"/>
               </a:rPr>
-              <a:t>export async function mount(props) {</a:t>
-            </a:r>
-          </a:p>
-          <a:p>
+              <a:t>  console.log("</a:t>
+            </a:r>
+            <a:r>
+              <a:rPr lang="en-US" altLang="zh-CN" sz="1600" dirty="0" err="1">
+                <a:solidFill>
+                  <a:schemeClr val="bg1"/>
+                </a:solidFill>
+                <a:latin typeface="Arial" panose="020B0604020202020204" pitchFamily="34" charset="0"/>
+                <a:cs typeface="Arial" panose="020B0604020202020204" pitchFamily="34" charset="0"/>
+              </a:rPr>
+              <a:t>vue</a:t>
+            </a:r>
             <a:r>
               <a:rPr lang="en-US" altLang="zh-CN" sz="1600" dirty="0">
                 <a:solidFill>
@@ -12287,7 +12402,7 @@
                 <a:latin typeface="Arial" panose="020B0604020202020204" pitchFamily="34" charset="0"/>
                 <a:cs typeface="Arial" panose="020B0604020202020204" pitchFamily="34" charset="0"/>
               </a:rPr>
-              <a:t>  console.log("props from main framework", </a:t>
+              <a:t> app </a:t>
             </a:r>
             <a:r>
               <a:rPr lang="en-US" altLang="zh-CN" sz="1600" dirty="0" err="1">
@@ -12297,7 +12412,7 @@
                 <a:latin typeface="Arial" panose="020B0604020202020204" pitchFamily="34" charset="0"/>
                 <a:cs typeface="Arial" panose="020B0604020202020204" pitchFamily="34" charset="0"/>
               </a:rPr>
-              <a:t>props.data</a:t>
+              <a:t>bootstraped</a:t>
             </a:r>
             <a:r>
               <a:rPr lang="en-US" altLang="zh-CN" sz="1600" dirty="0">
@@ -12307,34 +12422,8 @@
                 <a:latin typeface="Arial" panose="020B0604020202020204" pitchFamily="34" charset="0"/>
                 <a:cs typeface="Arial" panose="020B0604020202020204" pitchFamily="34" charset="0"/>
               </a:rPr>
-              <a:t>);</a:t>
-            </a:r>
-          </a:p>
-          <a:p>
-            <a:r>
-              <a:rPr lang="en-US" altLang="zh-CN" sz="1600" dirty="0">
-                <a:solidFill>
-                  <a:schemeClr val="bg1"/>
-                </a:solidFill>
-                <a:latin typeface="Arial" panose="020B0604020202020204" pitchFamily="34" charset="0"/>
-                <a:cs typeface="Arial" panose="020B0604020202020204" pitchFamily="34" charset="0"/>
-              </a:rPr>
-              <a:t>  render(props);</a:t>
-            </a:r>
-          </a:p>
-          <a:p>
-            <a:r>
-              <a:rPr lang="en-US" altLang="zh-CN" sz="1600" dirty="0">
-                <a:solidFill>
-                  <a:schemeClr val="bg1"/>
-                </a:solidFill>
-                <a:latin typeface="Arial" panose="020B0604020202020204" pitchFamily="34" charset="0"/>
-                <a:cs typeface="Arial" panose="020B0604020202020204" pitchFamily="34" charset="0"/>
-              </a:rPr>
-              <a:t>}</a:t>
-            </a:r>
-          </a:p>
-          <a:p>
+              <a:t>");</a:t>
+            </a:r>
             <a:endParaRPr lang="en-US" altLang="zh-CN" sz="1600" dirty="0">
               <a:solidFill>
                 <a:schemeClr val="bg1"/>
@@ -12352,8 +12441,24 @@
                 <a:latin typeface="Arial" panose="020B0604020202020204" pitchFamily="34" charset="0"/>
                 <a:cs typeface="Arial" panose="020B0604020202020204" pitchFamily="34" charset="0"/>
               </a:rPr>
-              <a:t>export async function unmount() {</a:t>
-            </a:r>
+              <a:t>}</a:t>
+            </a:r>
+            <a:endParaRPr lang="en-US" altLang="zh-CN" sz="1600" dirty="0">
+              <a:solidFill>
+                <a:schemeClr val="bg1"/>
+              </a:solidFill>
+              <a:latin typeface="Arial" panose="020B0604020202020204" pitchFamily="34" charset="0"/>
+              <a:cs typeface="Arial" panose="020B0604020202020204" pitchFamily="34" charset="0"/>
+            </a:endParaRPr>
+          </a:p>
+          <a:p>
+            <a:endParaRPr lang="en-US" altLang="zh-CN" sz="1600" dirty="0">
+              <a:solidFill>
+                <a:schemeClr val="bg1"/>
+              </a:solidFill>
+              <a:latin typeface="Arial" panose="020B0604020202020204" pitchFamily="34" charset="0"/>
+              <a:cs typeface="Arial" panose="020B0604020202020204" pitchFamily="34" charset="0"/>
+            </a:endParaRPr>
           </a:p>
           <a:p>
             <a:r>
@@ -12364,7 +12469,26 @@
                 <a:latin typeface="Arial" panose="020B0604020202020204" pitchFamily="34" charset="0"/>
                 <a:cs typeface="Arial" panose="020B0604020202020204" pitchFamily="34" charset="0"/>
               </a:rPr>
-              <a:t>  console.log("</a:t>
+              <a:t>export async function mount(props) {</a:t>
+            </a:r>
+            <a:endParaRPr lang="en-US" altLang="zh-CN" sz="1600" dirty="0">
+              <a:solidFill>
+                <a:schemeClr val="bg1"/>
+              </a:solidFill>
+              <a:latin typeface="Arial" panose="020B0604020202020204" pitchFamily="34" charset="0"/>
+              <a:cs typeface="Arial" panose="020B0604020202020204" pitchFamily="34" charset="0"/>
+            </a:endParaRPr>
+          </a:p>
+          <a:p>
+            <a:r>
+              <a:rPr lang="en-US" altLang="zh-CN" sz="1600" dirty="0">
+                <a:solidFill>
+                  <a:schemeClr val="bg1"/>
+                </a:solidFill>
+                <a:latin typeface="Arial" panose="020B0604020202020204" pitchFamily="34" charset="0"/>
+                <a:cs typeface="Arial" panose="020B0604020202020204" pitchFamily="34" charset="0"/>
+              </a:rPr>
+              <a:t>  console.log("props from main framework", </a:t>
             </a:r>
             <a:r>
               <a:rPr lang="en-US" altLang="zh-CN" sz="1600" dirty="0" err="1">
@@ -12374,7 +12498,7 @@
                 <a:latin typeface="Arial" panose="020B0604020202020204" pitchFamily="34" charset="0"/>
                 <a:cs typeface="Arial" panose="020B0604020202020204" pitchFamily="34" charset="0"/>
               </a:rPr>
-              <a:t>vue</a:t>
+              <a:t>props.data</a:t>
             </a:r>
             <a:r>
               <a:rPr lang="en-US" altLang="zh-CN" sz="1600" dirty="0">
@@ -12384,8 +12508,120 @@
                 <a:latin typeface="Arial" panose="020B0604020202020204" pitchFamily="34" charset="0"/>
                 <a:cs typeface="Arial" panose="020B0604020202020204" pitchFamily="34" charset="0"/>
               </a:rPr>
+              <a:t>);</a:t>
+            </a:r>
+            <a:endParaRPr lang="en-US" altLang="zh-CN" sz="1600" dirty="0">
+              <a:solidFill>
+                <a:schemeClr val="bg1"/>
+              </a:solidFill>
+              <a:latin typeface="Arial" panose="020B0604020202020204" pitchFamily="34" charset="0"/>
+              <a:cs typeface="Arial" panose="020B0604020202020204" pitchFamily="34" charset="0"/>
+            </a:endParaRPr>
+          </a:p>
+          <a:p>
+            <a:r>
+              <a:rPr lang="en-US" altLang="zh-CN" sz="1600" dirty="0">
+                <a:solidFill>
+                  <a:schemeClr val="bg1"/>
+                </a:solidFill>
+                <a:latin typeface="Arial" panose="020B0604020202020204" pitchFamily="34" charset="0"/>
+                <a:cs typeface="Arial" panose="020B0604020202020204" pitchFamily="34" charset="0"/>
+              </a:rPr>
+              <a:t>  render(props);</a:t>
+            </a:r>
+            <a:endParaRPr lang="en-US" altLang="zh-CN" sz="1600" dirty="0">
+              <a:solidFill>
+                <a:schemeClr val="bg1"/>
+              </a:solidFill>
+              <a:latin typeface="Arial" panose="020B0604020202020204" pitchFamily="34" charset="0"/>
+              <a:cs typeface="Arial" panose="020B0604020202020204" pitchFamily="34" charset="0"/>
+            </a:endParaRPr>
+          </a:p>
+          <a:p>
+            <a:r>
+              <a:rPr lang="en-US" altLang="zh-CN" sz="1600" dirty="0">
+                <a:solidFill>
+                  <a:schemeClr val="bg1"/>
+                </a:solidFill>
+                <a:latin typeface="Arial" panose="020B0604020202020204" pitchFamily="34" charset="0"/>
+                <a:cs typeface="Arial" panose="020B0604020202020204" pitchFamily="34" charset="0"/>
+              </a:rPr>
+              <a:t>}</a:t>
+            </a:r>
+            <a:endParaRPr lang="en-US" altLang="zh-CN" sz="1600" dirty="0">
+              <a:solidFill>
+                <a:schemeClr val="bg1"/>
+              </a:solidFill>
+              <a:latin typeface="Arial" panose="020B0604020202020204" pitchFamily="34" charset="0"/>
+              <a:cs typeface="Arial" panose="020B0604020202020204" pitchFamily="34" charset="0"/>
+            </a:endParaRPr>
+          </a:p>
+          <a:p>
+            <a:endParaRPr lang="en-US" altLang="zh-CN" sz="1600" dirty="0">
+              <a:solidFill>
+                <a:schemeClr val="bg1"/>
+              </a:solidFill>
+              <a:latin typeface="Arial" panose="020B0604020202020204" pitchFamily="34" charset="0"/>
+              <a:cs typeface="Arial" panose="020B0604020202020204" pitchFamily="34" charset="0"/>
+            </a:endParaRPr>
+          </a:p>
+          <a:p>
+            <a:r>
+              <a:rPr lang="en-US" altLang="zh-CN" sz="1600" dirty="0">
+                <a:solidFill>
+                  <a:schemeClr val="bg1"/>
+                </a:solidFill>
+                <a:latin typeface="Arial" panose="020B0604020202020204" pitchFamily="34" charset="0"/>
+                <a:cs typeface="Arial" panose="020B0604020202020204" pitchFamily="34" charset="0"/>
+              </a:rPr>
+              <a:t>export async function unmount() {</a:t>
+            </a:r>
+            <a:endParaRPr lang="en-US" altLang="zh-CN" sz="1600" dirty="0">
+              <a:solidFill>
+                <a:schemeClr val="bg1"/>
+              </a:solidFill>
+              <a:latin typeface="Arial" panose="020B0604020202020204" pitchFamily="34" charset="0"/>
+              <a:cs typeface="Arial" panose="020B0604020202020204" pitchFamily="34" charset="0"/>
+            </a:endParaRPr>
+          </a:p>
+          <a:p>
+            <a:r>
+              <a:rPr lang="en-US" altLang="zh-CN" sz="1600" dirty="0">
+                <a:solidFill>
+                  <a:schemeClr val="bg1"/>
+                </a:solidFill>
+                <a:latin typeface="Arial" panose="020B0604020202020204" pitchFamily="34" charset="0"/>
+                <a:cs typeface="Arial" panose="020B0604020202020204" pitchFamily="34" charset="0"/>
+              </a:rPr>
+              <a:t>  console.log("</a:t>
+            </a:r>
+            <a:r>
+              <a:rPr lang="en-US" altLang="zh-CN" sz="1600" dirty="0" err="1">
+                <a:solidFill>
+                  <a:schemeClr val="bg1"/>
+                </a:solidFill>
+                <a:latin typeface="Arial" panose="020B0604020202020204" pitchFamily="34" charset="0"/>
+                <a:cs typeface="Arial" panose="020B0604020202020204" pitchFamily="34" charset="0"/>
+              </a:rPr>
+              <a:t>vue</a:t>
+            </a:r>
+            <a:r>
+              <a:rPr lang="en-US" altLang="zh-CN" sz="1600" dirty="0">
+                <a:solidFill>
+                  <a:schemeClr val="bg1"/>
+                </a:solidFill>
+                <a:latin typeface="Arial" panose="020B0604020202020204" pitchFamily="34" charset="0"/>
+                <a:cs typeface="Arial" panose="020B0604020202020204" pitchFamily="34" charset="0"/>
+              </a:rPr>
               <a:t> app unmounted");</a:t>
             </a:r>
+            <a:endParaRPr lang="en-US" altLang="zh-CN" sz="1600" dirty="0">
+              <a:solidFill>
+                <a:schemeClr val="bg1"/>
+              </a:solidFill>
+              <a:latin typeface="Arial" panose="020B0604020202020204" pitchFamily="34" charset="0"/>
+              <a:cs typeface="Arial" panose="020B0604020202020204" pitchFamily="34" charset="0"/>
+            </a:endParaRPr>
           </a:p>
           <a:p>
             <a:r>
@@ -12409,11 +12645,6 @@
         </p:txBody>
       </p:sp>
     </p:spTree>
-    <p:extLst>
-      <p:ext uri="{BB962C8B-B14F-4D97-AF65-F5344CB8AC3E}">
-        <p14:creationId xmlns:p14="http://schemas.microsoft.com/office/powerpoint/2010/main" val="3396814435"/>
-      </p:ext>
-    </p:extLst>
   </p:cSld>
   <p:clrMapOvr>
     <a:masterClrMapping/>
@@ -12762,13 +12993,7 @@
       </p:grpSpPr>
       <p:sp>
         <p:nvSpPr>
-          <p:cNvPr id="2" name="文本框 1">
-            <a:extLst>
-              <a:ext uri="{FF2B5EF4-FFF2-40B4-BE49-F238E27FC236}">
-                <a16:creationId xmlns:a16="http://schemas.microsoft.com/office/drawing/2014/main" id="{4CED8EFA-E71F-4A30-AEC8-24EAA0699078}"/>
-              </a:ext>
-            </a:extLst>
-          </p:cNvPr>
+          <p:cNvPr id="2" name="文本框 1"/>
           <p:cNvSpPr txBox="1"/>
           <p:nvPr/>
         </p:nvSpPr>
@@ -12828,13 +13053,7 @@
       </p:sp>
       <p:sp>
         <p:nvSpPr>
-          <p:cNvPr id="3" name="文本框 2">
-            <a:extLst>
-              <a:ext uri="{FF2B5EF4-FFF2-40B4-BE49-F238E27FC236}">
-                <a16:creationId xmlns:a16="http://schemas.microsoft.com/office/drawing/2014/main" id="{5EB93858-B761-404F-9B76-F49AFA6C5047}"/>
-              </a:ext>
-            </a:extLst>
-          </p:cNvPr>
+          <p:cNvPr id="3" name="文本框 2"/>
           <p:cNvSpPr txBox="1"/>
           <p:nvPr/>
         </p:nvSpPr>
@@ -12893,11 +13112,6 @@
         </p:txBody>
       </p:sp>
     </p:spTree>
-    <p:extLst>
-      <p:ext uri="{BB962C8B-B14F-4D97-AF65-F5344CB8AC3E}">
-        <p14:creationId xmlns:p14="http://schemas.microsoft.com/office/powerpoint/2010/main" val="298351135"/>
-      </p:ext>
-    </p:extLst>
   </p:cSld>
   <p:clrMapOvr>
     <a:masterClrMapping/>
@@ -13164,13 +13378,7 @@
       </p:grpSpPr>
       <p:sp>
         <p:nvSpPr>
-          <p:cNvPr id="5" name="文本框 4">
-            <a:extLst>
-              <a:ext uri="{FF2B5EF4-FFF2-40B4-BE49-F238E27FC236}">
-                <a16:creationId xmlns:a16="http://schemas.microsoft.com/office/drawing/2014/main" id="{C25C7AAF-9EFE-47E0-A947-2677A40D16FA}"/>
-              </a:ext>
-            </a:extLst>
-          </p:cNvPr>
+          <p:cNvPr id="5" name="文本框 4"/>
           <p:cNvSpPr txBox="1"/>
           <p:nvPr/>
         </p:nvSpPr>
@@ -13210,18 +13418,19 @@
               </a:rPr>
               <a:t>隔离</a:t>
             </a:r>
+            <a:endParaRPr lang="zh-CN" altLang="en-US" sz="3600" dirty="0">
+              <a:solidFill>
+                <a:schemeClr val="bg1"/>
+              </a:solidFill>
+              <a:latin typeface="微软雅黑" panose="020B0503020204020204" pitchFamily="34" charset="-122"/>
+              <a:ea typeface="微软雅黑" panose="020B0503020204020204" pitchFamily="34" charset="-122"/>
+            </a:endParaRPr>
           </a:p>
         </p:txBody>
       </p:sp>
       <p:sp>
         <p:nvSpPr>
-          <p:cNvPr id="8" name="文本框 7">
-            <a:extLst>
-              <a:ext uri="{FF2B5EF4-FFF2-40B4-BE49-F238E27FC236}">
-                <a16:creationId xmlns:a16="http://schemas.microsoft.com/office/drawing/2014/main" id="{F0F6A695-2507-46B0-9134-35E99D944440}"/>
-              </a:ext>
-            </a:extLst>
-          </p:cNvPr>
+          <p:cNvPr id="8" name="文本框 7"/>
           <p:cNvSpPr txBox="1"/>
           <p:nvPr/>
         </p:nvSpPr>
@@ -13311,18 +13520,19 @@
               </a:rPr>
               <a:t>上挂东西、修改东西和删除东西的时候，我们可以把这个操作记录下来。当我们恢复回外面的全局环境的时候，我们只需要反向执行之前的操作即可。</a:t>
             </a:r>
+            <a:endParaRPr lang="zh-CN" altLang="en-US" sz="2000" dirty="0">
+              <a:solidFill>
+                <a:schemeClr val="bg1"/>
+              </a:solidFill>
+              <a:latin typeface="微软雅黑" panose="020B0503020204020204" pitchFamily="34" charset="-122"/>
+              <a:ea typeface="微软雅黑" panose="020B0503020204020204" pitchFamily="34" charset="-122"/>
+            </a:endParaRPr>
           </a:p>
         </p:txBody>
       </p:sp>
       <p:sp>
         <p:nvSpPr>
-          <p:cNvPr id="2" name="矩形 1">
-            <a:extLst>
-              <a:ext uri="{FF2B5EF4-FFF2-40B4-BE49-F238E27FC236}">
-                <a16:creationId xmlns:a16="http://schemas.microsoft.com/office/drawing/2014/main" id="{DDB91BB9-B0F2-419A-B680-AF3922AF31C1}"/>
-              </a:ext>
-            </a:extLst>
-          </p:cNvPr>
+          <p:cNvPr id="2" name="矩形 1"/>
           <p:cNvSpPr/>
           <p:nvPr/>
         </p:nvSpPr>
@@ -13365,13 +13575,7 @@
       </p:sp>
       <p:sp>
         <p:nvSpPr>
-          <p:cNvPr id="3" name="矩形 2">
-            <a:extLst>
-              <a:ext uri="{FF2B5EF4-FFF2-40B4-BE49-F238E27FC236}">
-                <a16:creationId xmlns:a16="http://schemas.microsoft.com/office/drawing/2014/main" id="{E9480FE1-5B8B-4425-8D19-A1173797A730}"/>
-              </a:ext>
-            </a:extLst>
-          </p:cNvPr>
+          <p:cNvPr id="3" name="矩形 2"/>
           <p:cNvSpPr/>
           <p:nvPr/>
         </p:nvSpPr>
@@ -13421,13 +13625,7 @@
       </p:sp>
       <p:sp>
         <p:nvSpPr>
-          <p:cNvPr id="4" name="文本框 3">
-            <a:extLst>
-              <a:ext uri="{FF2B5EF4-FFF2-40B4-BE49-F238E27FC236}">
-                <a16:creationId xmlns:a16="http://schemas.microsoft.com/office/drawing/2014/main" id="{59767314-57A5-4FF1-B1FE-59AA0824DAD1}"/>
-              </a:ext>
-            </a:extLst>
-          </p:cNvPr>
+          <p:cNvPr id="4" name="文本框 3"/>
           <p:cNvSpPr txBox="1"/>
           <p:nvPr/>
         </p:nvSpPr>
@@ -13458,18 +13656,19 @@
               </a:rPr>
               <a:t>全局环境</a:t>
             </a:r>
+            <a:endParaRPr lang="zh-CN" altLang="en-US" sz="2000" dirty="0">
+              <a:solidFill>
+                <a:schemeClr val="bg1"/>
+              </a:solidFill>
+              <a:latin typeface="微软雅黑" panose="020B0503020204020204" pitchFamily="34" charset="-122"/>
+              <a:ea typeface="微软雅黑" panose="020B0503020204020204" pitchFamily="34" charset="-122"/>
+            </a:endParaRPr>
           </a:p>
         </p:txBody>
       </p:sp>
       <p:sp>
         <p:nvSpPr>
-          <p:cNvPr id="10" name="矩形 9">
-            <a:extLst>
-              <a:ext uri="{FF2B5EF4-FFF2-40B4-BE49-F238E27FC236}">
-                <a16:creationId xmlns:a16="http://schemas.microsoft.com/office/drawing/2014/main" id="{33C3AE52-DD1B-4E4D-A771-D6F1988472D0}"/>
-              </a:ext>
-            </a:extLst>
-          </p:cNvPr>
+          <p:cNvPr id="10" name="矩形 9"/>
           <p:cNvSpPr/>
           <p:nvPr/>
         </p:nvSpPr>
@@ -13532,13 +13731,7 @@
       </p:sp>
       <p:sp>
         <p:nvSpPr>
-          <p:cNvPr id="14" name="矩形 13">
-            <a:extLst>
-              <a:ext uri="{FF2B5EF4-FFF2-40B4-BE49-F238E27FC236}">
-                <a16:creationId xmlns:a16="http://schemas.microsoft.com/office/drawing/2014/main" id="{3B895D1F-ED2A-4F9C-9F2D-0304A9A4B9CC}"/>
-              </a:ext>
-            </a:extLst>
-          </p:cNvPr>
+          <p:cNvPr id="14" name="矩形 13"/>
           <p:cNvSpPr/>
           <p:nvPr/>
         </p:nvSpPr>
@@ -13593,13 +13786,7 @@
       </p:sp>
       <p:sp>
         <p:nvSpPr>
-          <p:cNvPr id="16" name="矩形 15">
-            <a:extLst>
-              <a:ext uri="{FF2B5EF4-FFF2-40B4-BE49-F238E27FC236}">
-                <a16:creationId xmlns:a16="http://schemas.microsoft.com/office/drawing/2014/main" id="{0F9E132C-139B-4819-A3F2-C0A92DE754D8}"/>
-              </a:ext>
-            </a:extLst>
-          </p:cNvPr>
+          <p:cNvPr id="16" name="矩形 15"/>
           <p:cNvSpPr/>
           <p:nvPr/>
         </p:nvSpPr>
@@ -13662,13 +13849,7 @@
       </p:sp>
       <p:sp>
         <p:nvSpPr>
-          <p:cNvPr id="18" name="矩形 17">
-            <a:extLst>
-              <a:ext uri="{FF2B5EF4-FFF2-40B4-BE49-F238E27FC236}">
-                <a16:creationId xmlns:a16="http://schemas.microsoft.com/office/drawing/2014/main" id="{4D8FA80C-DE8E-408C-984F-E22DE8DA1CA0}"/>
-              </a:ext>
-            </a:extLst>
-          </p:cNvPr>
+          <p:cNvPr id="18" name="矩形 17"/>
           <p:cNvSpPr/>
           <p:nvPr/>
         </p:nvSpPr>
@@ -13722,11 +13903,6 @@
         </p:txBody>
       </p:sp>
     </p:spTree>
-    <p:extLst>
-      <p:ext uri="{BB962C8B-B14F-4D97-AF65-F5344CB8AC3E}">
-        <p14:creationId xmlns:p14="http://schemas.microsoft.com/office/powerpoint/2010/main" val="3905707865"/>
-      </p:ext>
-    </p:extLst>
   </p:cSld>
   <p:clrMapOvr>
     <a:masterClrMapping/>
@@ -14567,13 +14743,7 @@
       </p:grpSpPr>
       <p:sp>
         <p:nvSpPr>
-          <p:cNvPr id="5" name="文本框 4">
-            <a:extLst>
-              <a:ext uri="{FF2B5EF4-FFF2-40B4-BE49-F238E27FC236}">
-                <a16:creationId xmlns:a16="http://schemas.microsoft.com/office/drawing/2014/main" id="{C25C7AAF-9EFE-47E0-A947-2677A40D16FA}"/>
-              </a:ext>
-            </a:extLst>
-          </p:cNvPr>
+          <p:cNvPr id="5" name="文本框 4"/>
           <p:cNvSpPr txBox="1"/>
           <p:nvPr/>
         </p:nvSpPr>
@@ -14607,7 +14777,6 @@
               <a:buSzTx/>
               <a:buFontTx/>
               <a:buNone/>
-              <a:tabLst/>
               <a:defRPr/>
             </a:pPr>
             <a:r>
@@ -14644,18 +14813,26 @@
               </a:rPr>
               <a:t>隔离</a:t>
             </a:r>
+            <a:endParaRPr kumimoji="0" lang="zh-CN" altLang="en-US" sz="3600" b="0" i="0" u="none" strike="noStrike" kern="1200" cap="none" spc="0" normalizeH="0" baseline="0" noProof="0" dirty="0">
+              <a:ln>
+                <a:noFill/>
+              </a:ln>
+              <a:solidFill>
+                <a:prstClr val="white"/>
+              </a:solidFill>
+              <a:effectLst/>
+              <a:uLnTx/>
+              <a:uFillTx/>
+              <a:latin typeface="微软雅黑" panose="020B0503020204020204" pitchFamily="34" charset="-122"/>
+              <a:ea typeface="微软雅黑" panose="020B0503020204020204" pitchFamily="34" charset="-122"/>
+              <a:cs typeface="+mn-cs"/>
+            </a:endParaRPr>
           </a:p>
         </p:txBody>
       </p:sp>
       <p:sp>
         <p:nvSpPr>
-          <p:cNvPr id="2" name="文本框 1">
-            <a:extLst>
-              <a:ext uri="{FF2B5EF4-FFF2-40B4-BE49-F238E27FC236}">
-                <a16:creationId xmlns:a16="http://schemas.microsoft.com/office/drawing/2014/main" id="{D82AC1B9-E7ED-46A9-BECB-FC6B0384BC30}"/>
-              </a:ext>
-            </a:extLst>
-          </p:cNvPr>
+          <p:cNvPr id="2" name="文本框 1"/>
           <p:cNvSpPr txBox="1"/>
           <p:nvPr/>
         </p:nvSpPr>
@@ -14792,6 +14969,13 @@
               </a:rPr>
               <a:t>    在单应用的模式下（仅有一个应用活跃的情况），可以动态去挂载和卸载样式，从而达到隔离样式的作用。</a:t>
             </a:r>
+            <a:endParaRPr lang="zh-CN" altLang="en-US" sz="1600" dirty="0">
+              <a:solidFill>
+                <a:schemeClr val="bg1"/>
+              </a:solidFill>
+              <a:latin typeface="微软雅黑" panose="020B0503020204020204" pitchFamily="34" charset="-122"/>
+              <a:ea typeface="微软雅黑" panose="020B0503020204020204" pitchFamily="34" charset="-122"/>
+            </a:endParaRPr>
           </a:p>
           <a:p>
             <a:pPr>
@@ -15063,15 +15247,17 @@
               </a:rPr>
               <a:t>值，从而达到这个选择器和标签是独一无二的特点。</a:t>
             </a:r>
+            <a:endParaRPr lang="zh-CN" altLang="en-US" sz="1600" dirty="0">
+              <a:solidFill>
+                <a:schemeClr val="bg1"/>
+              </a:solidFill>
+              <a:latin typeface="微软雅黑" panose="020B0503020204020204" pitchFamily="34" charset="-122"/>
+              <a:ea typeface="微软雅黑" panose="020B0503020204020204" pitchFamily="34" charset="-122"/>
+            </a:endParaRPr>
           </a:p>
         </p:txBody>
       </p:sp>
     </p:spTree>
-    <p:extLst>
-      <p:ext uri="{BB962C8B-B14F-4D97-AF65-F5344CB8AC3E}">
-        <p14:creationId xmlns:p14="http://schemas.microsoft.com/office/powerpoint/2010/main" val="2278349813"/>
-      </p:ext>
-    </p:extLst>
   </p:cSld>
   <p:clrMapOvr>
     <a:masterClrMapping/>
@@ -15238,13 +15424,7 @@
       </p:grpSpPr>
       <p:sp>
         <p:nvSpPr>
-          <p:cNvPr id="5" name="文本框 4">
-            <a:extLst>
-              <a:ext uri="{FF2B5EF4-FFF2-40B4-BE49-F238E27FC236}">
-                <a16:creationId xmlns:a16="http://schemas.microsoft.com/office/drawing/2014/main" id="{C25C7AAF-9EFE-47E0-A947-2677A40D16FA}"/>
-              </a:ext>
-            </a:extLst>
-          </p:cNvPr>
+          <p:cNvPr id="5" name="文本框 4"/>
           <p:cNvSpPr txBox="1"/>
           <p:nvPr/>
         </p:nvSpPr>
@@ -15278,7 +15458,6 @@
               <a:buSzTx/>
               <a:buFontTx/>
               <a:buNone/>
-              <a:tabLst/>
               <a:defRPr/>
             </a:pPr>
             <a:r>
@@ -15310,20 +15489,14 @@
       </p:sp>
       <p:sp>
         <p:nvSpPr>
-          <p:cNvPr id="2" name="文本框 1">
-            <a:extLst>
-              <a:ext uri="{FF2B5EF4-FFF2-40B4-BE49-F238E27FC236}">
-                <a16:creationId xmlns:a16="http://schemas.microsoft.com/office/drawing/2014/main" id="{D82AC1B9-E7ED-46A9-BECB-FC6B0384BC30}"/>
-              </a:ext>
-            </a:extLst>
-          </p:cNvPr>
+          <p:cNvPr id="2" name="文本框 1"/>
           <p:cNvSpPr txBox="1"/>
           <p:nvPr/>
         </p:nvSpPr>
         <p:spPr>
           <a:xfrm>
-            <a:off x="488302" y="1390261"/>
-            <a:ext cx="11215396" cy="1199174"/>
+            <a:off x="488302" y="1537581"/>
+            <a:ext cx="11215396" cy="1849120"/>
           </a:xfrm>
           <a:prstGeom prst="rect">
             <a:avLst/>
@@ -15336,9 +15509,92 @@
           </a:bodyPr>
           <a:lstStyle/>
           <a:p>
-            <a:pPr marL="0" marR="0" lvl="0" indent="0" algn="l" defTabSz="914400" rtl="0" eaLnBrk="1" fontAlgn="auto" latinLnBrk="0" hangingPunct="1">
+            <a:pPr marL="0" marR="0" lvl="0" indent="0" algn="l" defTabSz="914400" rtl="0" fontAlgn="auto">
               <a:lnSpc>
-                <a:spcPts val="2160"/>
+                <a:spcPts val="3460"/>
+              </a:lnSpc>
+              <a:spcBef>
+                <a:spcPts val="3000"/>
+              </a:spcBef>
+              <a:spcAft>
+                <a:spcPts val="0"/>
+              </a:spcAft>
+              <a:buClrTx/>
+              <a:buSzTx/>
+              <a:buFontTx/>
+              <a:buNone/>
+              <a:defRPr/>
+            </a:pPr>
+            <a:r>
+              <a:rPr kumimoji="0" lang="en-US" altLang="zh-CN" sz="1800" b="1" i="0" u="none" strike="noStrike" kern="1200" cap="none" spc="0" normalizeH="0" baseline="0" noProof="0" dirty="0">
+                <a:ln>
+                  <a:noFill/>
+                </a:ln>
+                <a:solidFill>
+                  <a:prstClr val="white"/>
+                </a:solidFill>
+                <a:effectLst/>
+                <a:uLnTx/>
+                <a:uFillTx/>
+                <a:latin typeface="微软雅黑" panose="020B0503020204020204" pitchFamily="34" charset="-122"/>
+                <a:ea typeface="微软雅黑" panose="020B0503020204020204" pitchFamily="34" charset="-122"/>
+                <a:cs typeface="+mn-cs"/>
+              </a:rPr>
+              <a:t>· </a:t>
+            </a:r>
+            <a:r>
+              <a:rPr kumimoji="0" lang="zh-CN" altLang="en-US" sz="1800" b="1" i="0" u="none" strike="noStrike" kern="1200" cap="none" spc="0" normalizeH="0" baseline="0" noProof="0" dirty="0">
+                <a:ln>
+                  <a:noFill/>
+                </a:ln>
+                <a:solidFill>
+                  <a:prstClr val="white"/>
+                </a:solidFill>
+                <a:effectLst/>
+                <a:uLnTx/>
+                <a:uFillTx/>
+                <a:latin typeface="微软雅黑" panose="020B0503020204020204" pitchFamily="34" charset="-122"/>
+                <a:ea typeface="微软雅黑" panose="020B0503020204020204" pitchFamily="34" charset="-122"/>
+                <a:cs typeface="+mn-cs"/>
+              </a:rPr>
+              <a:t>基于</a:t>
+            </a:r>
+            <a:r>
+              <a:rPr kumimoji="0" lang="en-US" altLang="zh-CN" sz="1800" b="1" i="0" u="none" strike="noStrike" kern="1200" cap="none" spc="0" normalizeH="0" baseline="0" noProof="0" dirty="0">
+                <a:ln>
+                  <a:noFill/>
+                </a:ln>
+                <a:solidFill>
+                  <a:prstClr val="white"/>
+                </a:solidFill>
+                <a:effectLst/>
+                <a:uLnTx/>
+                <a:uFillTx/>
+                <a:latin typeface="微软雅黑" panose="020B0503020204020204" pitchFamily="34" charset="-122"/>
+                <a:ea typeface="微软雅黑" panose="020B0503020204020204" pitchFamily="34" charset="-122"/>
+                <a:cs typeface="+mn-cs"/>
+              </a:rPr>
+              <a:t>URL</a:t>
+            </a:r>
+            <a:endParaRPr kumimoji="0" lang="en-US" altLang="zh-CN" sz="1800" b="1" i="0" u="none" strike="noStrike" kern="1200" cap="none" spc="0" normalizeH="0" baseline="0" noProof="0" dirty="0">
+              <a:ln>
+                <a:noFill/>
+              </a:ln>
+              <a:solidFill>
+                <a:prstClr val="white"/>
+              </a:solidFill>
+              <a:effectLst/>
+              <a:uLnTx/>
+              <a:uFillTx/>
+              <a:latin typeface="微软雅黑" panose="020B0503020204020204" pitchFamily="34" charset="-122"/>
+              <a:ea typeface="微软雅黑" panose="020B0503020204020204" pitchFamily="34" charset="-122"/>
+              <a:cs typeface="+mn-cs"/>
+            </a:endParaRPr>
+          </a:p>
+          <a:p>
+            <a:pPr marL="0" marR="0" lvl="0" indent="0" algn="l" defTabSz="914400" rtl="0" fontAlgn="auto">
+              <a:lnSpc>
+                <a:spcPts val="3460"/>
               </a:lnSpc>
               <a:spcBef>
                 <a:spcPts val="0"/>
@@ -15350,77 +15606,6 @@
               <a:buSzTx/>
               <a:buFontTx/>
               <a:buNone/>
-              <a:tabLst/>
-              <a:defRPr/>
-            </a:pPr>
-            <a:r>
-              <a:rPr kumimoji="0" lang="en-US" altLang="zh-CN" sz="1800" b="1" i="0" u="none" strike="noStrike" kern="1200" cap="none" spc="0" normalizeH="0" baseline="0" noProof="0" dirty="0">
-                <a:ln>
-                  <a:noFill/>
-                </a:ln>
-                <a:solidFill>
-                  <a:prstClr val="white"/>
-                </a:solidFill>
-                <a:effectLst/>
-                <a:uLnTx/>
-                <a:uFillTx/>
-                <a:latin typeface="微软雅黑" panose="020B0503020204020204" pitchFamily="34" charset="-122"/>
-                <a:ea typeface="微软雅黑" panose="020B0503020204020204" pitchFamily="34" charset="-122"/>
-                <a:cs typeface="+mn-cs"/>
-              </a:rPr>
-              <a:t>· </a:t>
-            </a:r>
-            <a:r>
-              <a:rPr kumimoji="0" lang="zh-CN" altLang="en-US" sz="1800" b="1" i="0" u="none" strike="noStrike" kern="1200" cap="none" spc="0" normalizeH="0" baseline="0" noProof="0" dirty="0">
-                <a:ln>
-                  <a:noFill/>
-                </a:ln>
-                <a:solidFill>
-                  <a:prstClr val="white"/>
-                </a:solidFill>
-                <a:effectLst/>
-                <a:uLnTx/>
-                <a:uFillTx/>
-                <a:latin typeface="微软雅黑" panose="020B0503020204020204" pitchFamily="34" charset="-122"/>
-                <a:ea typeface="微软雅黑" panose="020B0503020204020204" pitchFamily="34" charset="-122"/>
-                <a:cs typeface="+mn-cs"/>
-              </a:rPr>
-              <a:t>基于</a:t>
-            </a:r>
-            <a:r>
-              <a:rPr kumimoji="0" lang="en-US" altLang="zh-CN" sz="1800" b="1" i="0" u="none" strike="noStrike" kern="1200" cap="none" spc="0" normalizeH="0" baseline="0" noProof="0" dirty="0">
-                <a:ln>
-                  <a:noFill/>
-                </a:ln>
-                <a:solidFill>
-                  <a:prstClr val="white"/>
-                </a:solidFill>
-                <a:effectLst/>
-                <a:uLnTx/>
-                <a:uFillTx/>
-                <a:latin typeface="微软雅黑" panose="020B0503020204020204" pitchFamily="34" charset="-122"/>
-                <a:ea typeface="微软雅黑" panose="020B0503020204020204" pitchFamily="34" charset="-122"/>
-                <a:cs typeface="+mn-cs"/>
-              </a:rPr>
-              <a:t>URL</a:t>
-            </a:r>
-          </a:p>
-          <a:p>
-            <a:pPr marL="0" marR="0" lvl="0" indent="0" algn="l" defTabSz="914400" rtl="0" eaLnBrk="1" fontAlgn="auto" latinLnBrk="0" hangingPunct="1">
-              <a:lnSpc>
-                <a:spcPts val="2160"/>
-              </a:lnSpc>
-              <a:spcBef>
-                <a:spcPts val="0"/>
-              </a:spcBef>
-              <a:spcAft>
-                <a:spcPts val="0"/>
-              </a:spcAft>
-              <a:buClrTx/>
-              <a:buSzTx/>
-              <a:buFontTx/>
-              <a:buNone/>
-              <a:tabLst/>
               <a:defRPr/>
             </a:pPr>
             <a:r>
@@ -15490,9 +15675,9 @@
             </a:endParaRPr>
           </a:p>
           <a:p>
-            <a:pPr marL="0" marR="0" lvl="0" indent="0" algn="l" defTabSz="914400" rtl="0" eaLnBrk="1" fontAlgn="auto" latinLnBrk="0" hangingPunct="1">
+            <a:pPr marL="0" marR="0" lvl="0" indent="0" algn="l" defTabSz="914400" rtl="0" fontAlgn="auto">
               <a:lnSpc>
-                <a:spcPts val="2160"/>
+                <a:spcPts val="3460"/>
               </a:lnSpc>
               <a:spcBef>
                 <a:spcPts val="0"/>
@@ -15504,7 +15689,6 @@
               <a:buSzTx/>
               <a:buFontTx/>
               <a:buNone/>
-              <a:tabLst/>
               <a:defRPr/>
             </a:pPr>
             <a:r>
@@ -15524,11 +15708,25 @@
               </a:rPr>
               <a:t>· props</a:t>
             </a:r>
-          </a:p>
-          <a:p>
-            <a:pPr marL="0" marR="0" lvl="0" indent="0" algn="l" defTabSz="914400" rtl="0" eaLnBrk="1" fontAlgn="auto" latinLnBrk="0" hangingPunct="1">
+            <a:endParaRPr kumimoji="0" lang="en-US" altLang="zh-CN" sz="1800" b="1" i="0" u="none" strike="noStrike" kern="1200" cap="none" spc="0" normalizeH="0" baseline="0" noProof="0" dirty="0">
+              <a:ln>
+                <a:noFill/>
+              </a:ln>
+              <a:solidFill>
+                <a:prstClr val="white"/>
+              </a:solidFill>
+              <a:effectLst/>
+              <a:uLnTx/>
+              <a:uFillTx/>
+              <a:latin typeface="微软雅黑" panose="020B0503020204020204" pitchFamily="34" charset="-122"/>
+              <a:ea typeface="微软雅黑" panose="020B0503020204020204" pitchFamily="34" charset="-122"/>
+              <a:cs typeface="+mn-cs"/>
+            </a:endParaRPr>
+          </a:p>
+          <a:p>
+            <a:pPr marL="0" marR="0" lvl="0" indent="0" algn="l" defTabSz="914400" rtl="0" fontAlgn="auto">
               <a:lnSpc>
-                <a:spcPts val="2160"/>
+                <a:spcPts val="3460"/>
               </a:lnSpc>
               <a:spcBef>
                 <a:spcPts val="0"/>
@@ -15540,7 +15738,6 @@
               <a:buSzTx/>
               <a:buFontTx/>
               <a:buNone/>
-              <a:tabLst/>
               <a:defRPr/>
             </a:pPr>
             <a:r>
@@ -15662,15 +15859,24 @@
               </a:rPr>
               <a:t>。</a:t>
             </a:r>
+            <a:endParaRPr kumimoji="0" lang="zh-CN" altLang="en-US" sz="1600" b="0" i="0" u="none" strike="noStrike" kern="1200" cap="none" spc="0" normalizeH="0" baseline="0" noProof="0" dirty="0">
+              <a:ln>
+                <a:noFill/>
+              </a:ln>
+              <a:solidFill>
+                <a:prstClr val="white"/>
+              </a:solidFill>
+              <a:effectLst/>
+              <a:uLnTx/>
+              <a:uFillTx/>
+              <a:latin typeface="微软雅黑" panose="020B0503020204020204" pitchFamily="34" charset="-122"/>
+              <a:ea typeface="微软雅黑" panose="020B0503020204020204" pitchFamily="34" charset="-122"/>
+              <a:cs typeface="+mn-cs"/>
+            </a:endParaRPr>
           </a:p>
         </p:txBody>
       </p:sp>
     </p:spTree>
-    <p:extLst>
-      <p:ext uri="{BB962C8B-B14F-4D97-AF65-F5344CB8AC3E}">
-        <p14:creationId xmlns:p14="http://schemas.microsoft.com/office/powerpoint/2010/main" val="2403522303"/>
-      </p:ext>
-    </p:extLst>
   </p:cSld>
   <p:clrMapOvr>
     <a:masterClrMapping/>
@@ -15835,16 +16041,589 @@
           <a:chExt cx="0" cy="0"/>
         </a:xfrm>
       </p:grpSpPr>
+      <p:sp>
+        <p:nvSpPr>
+          <p:cNvPr id="2" name="文本框 1"/>
+          <p:cNvSpPr txBox="1"/>
+          <p:nvPr/>
+        </p:nvSpPr>
+        <p:spPr>
+          <a:xfrm>
+            <a:off x="2383155" y="2665730"/>
+            <a:ext cx="6888480" cy="874395"/>
+          </a:xfrm>
+          <a:prstGeom prst="rect">
+            <a:avLst/>
+          </a:prstGeom>
+          <a:noFill/>
+        </p:spPr>
+        <p:txBody>
+          <a:bodyPr wrap="none" rtlCol="0">
+            <a:spAutoFit/>
+          </a:bodyPr>
+          <a:p>
+            <a:r>
+              <a:rPr lang="zh-CN" altLang="en-US" sz="4800">
+                <a:solidFill>
+                  <a:schemeClr val="bg1"/>
+                </a:solidFill>
+                <a:latin typeface="微软雅黑" panose="020B0503020204020204" pitchFamily="34" charset="-122"/>
+                <a:ea typeface="微软雅黑" panose="020B0503020204020204" pitchFamily="34" charset="-122"/>
+              </a:rPr>
+              <a:t>落地集成需要解决的问题</a:t>
+            </a:r>
+            <a:endParaRPr lang="zh-CN" altLang="en-US" sz="4800">
+              <a:solidFill>
+                <a:schemeClr val="bg1"/>
+              </a:solidFill>
+              <a:latin typeface="微软雅黑" panose="020B0503020204020204" pitchFamily="34" charset="-122"/>
+              <a:ea typeface="微软雅黑" panose="020B0503020204020204" pitchFamily="34" charset="-122"/>
+            </a:endParaRPr>
+          </a:p>
+        </p:txBody>
+      </p:sp>
     </p:spTree>
-    <p:extLst>
-      <p:ext uri="{BB962C8B-B14F-4D97-AF65-F5344CB8AC3E}">
-        <p14:creationId xmlns:p14="http://schemas.microsoft.com/office/powerpoint/2010/main" val="1585188721"/>
-      </p:ext>
-    </p:extLst>
   </p:cSld>
   <p:clrMapOvr>
     <a:masterClrMapping/>
   </p:clrMapOvr>
+  <p:transition>
+    <p:fade/>
+  </p:transition>
+</p:sld>
+</file>
+
+<file path=ppt/slides/slide24.xml><?xml version="1.0" encoding="utf-8"?>
+<p:sld xmlns:a="http://schemas.openxmlformats.org/drawingml/2006/main" xmlns:r="http://schemas.openxmlformats.org/officeDocument/2006/relationships" xmlns:p="http://schemas.openxmlformats.org/presentationml/2006/main">
+  <p:cSld>
+    <p:bg>
+      <p:bgPr>
+        <a:solidFill>
+          <a:schemeClr val="tx2"/>
+        </a:solidFill>
+        <a:effectLst/>
+      </p:bgPr>
+    </p:bg>
+    <p:spTree>
+      <p:nvGrpSpPr>
+        <p:cNvPr id="1" name=""/>
+        <p:cNvGrpSpPr/>
+        <p:nvPr/>
+      </p:nvGrpSpPr>
+      <p:grpSpPr>
+        <a:xfrm>
+          <a:off x="0" y="0"/>
+          <a:ext cx="0" cy="0"/>
+          <a:chOff x="0" y="0"/>
+          <a:chExt cx="0" cy="0"/>
+        </a:xfrm>
+      </p:grpSpPr>
+      <p:sp>
+        <p:nvSpPr>
+          <p:cNvPr id="3" name="文本框 2"/>
+          <p:cNvSpPr txBox="1"/>
+          <p:nvPr/>
+        </p:nvSpPr>
+        <p:spPr>
+          <a:xfrm>
+            <a:off x="4707890" y="133350"/>
+            <a:ext cx="3027680" cy="613410"/>
+          </a:xfrm>
+          <a:prstGeom prst="rect">
+            <a:avLst/>
+          </a:prstGeom>
+          <a:noFill/>
+        </p:spPr>
+        <p:txBody>
+          <a:bodyPr wrap="none" rtlCol="0">
+            <a:spAutoFit/>
+          </a:bodyPr>
+          <a:p>
+            <a:r>
+              <a:rPr lang="zh-CN" altLang="en-US" sz="3200">
+                <a:solidFill>
+                  <a:schemeClr val="bg1"/>
+                </a:solidFill>
+                <a:latin typeface="微软雅黑" panose="020B0503020204020204" pitchFamily="34" charset="-122"/>
+                <a:ea typeface="微软雅黑" panose="020B0503020204020204" pitchFamily="34" charset="-122"/>
+              </a:rPr>
+              <a:t>路由模式的选择</a:t>
+            </a:r>
+            <a:endParaRPr lang="zh-CN" altLang="en-US" sz="3200">
+              <a:solidFill>
+                <a:schemeClr val="bg1"/>
+              </a:solidFill>
+              <a:latin typeface="微软雅黑" panose="020B0503020204020204" pitchFamily="34" charset="-122"/>
+              <a:ea typeface="微软雅黑" panose="020B0503020204020204" pitchFamily="34" charset="-122"/>
+            </a:endParaRPr>
+          </a:p>
+        </p:txBody>
+      </p:sp>
+      <p:sp>
+        <p:nvSpPr>
+          <p:cNvPr id="4" name="文本框 3"/>
+          <p:cNvSpPr txBox="1"/>
+          <p:nvPr/>
+        </p:nvSpPr>
+        <p:spPr>
+          <a:xfrm>
+            <a:off x="872490" y="1617980"/>
+            <a:ext cx="3162935" cy="384810"/>
+          </a:xfrm>
+          <a:prstGeom prst="rect">
+            <a:avLst/>
+          </a:prstGeom>
+          <a:noFill/>
+        </p:spPr>
+        <p:txBody>
+          <a:bodyPr wrap="none" rtlCol="0">
+            <a:spAutoFit/>
+          </a:bodyPr>
+          <a:p>
+            <a:r>
+              <a:rPr lang="zh-CN" altLang="en-US" b="1">
+                <a:solidFill>
+                  <a:schemeClr val="bg1"/>
+                </a:solidFill>
+                <a:latin typeface="微软雅黑" panose="020B0503020204020204" pitchFamily="34" charset="-122"/>
+                <a:ea typeface="微软雅黑" panose="020B0503020204020204" pitchFamily="34" charset="-122"/>
+              </a:rPr>
+              <a:t>∙ </a:t>
+            </a:r>
+            <a:r>
+              <a:rPr lang="zh-CN" altLang="en-US">
+                <a:solidFill>
+                  <a:schemeClr val="bg1"/>
+                </a:solidFill>
+                <a:latin typeface="微软雅黑" panose="020B0503020204020204" pitchFamily="34" charset="-122"/>
+                <a:ea typeface="微软雅黑" panose="020B0503020204020204" pitchFamily="34" charset="-122"/>
+              </a:rPr>
+              <a:t>主应用的路由是</a:t>
+            </a:r>
+            <a:r>
+              <a:rPr lang="en-US" altLang="zh-CN">
+                <a:solidFill>
+                  <a:schemeClr val="bg1"/>
+                </a:solidFill>
+                <a:latin typeface="微软雅黑" panose="020B0503020204020204" pitchFamily="34" charset="-122"/>
+                <a:ea typeface="微软雅黑" panose="020B0503020204020204" pitchFamily="34" charset="-122"/>
+              </a:rPr>
+              <a:t>history</a:t>
+            </a:r>
+            <a:r>
+              <a:rPr lang="zh-CN" altLang="en-US">
+                <a:solidFill>
+                  <a:schemeClr val="bg1"/>
+                </a:solidFill>
+                <a:latin typeface="微软雅黑" panose="020B0503020204020204" pitchFamily="34" charset="-122"/>
+                <a:ea typeface="微软雅黑" panose="020B0503020204020204" pitchFamily="34" charset="-122"/>
+              </a:rPr>
+              <a:t>模式</a:t>
+            </a:r>
+            <a:endParaRPr lang="zh-CN" altLang="en-US">
+              <a:solidFill>
+                <a:schemeClr val="bg1"/>
+              </a:solidFill>
+              <a:latin typeface="微软雅黑" panose="020B0503020204020204" pitchFamily="34" charset="-122"/>
+              <a:ea typeface="微软雅黑" panose="020B0503020204020204" pitchFamily="34" charset="-122"/>
+            </a:endParaRPr>
+          </a:p>
+        </p:txBody>
+      </p:sp>
+      <p:sp>
+        <p:nvSpPr>
+          <p:cNvPr id="5" name="文本框 4"/>
+          <p:cNvSpPr txBox="1"/>
+          <p:nvPr/>
+        </p:nvSpPr>
+        <p:spPr>
+          <a:xfrm>
+            <a:off x="872490" y="2483485"/>
+            <a:ext cx="2922905" cy="384810"/>
+          </a:xfrm>
+          <a:prstGeom prst="rect">
+            <a:avLst/>
+          </a:prstGeom>
+          <a:noFill/>
+        </p:spPr>
+        <p:txBody>
+          <a:bodyPr wrap="none" rtlCol="0">
+            <a:spAutoFit/>
+          </a:bodyPr>
+          <a:p>
+            <a:r>
+              <a:rPr lang="zh-CN" altLang="en-US" b="1">
+                <a:solidFill>
+                  <a:schemeClr val="bg1"/>
+                </a:solidFill>
+                <a:latin typeface="微软雅黑" panose="020B0503020204020204" pitchFamily="34" charset="-122"/>
+                <a:ea typeface="微软雅黑" panose="020B0503020204020204" pitchFamily="34" charset="-122"/>
+              </a:rPr>
+              <a:t>∙ </a:t>
+            </a:r>
+            <a:r>
+              <a:rPr lang="zh-CN" altLang="en-US">
+                <a:solidFill>
+                  <a:schemeClr val="bg1"/>
+                </a:solidFill>
+                <a:latin typeface="微软雅黑" panose="020B0503020204020204" pitchFamily="34" charset="-122"/>
+                <a:ea typeface="微软雅黑" panose="020B0503020204020204" pitchFamily="34" charset="-122"/>
+              </a:rPr>
+              <a:t>主应用的路由是</a:t>
+            </a:r>
+            <a:r>
+              <a:rPr lang="en-US" altLang="zh-CN">
+                <a:solidFill>
+                  <a:schemeClr val="bg1"/>
+                </a:solidFill>
+                <a:latin typeface="微软雅黑" panose="020B0503020204020204" pitchFamily="34" charset="-122"/>
+                <a:ea typeface="微软雅黑" panose="020B0503020204020204" pitchFamily="34" charset="-122"/>
+              </a:rPr>
+              <a:t>hash</a:t>
+            </a:r>
+            <a:r>
+              <a:rPr lang="zh-CN" altLang="en-US">
+                <a:solidFill>
+                  <a:schemeClr val="bg1"/>
+                </a:solidFill>
+                <a:latin typeface="微软雅黑" panose="020B0503020204020204" pitchFamily="34" charset="-122"/>
+                <a:ea typeface="微软雅黑" panose="020B0503020204020204" pitchFamily="34" charset="-122"/>
+              </a:rPr>
+              <a:t>模式</a:t>
+            </a:r>
+            <a:endParaRPr lang="zh-CN" altLang="en-US">
+              <a:solidFill>
+                <a:schemeClr val="bg1"/>
+              </a:solidFill>
+              <a:latin typeface="微软雅黑" panose="020B0503020204020204" pitchFamily="34" charset="-122"/>
+              <a:ea typeface="微软雅黑" panose="020B0503020204020204" pitchFamily="34" charset="-122"/>
+            </a:endParaRPr>
+          </a:p>
+        </p:txBody>
+      </p:sp>
+    </p:spTree>
+  </p:cSld>
+  <p:clrMapOvr>
+    <a:masterClrMapping/>
+  </p:clrMapOvr>
+  <p:transition>
+    <p:fade/>
+  </p:transition>
+</p:sld>
+</file>
+
+<file path=ppt/slides/slide25.xml><?xml version="1.0" encoding="utf-8"?>
+<p:sld xmlns:a="http://schemas.openxmlformats.org/drawingml/2006/main" xmlns:r="http://schemas.openxmlformats.org/officeDocument/2006/relationships" xmlns:p="http://schemas.openxmlformats.org/presentationml/2006/main">
+  <p:cSld>
+    <p:bg>
+      <p:bgPr>
+        <a:solidFill>
+          <a:schemeClr val="tx2"/>
+        </a:solidFill>
+        <a:effectLst/>
+      </p:bgPr>
+    </p:bg>
+    <p:spTree>
+      <p:nvGrpSpPr>
+        <p:cNvPr id="1" name=""/>
+        <p:cNvGrpSpPr/>
+        <p:nvPr/>
+      </p:nvGrpSpPr>
+      <p:grpSpPr>
+        <a:xfrm>
+          <a:off x="0" y="0"/>
+          <a:ext cx="0" cy="0"/>
+          <a:chOff x="0" y="0"/>
+          <a:chExt cx="0" cy="0"/>
+        </a:xfrm>
+      </p:grpSpPr>
+      <p:sp>
+        <p:nvSpPr>
+          <p:cNvPr id="3" name="文本框 2"/>
+          <p:cNvSpPr txBox="1"/>
+          <p:nvPr/>
+        </p:nvSpPr>
+        <p:spPr>
+          <a:xfrm>
+            <a:off x="4184015" y="140335"/>
+            <a:ext cx="4246880" cy="613410"/>
+          </a:xfrm>
+          <a:prstGeom prst="rect">
+            <a:avLst/>
+          </a:prstGeom>
+          <a:noFill/>
+        </p:spPr>
+        <p:txBody>
+          <a:bodyPr wrap="none" rtlCol="0">
+            <a:spAutoFit/>
+          </a:bodyPr>
+          <a:p>
+            <a:r>
+              <a:rPr lang="zh-CN" altLang="en-US" sz="3200">
+                <a:solidFill>
+                  <a:schemeClr val="bg1"/>
+                </a:solidFill>
+                <a:latin typeface="微软雅黑" panose="020B0503020204020204" pitchFamily="34" charset="-122"/>
+                <a:ea typeface="微软雅黑" panose="020B0503020204020204" pitchFamily="34" charset="-122"/>
+              </a:rPr>
+              <a:t>管理系统的内容区渲染</a:t>
+            </a:r>
+            <a:endParaRPr lang="zh-CN" altLang="en-US" sz="3200">
+              <a:solidFill>
+                <a:schemeClr val="bg1"/>
+              </a:solidFill>
+              <a:latin typeface="微软雅黑" panose="020B0503020204020204" pitchFamily="34" charset="-122"/>
+              <a:ea typeface="微软雅黑" panose="020B0503020204020204" pitchFamily="34" charset="-122"/>
+            </a:endParaRPr>
+          </a:p>
+        </p:txBody>
+      </p:sp>
+      <p:sp>
+        <p:nvSpPr>
+          <p:cNvPr id="4" name="文本框 3"/>
+          <p:cNvSpPr txBox="1"/>
+          <p:nvPr/>
+        </p:nvSpPr>
+        <p:spPr>
+          <a:xfrm>
+            <a:off x="751840" y="1141095"/>
+            <a:ext cx="10385425" cy="858520"/>
+          </a:xfrm>
+          <a:prstGeom prst="rect">
+            <a:avLst/>
+          </a:prstGeom>
+          <a:noFill/>
+        </p:spPr>
+        <p:txBody>
+          <a:bodyPr wrap="square" rtlCol="0">
+            <a:spAutoFit/>
+          </a:bodyPr>
+          <a:p>
+            <a:pPr fontAlgn="auto">
+              <a:lnSpc>
+                <a:spcPts val="3020"/>
+              </a:lnSpc>
+            </a:pPr>
+            <a:r>
+              <a:rPr lang="zh-CN" altLang="en-US" sz="1600">
+                <a:solidFill>
+                  <a:schemeClr val="bg1"/>
+                </a:solidFill>
+                <a:latin typeface="微软雅黑" panose="020B0503020204020204" pitchFamily="34" charset="-122"/>
+                <a:ea typeface="微软雅黑" panose="020B0503020204020204" pitchFamily="34" charset="-122"/>
+              </a:rPr>
+              <a:t>以后端管理系统为例，我们大多数情况下，在集成进其他子应用时，只需要渲染内容区部分，而侧边栏和头部部分应该是使用主应用的。</a:t>
+            </a:r>
+            <a:endParaRPr lang="zh-CN" altLang="en-US" sz="1600">
+              <a:solidFill>
+                <a:schemeClr val="bg1"/>
+              </a:solidFill>
+              <a:latin typeface="微软雅黑" panose="020B0503020204020204" pitchFamily="34" charset="-122"/>
+              <a:ea typeface="微软雅黑" panose="020B0503020204020204" pitchFamily="34" charset="-122"/>
+            </a:endParaRPr>
+          </a:p>
+        </p:txBody>
+      </p:sp>
+      <p:sp>
+        <p:nvSpPr>
+          <p:cNvPr id="2" name="矩形 1"/>
+          <p:cNvSpPr/>
+          <p:nvPr/>
+        </p:nvSpPr>
+        <p:spPr>
+          <a:xfrm>
+            <a:off x="892810" y="2236470"/>
+            <a:ext cx="9921875" cy="4473575"/>
+          </a:xfrm>
+          <a:prstGeom prst="rect">
+            <a:avLst/>
+          </a:prstGeom>
+        </p:spPr>
+        <p:style>
+          <a:lnRef idx="2">
+            <a:schemeClr val="accent1">
+              <a:shade val="50000"/>
+            </a:schemeClr>
+          </a:lnRef>
+          <a:fillRef idx="1">
+            <a:schemeClr val="accent1"/>
+          </a:fillRef>
+          <a:effectRef idx="0">
+            <a:schemeClr val="accent1"/>
+          </a:effectRef>
+          <a:fontRef idx="minor">
+            <a:schemeClr val="lt1"/>
+          </a:fontRef>
+        </p:style>
+        <p:txBody>
+          <a:bodyPr rtlCol="0" anchor="ctr"/>
+          <a:p>
+            <a:pPr algn="ctr"/>
+            <a:endParaRPr lang="zh-CN" altLang="en-US"/>
+          </a:p>
+        </p:txBody>
+      </p:sp>
+      <p:sp>
+        <p:nvSpPr>
+          <p:cNvPr id="6" name="矩形 5"/>
+          <p:cNvSpPr/>
+          <p:nvPr/>
+        </p:nvSpPr>
+        <p:spPr>
+          <a:xfrm>
+            <a:off x="959485" y="2323465"/>
+            <a:ext cx="1330960" cy="4293235"/>
+          </a:xfrm>
+          <a:prstGeom prst="rect">
+            <a:avLst/>
+          </a:prstGeom>
+        </p:spPr>
+        <p:style>
+          <a:lnRef idx="2">
+            <a:schemeClr val="accent3">
+              <a:shade val="50000"/>
+            </a:schemeClr>
+          </a:lnRef>
+          <a:fillRef idx="1">
+            <a:schemeClr val="accent3"/>
+          </a:fillRef>
+          <a:effectRef idx="0">
+            <a:schemeClr val="accent3"/>
+          </a:effectRef>
+          <a:fontRef idx="minor">
+            <a:schemeClr val="lt1"/>
+          </a:fontRef>
+        </p:style>
+        <p:txBody>
+          <a:bodyPr rtlCol="0" anchor="ctr"/>
+          <a:p>
+            <a:pPr algn="ctr"/>
+            <a:r>
+              <a:rPr lang="zh-CN" altLang="en-US" sz="1400">
+                <a:latin typeface="微软雅黑" panose="020B0503020204020204" pitchFamily="34" charset="-122"/>
+                <a:ea typeface="微软雅黑" panose="020B0503020204020204" pitchFamily="34" charset="-122"/>
+              </a:rPr>
+              <a:t>侧边栏</a:t>
+            </a:r>
+            <a:endParaRPr lang="zh-CN" altLang="en-US" sz="1400">
+              <a:latin typeface="微软雅黑" panose="020B0503020204020204" pitchFamily="34" charset="-122"/>
+              <a:ea typeface="微软雅黑" panose="020B0503020204020204" pitchFamily="34" charset="-122"/>
+            </a:endParaRPr>
+          </a:p>
+        </p:txBody>
+      </p:sp>
+      <p:sp>
+        <p:nvSpPr>
+          <p:cNvPr id="8" name="矩形 7"/>
+          <p:cNvSpPr/>
+          <p:nvPr/>
+        </p:nvSpPr>
+        <p:spPr>
+          <a:xfrm>
+            <a:off x="2370455" y="2323465"/>
+            <a:ext cx="8282305" cy="449580"/>
+          </a:xfrm>
+          <a:prstGeom prst="rect">
+            <a:avLst/>
+          </a:prstGeom>
+        </p:spPr>
+        <p:style>
+          <a:lnRef idx="2">
+            <a:schemeClr val="accent2">
+              <a:shade val="50000"/>
+            </a:schemeClr>
+          </a:lnRef>
+          <a:fillRef idx="1">
+            <a:schemeClr val="accent2"/>
+          </a:fillRef>
+          <a:effectRef idx="0">
+            <a:schemeClr val="accent2"/>
+          </a:effectRef>
+          <a:fontRef idx="minor">
+            <a:schemeClr val="lt1"/>
+          </a:fontRef>
+        </p:style>
+        <p:txBody>
+          <a:bodyPr rtlCol="0" anchor="ctr"/>
+          <a:p>
+            <a:pPr algn="ctr"/>
+            <a:r>
+              <a:rPr lang="zh-CN" altLang="en-US" sz="1400">
+                <a:latin typeface="微软雅黑" panose="020B0503020204020204" pitchFamily="34" charset="-122"/>
+                <a:ea typeface="微软雅黑" panose="020B0503020204020204" pitchFamily="34" charset="-122"/>
+              </a:rPr>
+              <a:t>头部导航</a:t>
+            </a:r>
+            <a:endParaRPr lang="zh-CN" altLang="en-US" sz="1400">
+              <a:latin typeface="微软雅黑" panose="020B0503020204020204" pitchFamily="34" charset="-122"/>
+              <a:ea typeface="微软雅黑" panose="020B0503020204020204" pitchFamily="34" charset="-122"/>
+            </a:endParaRPr>
+          </a:p>
+        </p:txBody>
+      </p:sp>
+      <p:sp>
+        <p:nvSpPr>
+          <p:cNvPr id="9" name="矩形 8"/>
+          <p:cNvSpPr/>
+          <p:nvPr/>
+        </p:nvSpPr>
+        <p:spPr>
+          <a:xfrm>
+            <a:off x="2369820" y="2847340"/>
+            <a:ext cx="8276590" cy="3769360"/>
+          </a:xfrm>
+          <a:prstGeom prst="rect">
+            <a:avLst/>
+          </a:prstGeom>
+          <a:solidFill>
+            <a:schemeClr val="accent1">
+              <a:lumMod val="60000"/>
+              <a:lumOff val="40000"/>
+            </a:schemeClr>
+          </a:solidFill>
+        </p:spPr>
+        <p:style>
+          <a:lnRef idx="2">
+            <a:schemeClr val="accent1">
+              <a:shade val="50000"/>
+            </a:schemeClr>
+          </a:lnRef>
+          <a:fillRef idx="1">
+            <a:schemeClr val="accent1"/>
+          </a:fillRef>
+          <a:effectRef idx="0">
+            <a:schemeClr val="accent1"/>
+          </a:effectRef>
+          <a:fontRef idx="minor">
+            <a:schemeClr val="lt1"/>
+          </a:fontRef>
+        </p:style>
+        <p:txBody>
+          <a:bodyPr rtlCol="0" anchor="ctr"/>
+          <a:p>
+            <a:pPr algn="ctr"/>
+            <a:r>
+              <a:rPr lang="zh-CN" altLang="en-US" sz="1400">
+                <a:latin typeface="微软雅黑" panose="020B0503020204020204" pitchFamily="34" charset="-122"/>
+                <a:ea typeface="微软雅黑" panose="020B0503020204020204" pitchFamily="34" charset="-122"/>
+              </a:rPr>
+              <a:t>内容区</a:t>
+            </a:r>
+            <a:endParaRPr lang="zh-CN" altLang="en-US" sz="1400">
+              <a:latin typeface="微软雅黑" panose="020B0503020204020204" pitchFamily="34" charset="-122"/>
+              <a:ea typeface="微软雅黑" panose="020B0503020204020204" pitchFamily="34" charset="-122"/>
+            </a:endParaRPr>
+          </a:p>
+        </p:txBody>
+      </p:sp>
+    </p:spTree>
+  </p:cSld>
+  <p:clrMapOvr>
+    <a:masterClrMapping/>
+  </p:clrMapOvr>
+  <p:transition>
+    <p:fade/>
+  </p:transition>
 </p:sld>
 </file>
 
@@ -15875,13 +16654,7 @@
       </p:grpSpPr>
       <p:sp>
         <p:nvSpPr>
-          <p:cNvPr id="2" name="文本框 1">
-            <a:extLst>
-              <a:ext uri="{FF2B5EF4-FFF2-40B4-BE49-F238E27FC236}">
-                <a16:creationId xmlns:a16="http://schemas.microsoft.com/office/drawing/2014/main" id="{4CED8EFA-E71F-4A30-AEC8-24EAA0699078}"/>
-              </a:ext>
-            </a:extLst>
-          </p:cNvPr>
+          <p:cNvPr id="2" name="文本框 1"/>
           <p:cNvSpPr txBox="1"/>
           <p:nvPr/>
         </p:nvSpPr>
@@ -16014,11 +16787,6 @@
         </p:txBody>
       </p:sp>
     </p:spTree>
-    <p:extLst>
-      <p:ext uri="{BB962C8B-B14F-4D97-AF65-F5344CB8AC3E}">
-        <p14:creationId xmlns:p14="http://schemas.microsoft.com/office/powerpoint/2010/main" val="1986881113"/>
-      </p:ext>
-    </p:extLst>
   </p:cSld>
   <p:clrMapOvr>
     <a:masterClrMapping/>
@@ -16185,13 +16953,7 @@
       </p:grpSpPr>
       <p:sp>
         <p:nvSpPr>
-          <p:cNvPr id="2" name="文本框 1">
-            <a:extLst>
-              <a:ext uri="{FF2B5EF4-FFF2-40B4-BE49-F238E27FC236}">
-                <a16:creationId xmlns:a16="http://schemas.microsoft.com/office/drawing/2014/main" id="{4CED8EFA-E71F-4A30-AEC8-24EAA0699078}"/>
-              </a:ext>
-            </a:extLst>
-          </p:cNvPr>
+          <p:cNvPr id="2" name="文本框 1"/>
           <p:cNvSpPr txBox="1"/>
           <p:nvPr/>
         </p:nvSpPr>
@@ -16240,11 +17002,6 @@
         </p:txBody>
       </p:sp>
     </p:spTree>
-    <p:extLst>
-      <p:ext uri="{BB962C8B-B14F-4D97-AF65-F5344CB8AC3E}">
-        <p14:creationId xmlns:p14="http://schemas.microsoft.com/office/powerpoint/2010/main" val="569156187"/>
-      </p:ext>
-    </p:extLst>
   </p:cSld>
   <p:clrMapOvr>
     <a:masterClrMapping/>
@@ -16449,6 +17206,7 @@
               <a:rPr lang="en-US" altLang="zh-CN" dirty="0"/>
               <a:t>UI</a:t>
             </a:r>
+            <a:endParaRPr lang="en-US" altLang="zh-CN" dirty="0"/>
           </a:p>
         </p:txBody>
       </p:sp>
@@ -16585,6 +17343,7 @@
               <a:rPr lang="zh-CN" altLang="en-US" dirty="0"/>
               <a:t>微服务</a:t>
             </a:r>
+            <a:endParaRPr lang="zh-CN" altLang="en-US" dirty="0"/>
           </a:p>
         </p:txBody>
       </p:sp>
@@ -16661,6 +17420,7 @@
               <a:rPr lang="en-US" altLang="zh-CN" dirty="0"/>
               <a:t>REST API</a:t>
             </a:r>
+            <a:endParaRPr lang="en-US" altLang="zh-CN" dirty="0"/>
           </a:p>
         </p:txBody>
       </p:sp>
@@ -16833,6 +17593,7 @@
               <a:rPr lang="en-US" altLang="zh-CN" dirty="0"/>
               <a:t>DB</a:t>
             </a:r>
+            <a:endParaRPr lang="en-US" altLang="zh-CN" dirty="0"/>
           </a:p>
         </p:txBody>
       </p:sp>
@@ -16876,6 +17637,7 @@
               <a:rPr lang="zh-CN" altLang="en-US"/>
               <a:t>缓存服务</a:t>
             </a:r>
+            <a:endParaRPr lang="zh-CN" altLang="en-US"/>
           </a:p>
         </p:txBody>
       </p:sp>
@@ -16952,6 +17714,7 @@
               <a:rPr lang="en-US" altLang="zh-CN" dirty="0"/>
               <a:t>REDIS</a:t>
             </a:r>
+            <a:endParaRPr lang="en-US" altLang="zh-CN" dirty="0"/>
           </a:p>
         </p:txBody>
       </p:sp>
@@ -17028,6 +17791,7 @@
               <a:rPr lang="en-US" altLang="zh-CN" dirty="0"/>
               <a:t>DB</a:t>
             </a:r>
+            <a:endParaRPr lang="en-US" altLang="zh-CN" dirty="0"/>
           </a:p>
         </p:txBody>
       </p:sp>
@@ -17104,6 +17868,7 @@
               <a:rPr lang="zh-CN" altLang="en-US"/>
               <a:t>微服务</a:t>
             </a:r>
+            <a:endParaRPr lang="zh-CN" altLang="en-US"/>
           </a:p>
         </p:txBody>
       </p:sp>
@@ -17180,6 +17945,7 @@
               <a:rPr lang="en-US" altLang="zh-CN" dirty="0"/>
               <a:t>DB</a:t>
             </a:r>
+            <a:endParaRPr lang="en-US" altLang="zh-CN" dirty="0"/>
           </a:p>
         </p:txBody>
       </p:sp>
@@ -17211,23 +17977,24 @@
                 <a:solidFill>
                   <a:schemeClr val="bg1"/>
                 </a:solidFill>
-                <a:latin typeface="微软雅黑" panose="020B0503020204020204" charset="-122"/>
-                <a:ea typeface="微软雅黑" panose="020B0503020204020204" charset="-122"/>
+                <a:latin typeface="微软雅黑" panose="020B0503020204020204" pitchFamily="34" charset="-122"/>
+                <a:ea typeface="微软雅黑" panose="020B0503020204020204" pitchFamily="34" charset="-122"/>
               </a:rPr>
               <a:t>参考资料：Öner Zafer</a:t>
             </a:r>
+            <a:endParaRPr lang="zh-CN" altLang="en-US" sz="1000">
+              <a:solidFill>
+                <a:schemeClr val="bg1"/>
+              </a:solidFill>
+              <a:latin typeface="微软雅黑" panose="020B0503020204020204" pitchFamily="34" charset="-122"/>
+              <a:ea typeface="微软雅黑" panose="020B0503020204020204" pitchFamily="34" charset="-122"/>
+            </a:endParaRPr>
           </a:p>
         </p:txBody>
       </p:sp>
       <p:sp>
         <p:nvSpPr>
-          <p:cNvPr id="2" name="文本框 1">
-            <a:extLst>
-              <a:ext uri="{FF2B5EF4-FFF2-40B4-BE49-F238E27FC236}">
-                <a16:creationId xmlns:a16="http://schemas.microsoft.com/office/drawing/2014/main" id="{4F4D19FB-CDCB-448A-8776-5240EE3694B6}"/>
-              </a:ext>
-            </a:extLst>
-          </p:cNvPr>
+          <p:cNvPr id="2" name="文本框 1"/>
           <p:cNvSpPr txBox="1"/>
           <p:nvPr/>
         </p:nvSpPr>
@@ -17267,6 +18034,13 @@
               </a:rPr>
               <a:t>从后端微服务说起</a:t>
             </a:r>
+            <a:endParaRPr lang="zh-CN" altLang="en-US" sz="3200" dirty="0">
+              <a:solidFill>
+                <a:schemeClr val="bg1"/>
+              </a:solidFill>
+              <a:latin typeface="微软雅黑" panose="020B0503020204020204" pitchFamily="34" charset="-122"/>
+              <a:ea typeface="微软雅黑" panose="020B0503020204020204" pitchFamily="34" charset="-122"/>
+            </a:endParaRPr>
           </a:p>
         </p:txBody>
       </p:sp>
@@ -19172,7 +19946,7 @@
           <p:nvPr/>
         </p:nvPicPr>
         <p:blipFill>
-          <a:blip r:embed="rId2"/>
+          <a:blip r:embed="rId1"/>
           <a:stretch>
             <a:fillRect/>
           </a:stretch>
@@ -19189,13 +19963,7 @@
       </p:pic>
       <p:sp>
         <p:nvSpPr>
-          <p:cNvPr id="4" name="文本框 3">
-            <a:extLst>
-              <a:ext uri="{FF2B5EF4-FFF2-40B4-BE49-F238E27FC236}">
-                <a16:creationId xmlns:a16="http://schemas.microsoft.com/office/drawing/2014/main" id="{46AE7659-E81B-452B-A74C-069CA9CE8E8E}"/>
-              </a:ext>
-            </a:extLst>
-          </p:cNvPr>
+          <p:cNvPr id="4" name="文本框 3"/>
           <p:cNvSpPr txBox="1"/>
           <p:nvPr/>
         </p:nvSpPr>
@@ -19235,6 +20003,13 @@
               </a:rPr>
               <a:t>将单页面前端应用由单一的单体应用转变为多个小型前端应用聚合为一的应用。</a:t>
             </a:r>
+            <a:endParaRPr lang="zh-CN" altLang="en-US" sz="3200" dirty="0">
+              <a:solidFill>
+                <a:schemeClr val="bg1"/>
+              </a:solidFill>
+              <a:latin typeface="微软雅黑" panose="020B0503020204020204" pitchFamily="34" charset="-122"/>
+              <a:ea typeface="微软雅黑" panose="020B0503020204020204" pitchFamily="34" charset="-122"/>
+            </a:endParaRPr>
           </a:p>
         </p:txBody>
       </p:sp>
@@ -19496,13 +20271,7 @@
       </p:grpSpPr>
       <p:sp>
         <p:nvSpPr>
-          <p:cNvPr id="2" name="文本框 1">
-            <a:extLst>
-              <a:ext uri="{FF2B5EF4-FFF2-40B4-BE49-F238E27FC236}">
-                <a16:creationId xmlns:a16="http://schemas.microsoft.com/office/drawing/2014/main" id="{4CED8EFA-E71F-4A30-AEC8-24EAA0699078}"/>
-              </a:ext>
-            </a:extLst>
-          </p:cNvPr>
+          <p:cNvPr id="2" name="文本框 1"/>
           <p:cNvSpPr txBox="1"/>
           <p:nvPr/>
         </p:nvSpPr>
@@ -19551,11 +20320,6 @@
         </p:txBody>
       </p:sp>
     </p:spTree>
-    <p:extLst>
-      <p:ext uri="{BB962C8B-B14F-4D97-AF65-F5344CB8AC3E}">
-        <p14:creationId xmlns:p14="http://schemas.microsoft.com/office/powerpoint/2010/main" val="3124671454"/>
-      </p:ext>
-    </p:extLst>
   </p:cSld>
   <p:clrMapOvr>
     <a:masterClrMapping/>
@@ -19722,13 +20486,7 @@
       </p:grpSpPr>
       <p:sp>
         <p:nvSpPr>
-          <p:cNvPr id="2" name="文本框 1">
-            <a:extLst>
-              <a:ext uri="{FF2B5EF4-FFF2-40B4-BE49-F238E27FC236}">
-                <a16:creationId xmlns:a16="http://schemas.microsoft.com/office/drawing/2014/main" id="{4CED8EFA-E71F-4A30-AEC8-24EAA0699078}"/>
-              </a:ext>
-            </a:extLst>
-          </p:cNvPr>
+          <p:cNvPr id="2" name="文本框 1"/>
           <p:cNvSpPr txBox="1"/>
           <p:nvPr/>
         </p:nvSpPr>
@@ -19880,6 +20638,13 @@
               </a:rPr>
               <a:t>应用集成进来</a:t>
             </a:r>
+            <a:endParaRPr lang="zh-CN" altLang="en-US" sz="1600" b="1" dirty="0">
+              <a:solidFill>
+                <a:schemeClr val="bg1"/>
+              </a:solidFill>
+              <a:latin typeface="微软雅黑" panose="020B0503020204020204" pitchFamily="34" charset="-122"/>
+              <a:ea typeface="微软雅黑" panose="020B0503020204020204" pitchFamily="34" charset="-122"/>
+            </a:endParaRPr>
           </a:p>
           <a:p>
             <a:pPr>
@@ -19912,13 +20677,7 @@
       </p:sp>
       <p:sp>
         <p:nvSpPr>
-          <p:cNvPr id="3" name="文本框 2">
-            <a:extLst>
-              <a:ext uri="{FF2B5EF4-FFF2-40B4-BE49-F238E27FC236}">
-                <a16:creationId xmlns:a16="http://schemas.microsoft.com/office/drawing/2014/main" id="{4E58016D-C3DE-42A7-9372-82E6EC4D19F8}"/>
-              </a:ext>
-            </a:extLst>
-          </p:cNvPr>
+          <p:cNvPr id="3" name="文本框 2"/>
           <p:cNvSpPr txBox="1"/>
           <p:nvPr/>
         </p:nvSpPr>
@@ -19948,15 +20707,17 @@
               </a:rPr>
               <a:t>回到前面的问题</a:t>
             </a:r>
+            <a:endParaRPr lang="zh-CN" altLang="en-US" sz="3200" dirty="0">
+              <a:solidFill>
+                <a:schemeClr val="bg1"/>
+              </a:solidFill>
+              <a:latin typeface="微软雅黑" panose="020B0503020204020204" pitchFamily="34" charset="-122"/>
+              <a:ea typeface="微软雅黑" panose="020B0503020204020204" pitchFamily="34" charset="-122"/>
+            </a:endParaRPr>
           </a:p>
         </p:txBody>
       </p:sp>
     </p:spTree>
-    <p:extLst>
-      <p:ext uri="{BB962C8B-B14F-4D97-AF65-F5344CB8AC3E}">
-        <p14:creationId xmlns:p14="http://schemas.microsoft.com/office/powerpoint/2010/main" val="1000476678"/>
-      </p:ext>
-    </p:extLst>
   </p:cSld>
   <p:clrMapOvr>
     <a:masterClrMapping/>
@@ -20223,13 +20984,7 @@
       </p:grpSpPr>
       <p:sp>
         <p:nvSpPr>
-          <p:cNvPr id="4" name="文本框 3">
-            <a:extLst>
-              <a:ext uri="{FF2B5EF4-FFF2-40B4-BE49-F238E27FC236}">
-                <a16:creationId xmlns:a16="http://schemas.microsoft.com/office/drawing/2014/main" id="{1081DCB9-3711-4998-BD8F-1FEA741E52B2}"/>
-              </a:ext>
-            </a:extLst>
-          </p:cNvPr>
+          <p:cNvPr id="4" name="文本框 3"/>
           <p:cNvSpPr txBox="1"/>
           <p:nvPr/>
         </p:nvSpPr>
@@ -20269,18 +21024,19 @@
               </a:rPr>
               <a:t>将现有项目作为主应用</a:t>
             </a:r>
+            <a:endParaRPr lang="zh-CN" altLang="en-US" sz="3200" dirty="0">
+              <a:solidFill>
+                <a:schemeClr val="bg1"/>
+              </a:solidFill>
+              <a:latin typeface="微软雅黑" panose="020B0503020204020204" pitchFamily="34" charset="-122"/>
+              <a:ea typeface="微软雅黑" panose="020B0503020204020204" pitchFamily="34" charset="-122"/>
+            </a:endParaRPr>
           </a:p>
         </p:txBody>
       </p:sp>
       <p:sp>
         <p:nvSpPr>
-          <p:cNvPr id="6" name="文本框 5">
-            <a:extLst>
-              <a:ext uri="{FF2B5EF4-FFF2-40B4-BE49-F238E27FC236}">
-                <a16:creationId xmlns:a16="http://schemas.microsoft.com/office/drawing/2014/main" id="{53A466CC-C735-4531-9D29-A2E01E1DFF1B}"/>
-              </a:ext>
-            </a:extLst>
-          </p:cNvPr>
+          <p:cNvPr id="6" name="文本框 5"/>
           <p:cNvSpPr txBox="1"/>
           <p:nvPr/>
         </p:nvSpPr>
@@ -20320,15 +21076,17 @@
               </a:rPr>
               <a:t>其他接入项目作为子应用</a:t>
             </a:r>
+            <a:endParaRPr lang="zh-CN" altLang="en-US" sz="3200" dirty="0">
+              <a:solidFill>
+                <a:schemeClr val="bg1"/>
+              </a:solidFill>
+              <a:latin typeface="微软雅黑" panose="020B0503020204020204" pitchFamily="34" charset="-122"/>
+              <a:ea typeface="微软雅黑" panose="020B0503020204020204" pitchFamily="34" charset="-122"/>
+            </a:endParaRPr>
           </a:p>
         </p:txBody>
       </p:sp>
     </p:spTree>
-    <p:extLst>
-      <p:ext uri="{BB962C8B-B14F-4D97-AF65-F5344CB8AC3E}">
-        <p14:creationId xmlns:p14="http://schemas.microsoft.com/office/powerpoint/2010/main" val="3476486030"/>
-      </p:ext>
-    </p:extLst>
   </p:cSld>
   <p:clrMapOvr>
     <a:masterClrMapping/>
@@ -20759,7 +21517,6 @@
       </a:bgFillStyleLst>
     </a:fmtScheme>
   </a:themeElements>
-  <a:objectDefaults/>
   <a:extraClrSchemeLst>
     <a:extraClrScheme>
       <a:clrScheme name="">

--- a/微前端.pptx
+++ b/微前端.pptx
@@ -5,31 +5,32 @@
     <p:sldMasterId id="2147483648" r:id="rId1"/>
   </p:sldMasterIdLst>
   <p:sldIdLst>
-    <p:sldId id="258" r:id="rId3"/>
-    <p:sldId id="269" r:id="rId4"/>
-    <p:sldId id="268" r:id="rId5"/>
-    <p:sldId id="271" r:id="rId6"/>
-    <p:sldId id="259" r:id="rId7"/>
-    <p:sldId id="261" r:id="rId8"/>
-    <p:sldId id="272" r:id="rId9"/>
-    <p:sldId id="270" r:id="rId10"/>
-    <p:sldId id="273" r:id="rId11"/>
-    <p:sldId id="262" r:id="rId12"/>
-    <p:sldId id="274" r:id="rId13"/>
-    <p:sldId id="263" r:id="rId14"/>
-    <p:sldId id="275" r:id="rId15"/>
-    <p:sldId id="276" r:id="rId16"/>
-    <p:sldId id="264" r:id="rId17"/>
-    <p:sldId id="277" r:id="rId18"/>
-    <p:sldId id="278" r:id="rId19"/>
-    <p:sldId id="266" r:id="rId20"/>
-    <p:sldId id="279" r:id="rId21"/>
-    <p:sldId id="280" r:id="rId22"/>
-    <p:sldId id="281" r:id="rId23"/>
-    <p:sldId id="282" r:id="rId24"/>
-    <p:sldId id="267" r:id="rId25"/>
-    <p:sldId id="291" r:id="rId26"/>
-    <p:sldId id="292" r:id="rId27"/>
+    <p:sldId id="258" r:id="rId2"/>
+    <p:sldId id="269" r:id="rId3"/>
+    <p:sldId id="268" r:id="rId4"/>
+    <p:sldId id="271" r:id="rId5"/>
+    <p:sldId id="259" r:id="rId6"/>
+    <p:sldId id="261" r:id="rId7"/>
+    <p:sldId id="272" r:id="rId8"/>
+    <p:sldId id="270" r:id="rId9"/>
+    <p:sldId id="273" r:id="rId10"/>
+    <p:sldId id="262" r:id="rId11"/>
+    <p:sldId id="274" r:id="rId12"/>
+    <p:sldId id="263" r:id="rId13"/>
+    <p:sldId id="275" r:id="rId14"/>
+    <p:sldId id="276" r:id="rId15"/>
+    <p:sldId id="264" r:id="rId16"/>
+    <p:sldId id="277" r:id="rId17"/>
+    <p:sldId id="278" r:id="rId18"/>
+    <p:sldId id="266" r:id="rId19"/>
+    <p:sldId id="279" r:id="rId20"/>
+    <p:sldId id="280" r:id="rId21"/>
+    <p:sldId id="281" r:id="rId22"/>
+    <p:sldId id="282" r:id="rId23"/>
+    <p:sldId id="267" r:id="rId24"/>
+    <p:sldId id="291" r:id="rId25"/>
+    <p:sldId id="292" r:id="rId26"/>
+    <p:sldId id="293" r:id="rId27"/>
   </p:sldIdLst>
   <p:sldSz cx="12192000" cy="6858000"/>
   <p:notesSz cx="6858000" cy="9144000"/>
@@ -128,6 +129,11 @@
       </a:defRPr>
     </a:lvl9pPr>
   </p:defaultTextStyle>
+  <p:extLst>
+    <p:ext uri="{EFAFB233-063F-42B5-8137-9DF3F51BA10A}">
+      <p15:sldGuideLst xmlns:p15="http://schemas.microsoft.com/office/powerpoint/2012/main"/>
+    </p:ext>
+  </p:extLst>
 </p:presentation>
 </file>
 
@@ -176,7 +182,6 @@
               <a:rPr lang="zh-CN" altLang="en-US"/>
               <a:t>单击此处编辑母版标题样式</a:t>
             </a:r>
-            <a:endParaRPr lang="zh-CN" altLang="en-US"/>
           </a:p>
         </p:txBody>
       </p:sp>
@@ -241,7 +246,6 @@
               <a:rPr lang="zh-CN" altLang="en-US"/>
               <a:t>单击此处编辑母版副标题样式</a:t>
             </a:r>
-            <a:endParaRPr lang="zh-CN" altLang="en-US"/>
           </a:p>
         </p:txBody>
       </p:sp>
@@ -262,6 +266,7 @@
           <a:p>
             <a:fld id="{D997B5FA-0921-464F-AAE1-844C04324D75}" type="datetimeFigureOut">
               <a:rPr lang="zh-CN" altLang="en-US" smtClean="0"/>
+              <a:t>2020/10/13</a:t>
             </a:fld>
             <a:endParaRPr lang="zh-CN" altLang="en-US"/>
           </a:p>
@@ -303,6 +308,7 @@
           <a:p>
             <a:fld id="{565CE74E-AB26-4998-AD42-012C4C1AD076}" type="slidenum">
               <a:rPr lang="zh-CN" altLang="en-US" smtClean="0"/>
+              <a:t>‹#›</a:t>
             </a:fld>
             <a:endParaRPr lang="zh-CN" altLang="en-US"/>
           </a:p>
@@ -353,7 +359,6 @@
               <a:rPr lang="zh-CN" altLang="en-US"/>
               <a:t>单击此处编辑母版标题样式</a:t>
             </a:r>
-            <a:endParaRPr lang="zh-CN" altLang="en-US"/>
           </a:p>
         </p:txBody>
       </p:sp>
@@ -377,7 +382,6 @@
               <a:rPr lang="zh-CN" altLang="en-US"/>
               <a:t>单击此处编辑母版文本样式</a:t>
             </a:r>
-            <a:endParaRPr lang="zh-CN" altLang="en-US"/>
           </a:p>
           <a:p>
             <a:pPr lvl="1"/>
@@ -385,7 +389,6 @@
               <a:rPr lang="zh-CN" altLang="en-US"/>
               <a:t>第二级</a:t>
             </a:r>
-            <a:endParaRPr lang="zh-CN" altLang="en-US"/>
           </a:p>
           <a:p>
             <a:pPr lvl="2"/>
@@ -393,7 +396,6 @@
               <a:rPr lang="zh-CN" altLang="en-US"/>
               <a:t>第三级</a:t>
             </a:r>
-            <a:endParaRPr lang="zh-CN" altLang="en-US"/>
           </a:p>
           <a:p>
             <a:pPr lvl="3"/>
@@ -401,7 +403,6 @@
               <a:rPr lang="zh-CN" altLang="en-US"/>
               <a:t>第四级</a:t>
             </a:r>
-            <a:endParaRPr lang="zh-CN" altLang="en-US"/>
           </a:p>
           <a:p>
             <a:pPr lvl="4"/>
@@ -409,7 +410,6 @@
               <a:rPr lang="zh-CN" altLang="en-US"/>
               <a:t>第五级</a:t>
             </a:r>
-            <a:endParaRPr lang="zh-CN" altLang="en-US"/>
           </a:p>
         </p:txBody>
       </p:sp>
@@ -430,6 +430,7 @@
           <a:p>
             <a:fld id="{D997B5FA-0921-464F-AAE1-844C04324D75}" type="datetimeFigureOut">
               <a:rPr lang="zh-CN" altLang="en-US" smtClean="0"/>
+              <a:t>2020/10/13</a:t>
             </a:fld>
             <a:endParaRPr lang="zh-CN" altLang="en-US"/>
           </a:p>
@@ -471,6 +472,7 @@
           <a:p>
             <a:fld id="{565CE74E-AB26-4998-AD42-012C4C1AD076}" type="slidenum">
               <a:rPr lang="zh-CN" altLang="en-US" smtClean="0"/>
+              <a:t>‹#›</a:t>
             </a:fld>
             <a:endParaRPr lang="zh-CN" altLang="en-US"/>
           </a:p>
@@ -526,7 +528,6 @@
               <a:rPr lang="zh-CN" altLang="en-US"/>
               <a:t>单击此处编辑母版标题样式</a:t>
             </a:r>
-            <a:endParaRPr lang="zh-CN" altLang="en-US"/>
           </a:p>
         </p:txBody>
       </p:sp>
@@ -555,7 +556,6 @@
               <a:rPr lang="zh-CN" altLang="en-US"/>
               <a:t>单击此处编辑母版文本样式</a:t>
             </a:r>
-            <a:endParaRPr lang="zh-CN" altLang="en-US"/>
           </a:p>
           <a:p>
             <a:pPr lvl="1"/>
@@ -563,7 +563,6 @@
               <a:rPr lang="zh-CN" altLang="en-US"/>
               <a:t>第二级</a:t>
             </a:r>
-            <a:endParaRPr lang="zh-CN" altLang="en-US"/>
           </a:p>
           <a:p>
             <a:pPr lvl="2"/>
@@ -571,7 +570,6 @@
               <a:rPr lang="zh-CN" altLang="en-US"/>
               <a:t>第三级</a:t>
             </a:r>
-            <a:endParaRPr lang="zh-CN" altLang="en-US"/>
           </a:p>
           <a:p>
             <a:pPr lvl="3"/>
@@ -579,7 +577,6 @@
               <a:rPr lang="zh-CN" altLang="en-US"/>
               <a:t>第四级</a:t>
             </a:r>
-            <a:endParaRPr lang="zh-CN" altLang="en-US"/>
           </a:p>
           <a:p>
             <a:pPr lvl="4"/>
@@ -587,7 +584,6 @@
               <a:rPr lang="zh-CN" altLang="en-US"/>
               <a:t>第五级</a:t>
             </a:r>
-            <a:endParaRPr lang="zh-CN" altLang="en-US"/>
           </a:p>
         </p:txBody>
       </p:sp>
@@ -608,6 +604,7 @@
           <a:p>
             <a:fld id="{D997B5FA-0921-464F-AAE1-844C04324D75}" type="datetimeFigureOut">
               <a:rPr lang="zh-CN" altLang="en-US" smtClean="0"/>
+              <a:t>2020/10/13</a:t>
             </a:fld>
             <a:endParaRPr lang="zh-CN" altLang="en-US"/>
           </a:p>
@@ -649,6 +646,7 @@
           <a:p>
             <a:fld id="{565CE74E-AB26-4998-AD42-012C4C1AD076}" type="slidenum">
               <a:rPr lang="zh-CN" altLang="en-US" smtClean="0"/>
+              <a:t>‹#›</a:t>
             </a:fld>
             <a:endParaRPr lang="zh-CN" altLang="en-US"/>
           </a:p>
@@ -699,7 +697,6 @@
               <a:rPr lang="zh-CN" altLang="en-US"/>
               <a:t>单击此处编辑母版标题样式</a:t>
             </a:r>
-            <a:endParaRPr lang="zh-CN" altLang="en-US"/>
           </a:p>
         </p:txBody>
       </p:sp>
@@ -723,7 +720,6 @@
               <a:rPr lang="zh-CN" altLang="en-US"/>
               <a:t>单击此处编辑母版文本样式</a:t>
             </a:r>
-            <a:endParaRPr lang="zh-CN" altLang="en-US"/>
           </a:p>
           <a:p>
             <a:pPr lvl="1"/>
@@ -731,7 +727,6 @@
               <a:rPr lang="zh-CN" altLang="en-US"/>
               <a:t>第二级</a:t>
             </a:r>
-            <a:endParaRPr lang="zh-CN" altLang="en-US"/>
           </a:p>
           <a:p>
             <a:pPr lvl="2"/>
@@ -739,7 +734,6 @@
               <a:rPr lang="zh-CN" altLang="en-US"/>
               <a:t>第三级</a:t>
             </a:r>
-            <a:endParaRPr lang="zh-CN" altLang="en-US"/>
           </a:p>
           <a:p>
             <a:pPr lvl="3"/>
@@ -747,7 +741,6 @@
               <a:rPr lang="zh-CN" altLang="en-US"/>
               <a:t>第四级</a:t>
             </a:r>
-            <a:endParaRPr lang="zh-CN" altLang="en-US"/>
           </a:p>
           <a:p>
             <a:pPr lvl="4"/>
@@ -755,7 +748,6 @@
               <a:rPr lang="zh-CN" altLang="en-US"/>
               <a:t>第五级</a:t>
             </a:r>
-            <a:endParaRPr lang="zh-CN" altLang="en-US"/>
           </a:p>
         </p:txBody>
       </p:sp>
@@ -776,6 +768,7 @@
           <a:p>
             <a:fld id="{D997B5FA-0921-464F-AAE1-844C04324D75}" type="datetimeFigureOut">
               <a:rPr lang="zh-CN" altLang="en-US" smtClean="0"/>
+              <a:t>2020/10/13</a:t>
             </a:fld>
             <a:endParaRPr lang="zh-CN" altLang="en-US"/>
           </a:p>
@@ -817,6 +810,7 @@
           <a:p>
             <a:fld id="{565CE74E-AB26-4998-AD42-012C4C1AD076}" type="slidenum">
               <a:rPr lang="zh-CN" altLang="en-US" smtClean="0"/>
+              <a:t>‹#›</a:t>
             </a:fld>
             <a:endParaRPr lang="zh-CN" altLang="en-US"/>
           </a:p>
@@ -876,7 +870,6 @@
               <a:rPr lang="zh-CN" altLang="en-US"/>
               <a:t>单击此处编辑母版标题样式</a:t>
             </a:r>
-            <a:endParaRPr lang="zh-CN" altLang="en-US"/>
           </a:p>
         </p:txBody>
       </p:sp>
@@ -996,7 +989,6 @@
               <a:rPr lang="zh-CN" altLang="en-US"/>
               <a:t>单击此处编辑母版文本样式</a:t>
             </a:r>
-            <a:endParaRPr lang="zh-CN" altLang="en-US"/>
           </a:p>
         </p:txBody>
       </p:sp>
@@ -1017,6 +1009,7 @@
           <a:p>
             <a:fld id="{D997B5FA-0921-464F-AAE1-844C04324D75}" type="datetimeFigureOut">
               <a:rPr lang="zh-CN" altLang="en-US" smtClean="0"/>
+              <a:t>2020/10/13</a:t>
             </a:fld>
             <a:endParaRPr lang="zh-CN" altLang="en-US"/>
           </a:p>
@@ -1058,6 +1051,7 @@
           <a:p>
             <a:fld id="{565CE74E-AB26-4998-AD42-012C4C1AD076}" type="slidenum">
               <a:rPr lang="zh-CN" altLang="en-US" smtClean="0"/>
+              <a:t>‹#›</a:t>
             </a:fld>
             <a:endParaRPr lang="zh-CN" altLang="en-US"/>
           </a:p>
@@ -1108,7 +1102,6 @@
               <a:rPr lang="zh-CN" altLang="en-US"/>
               <a:t>单击此处编辑母版标题样式</a:t>
             </a:r>
-            <a:endParaRPr lang="zh-CN" altLang="en-US"/>
           </a:p>
         </p:txBody>
       </p:sp>
@@ -1137,7 +1130,6 @@
               <a:rPr lang="zh-CN" altLang="en-US"/>
               <a:t>单击此处编辑母版文本样式</a:t>
             </a:r>
-            <a:endParaRPr lang="zh-CN" altLang="en-US"/>
           </a:p>
           <a:p>
             <a:pPr lvl="1"/>
@@ -1145,7 +1137,6 @@
               <a:rPr lang="zh-CN" altLang="en-US"/>
               <a:t>第二级</a:t>
             </a:r>
-            <a:endParaRPr lang="zh-CN" altLang="en-US"/>
           </a:p>
           <a:p>
             <a:pPr lvl="2"/>
@@ -1153,7 +1144,6 @@
               <a:rPr lang="zh-CN" altLang="en-US"/>
               <a:t>第三级</a:t>
             </a:r>
-            <a:endParaRPr lang="zh-CN" altLang="en-US"/>
           </a:p>
           <a:p>
             <a:pPr lvl="3"/>
@@ -1161,7 +1151,6 @@
               <a:rPr lang="zh-CN" altLang="en-US"/>
               <a:t>第四级</a:t>
             </a:r>
-            <a:endParaRPr lang="zh-CN" altLang="en-US"/>
           </a:p>
           <a:p>
             <a:pPr lvl="4"/>
@@ -1169,7 +1158,6 @@
               <a:rPr lang="zh-CN" altLang="en-US"/>
               <a:t>第五级</a:t>
             </a:r>
-            <a:endParaRPr lang="zh-CN" altLang="en-US"/>
           </a:p>
         </p:txBody>
       </p:sp>
@@ -1198,7 +1186,6 @@
               <a:rPr lang="zh-CN" altLang="en-US"/>
               <a:t>单击此处编辑母版文本样式</a:t>
             </a:r>
-            <a:endParaRPr lang="zh-CN" altLang="en-US"/>
           </a:p>
           <a:p>
             <a:pPr lvl="1"/>
@@ -1206,7 +1193,6 @@
               <a:rPr lang="zh-CN" altLang="en-US"/>
               <a:t>第二级</a:t>
             </a:r>
-            <a:endParaRPr lang="zh-CN" altLang="en-US"/>
           </a:p>
           <a:p>
             <a:pPr lvl="2"/>
@@ -1214,7 +1200,6 @@
               <a:rPr lang="zh-CN" altLang="en-US"/>
               <a:t>第三级</a:t>
             </a:r>
-            <a:endParaRPr lang="zh-CN" altLang="en-US"/>
           </a:p>
           <a:p>
             <a:pPr lvl="3"/>
@@ -1222,7 +1207,6 @@
               <a:rPr lang="zh-CN" altLang="en-US"/>
               <a:t>第四级</a:t>
             </a:r>
-            <a:endParaRPr lang="zh-CN" altLang="en-US"/>
           </a:p>
           <a:p>
             <a:pPr lvl="4"/>
@@ -1230,7 +1214,6 @@
               <a:rPr lang="zh-CN" altLang="en-US"/>
               <a:t>第五级</a:t>
             </a:r>
-            <a:endParaRPr lang="zh-CN" altLang="en-US"/>
           </a:p>
         </p:txBody>
       </p:sp>
@@ -1251,6 +1234,7 @@
           <a:p>
             <a:fld id="{D997B5FA-0921-464F-AAE1-844C04324D75}" type="datetimeFigureOut">
               <a:rPr lang="zh-CN" altLang="en-US" smtClean="0"/>
+              <a:t>2020/10/13</a:t>
             </a:fld>
             <a:endParaRPr lang="zh-CN" altLang="en-US"/>
           </a:p>
@@ -1292,6 +1276,7 @@
           <a:p>
             <a:fld id="{565CE74E-AB26-4998-AD42-012C4C1AD076}" type="slidenum">
               <a:rPr lang="zh-CN" altLang="en-US" smtClean="0"/>
+              <a:t>‹#›</a:t>
             </a:fld>
             <a:endParaRPr lang="zh-CN" altLang="en-US"/>
           </a:p>
@@ -1347,7 +1332,6 @@
               <a:rPr lang="zh-CN" altLang="en-US"/>
               <a:t>单击此处编辑母版标题样式</a:t>
             </a:r>
-            <a:endParaRPr lang="zh-CN" altLang="en-US"/>
           </a:p>
         </p:txBody>
       </p:sp>
@@ -1413,7 +1397,6 @@
               <a:rPr lang="zh-CN" altLang="en-US"/>
               <a:t>单击此处编辑母版文本样式</a:t>
             </a:r>
-            <a:endParaRPr lang="zh-CN" altLang="en-US"/>
           </a:p>
         </p:txBody>
       </p:sp>
@@ -1442,7 +1425,6 @@
               <a:rPr lang="zh-CN" altLang="en-US"/>
               <a:t>单击此处编辑母版文本样式</a:t>
             </a:r>
-            <a:endParaRPr lang="zh-CN" altLang="en-US"/>
           </a:p>
           <a:p>
             <a:pPr lvl="1"/>
@@ -1450,7 +1432,6 @@
               <a:rPr lang="zh-CN" altLang="en-US"/>
               <a:t>第二级</a:t>
             </a:r>
-            <a:endParaRPr lang="zh-CN" altLang="en-US"/>
           </a:p>
           <a:p>
             <a:pPr lvl="2"/>
@@ -1458,7 +1439,6 @@
               <a:rPr lang="zh-CN" altLang="en-US"/>
               <a:t>第三级</a:t>
             </a:r>
-            <a:endParaRPr lang="zh-CN" altLang="en-US"/>
           </a:p>
           <a:p>
             <a:pPr lvl="3"/>
@@ -1466,7 +1446,6 @@
               <a:rPr lang="zh-CN" altLang="en-US"/>
               <a:t>第四级</a:t>
             </a:r>
-            <a:endParaRPr lang="zh-CN" altLang="en-US"/>
           </a:p>
           <a:p>
             <a:pPr lvl="4"/>
@@ -1474,7 +1453,6 @@
               <a:rPr lang="zh-CN" altLang="en-US"/>
               <a:t>第五级</a:t>
             </a:r>
-            <a:endParaRPr lang="zh-CN" altLang="en-US"/>
           </a:p>
         </p:txBody>
       </p:sp>
@@ -1540,7 +1518,6 @@
               <a:rPr lang="zh-CN" altLang="en-US"/>
               <a:t>单击此处编辑母版文本样式</a:t>
             </a:r>
-            <a:endParaRPr lang="zh-CN" altLang="en-US"/>
           </a:p>
         </p:txBody>
       </p:sp>
@@ -1569,7 +1546,6 @@
               <a:rPr lang="zh-CN" altLang="en-US"/>
               <a:t>单击此处编辑母版文本样式</a:t>
             </a:r>
-            <a:endParaRPr lang="zh-CN" altLang="en-US"/>
           </a:p>
           <a:p>
             <a:pPr lvl="1"/>
@@ -1577,7 +1553,6 @@
               <a:rPr lang="zh-CN" altLang="en-US"/>
               <a:t>第二级</a:t>
             </a:r>
-            <a:endParaRPr lang="zh-CN" altLang="en-US"/>
           </a:p>
           <a:p>
             <a:pPr lvl="2"/>
@@ -1585,7 +1560,6 @@
               <a:rPr lang="zh-CN" altLang="en-US"/>
               <a:t>第三级</a:t>
             </a:r>
-            <a:endParaRPr lang="zh-CN" altLang="en-US"/>
           </a:p>
           <a:p>
             <a:pPr lvl="3"/>
@@ -1593,7 +1567,6 @@
               <a:rPr lang="zh-CN" altLang="en-US"/>
               <a:t>第四级</a:t>
             </a:r>
-            <a:endParaRPr lang="zh-CN" altLang="en-US"/>
           </a:p>
           <a:p>
             <a:pPr lvl="4"/>
@@ -1601,7 +1574,6 @@
               <a:rPr lang="zh-CN" altLang="en-US"/>
               <a:t>第五级</a:t>
             </a:r>
-            <a:endParaRPr lang="zh-CN" altLang="en-US"/>
           </a:p>
         </p:txBody>
       </p:sp>
@@ -1622,6 +1594,7 @@
           <a:p>
             <a:fld id="{D997B5FA-0921-464F-AAE1-844C04324D75}" type="datetimeFigureOut">
               <a:rPr lang="zh-CN" altLang="en-US" smtClean="0"/>
+              <a:t>2020/10/13</a:t>
             </a:fld>
             <a:endParaRPr lang="zh-CN" altLang="en-US"/>
           </a:p>
@@ -1663,6 +1636,7 @@
           <a:p>
             <a:fld id="{565CE74E-AB26-4998-AD42-012C4C1AD076}" type="slidenum">
               <a:rPr lang="zh-CN" altLang="en-US" smtClean="0"/>
+              <a:t>‹#›</a:t>
             </a:fld>
             <a:endParaRPr lang="zh-CN" altLang="en-US"/>
           </a:p>
@@ -1713,7 +1687,6 @@
               <a:rPr lang="zh-CN" altLang="en-US"/>
               <a:t>单击此处编辑母版标题样式</a:t>
             </a:r>
-            <a:endParaRPr lang="zh-CN" altLang="en-US"/>
           </a:p>
         </p:txBody>
       </p:sp>
@@ -1734,6 +1707,7 @@
           <a:p>
             <a:fld id="{D997B5FA-0921-464F-AAE1-844C04324D75}" type="datetimeFigureOut">
               <a:rPr lang="zh-CN" altLang="en-US" smtClean="0"/>
+              <a:t>2020/10/13</a:t>
             </a:fld>
             <a:endParaRPr lang="zh-CN" altLang="en-US"/>
           </a:p>
@@ -1775,6 +1749,7 @@
           <a:p>
             <a:fld id="{565CE74E-AB26-4998-AD42-012C4C1AD076}" type="slidenum">
               <a:rPr lang="zh-CN" altLang="en-US" smtClean="0"/>
+              <a:t>‹#›</a:t>
             </a:fld>
             <a:endParaRPr lang="zh-CN" altLang="en-US"/>
           </a:p>
@@ -1823,6 +1798,7 @@
           <a:p>
             <a:fld id="{D997B5FA-0921-464F-AAE1-844C04324D75}" type="datetimeFigureOut">
               <a:rPr lang="zh-CN" altLang="en-US" smtClean="0"/>
+              <a:t>2020/10/13</a:t>
             </a:fld>
             <a:endParaRPr lang="zh-CN" altLang="en-US"/>
           </a:p>
@@ -1864,6 +1840,7 @@
           <a:p>
             <a:fld id="{565CE74E-AB26-4998-AD42-012C4C1AD076}" type="slidenum">
               <a:rPr lang="zh-CN" altLang="en-US" smtClean="0"/>
+              <a:t>‹#›</a:t>
             </a:fld>
             <a:endParaRPr lang="zh-CN" altLang="en-US"/>
           </a:p>
@@ -1923,7 +1900,6 @@
               <a:rPr lang="zh-CN" altLang="en-US"/>
               <a:t>单击此处编辑母版标题样式</a:t>
             </a:r>
-            <a:endParaRPr lang="zh-CN" altLang="en-US"/>
           </a:p>
         </p:txBody>
       </p:sp>
@@ -1980,7 +1956,6 @@
               <a:rPr lang="zh-CN" altLang="en-US"/>
               <a:t>单击此处编辑母版文本样式</a:t>
             </a:r>
-            <a:endParaRPr lang="zh-CN" altLang="en-US"/>
           </a:p>
           <a:p>
             <a:pPr lvl="1"/>
@@ -1988,7 +1963,6 @@
               <a:rPr lang="zh-CN" altLang="en-US"/>
               <a:t>第二级</a:t>
             </a:r>
-            <a:endParaRPr lang="zh-CN" altLang="en-US"/>
           </a:p>
           <a:p>
             <a:pPr lvl="2"/>
@@ -1996,7 +1970,6 @@
               <a:rPr lang="zh-CN" altLang="en-US"/>
               <a:t>第三级</a:t>
             </a:r>
-            <a:endParaRPr lang="zh-CN" altLang="en-US"/>
           </a:p>
           <a:p>
             <a:pPr lvl="3"/>
@@ -2004,7 +1977,6 @@
               <a:rPr lang="zh-CN" altLang="en-US"/>
               <a:t>第四级</a:t>
             </a:r>
-            <a:endParaRPr lang="zh-CN" altLang="en-US"/>
           </a:p>
           <a:p>
             <a:pPr lvl="4"/>
@@ -2012,7 +1984,6 @@
               <a:rPr lang="zh-CN" altLang="en-US"/>
               <a:t>第五级</a:t>
             </a:r>
-            <a:endParaRPr lang="zh-CN" altLang="en-US"/>
           </a:p>
         </p:txBody>
       </p:sp>
@@ -2078,7 +2049,6 @@
               <a:rPr lang="zh-CN" altLang="en-US"/>
               <a:t>单击此处编辑母版文本样式</a:t>
             </a:r>
-            <a:endParaRPr lang="zh-CN" altLang="en-US"/>
           </a:p>
         </p:txBody>
       </p:sp>
@@ -2099,6 +2069,7 @@
           <a:p>
             <a:fld id="{D997B5FA-0921-464F-AAE1-844C04324D75}" type="datetimeFigureOut">
               <a:rPr lang="zh-CN" altLang="en-US" smtClean="0"/>
+              <a:t>2020/10/13</a:t>
             </a:fld>
             <a:endParaRPr lang="zh-CN" altLang="en-US"/>
           </a:p>
@@ -2140,6 +2111,7 @@
           <a:p>
             <a:fld id="{565CE74E-AB26-4998-AD42-012C4C1AD076}" type="slidenum">
               <a:rPr lang="zh-CN" altLang="en-US" smtClean="0"/>
+              <a:t>‹#›</a:t>
             </a:fld>
             <a:endParaRPr lang="zh-CN" altLang="en-US"/>
           </a:p>
@@ -2199,7 +2171,6 @@
               <a:rPr lang="zh-CN" altLang="en-US"/>
               <a:t>单击此处编辑母版标题样式</a:t>
             </a:r>
-            <a:endParaRPr lang="zh-CN" altLang="en-US"/>
           </a:p>
         </p:txBody>
       </p:sp>
@@ -2326,7 +2297,6 @@
               <a:rPr lang="zh-CN" altLang="en-US"/>
               <a:t>单击此处编辑母版文本样式</a:t>
             </a:r>
-            <a:endParaRPr lang="zh-CN" altLang="en-US"/>
           </a:p>
         </p:txBody>
       </p:sp>
@@ -2347,6 +2317,7 @@
           <a:p>
             <a:fld id="{D997B5FA-0921-464F-AAE1-844C04324D75}" type="datetimeFigureOut">
               <a:rPr lang="zh-CN" altLang="en-US" smtClean="0"/>
+              <a:t>2020/10/13</a:t>
             </a:fld>
             <a:endParaRPr lang="zh-CN" altLang="en-US"/>
           </a:p>
@@ -2388,6 +2359,7 @@
           <a:p>
             <a:fld id="{565CE74E-AB26-4998-AD42-012C4C1AD076}" type="slidenum">
               <a:rPr lang="zh-CN" altLang="en-US" smtClean="0"/>
+              <a:t>‹#›</a:t>
             </a:fld>
             <a:endParaRPr lang="zh-CN" altLang="en-US"/>
           </a:p>
@@ -2461,7 +2433,6 @@
               <a:rPr lang="zh-CN" altLang="en-US"/>
               <a:t>单击此处编辑母版标题样式</a:t>
             </a:r>
-            <a:endParaRPr lang="zh-CN" altLang="en-US"/>
           </a:p>
         </p:txBody>
       </p:sp>
@@ -2497,7 +2468,6 @@
               <a:rPr lang="zh-CN" altLang="en-US"/>
               <a:t>单击此处编辑母版文本样式</a:t>
             </a:r>
-            <a:endParaRPr lang="zh-CN" altLang="en-US"/>
           </a:p>
           <a:p>
             <a:pPr lvl="1"/>
@@ -2505,7 +2475,6 @@
               <a:rPr lang="zh-CN" altLang="en-US"/>
               <a:t>第二级</a:t>
             </a:r>
-            <a:endParaRPr lang="zh-CN" altLang="en-US"/>
           </a:p>
           <a:p>
             <a:pPr lvl="2"/>
@@ -2513,7 +2482,6 @@
               <a:rPr lang="zh-CN" altLang="en-US"/>
               <a:t>第三级</a:t>
             </a:r>
-            <a:endParaRPr lang="zh-CN" altLang="en-US"/>
           </a:p>
           <a:p>
             <a:pPr lvl="3"/>
@@ -2521,7 +2489,6 @@
               <a:rPr lang="zh-CN" altLang="en-US"/>
               <a:t>第四级</a:t>
             </a:r>
-            <a:endParaRPr lang="zh-CN" altLang="en-US"/>
           </a:p>
           <a:p>
             <a:pPr lvl="4"/>
@@ -2529,7 +2496,6 @@
               <a:rPr lang="zh-CN" altLang="en-US"/>
               <a:t>第五级</a:t>
             </a:r>
-            <a:endParaRPr lang="zh-CN" altLang="en-US"/>
           </a:p>
         </p:txBody>
       </p:sp>
@@ -2566,6 +2532,7 @@
           <a:p>
             <a:fld id="{D997B5FA-0921-464F-AAE1-844C04324D75}" type="datetimeFigureOut">
               <a:rPr lang="zh-CN" altLang="en-US" smtClean="0"/>
+              <a:t>2020/10/13</a:t>
             </a:fld>
             <a:endParaRPr lang="zh-CN" altLang="en-US"/>
           </a:p>
@@ -2639,6 +2606,7 @@
           <a:p>
             <a:fld id="{565CE74E-AB26-4998-AD42-012C4C1AD076}" type="slidenum">
               <a:rPr lang="zh-CN" altLang="en-US" smtClean="0"/>
+              <a:t>‹#›</a:t>
             </a:fld>
             <a:endParaRPr lang="zh-CN" altLang="en-US"/>
           </a:p>
@@ -3177,13 +3145,6 @@
               </a:rPr>
               <a:t>前端分享会</a:t>
             </a:r>
-            <a:endParaRPr lang="zh-CN" altLang="en-US" sz="3600" dirty="0">
-              <a:solidFill>
-                <a:schemeClr val="bg1"/>
-              </a:solidFill>
-              <a:latin typeface="微软雅黑" panose="020B0503020204020204" pitchFamily="34" charset="-122"/>
-              <a:ea typeface="微软雅黑" panose="020B0503020204020204" pitchFamily="34" charset="-122"/>
-            </a:endParaRPr>
           </a:p>
         </p:txBody>
       </p:sp>
@@ -3220,13 +3181,6 @@
               </a:rPr>
               <a:t>微前端</a:t>
             </a:r>
-            <a:endParaRPr lang="zh-CN" altLang="en-US" sz="6600" b="1" dirty="0">
-              <a:solidFill>
-                <a:schemeClr val="bg1"/>
-              </a:solidFill>
-              <a:latin typeface="微软雅黑" panose="020B0503020204020204" pitchFamily="34" charset="-122"/>
-              <a:ea typeface="微软雅黑" panose="020B0503020204020204" pitchFamily="34" charset="-122"/>
-            </a:endParaRPr>
           </a:p>
         </p:txBody>
       </p:sp>
@@ -3262,13 +3216,6 @@
               </a:rPr>
               <a:t>研发一部 健康管理组 李浩</a:t>
             </a:r>
-            <a:endParaRPr lang="zh-CN" altLang="en-US" sz="1400" dirty="0">
-              <a:solidFill>
-                <a:schemeClr val="bg1"/>
-              </a:solidFill>
-              <a:latin typeface="微软雅黑 Light" panose="020B0502040204020203" pitchFamily="34" charset="-122"/>
-              <a:ea typeface="微软雅黑 Light" panose="020B0502040204020203" pitchFamily="34" charset="-122"/>
-            </a:endParaRPr>
           </a:p>
         </p:txBody>
       </p:sp>
@@ -3375,13 +3322,6 @@
               </a:rPr>
               <a:t>主项目</a:t>
             </a:r>
-            <a:endParaRPr lang="zh-CN" altLang="en-US" sz="1600">
-              <a:solidFill>
-                <a:schemeClr val="bg1"/>
-              </a:solidFill>
-              <a:latin typeface="微软雅黑" panose="020B0503020204020204" pitchFamily="34" charset="-122"/>
-              <a:ea typeface="微软雅黑" panose="020B0503020204020204" pitchFamily="34" charset="-122"/>
-            </a:endParaRPr>
           </a:p>
         </p:txBody>
       </p:sp>
@@ -3537,10 +3477,6 @@
               </a:rPr>
               <a:t>机构养老</a:t>
             </a:r>
-            <a:endParaRPr lang="zh-CN" altLang="en-US" dirty="0">
-              <a:latin typeface="微软雅黑" panose="020B0503020204020204" pitchFamily="34" charset="-122"/>
-              <a:ea typeface="微软雅黑" panose="020B0503020204020204" pitchFamily="34" charset="-122"/>
-            </a:endParaRPr>
           </a:p>
         </p:txBody>
       </p:sp>
@@ -3590,10 +3526,6 @@
               </a:rPr>
               <a:t>健康档案</a:t>
             </a:r>
-            <a:endParaRPr lang="zh-CN" altLang="en-US">
-              <a:latin typeface="微软雅黑" panose="020B0503020204020204" pitchFamily="34" charset="-122"/>
-              <a:ea typeface="微软雅黑" panose="020B0503020204020204" pitchFamily="34" charset="-122"/>
-            </a:endParaRPr>
           </a:p>
         </p:txBody>
       </p:sp>
@@ -3643,10 +3575,6 @@
               </a:rPr>
               <a:t>社区居家</a:t>
             </a:r>
-            <a:endParaRPr lang="zh-CN" altLang="en-US" dirty="0">
-              <a:latin typeface="微软雅黑" panose="020B0503020204020204" pitchFamily="34" charset="-122"/>
-              <a:ea typeface="微软雅黑" panose="020B0503020204020204" pitchFamily="34" charset="-122"/>
-            </a:endParaRPr>
           </a:p>
         </p:txBody>
       </p:sp>
@@ -3843,10 +3771,6 @@
               </a:rPr>
               <a:t>慢病管理</a:t>
             </a:r>
-            <a:endParaRPr lang="zh-CN" altLang="en-US">
-              <a:latin typeface="微软雅黑" panose="020B0503020204020204" pitchFamily="34" charset="-122"/>
-              <a:ea typeface="微软雅黑" panose="020B0503020204020204" pitchFamily="34" charset="-122"/>
-            </a:endParaRPr>
           </a:p>
         </p:txBody>
       </p:sp>
@@ -3927,10 +3851,6 @@
               </a:rPr>
               <a:t>心理云</a:t>
             </a:r>
-            <a:endParaRPr lang="zh-CN" altLang="en-US" dirty="0">
-              <a:latin typeface="微软雅黑" panose="020B0503020204020204" pitchFamily="34" charset="-122"/>
-              <a:ea typeface="微软雅黑" panose="020B0503020204020204" pitchFamily="34" charset="-122"/>
-            </a:endParaRPr>
           </a:p>
         </p:txBody>
       </p:sp>
@@ -3975,10 +3895,6 @@
               </a:rPr>
               <a:t>舌诊</a:t>
             </a:r>
-            <a:endParaRPr lang="zh-CN" altLang="en-US" dirty="0">
-              <a:latin typeface="微软雅黑" panose="020B0503020204020204" pitchFamily="34" charset="-122"/>
-              <a:ea typeface="微软雅黑" panose="020B0503020204020204" pitchFamily="34" charset="-122"/>
-            </a:endParaRPr>
           </a:p>
         </p:txBody>
       </p:sp>
@@ -4082,13 +3998,6 @@
               </a:rPr>
               <a:t>子应用</a:t>
             </a:r>
-            <a:endParaRPr lang="zh-CN" altLang="en-US" sz="1600">
-              <a:solidFill>
-                <a:schemeClr val="bg1"/>
-              </a:solidFill>
-              <a:latin typeface="微软雅黑" panose="020B0503020204020204" pitchFamily="34" charset="-122"/>
-              <a:ea typeface="微软雅黑" panose="020B0503020204020204" pitchFamily="34" charset="-122"/>
-            </a:endParaRPr>
           </a:p>
         </p:txBody>
       </p:sp>
@@ -4124,13 +4033,6 @@
               </a:rPr>
               <a:t>子应用</a:t>
             </a:r>
-            <a:endParaRPr lang="zh-CN" altLang="en-US" sz="1200">
-              <a:solidFill>
-                <a:schemeClr val="bg1"/>
-              </a:solidFill>
-              <a:latin typeface="微软雅黑" panose="020B0503020204020204" pitchFamily="34" charset="-122"/>
-              <a:ea typeface="微软雅黑" panose="020B0503020204020204" pitchFamily="34" charset="-122"/>
-            </a:endParaRPr>
           </a:p>
         </p:txBody>
       </p:sp>
@@ -4166,13 +4068,6 @@
               </a:rPr>
               <a:t>子应用</a:t>
             </a:r>
-            <a:endParaRPr lang="zh-CN" altLang="en-US" sz="1200">
-              <a:solidFill>
-                <a:schemeClr val="bg1"/>
-              </a:solidFill>
-              <a:latin typeface="微软雅黑" panose="020B0503020204020204" pitchFamily="34" charset="-122"/>
-              <a:ea typeface="微软雅黑" panose="020B0503020204020204" pitchFamily="34" charset="-122"/>
-            </a:endParaRPr>
           </a:p>
         </p:txBody>
       </p:sp>
@@ -5675,13 +5570,6 @@
               </a:rPr>
               <a:t>微前端特点</a:t>
             </a:r>
-            <a:endParaRPr lang="zh-CN" altLang="en-US" sz="3200" dirty="0">
-              <a:solidFill>
-                <a:schemeClr val="bg1"/>
-              </a:solidFill>
-              <a:latin typeface="微软雅黑" panose="020B0503020204020204" pitchFamily="34" charset="-122"/>
-              <a:ea typeface="微软雅黑" panose="020B0503020204020204" pitchFamily="34" charset="-122"/>
-            </a:endParaRPr>
           </a:p>
         </p:txBody>
       </p:sp>
@@ -5715,13 +5603,6 @@
               </a:rPr>
               <a:t>单个前端部分可独立开发、测试和部署</a:t>
             </a:r>
-            <a:endParaRPr lang="zh-CN" altLang="en-US" dirty="0">
-              <a:solidFill>
-                <a:schemeClr val="bg1"/>
-              </a:solidFill>
-              <a:latin typeface="微软雅黑" panose="020B0503020204020204" pitchFamily="34" charset="-122"/>
-              <a:ea typeface="微软雅黑" panose="020B0503020204020204" pitchFamily="34" charset="-122"/>
-            </a:endParaRPr>
           </a:p>
           <a:p>
             <a:pPr>
@@ -5763,13 +5644,6 @@
               </a:rPr>
               <a:t>不同的前端部分可使用不同的技术构建</a:t>
             </a:r>
-            <a:endParaRPr lang="zh-CN" altLang="en-US" dirty="0">
-              <a:solidFill>
-                <a:schemeClr val="bg1"/>
-              </a:solidFill>
-              <a:latin typeface="微软雅黑" panose="020B0503020204020204" pitchFamily="34" charset="-122"/>
-              <a:ea typeface="微软雅黑" panose="020B0503020204020204" pitchFamily="34" charset="-122"/>
-            </a:endParaRPr>
           </a:p>
         </p:txBody>
       </p:sp>
@@ -6293,7 +6167,7 @@
           <p:nvPr/>
         </p:nvPicPr>
         <p:blipFill>
-          <a:blip r:embed="rId1"/>
+          <a:blip r:embed="rId2"/>
           <a:stretch>
             <a:fillRect/>
           </a:stretch>
@@ -6332,7 +6206,7 @@
           <a:p>
             <a:pPr algn="l"/>
             <a:r>
-              <a:rPr lang="zh-CN" altLang="en-US" sz="1200">
+              <a:rPr lang="zh-CN" altLang="en-US" sz="1200" dirty="0">
                 <a:solidFill>
                   <a:schemeClr val="bg1"/>
                 </a:solidFill>
@@ -6341,13 +6215,6 @@
               </a:rPr>
               <a:t>参考资料：Florian Rappl</a:t>
             </a:r>
-            <a:endParaRPr lang="zh-CN" altLang="en-US" sz="1200">
-              <a:solidFill>
-                <a:schemeClr val="bg1"/>
-              </a:solidFill>
-              <a:latin typeface="微软雅黑" panose="020B0503020204020204" pitchFamily="34" charset="-122"/>
-              <a:ea typeface="微软雅黑" panose="020B0503020204020204" pitchFamily="34" charset="-122"/>
-            </a:endParaRPr>
           </a:p>
         </p:txBody>
       </p:sp>
@@ -6457,6 +6324,87 @@
                                   </p:childTnLst>
                                 </p:cTn>
                               </p:par>
+                              <p:par>
+                                <p:cTn id="10" presetID="42" presetClass="entr" presetSubtype="0" fill="hold" grpId="0" nodeType="withEffect">
+                                  <p:stCondLst>
+                                    <p:cond delay="0"/>
+                                  </p:stCondLst>
+                                  <p:childTnLst>
+                                    <p:set>
+                                      <p:cBhvr>
+                                        <p:cTn id="11" dur="1" fill="hold">
+                                          <p:stCondLst>
+                                            <p:cond delay="0"/>
+                                          </p:stCondLst>
+                                        </p:cTn>
+                                        <p:tgtEl>
+                                          <p:spTgt spid="5"/>
+                                        </p:tgtEl>
+                                        <p:attrNameLst>
+                                          <p:attrName>style.visibility</p:attrName>
+                                        </p:attrNameLst>
+                                      </p:cBhvr>
+                                      <p:to>
+                                        <p:strVal val="visible"/>
+                                      </p:to>
+                                    </p:set>
+                                    <p:animEffect transition="in" filter="fade">
+                                      <p:cBhvr>
+                                        <p:cTn id="12" dur="1000"/>
+                                        <p:tgtEl>
+                                          <p:spTgt spid="5"/>
+                                        </p:tgtEl>
+                                      </p:cBhvr>
+                                    </p:animEffect>
+                                    <p:anim calcmode="lin" valueType="num">
+                                      <p:cBhvr>
+                                        <p:cTn id="13" dur="1000" fill="hold"/>
+                                        <p:tgtEl>
+                                          <p:spTgt spid="5"/>
+                                        </p:tgtEl>
+                                        <p:attrNameLst>
+                                          <p:attrName>ppt_x</p:attrName>
+                                        </p:attrNameLst>
+                                      </p:cBhvr>
+                                      <p:tavLst>
+                                        <p:tav tm="0">
+                                          <p:val>
+                                            <p:strVal val="#ppt_x"/>
+                                          </p:val>
+                                        </p:tav>
+                                        <p:tav tm="100000">
+                                          <p:val>
+                                            <p:strVal val="#ppt_x"/>
+                                          </p:val>
+                                        </p:tav>
+                                      </p:tavLst>
+                                    </p:anim>
+                                    <p:anim calcmode="lin" valueType="num">
+                                      <p:cBhvr>
+                                        <p:cTn id="14" dur="1000" fill="hold"/>
+                                        <p:tgtEl>
+                                          <p:spTgt spid="5"/>
+                                        </p:tgtEl>
+                                        <p:attrNameLst>
+                                          <p:attrName>ppt_y</p:attrName>
+                                        </p:attrNameLst>
+                                      </p:cBhvr>
+                                      <p:tavLst>
+                                        <p:tav tm="0">
+                                          <p:val>
+                                            <p:strVal val="#ppt_y+.1"/>
+                                          </p:val>
+                                        </p:tav>
+                                        <p:tav tm="100000">
+                                          <p:val>
+                                            <p:strVal val="#ppt_y"/>
+                                          </p:val>
+                                        </p:tav>
+                                      </p:tavLst>
+                                    </p:anim>
+                                  </p:childTnLst>
+                                </p:cTn>
+                              </p:par>
                             </p:childTnLst>
                           </p:cTn>
                         </p:par>
@@ -6484,6 +6432,9 @@
         </p:cTn>
       </p:par>
     </p:tnLst>
+    <p:bldLst>
+      <p:bldP spid="5" grpId="0"/>
+    </p:bldLst>
   </p:timing>
 </p:sld>
 </file>
@@ -6550,13 +6501,6 @@
               </a:rPr>
               <a:t>使用微前端需要解决的主要问题以及解决方案</a:t>
             </a:r>
-            <a:endParaRPr lang="zh-CN" altLang="en-US" sz="4800" dirty="0">
-              <a:solidFill>
-                <a:schemeClr val="bg1"/>
-              </a:solidFill>
-              <a:latin typeface="微软雅黑" panose="020B0503020204020204" pitchFamily="34" charset="-122"/>
-              <a:ea typeface="微软雅黑" panose="020B0503020204020204" pitchFamily="34" charset="-122"/>
-            </a:endParaRPr>
           </a:p>
         </p:txBody>
       </p:sp>
@@ -6750,13 +6694,6 @@
               </a:rPr>
               <a:t>核心：技术栈无关</a:t>
             </a:r>
-            <a:endParaRPr lang="zh-CN" altLang="en-US" sz="3600" dirty="0">
-              <a:solidFill>
-                <a:schemeClr val="bg1"/>
-              </a:solidFill>
-              <a:latin typeface="微软雅黑" panose="020B0503020204020204" pitchFamily="34" charset="-122"/>
-              <a:ea typeface="微软雅黑" panose="020B0503020204020204" pitchFamily="34" charset="-122"/>
-            </a:endParaRPr>
           </a:p>
         </p:txBody>
       </p:sp>
@@ -6823,13 +6760,6 @@
               </a:rPr>
               <a:t>向前兼容：可接入新技术、面向未来</a:t>
             </a:r>
-            <a:endParaRPr lang="zh-CN" altLang="en-US" dirty="0">
-              <a:solidFill>
-                <a:schemeClr val="bg1"/>
-              </a:solidFill>
-              <a:latin typeface="微软雅黑" panose="020B0503020204020204" pitchFamily="34" charset="-122"/>
-              <a:ea typeface="微软雅黑" panose="020B0503020204020204" pitchFamily="34" charset="-122"/>
-            </a:endParaRPr>
           </a:p>
         </p:txBody>
       </p:sp>
@@ -7428,7 +7358,6 @@
               <a:rPr lang="en-US" altLang="zh-CN" dirty="0"/>
               <a:t>Vue</a:t>
             </a:r>
-            <a:endParaRPr lang="en-US" altLang="zh-CN" dirty="0"/>
           </a:p>
           <a:p>
             <a:pPr algn="ctr"/>
@@ -7511,7 +7440,6 @@
               <a:rPr lang="en-US" altLang="zh-CN" dirty="0"/>
               <a:t>React</a:t>
             </a:r>
-            <a:endParaRPr lang="en-US" altLang="zh-CN" dirty="0"/>
           </a:p>
           <a:p>
             <a:pPr algn="ctr"/>
@@ -7523,7 +7451,6 @@
               <a:rPr lang="en-US" altLang="zh-CN" dirty="0"/>
               <a:t>Webpack@4</a:t>
             </a:r>
-            <a:endParaRPr lang="en-US" altLang="zh-CN" dirty="0"/>
           </a:p>
           <a:p>
             <a:pPr algn="ctr"/>
@@ -7531,7 +7458,6 @@
               <a:rPr lang="en-US" altLang="zh-CN" dirty="0"/>
               <a:t>CSS Modules</a:t>
             </a:r>
-            <a:endParaRPr lang="en-US" altLang="zh-CN" dirty="0"/>
           </a:p>
           <a:p>
             <a:pPr algn="ctr"/>
@@ -7539,7 +7465,6 @@
               <a:rPr lang="en-US" altLang="zh-CN" dirty="0"/>
               <a:t>JSX</a:t>
             </a:r>
-            <a:endParaRPr lang="en-US" altLang="zh-CN" dirty="0"/>
           </a:p>
           <a:p>
             <a:pPr algn="ctr"/>
@@ -7547,7 +7472,6 @@
               <a:rPr lang="en-US" altLang="zh-CN" dirty="0"/>
               <a:t>React@16</a:t>
             </a:r>
-            <a:endParaRPr lang="en-US" altLang="zh-CN" dirty="0"/>
           </a:p>
         </p:txBody>
       </p:sp>
@@ -7597,7 +7521,6 @@
               <a:rPr lang="en-US" altLang="zh-CN" dirty="0"/>
               <a:t>Angular</a:t>
             </a:r>
-            <a:endParaRPr lang="en-US" altLang="zh-CN" dirty="0"/>
           </a:p>
           <a:p>
             <a:pPr algn="ctr"/>
@@ -7609,7 +7532,6 @@
               <a:rPr lang="en-US" altLang="zh-CN" dirty="0"/>
               <a:t>Rx.js</a:t>
             </a:r>
-            <a:endParaRPr lang="en-US" altLang="zh-CN" dirty="0"/>
           </a:p>
           <a:p>
             <a:pPr algn="ctr"/>
@@ -7617,7 +7539,6 @@
               <a:rPr lang="en-US" altLang="zh-CN" dirty="0"/>
               <a:t>CSS</a:t>
             </a:r>
-            <a:endParaRPr lang="en-US" altLang="zh-CN" dirty="0"/>
           </a:p>
           <a:p>
             <a:pPr algn="ctr"/>
@@ -7625,7 +7546,6 @@
               <a:rPr lang="en-US" altLang="zh-CN" dirty="0"/>
               <a:t>angular@6</a:t>
             </a:r>
-            <a:endParaRPr lang="en-US" altLang="zh-CN" dirty="0"/>
           </a:p>
         </p:txBody>
       </p:sp>
@@ -7681,13 +7601,6 @@
               </a:rPr>
               <a:t>（作为主应用）</a:t>
             </a:r>
-            <a:endParaRPr lang="zh-CN" altLang="en-US" sz="1600" b="1">
-              <a:solidFill>
-                <a:schemeClr val="bg1"/>
-              </a:solidFill>
-              <a:latin typeface="微软雅黑" panose="020B0503020204020204" pitchFamily="34" charset="-122"/>
-              <a:ea typeface="微软雅黑" panose="020B0503020204020204" pitchFamily="34" charset="-122"/>
-            </a:endParaRPr>
           </a:p>
         </p:txBody>
       </p:sp>
@@ -7733,13 +7646,6 @@
               </a:rPr>
               <a:t>C</a:t>
             </a:r>
-            <a:endParaRPr lang="en-US" altLang="zh-CN" sz="1600" b="1">
-              <a:solidFill>
-                <a:schemeClr val="bg1"/>
-              </a:solidFill>
-              <a:latin typeface="微软雅黑" panose="020B0503020204020204" pitchFamily="34" charset="-122"/>
-              <a:ea typeface="微软雅黑" panose="020B0503020204020204" pitchFamily="34" charset="-122"/>
-            </a:endParaRPr>
           </a:p>
         </p:txBody>
       </p:sp>
@@ -7785,13 +7691,6 @@
               </a:rPr>
               <a:t>B</a:t>
             </a:r>
-            <a:endParaRPr lang="en-US" altLang="zh-CN" sz="1600" b="1">
-              <a:solidFill>
-                <a:schemeClr val="bg1"/>
-              </a:solidFill>
-              <a:latin typeface="微软雅黑" panose="020B0503020204020204" pitchFamily="34" charset="-122"/>
-              <a:ea typeface="微软雅黑" panose="020B0503020204020204" pitchFamily="34" charset="-122"/>
-            </a:endParaRPr>
           </a:p>
         </p:txBody>
       </p:sp>
@@ -7853,13 +7752,6 @@
               </a:rPr>
               <a:t>其他关键问题</a:t>
             </a:r>
-            <a:endParaRPr lang="zh-CN" altLang="en-US" sz="3600" dirty="0">
-              <a:solidFill>
-                <a:schemeClr val="bg1"/>
-              </a:solidFill>
-              <a:latin typeface="微软雅黑" panose="020B0503020204020204" pitchFamily="34" charset="-122"/>
-              <a:ea typeface="微软雅黑" panose="020B0503020204020204" pitchFamily="34" charset="-122"/>
-            </a:endParaRPr>
           </a:p>
         </p:txBody>
       </p:sp>
@@ -8008,13 +7900,6 @@
               </a:rPr>
               <a:t>父子、子子应用的通讯</a:t>
             </a:r>
-            <a:endParaRPr lang="zh-CN" altLang="en-US" dirty="0">
-              <a:solidFill>
-                <a:schemeClr val="bg1"/>
-              </a:solidFill>
-              <a:latin typeface="微软雅黑" panose="020B0503020204020204" pitchFamily="34" charset="-122"/>
-              <a:ea typeface="微软雅黑" panose="020B0503020204020204" pitchFamily="34" charset="-122"/>
-            </a:endParaRPr>
           </a:p>
         </p:txBody>
       </p:sp>
@@ -8899,13 +8784,6 @@
               </a:rPr>
               <a:t>解决方案</a:t>
             </a:r>
-            <a:endParaRPr lang="zh-CN" altLang="en-US" sz="3600" dirty="0">
-              <a:solidFill>
-                <a:schemeClr val="bg1"/>
-              </a:solidFill>
-              <a:latin typeface="微软雅黑" panose="020B0503020204020204" pitchFamily="34" charset="-122"/>
-              <a:ea typeface="微软雅黑" panose="020B0503020204020204" pitchFamily="34" charset="-122"/>
-            </a:endParaRPr>
           </a:p>
         </p:txBody>
       </p:sp>
@@ -8943,13 +8821,6 @@
               </a:rPr>
               <a:t>· iframe</a:t>
             </a:r>
-            <a:endParaRPr lang="en-US" altLang="zh-CN" sz="1600" b="1" dirty="0">
-              <a:solidFill>
-                <a:schemeClr val="bg1"/>
-              </a:solidFill>
-              <a:latin typeface="微软雅黑" panose="020B0503020204020204" pitchFamily="34" charset="-122"/>
-              <a:ea typeface="微软雅黑" panose="020B0503020204020204" pitchFamily="34" charset="-122"/>
-            </a:endParaRPr>
           </a:p>
           <a:p>
             <a:pPr marL="71755" indent="0">
@@ -9107,13 +8978,6 @@
               </a:rPr>
               <a:t>· single-spa</a:t>
             </a:r>
-            <a:endParaRPr lang="en-US" altLang="zh-CN" sz="1600" b="1" dirty="0">
-              <a:solidFill>
-                <a:schemeClr val="bg1"/>
-              </a:solidFill>
-              <a:latin typeface="微软雅黑" panose="020B0503020204020204" pitchFamily="34" charset="-122"/>
-              <a:ea typeface="微软雅黑" panose="020B0503020204020204" pitchFamily="34" charset="-122"/>
-            </a:endParaRPr>
           </a:p>
           <a:p>
             <a:pPr marL="71755" indent="0">
@@ -10231,10 +10095,6 @@
               </a:rPr>
               <a:t>主应用</a:t>
             </a:r>
-            <a:endParaRPr lang="zh-CN" altLang="en-US">
-              <a:latin typeface="微软雅黑" panose="020B0503020204020204" pitchFamily="34" charset="-122"/>
-              <a:ea typeface="微软雅黑" panose="020B0503020204020204" pitchFamily="34" charset="-122"/>
-            </a:endParaRPr>
           </a:p>
         </p:txBody>
       </p:sp>
@@ -10339,13 +10199,6 @@
               </a:rPr>
               <a:t>/proj-1/*</a:t>
             </a:r>
-            <a:endParaRPr lang="en-US" altLang="zh-CN" sz="1600">
-              <a:solidFill>
-                <a:schemeClr val="bg1"/>
-              </a:solidFill>
-              <a:latin typeface="微软雅黑" panose="020B0503020204020204" pitchFamily="34" charset="-122"/>
-              <a:ea typeface="微软雅黑" panose="020B0503020204020204" pitchFamily="34" charset="-122"/>
-            </a:endParaRPr>
           </a:p>
         </p:txBody>
       </p:sp>
@@ -10381,13 +10234,6 @@
               </a:rPr>
               <a:t>/proj-2/*</a:t>
             </a:r>
-            <a:endParaRPr lang="en-US" altLang="zh-CN" sz="1600">
-              <a:solidFill>
-                <a:schemeClr val="bg1"/>
-              </a:solidFill>
-              <a:latin typeface="微软雅黑" panose="020B0503020204020204" pitchFamily="34" charset="-122"/>
-              <a:ea typeface="微软雅黑" panose="020B0503020204020204" pitchFamily="34" charset="-122"/>
-            </a:endParaRPr>
           </a:p>
         </p:txBody>
       </p:sp>
@@ -10543,10 +10389,6 @@
               </a:rPr>
               <a:t>1</a:t>
             </a:r>
-            <a:endParaRPr lang="en-US" altLang="zh-CN">
-              <a:latin typeface="微软雅黑" panose="020B0503020204020204" pitchFamily="34" charset="-122"/>
-              <a:ea typeface="微软雅黑" panose="020B0503020204020204" pitchFamily="34" charset="-122"/>
-            </a:endParaRPr>
           </a:p>
         </p:txBody>
       </p:sp>
@@ -10606,10 +10448,6 @@
               </a:rPr>
               <a:t>2</a:t>
             </a:r>
-            <a:endParaRPr lang="en-US" altLang="zh-CN">
-              <a:latin typeface="微软雅黑" panose="020B0503020204020204" pitchFamily="34" charset="-122"/>
-              <a:ea typeface="微软雅黑" panose="020B0503020204020204" pitchFamily="34" charset="-122"/>
-            </a:endParaRPr>
           </a:p>
         </p:txBody>
       </p:sp>
@@ -10662,10 +10500,6 @@
               </a:rPr>
               <a:t>/proj-1/home</a:t>
             </a:r>
-            <a:endParaRPr lang="en-US" altLang="zh-CN" sz="1200">
-              <a:latin typeface="微软雅黑" panose="020B0503020204020204" pitchFamily="34" charset="-122"/>
-              <a:ea typeface="微软雅黑" panose="020B0503020204020204" pitchFamily="34" charset="-122"/>
-            </a:endParaRPr>
           </a:p>
           <a:p>
             <a:pPr algn="ctr"/>
@@ -10676,10 +10510,6 @@
               </a:rPr>
               <a:t>/proj-1/info</a:t>
             </a:r>
-            <a:endParaRPr lang="en-US" altLang="zh-CN" sz="1200">
-              <a:latin typeface="微软雅黑" panose="020B0503020204020204" pitchFamily="34" charset="-122"/>
-              <a:ea typeface="微软雅黑" panose="020B0503020204020204" pitchFamily="34" charset="-122"/>
-            </a:endParaRPr>
           </a:p>
           <a:p>
             <a:pPr algn="ctr"/>
@@ -10690,10 +10520,6 @@
               </a:rPr>
               <a:t>......</a:t>
             </a:r>
-            <a:endParaRPr lang="en-US" altLang="zh-CN" sz="1200">
-              <a:latin typeface="微软雅黑" panose="020B0503020204020204" pitchFamily="34" charset="-122"/>
-              <a:ea typeface="微软雅黑" panose="020B0503020204020204" pitchFamily="34" charset="-122"/>
-            </a:endParaRPr>
           </a:p>
         </p:txBody>
       </p:sp>
@@ -10746,10 +10572,6 @@
               </a:rPr>
               <a:t>/proj-2/home</a:t>
             </a:r>
-            <a:endParaRPr lang="en-US" altLang="zh-CN" sz="1200">
-              <a:latin typeface="微软雅黑" panose="020B0503020204020204" pitchFamily="34" charset="-122"/>
-              <a:ea typeface="微软雅黑" panose="020B0503020204020204" pitchFamily="34" charset="-122"/>
-            </a:endParaRPr>
           </a:p>
           <a:p>
             <a:pPr algn="ctr"/>
@@ -10760,10 +10582,6 @@
               </a:rPr>
               <a:t>/proj-2/info</a:t>
             </a:r>
-            <a:endParaRPr lang="en-US" altLang="zh-CN" sz="1200">
-              <a:latin typeface="微软雅黑" panose="020B0503020204020204" pitchFamily="34" charset="-122"/>
-              <a:ea typeface="微软雅黑" panose="020B0503020204020204" pitchFamily="34" charset="-122"/>
-            </a:endParaRPr>
           </a:p>
           <a:p>
             <a:pPr algn="ctr"/>
@@ -10774,10 +10592,6 @@
               </a:rPr>
               <a:t>......</a:t>
             </a:r>
-            <a:endParaRPr lang="en-US" altLang="zh-CN" sz="1200">
-              <a:latin typeface="微软雅黑" panose="020B0503020204020204" pitchFamily="34" charset="-122"/>
-              <a:ea typeface="微软雅黑" panose="020B0503020204020204" pitchFamily="34" charset="-122"/>
-            </a:endParaRPr>
           </a:p>
         </p:txBody>
       </p:sp>
@@ -10813,13 +10627,6 @@
               </a:rPr>
               <a:t>应用路由</a:t>
             </a:r>
-            <a:endParaRPr lang="zh-CN" altLang="en-US" sz="3600" dirty="0">
-              <a:solidFill>
-                <a:schemeClr val="bg1"/>
-              </a:solidFill>
-              <a:latin typeface="微软雅黑" panose="020B0503020204020204" pitchFamily="34" charset="-122"/>
-              <a:ea typeface="微软雅黑" panose="020B0503020204020204" pitchFamily="34" charset="-122"/>
-            </a:endParaRPr>
           </a:p>
         </p:txBody>
       </p:sp>
@@ -10885,13 +10692,6 @@
               </a:rPr>
               <a:t>的原始方案，包括路由劫持、路由切换、路由加载。</a:t>
             </a:r>
-            <a:endParaRPr lang="zh-CN" altLang="en-US" sz="2000" dirty="0">
-              <a:solidFill>
-                <a:schemeClr val="bg1"/>
-              </a:solidFill>
-              <a:latin typeface="微软雅黑" panose="020B0503020204020204" pitchFamily="34" charset="-122"/>
-              <a:ea typeface="微软雅黑" panose="020B0503020204020204" pitchFamily="34" charset="-122"/>
-            </a:endParaRPr>
           </a:p>
         </p:txBody>
       </p:sp>
@@ -12171,13 +11971,6 @@
               </a:rPr>
               <a:t>子应用生命周期</a:t>
             </a:r>
-            <a:endParaRPr lang="zh-CN" altLang="en-US" sz="3600" dirty="0">
-              <a:solidFill>
-                <a:schemeClr val="bg1"/>
-              </a:solidFill>
-              <a:latin typeface="微软雅黑" panose="020B0503020204020204" pitchFamily="34" charset="-122"/>
-              <a:ea typeface="微软雅黑" panose="020B0503020204020204" pitchFamily="34" charset="-122"/>
-            </a:endParaRPr>
           </a:p>
         </p:txBody>
       </p:sp>
@@ -12323,13 +12116,6 @@
               </a:rPr>
               <a:t>就知道该如何去加载这个子应用。</a:t>
             </a:r>
-            <a:endParaRPr lang="zh-CN" altLang="en-US" sz="2000" dirty="0">
-              <a:solidFill>
-                <a:schemeClr val="bg1"/>
-              </a:solidFill>
-              <a:latin typeface="微软雅黑" panose="020B0503020204020204" pitchFamily="34" charset="-122"/>
-              <a:ea typeface="微软雅黑" panose="020B0503020204020204" pitchFamily="34" charset="-122"/>
-            </a:endParaRPr>
           </a:p>
         </p:txBody>
       </p:sp>
@@ -12365,6 +12151,72 @@
               </a:rPr>
               <a:t>export async function bootstrap() {</a:t>
             </a:r>
+          </a:p>
+          <a:p>
+            <a:r>
+              <a:rPr lang="en-US" altLang="zh-CN" sz="1600" dirty="0">
+                <a:solidFill>
+                  <a:schemeClr val="bg1"/>
+                </a:solidFill>
+                <a:latin typeface="Arial" panose="020B0604020202020204" pitchFamily="34" charset="0"/>
+                <a:cs typeface="Arial" panose="020B0604020202020204" pitchFamily="34" charset="0"/>
+              </a:rPr>
+              <a:t>  console.log("</a:t>
+            </a:r>
+            <a:r>
+              <a:rPr lang="en-US" altLang="zh-CN" sz="1600" dirty="0" err="1">
+                <a:solidFill>
+                  <a:schemeClr val="bg1"/>
+                </a:solidFill>
+                <a:latin typeface="Arial" panose="020B0604020202020204" pitchFamily="34" charset="0"/>
+                <a:cs typeface="Arial" panose="020B0604020202020204" pitchFamily="34" charset="0"/>
+              </a:rPr>
+              <a:t>vue</a:t>
+            </a:r>
+            <a:r>
+              <a:rPr lang="en-US" altLang="zh-CN" sz="1600" dirty="0">
+                <a:solidFill>
+                  <a:schemeClr val="bg1"/>
+                </a:solidFill>
+                <a:latin typeface="Arial" panose="020B0604020202020204" pitchFamily="34" charset="0"/>
+                <a:cs typeface="Arial" panose="020B0604020202020204" pitchFamily="34" charset="0"/>
+              </a:rPr>
+              <a:t> app </a:t>
+            </a:r>
+            <a:r>
+              <a:rPr lang="en-US" altLang="zh-CN" sz="1600" dirty="0" err="1">
+                <a:solidFill>
+                  <a:schemeClr val="bg1"/>
+                </a:solidFill>
+                <a:latin typeface="Arial" panose="020B0604020202020204" pitchFamily="34" charset="0"/>
+                <a:cs typeface="Arial" panose="020B0604020202020204" pitchFamily="34" charset="0"/>
+              </a:rPr>
+              <a:t>bootstraped</a:t>
+            </a:r>
+            <a:r>
+              <a:rPr lang="en-US" altLang="zh-CN" sz="1600" dirty="0">
+                <a:solidFill>
+                  <a:schemeClr val="bg1"/>
+                </a:solidFill>
+                <a:latin typeface="Arial" panose="020B0604020202020204" pitchFamily="34" charset="0"/>
+                <a:cs typeface="Arial" panose="020B0604020202020204" pitchFamily="34" charset="0"/>
+              </a:rPr>
+              <a:t>");</a:t>
+            </a:r>
+          </a:p>
+          <a:p>
+            <a:r>
+              <a:rPr lang="en-US" altLang="zh-CN" sz="1600" dirty="0">
+                <a:solidFill>
+                  <a:schemeClr val="bg1"/>
+                </a:solidFill>
+                <a:latin typeface="Arial" panose="020B0604020202020204" pitchFamily="34" charset="0"/>
+                <a:cs typeface="Arial" panose="020B0604020202020204" pitchFamily="34" charset="0"/>
+              </a:rPr>
+              <a:t>}</a:t>
+            </a:r>
+          </a:p>
+          <a:p>
             <a:endParaRPr lang="en-US" altLang="zh-CN" sz="1600" dirty="0">
               <a:solidFill>
                 <a:schemeClr val="bg1"/>
@@ -12382,7 +12234,19 @@
                 <a:latin typeface="Arial" panose="020B0604020202020204" pitchFamily="34" charset="0"/>
                 <a:cs typeface="Arial" panose="020B0604020202020204" pitchFamily="34" charset="0"/>
               </a:rPr>
-              <a:t>  console.log("</a:t>
+              <a:t>export async function mount(props) {</a:t>
+            </a:r>
+          </a:p>
+          <a:p>
+            <a:r>
+              <a:rPr lang="en-US" altLang="zh-CN" sz="1600" dirty="0">
+                <a:solidFill>
+                  <a:schemeClr val="bg1"/>
+                </a:solidFill>
+                <a:latin typeface="Arial" panose="020B0604020202020204" pitchFamily="34" charset="0"/>
+                <a:cs typeface="Arial" panose="020B0604020202020204" pitchFamily="34" charset="0"/>
+              </a:rPr>
+              <a:t>  console.log("props from main framework", </a:t>
             </a:r>
             <a:r>
               <a:rPr lang="en-US" altLang="zh-CN" sz="1600" dirty="0" err="1">
@@ -12392,7 +12256,7 @@
                 <a:latin typeface="Arial" panose="020B0604020202020204" pitchFamily="34" charset="0"/>
                 <a:cs typeface="Arial" panose="020B0604020202020204" pitchFamily="34" charset="0"/>
               </a:rPr>
-              <a:t>vue</a:t>
+              <a:t>props.data</a:t>
             </a:r>
             <a:r>
               <a:rPr lang="en-US" altLang="zh-CN" sz="1600" dirty="0">
@@ -12402,18 +12266,10 @@
                 <a:latin typeface="Arial" panose="020B0604020202020204" pitchFamily="34" charset="0"/>
                 <a:cs typeface="Arial" panose="020B0604020202020204" pitchFamily="34" charset="0"/>
               </a:rPr>
-              <a:t> app </a:t>
-            </a:r>
-            <a:r>
-              <a:rPr lang="en-US" altLang="zh-CN" sz="1600" dirty="0" err="1">
-                <a:solidFill>
-                  <a:schemeClr val="bg1"/>
-                </a:solidFill>
-                <a:latin typeface="Arial" panose="020B0604020202020204" pitchFamily="34" charset="0"/>
-                <a:cs typeface="Arial" panose="020B0604020202020204" pitchFamily="34" charset="0"/>
-              </a:rPr>
-              <a:t>bootstraped</a:t>
-            </a:r>
+              <a:t>);</a:t>
+            </a:r>
+          </a:p>
+          <a:p>
             <a:r>
               <a:rPr lang="en-US" altLang="zh-CN" sz="1600" dirty="0">
                 <a:solidFill>
@@ -12422,8 +12278,22 @@
                 <a:latin typeface="Arial" panose="020B0604020202020204" pitchFamily="34" charset="0"/>
                 <a:cs typeface="Arial" panose="020B0604020202020204" pitchFamily="34" charset="0"/>
               </a:rPr>
-              <a:t>");</a:t>
-            </a:r>
+              <a:t>  render(props);</a:t>
+            </a:r>
+          </a:p>
+          <a:p>
+            <a:r>
+              <a:rPr lang="en-US" altLang="zh-CN" sz="1600" dirty="0">
+                <a:solidFill>
+                  <a:schemeClr val="bg1"/>
+                </a:solidFill>
+                <a:latin typeface="Arial" panose="020B0604020202020204" pitchFamily="34" charset="0"/>
+                <a:cs typeface="Arial" panose="020B0604020202020204" pitchFamily="34" charset="0"/>
+              </a:rPr>
+              <a:t>}</a:t>
+            </a:r>
+          </a:p>
+          <a:p>
             <a:endParaRPr lang="en-US" altLang="zh-CN" sz="1600" dirty="0">
               <a:solidFill>
                 <a:schemeClr val="bg1"/>
@@ -12441,24 +12311,8 @@
                 <a:latin typeface="Arial" panose="020B0604020202020204" pitchFamily="34" charset="0"/>
                 <a:cs typeface="Arial" panose="020B0604020202020204" pitchFamily="34" charset="0"/>
               </a:rPr>
-              <a:t>}</a:t>
-            </a:r>
-            <a:endParaRPr lang="en-US" altLang="zh-CN" sz="1600" dirty="0">
-              <a:solidFill>
-                <a:schemeClr val="bg1"/>
-              </a:solidFill>
-              <a:latin typeface="Arial" panose="020B0604020202020204" pitchFamily="34" charset="0"/>
-              <a:cs typeface="Arial" panose="020B0604020202020204" pitchFamily="34" charset="0"/>
-            </a:endParaRPr>
-          </a:p>
-          <a:p>
-            <a:endParaRPr lang="en-US" altLang="zh-CN" sz="1600" dirty="0">
-              <a:solidFill>
-                <a:schemeClr val="bg1"/>
-              </a:solidFill>
-              <a:latin typeface="Arial" panose="020B0604020202020204" pitchFamily="34" charset="0"/>
-              <a:cs typeface="Arial" panose="020B0604020202020204" pitchFamily="34" charset="0"/>
-            </a:endParaRPr>
+              <a:t>export async function unmount() {</a:t>
+            </a:r>
           </a:p>
           <a:p>
             <a:r>
@@ -12469,17 +12323,18 @@
                 <a:latin typeface="Arial" panose="020B0604020202020204" pitchFamily="34" charset="0"/>
                 <a:cs typeface="Arial" panose="020B0604020202020204" pitchFamily="34" charset="0"/>
               </a:rPr>
-              <a:t>export async function mount(props) {</a:t>
-            </a:r>
-            <a:endParaRPr lang="en-US" altLang="zh-CN" sz="1600" dirty="0">
-              <a:solidFill>
-                <a:schemeClr val="bg1"/>
-              </a:solidFill>
-              <a:latin typeface="Arial" panose="020B0604020202020204" pitchFamily="34" charset="0"/>
-              <a:cs typeface="Arial" panose="020B0604020202020204" pitchFamily="34" charset="0"/>
-            </a:endParaRPr>
-          </a:p>
-          <a:p>
+              <a:t>  console.log("</a:t>
+            </a:r>
+            <a:r>
+              <a:rPr lang="en-US" altLang="zh-CN" sz="1600" dirty="0" err="1">
+                <a:solidFill>
+                  <a:schemeClr val="bg1"/>
+                </a:solidFill>
+                <a:latin typeface="Arial" panose="020B0604020202020204" pitchFamily="34" charset="0"/>
+                <a:cs typeface="Arial" panose="020B0604020202020204" pitchFamily="34" charset="0"/>
+              </a:rPr>
+              <a:t>vue</a:t>
+            </a:r>
             <a:r>
               <a:rPr lang="en-US" altLang="zh-CN" sz="1600" dirty="0">
                 <a:solidFill>
@@ -12488,140 +12343,8 @@
                 <a:latin typeface="Arial" panose="020B0604020202020204" pitchFamily="34" charset="0"/>
                 <a:cs typeface="Arial" panose="020B0604020202020204" pitchFamily="34" charset="0"/>
               </a:rPr>
-              <a:t>  console.log("props from main framework", </a:t>
-            </a:r>
-            <a:r>
-              <a:rPr lang="en-US" altLang="zh-CN" sz="1600" dirty="0" err="1">
-                <a:solidFill>
-                  <a:schemeClr val="bg1"/>
-                </a:solidFill>
-                <a:latin typeface="Arial" panose="020B0604020202020204" pitchFamily="34" charset="0"/>
-                <a:cs typeface="Arial" panose="020B0604020202020204" pitchFamily="34" charset="0"/>
-              </a:rPr>
-              <a:t>props.data</a:t>
-            </a:r>
-            <a:r>
-              <a:rPr lang="en-US" altLang="zh-CN" sz="1600" dirty="0">
-                <a:solidFill>
-                  <a:schemeClr val="bg1"/>
-                </a:solidFill>
-                <a:latin typeface="Arial" panose="020B0604020202020204" pitchFamily="34" charset="0"/>
-                <a:cs typeface="Arial" panose="020B0604020202020204" pitchFamily="34" charset="0"/>
-              </a:rPr>
-              <a:t>);</a:t>
-            </a:r>
-            <a:endParaRPr lang="en-US" altLang="zh-CN" sz="1600" dirty="0">
-              <a:solidFill>
-                <a:schemeClr val="bg1"/>
-              </a:solidFill>
-              <a:latin typeface="Arial" panose="020B0604020202020204" pitchFamily="34" charset="0"/>
-              <a:cs typeface="Arial" panose="020B0604020202020204" pitchFamily="34" charset="0"/>
-            </a:endParaRPr>
-          </a:p>
-          <a:p>
-            <a:r>
-              <a:rPr lang="en-US" altLang="zh-CN" sz="1600" dirty="0">
-                <a:solidFill>
-                  <a:schemeClr val="bg1"/>
-                </a:solidFill>
-                <a:latin typeface="Arial" panose="020B0604020202020204" pitchFamily="34" charset="0"/>
-                <a:cs typeface="Arial" panose="020B0604020202020204" pitchFamily="34" charset="0"/>
-              </a:rPr>
-              <a:t>  render(props);</a:t>
-            </a:r>
-            <a:endParaRPr lang="en-US" altLang="zh-CN" sz="1600" dirty="0">
-              <a:solidFill>
-                <a:schemeClr val="bg1"/>
-              </a:solidFill>
-              <a:latin typeface="Arial" panose="020B0604020202020204" pitchFamily="34" charset="0"/>
-              <a:cs typeface="Arial" panose="020B0604020202020204" pitchFamily="34" charset="0"/>
-            </a:endParaRPr>
-          </a:p>
-          <a:p>
-            <a:r>
-              <a:rPr lang="en-US" altLang="zh-CN" sz="1600" dirty="0">
-                <a:solidFill>
-                  <a:schemeClr val="bg1"/>
-                </a:solidFill>
-                <a:latin typeface="Arial" panose="020B0604020202020204" pitchFamily="34" charset="0"/>
-                <a:cs typeface="Arial" panose="020B0604020202020204" pitchFamily="34" charset="0"/>
-              </a:rPr>
-              <a:t>}</a:t>
-            </a:r>
-            <a:endParaRPr lang="en-US" altLang="zh-CN" sz="1600" dirty="0">
-              <a:solidFill>
-                <a:schemeClr val="bg1"/>
-              </a:solidFill>
-              <a:latin typeface="Arial" panose="020B0604020202020204" pitchFamily="34" charset="0"/>
-              <a:cs typeface="Arial" panose="020B0604020202020204" pitchFamily="34" charset="0"/>
-            </a:endParaRPr>
-          </a:p>
-          <a:p>
-            <a:endParaRPr lang="en-US" altLang="zh-CN" sz="1600" dirty="0">
-              <a:solidFill>
-                <a:schemeClr val="bg1"/>
-              </a:solidFill>
-              <a:latin typeface="Arial" panose="020B0604020202020204" pitchFamily="34" charset="0"/>
-              <a:cs typeface="Arial" panose="020B0604020202020204" pitchFamily="34" charset="0"/>
-            </a:endParaRPr>
-          </a:p>
-          <a:p>
-            <a:r>
-              <a:rPr lang="en-US" altLang="zh-CN" sz="1600" dirty="0">
-                <a:solidFill>
-                  <a:schemeClr val="bg1"/>
-                </a:solidFill>
-                <a:latin typeface="Arial" panose="020B0604020202020204" pitchFamily="34" charset="0"/>
-                <a:cs typeface="Arial" panose="020B0604020202020204" pitchFamily="34" charset="0"/>
-              </a:rPr>
-              <a:t>export async function unmount() {</a:t>
-            </a:r>
-            <a:endParaRPr lang="en-US" altLang="zh-CN" sz="1600" dirty="0">
-              <a:solidFill>
-                <a:schemeClr val="bg1"/>
-              </a:solidFill>
-              <a:latin typeface="Arial" panose="020B0604020202020204" pitchFamily="34" charset="0"/>
-              <a:cs typeface="Arial" panose="020B0604020202020204" pitchFamily="34" charset="0"/>
-            </a:endParaRPr>
-          </a:p>
-          <a:p>
-            <a:r>
-              <a:rPr lang="en-US" altLang="zh-CN" sz="1600" dirty="0">
-                <a:solidFill>
-                  <a:schemeClr val="bg1"/>
-                </a:solidFill>
-                <a:latin typeface="Arial" panose="020B0604020202020204" pitchFamily="34" charset="0"/>
-                <a:cs typeface="Arial" panose="020B0604020202020204" pitchFamily="34" charset="0"/>
-              </a:rPr>
-              <a:t>  console.log("</a:t>
-            </a:r>
-            <a:r>
-              <a:rPr lang="en-US" altLang="zh-CN" sz="1600" dirty="0" err="1">
-                <a:solidFill>
-                  <a:schemeClr val="bg1"/>
-                </a:solidFill>
-                <a:latin typeface="Arial" panose="020B0604020202020204" pitchFamily="34" charset="0"/>
-                <a:cs typeface="Arial" panose="020B0604020202020204" pitchFamily="34" charset="0"/>
-              </a:rPr>
-              <a:t>vue</a:t>
-            </a:r>
-            <a:r>
-              <a:rPr lang="en-US" altLang="zh-CN" sz="1600" dirty="0">
-                <a:solidFill>
-                  <a:schemeClr val="bg1"/>
-                </a:solidFill>
-                <a:latin typeface="Arial" panose="020B0604020202020204" pitchFamily="34" charset="0"/>
-                <a:cs typeface="Arial" panose="020B0604020202020204" pitchFamily="34" charset="0"/>
-              </a:rPr>
               <a:t> app unmounted");</a:t>
             </a:r>
-            <a:endParaRPr lang="en-US" altLang="zh-CN" sz="1600" dirty="0">
-              <a:solidFill>
-                <a:schemeClr val="bg1"/>
-              </a:solidFill>
-              <a:latin typeface="Arial" panose="020B0604020202020204" pitchFamily="34" charset="0"/>
-              <a:cs typeface="Arial" panose="020B0604020202020204" pitchFamily="34" charset="0"/>
-            </a:endParaRPr>
           </a:p>
           <a:p>
             <a:r>
@@ -13418,13 +13141,6 @@
               </a:rPr>
               <a:t>隔离</a:t>
             </a:r>
-            <a:endParaRPr lang="zh-CN" altLang="en-US" sz="3600" dirty="0">
-              <a:solidFill>
-                <a:schemeClr val="bg1"/>
-              </a:solidFill>
-              <a:latin typeface="微软雅黑" panose="020B0503020204020204" pitchFamily="34" charset="-122"/>
-              <a:ea typeface="微软雅黑" panose="020B0503020204020204" pitchFamily="34" charset="-122"/>
-            </a:endParaRPr>
           </a:p>
         </p:txBody>
       </p:sp>
@@ -13520,13 +13236,6 @@
               </a:rPr>
               <a:t>上挂东西、修改东西和删除东西的时候，我们可以把这个操作记录下来。当我们恢复回外面的全局环境的时候，我们只需要反向执行之前的操作即可。</a:t>
             </a:r>
-            <a:endParaRPr lang="zh-CN" altLang="en-US" sz="2000" dirty="0">
-              <a:solidFill>
-                <a:schemeClr val="bg1"/>
-              </a:solidFill>
-              <a:latin typeface="微软雅黑" panose="020B0503020204020204" pitchFamily="34" charset="-122"/>
-              <a:ea typeface="微软雅黑" panose="020B0503020204020204" pitchFamily="34" charset="-122"/>
-            </a:endParaRPr>
           </a:p>
         </p:txBody>
       </p:sp>
@@ -13656,13 +13365,6 @@
               </a:rPr>
               <a:t>全局环境</a:t>
             </a:r>
-            <a:endParaRPr lang="zh-CN" altLang="en-US" sz="2000" dirty="0">
-              <a:solidFill>
-                <a:schemeClr val="bg1"/>
-              </a:solidFill>
-              <a:latin typeface="微软雅黑" panose="020B0503020204020204" pitchFamily="34" charset="-122"/>
-              <a:ea typeface="微软雅黑" panose="020B0503020204020204" pitchFamily="34" charset="-122"/>
-            </a:endParaRPr>
           </a:p>
         </p:txBody>
       </p:sp>
@@ -14813,20 +14515,6 @@
               </a:rPr>
               <a:t>隔离</a:t>
             </a:r>
-            <a:endParaRPr kumimoji="0" lang="zh-CN" altLang="en-US" sz="3600" b="0" i="0" u="none" strike="noStrike" kern="1200" cap="none" spc="0" normalizeH="0" baseline="0" noProof="0" dirty="0">
-              <a:ln>
-                <a:noFill/>
-              </a:ln>
-              <a:solidFill>
-                <a:prstClr val="white"/>
-              </a:solidFill>
-              <a:effectLst/>
-              <a:uLnTx/>
-              <a:uFillTx/>
-              <a:latin typeface="微软雅黑" panose="020B0503020204020204" pitchFamily="34" charset="-122"/>
-              <a:ea typeface="微软雅黑" panose="020B0503020204020204" pitchFamily="34" charset="-122"/>
-              <a:cs typeface="+mn-cs"/>
-            </a:endParaRPr>
           </a:p>
         </p:txBody>
       </p:sp>
@@ -14969,13 +14657,6 @@
               </a:rPr>
               <a:t>    在单应用的模式下（仅有一个应用活跃的情况），可以动态去挂载和卸载样式，从而达到隔离样式的作用。</a:t>
             </a:r>
-            <a:endParaRPr lang="zh-CN" altLang="en-US" sz="1600" dirty="0">
-              <a:solidFill>
-                <a:schemeClr val="bg1"/>
-              </a:solidFill>
-              <a:latin typeface="微软雅黑" panose="020B0503020204020204" pitchFamily="34" charset="-122"/>
-              <a:ea typeface="微软雅黑" panose="020B0503020204020204" pitchFamily="34" charset="-122"/>
-            </a:endParaRPr>
           </a:p>
           <a:p>
             <a:pPr>
@@ -15247,13 +14928,6 @@
               </a:rPr>
               <a:t>值，从而达到这个选择器和标签是独一无二的特点。</a:t>
             </a:r>
-            <a:endParaRPr lang="zh-CN" altLang="en-US" sz="1600" dirty="0">
-              <a:solidFill>
-                <a:schemeClr val="bg1"/>
-              </a:solidFill>
-              <a:latin typeface="微软雅黑" panose="020B0503020204020204" pitchFamily="34" charset="-122"/>
-              <a:ea typeface="微软雅黑" panose="020B0503020204020204" pitchFamily="34" charset="-122"/>
-            </a:endParaRPr>
           </a:p>
         </p:txBody>
       </p:sp>
@@ -15576,20 +15250,6 @@
               </a:rPr>
               <a:t>URL</a:t>
             </a:r>
-            <a:endParaRPr kumimoji="0" lang="en-US" altLang="zh-CN" sz="1800" b="1" i="0" u="none" strike="noStrike" kern="1200" cap="none" spc="0" normalizeH="0" baseline="0" noProof="0" dirty="0">
-              <a:ln>
-                <a:noFill/>
-              </a:ln>
-              <a:solidFill>
-                <a:prstClr val="white"/>
-              </a:solidFill>
-              <a:effectLst/>
-              <a:uLnTx/>
-              <a:uFillTx/>
-              <a:latin typeface="微软雅黑" panose="020B0503020204020204" pitchFamily="34" charset="-122"/>
-              <a:ea typeface="微软雅黑" panose="020B0503020204020204" pitchFamily="34" charset="-122"/>
-              <a:cs typeface="+mn-cs"/>
-            </a:endParaRPr>
           </a:p>
           <a:p>
             <a:pPr marL="0" marR="0" lvl="0" indent="0" algn="l" defTabSz="914400" rtl="0" fontAlgn="auto">
@@ -15708,20 +15368,6 @@
               </a:rPr>
               <a:t>· props</a:t>
             </a:r>
-            <a:endParaRPr kumimoji="0" lang="en-US" altLang="zh-CN" sz="1800" b="1" i="0" u="none" strike="noStrike" kern="1200" cap="none" spc="0" normalizeH="0" baseline="0" noProof="0" dirty="0">
-              <a:ln>
-                <a:noFill/>
-              </a:ln>
-              <a:solidFill>
-                <a:prstClr val="white"/>
-              </a:solidFill>
-              <a:effectLst/>
-              <a:uLnTx/>
-              <a:uFillTx/>
-              <a:latin typeface="微软雅黑" panose="020B0503020204020204" pitchFamily="34" charset="-122"/>
-              <a:ea typeface="微软雅黑" panose="020B0503020204020204" pitchFamily="34" charset="-122"/>
-              <a:cs typeface="+mn-cs"/>
-            </a:endParaRPr>
           </a:p>
           <a:p>
             <a:pPr marL="0" marR="0" lvl="0" indent="0" algn="l" defTabSz="914400" rtl="0" fontAlgn="auto">
@@ -15859,20 +15505,6 @@
               </a:rPr>
               <a:t>。</a:t>
             </a:r>
-            <a:endParaRPr kumimoji="0" lang="zh-CN" altLang="en-US" sz="1600" b="0" i="0" u="none" strike="noStrike" kern="1200" cap="none" spc="0" normalizeH="0" baseline="0" noProof="0" dirty="0">
-              <a:ln>
-                <a:noFill/>
-              </a:ln>
-              <a:solidFill>
-                <a:prstClr val="white"/>
-              </a:solidFill>
-              <a:effectLst/>
-              <a:uLnTx/>
-              <a:uFillTx/>
-              <a:latin typeface="微软雅黑" panose="020B0503020204020204" pitchFamily="34" charset="-122"/>
-              <a:ea typeface="微软雅黑" panose="020B0503020204020204" pitchFamily="34" charset="-122"/>
-              <a:cs typeface="+mn-cs"/>
-            </a:endParaRPr>
           </a:p>
         </p:txBody>
       </p:sp>
@@ -15988,6 +15620,105 @@
                       </p:childTnLst>
                     </p:cTn>
                   </p:par>
+                  <p:par>
+                    <p:cTn id="10" fill="hold">
+                      <p:stCondLst>
+                        <p:cond delay="indefinite"/>
+                      </p:stCondLst>
+                      <p:childTnLst>
+                        <p:par>
+                          <p:cTn id="11" fill="hold">
+                            <p:stCondLst>
+                              <p:cond delay="0"/>
+                            </p:stCondLst>
+                            <p:childTnLst>
+                              <p:par>
+                                <p:cTn id="12" presetID="42" presetClass="entr" presetSubtype="0" fill="hold" grpId="0" nodeType="clickEffect">
+                                  <p:stCondLst>
+                                    <p:cond delay="0"/>
+                                  </p:stCondLst>
+                                  <p:childTnLst>
+                                    <p:set>
+                                      <p:cBhvr>
+                                        <p:cTn id="13" dur="1" fill="hold">
+                                          <p:stCondLst>
+                                            <p:cond delay="0"/>
+                                          </p:stCondLst>
+                                        </p:cTn>
+                                        <p:tgtEl>
+                                          <p:spTgt spid="2"/>
+                                        </p:tgtEl>
+                                        <p:attrNameLst>
+                                          <p:attrName>style.visibility</p:attrName>
+                                        </p:attrNameLst>
+                                      </p:cBhvr>
+                                      <p:to>
+                                        <p:strVal val="visible"/>
+                                      </p:to>
+                                    </p:set>
+                                    <p:animEffect transition="in" filter="fade">
+                                      <p:cBhvr>
+                                        <p:cTn id="14" dur="1000"/>
+                                        <p:tgtEl>
+                                          <p:spTgt spid="2"/>
+                                        </p:tgtEl>
+                                      </p:cBhvr>
+                                    </p:animEffect>
+                                    <p:anim calcmode="lin" valueType="num">
+                                      <p:cBhvr>
+                                        <p:cTn id="15" dur="1000" fill="hold"/>
+                                        <p:tgtEl>
+                                          <p:spTgt spid="2"/>
+                                        </p:tgtEl>
+                                        <p:attrNameLst>
+                                          <p:attrName>ppt_x</p:attrName>
+                                        </p:attrNameLst>
+                                      </p:cBhvr>
+                                      <p:tavLst>
+                                        <p:tav tm="0">
+                                          <p:val>
+                                            <p:strVal val="#ppt_x"/>
+                                          </p:val>
+                                        </p:tav>
+                                        <p:tav tm="100000">
+                                          <p:val>
+                                            <p:strVal val="#ppt_x"/>
+                                          </p:val>
+                                        </p:tav>
+                                      </p:tavLst>
+                                    </p:anim>
+                                    <p:anim calcmode="lin" valueType="num">
+                                      <p:cBhvr>
+                                        <p:cTn id="16" dur="1000" fill="hold"/>
+                                        <p:tgtEl>
+                                          <p:spTgt spid="2"/>
+                                        </p:tgtEl>
+                                        <p:attrNameLst>
+                                          <p:attrName>ppt_y</p:attrName>
+                                        </p:attrNameLst>
+                                      </p:cBhvr>
+                                      <p:tavLst>
+                                        <p:tav tm="0">
+                                          <p:val>
+                                            <p:strVal val="#ppt_y+.1"/>
+                                          </p:val>
+                                        </p:tav>
+                                        <p:tav tm="100000">
+                                          <p:val>
+                                            <p:strVal val="#ppt_y"/>
+                                          </p:val>
+                                        </p:tav>
+                                      </p:tavLst>
+                                    </p:anim>
+                                  </p:childTnLst>
+                                </p:cTn>
+                              </p:par>
+                            </p:childTnLst>
+                          </p:cTn>
+                        </p:par>
+                      </p:childTnLst>
+                    </p:cTn>
+                  </p:par>
                 </p:childTnLst>
               </p:cTn>
               <p:prevCondLst>
@@ -16011,6 +15742,7 @@
     </p:tnLst>
     <p:bldLst>
       <p:bldP spid="5" grpId="0"/>
+      <p:bldP spid="2" grpId="0"/>
     </p:bldLst>
   </p:timing>
 </p:sld>
@@ -16061,9 +15793,10 @@
           <a:bodyPr wrap="none" rtlCol="0">
             <a:spAutoFit/>
           </a:bodyPr>
-          <a:p>
-            <a:r>
-              <a:rPr lang="zh-CN" altLang="en-US" sz="4800">
+          <a:lstStyle/>
+          <a:p>
+            <a:r>
+              <a:rPr lang="zh-CN" altLang="en-US" sz="4800" dirty="0">
                 <a:solidFill>
                   <a:schemeClr val="bg1"/>
                 </a:solidFill>
@@ -16072,13 +15805,6 @@
               </a:rPr>
               <a:t>落地集成需要解决的问题</a:t>
             </a:r>
-            <a:endParaRPr lang="zh-CN" altLang="en-US" sz="4800">
-              <a:solidFill>
-                <a:schemeClr val="bg1"/>
-              </a:solidFill>
-              <a:latin typeface="微软雅黑" panose="020B0503020204020204" pitchFamily="34" charset="-122"/>
-              <a:ea typeface="微软雅黑" panose="020B0503020204020204" pitchFamily="34" charset="-122"/>
-            </a:endParaRPr>
           </a:p>
         </p:txBody>
       </p:sp>
@@ -16090,6 +15816,138 @@
   <p:transition>
     <p:fade/>
   </p:transition>
+  <p:timing>
+    <p:tnLst>
+      <p:par>
+        <p:cTn id="1" dur="indefinite" restart="never" nodeType="tmRoot">
+          <p:childTnLst>
+            <p:seq concurrent="1" nextAc="seek">
+              <p:cTn id="2" dur="indefinite" nodeType="mainSeq">
+                <p:childTnLst>
+                  <p:par>
+                    <p:cTn id="3" fill="hold">
+                      <p:stCondLst>
+                        <p:cond delay="indefinite"/>
+                      </p:stCondLst>
+                      <p:childTnLst>
+                        <p:par>
+                          <p:cTn id="4" fill="hold">
+                            <p:stCondLst>
+                              <p:cond delay="0"/>
+                            </p:stCondLst>
+                            <p:childTnLst>
+                              <p:par>
+                                <p:cTn id="5" presetID="42" presetClass="entr" presetSubtype="0" fill="hold" grpId="0" nodeType="clickEffect">
+                                  <p:stCondLst>
+                                    <p:cond delay="0"/>
+                                  </p:stCondLst>
+                                  <p:childTnLst>
+                                    <p:set>
+                                      <p:cBhvr>
+                                        <p:cTn id="6" dur="1" fill="hold">
+                                          <p:stCondLst>
+                                            <p:cond delay="0"/>
+                                          </p:stCondLst>
+                                        </p:cTn>
+                                        <p:tgtEl>
+                                          <p:spTgt spid="2"/>
+                                        </p:tgtEl>
+                                        <p:attrNameLst>
+                                          <p:attrName>style.visibility</p:attrName>
+                                        </p:attrNameLst>
+                                      </p:cBhvr>
+                                      <p:to>
+                                        <p:strVal val="visible"/>
+                                      </p:to>
+                                    </p:set>
+                                    <p:animEffect transition="in" filter="fade">
+                                      <p:cBhvr>
+                                        <p:cTn id="7" dur="1000"/>
+                                        <p:tgtEl>
+                                          <p:spTgt spid="2"/>
+                                        </p:tgtEl>
+                                      </p:cBhvr>
+                                    </p:animEffect>
+                                    <p:anim calcmode="lin" valueType="num">
+                                      <p:cBhvr>
+                                        <p:cTn id="8" dur="1000" fill="hold"/>
+                                        <p:tgtEl>
+                                          <p:spTgt spid="2"/>
+                                        </p:tgtEl>
+                                        <p:attrNameLst>
+                                          <p:attrName>ppt_x</p:attrName>
+                                        </p:attrNameLst>
+                                      </p:cBhvr>
+                                      <p:tavLst>
+                                        <p:tav tm="0">
+                                          <p:val>
+                                            <p:strVal val="#ppt_x"/>
+                                          </p:val>
+                                        </p:tav>
+                                        <p:tav tm="100000">
+                                          <p:val>
+                                            <p:strVal val="#ppt_x"/>
+                                          </p:val>
+                                        </p:tav>
+                                      </p:tavLst>
+                                    </p:anim>
+                                    <p:anim calcmode="lin" valueType="num">
+                                      <p:cBhvr>
+                                        <p:cTn id="9" dur="1000" fill="hold"/>
+                                        <p:tgtEl>
+                                          <p:spTgt spid="2"/>
+                                        </p:tgtEl>
+                                        <p:attrNameLst>
+                                          <p:attrName>ppt_y</p:attrName>
+                                        </p:attrNameLst>
+                                      </p:cBhvr>
+                                      <p:tavLst>
+                                        <p:tav tm="0">
+                                          <p:val>
+                                            <p:strVal val="#ppt_y+.1"/>
+                                          </p:val>
+                                        </p:tav>
+                                        <p:tav tm="100000">
+                                          <p:val>
+                                            <p:strVal val="#ppt_y"/>
+                                          </p:val>
+                                        </p:tav>
+                                      </p:tavLst>
+                                    </p:anim>
+                                  </p:childTnLst>
+                                </p:cTn>
+                              </p:par>
+                            </p:childTnLst>
+                          </p:cTn>
+                        </p:par>
+                      </p:childTnLst>
+                    </p:cTn>
+                  </p:par>
+                </p:childTnLst>
+              </p:cTn>
+              <p:prevCondLst>
+                <p:cond evt="onPrev" delay="0">
+                  <p:tgtEl>
+                    <p:sldTgt/>
+                  </p:tgtEl>
+                </p:cond>
+              </p:prevCondLst>
+              <p:nextCondLst>
+                <p:cond evt="onNext" delay="0">
+                  <p:tgtEl>
+                    <p:sldTgt/>
+                  </p:tgtEl>
+                </p:cond>
+              </p:nextCondLst>
+            </p:seq>
+          </p:childTnLst>
+        </p:cTn>
+      </p:par>
+    </p:tnLst>
+    <p:bldLst>
+      <p:bldP spid="2" grpId="0"/>
+    </p:bldLst>
+  </p:timing>
 </p:sld>
 </file>
 
@@ -16126,7 +15984,7 @@
         </p:nvSpPr>
         <p:spPr>
           <a:xfrm>
-            <a:off x="4707890" y="133350"/>
+            <a:off x="4582160" y="133350"/>
             <a:ext cx="3027680" cy="613410"/>
           </a:xfrm>
           <a:prstGeom prst="rect">
@@ -16138,9 +15996,10 @@
           <a:bodyPr wrap="none" rtlCol="0">
             <a:spAutoFit/>
           </a:bodyPr>
-          <a:p>
-            <a:r>
-              <a:rPr lang="zh-CN" altLang="en-US" sz="3200">
+          <a:lstStyle/>
+          <a:p>
+            <a:r>
+              <a:rPr lang="zh-CN" altLang="en-US" sz="3200" dirty="0">
                 <a:solidFill>
                   <a:schemeClr val="bg1"/>
                 </a:solidFill>
@@ -16149,13 +16008,6 @@
               </a:rPr>
               <a:t>路由模式的选择</a:t>
             </a:r>
-            <a:endParaRPr lang="zh-CN" altLang="en-US" sz="3200">
-              <a:solidFill>
-                <a:schemeClr val="bg1"/>
-              </a:solidFill>
-              <a:latin typeface="微软雅黑" panose="020B0503020204020204" pitchFamily="34" charset="-122"/>
-              <a:ea typeface="微软雅黑" panose="020B0503020204020204" pitchFamily="34" charset="-122"/>
-            </a:endParaRPr>
           </a:p>
         </p:txBody>
       </p:sp>
@@ -16179,6 +16031,7 @@
           <a:bodyPr wrap="none" rtlCol="0">
             <a:spAutoFit/>
           </a:bodyPr>
+          <a:lstStyle/>
           <a:p>
             <a:r>
               <a:rPr lang="zh-CN" altLang="en-US" b="1">
@@ -16220,13 +16073,6 @@
               </a:rPr>
               <a:t>模式</a:t>
             </a:r>
-            <a:endParaRPr lang="zh-CN" altLang="en-US">
-              <a:solidFill>
-                <a:schemeClr val="bg1"/>
-              </a:solidFill>
-              <a:latin typeface="微软雅黑" panose="020B0503020204020204" pitchFamily="34" charset="-122"/>
-              <a:ea typeface="微软雅黑" panose="020B0503020204020204" pitchFamily="34" charset="-122"/>
-            </a:endParaRPr>
           </a:p>
         </p:txBody>
       </p:sp>
@@ -16250,6 +16096,7 @@
           <a:bodyPr wrap="none" rtlCol="0">
             <a:spAutoFit/>
           </a:bodyPr>
+          <a:lstStyle/>
           <a:p>
             <a:r>
               <a:rPr lang="zh-CN" altLang="en-US" b="1">
@@ -16291,13 +16138,6 @@
               </a:rPr>
               <a:t>模式</a:t>
             </a:r>
-            <a:endParaRPr lang="zh-CN" altLang="en-US">
-              <a:solidFill>
-                <a:schemeClr val="bg1"/>
-              </a:solidFill>
-              <a:latin typeface="微软雅黑" panose="020B0503020204020204" pitchFamily="34" charset="-122"/>
-              <a:ea typeface="微软雅黑" panose="020B0503020204020204" pitchFamily="34" charset="-122"/>
-            </a:endParaRPr>
           </a:p>
         </p:txBody>
       </p:sp>
@@ -16309,6 +16149,320 @@
   <p:transition>
     <p:fade/>
   </p:transition>
+  <p:timing>
+    <p:tnLst>
+      <p:par>
+        <p:cTn id="1" dur="indefinite" restart="never" nodeType="tmRoot">
+          <p:childTnLst>
+            <p:seq concurrent="1" nextAc="seek">
+              <p:cTn id="2" dur="indefinite" nodeType="mainSeq">
+                <p:childTnLst>
+                  <p:par>
+                    <p:cTn id="3" fill="hold">
+                      <p:stCondLst>
+                        <p:cond delay="indefinite"/>
+                      </p:stCondLst>
+                      <p:childTnLst>
+                        <p:par>
+                          <p:cTn id="4" fill="hold">
+                            <p:stCondLst>
+                              <p:cond delay="0"/>
+                            </p:stCondLst>
+                            <p:childTnLst>
+                              <p:par>
+                                <p:cTn id="5" presetID="42" presetClass="entr" presetSubtype="0" fill="hold" grpId="0" nodeType="clickEffect">
+                                  <p:stCondLst>
+                                    <p:cond delay="0"/>
+                                  </p:stCondLst>
+                                  <p:childTnLst>
+                                    <p:set>
+                                      <p:cBhvr>
+                                        <p:cTn id="6" dur="1" fill="hold">
+                                          <p:stCondLst>
+                                            <p:cond delay="0"/>
+                                          </p:stCondLst>
+                                        </p:cTn>
+                                        <p:tgtEl>
+                                          <p:spTgt spid="3"/>
+                                        </p:tgtEl>
+                                        <p:attrNameLst>
+                                          <p:attrName>style.visibility</p:attrName>
+                                        </p:attrNameLst>
+                                      </p:cBhvr>
+                                      <p:to>
+                                        <p:strVal val="visible"/>
+                                      </p:to>
+                                    </p:set>
+                                    <p:animEffect transition="in" filter="fade">
+                                      <p:cBhvr>
+                                        <p:cTn id="7" dur="1000"/>
+                                        <p:tgtEl>
+                                          <p:spTgt spid="3"/>
+                                        </p:tgtEl>
+                                      </p:cBhvr>
+                                    </p:animEffect>
+                                    <p:anim calcmode="lin" valueType="num">
+                                      <p:cBhvr>
+                                        <p:cTn id="8" dur="1000" fill="hold"/>
+                                        <p:tgtEl>
+                                          <p:spTgt spid="3"/>
+                                        </p:tgtEl>
+                                        <p:attrNameLst>
+                                          <p:attrName>ppt_x</p:attrName>
+                                        </p:attrNameLst>
+                                      </p:cBhvr>
+                                      <p:tavLst>
+                                        <p:tav tm="0">
+                                          <p:val>
+                                            <p:strVal val="#ppt_x"/>
+                                          </p:val>
+                                        </p:tav>
+                                        <p:tav tm="100000">
+                                          <p:val>
+                                            <p:strVal val="#ppt_x"/>
+                                          </p:val>
+                                        </p:tav>
+                                      </p:tavLst>
+                                    </p:anim>
+                                    <p:anim calcmode="lin" valueType="num">
+                                      <p:cBhvr>
+                                        <p:cTn id="9" dur="1000" fill="hold"/>
+                                        <p:tgtEl>
+                                          <p:spTgt spid="3"/>
+                                        </p:tgtEl>
+                                        <p:attrNameLst>
+                                          <p:attrName>ppt_y</p:attrName>
+                                        </p:attrNameLst>
+                                      </p:cBhvr>
+                                      <p:tavLst>
+                                        <p:tav tm="0">
+                                          <p:val>
+                                            <p:strVal val="#ppt_y+.1"/>
+                                          </p:val>
+                                        </p:tav>
+                                        <p:tav tm="100000">
+                                          <p:val>
+                                            <p:strVal val="#ppt_y"/>
+                                          </p:val>
+                                        </p:tav>
+                                      </p:tavLst>
+                                    </p:anim>
+                                  </p:childTnLst>
+                                </p:cTn>
+                              </p:par>
+                            </p:childTnLst>
+                          </p:cTn>
+                        </p:par>
+                      </p:childTnLst>
+                    </p:cTn>
+                  </p:par>
+                  <p:par>
+                    <p:cTn id="10" fill="hold">
+                      <p:stCondLst>
+                        <p:cond delay="indefinite"/>
+                      </p:stCondLst>
+                      <p:childTnLst>
+                        <p:par>
+                          <p:cTn id="11" fill="hold">
+                            <p:stCondLst>
+                              <p:cond delay="0"/>
+                            </p:stCondLst>
+                            <p:childTnLst>
+                              <p:par>
+                                <p:cTn id="12" presetID="42" presetClass="entr" presetSubtype="0" fill="hold" grpId="0" nodeType="clickEffect">
+                                  <p:stCondLst>
+                                    <p:cond delay="0"/>
+                                  </p:stCondLst>
+                                  <p:childTnLst>
+                                    <p:set>
+                                      <p:cBhvr>
+                                        <p:cTn id="13" dur="1" fill="hold">
+                                          <p:stCondLst>
+                                            <p:cond delay="0"/>
+                                          </p:stCondLst>
+                                        </p:cTn>
+                                        <p:tgtEl>
+                                          <p:spTgt spid="4"/>
+                                        </p:tgtEl>
+                                        <p:attrNameLst>
+                                          <p:attrName>style.visibility</p:attrName>
+                                        </p:attrNameLst>
+                                      </p:cBhvr>
+                                      <p:to>
+                                        <p:strVal val="visible"/>
+                                      </p:to>
+                                    </p:set>
+                                    <p:animEffect transition="in" filter="fade">
+                                      <p:cBhvr>
+                                        <p:cTn id="14" dur="1000"/>
+                                        <p:tgtEl>
+                                          <p:spTgt spid="4"/>
+                                        </p:tgtEl>
+                                      </p:cBhvr>
+                                    </p:animEffect>
+                                    <p:anim calcmode="lin" valueType="num">
+                                      <p:cBhvr>
+                                        <p:cTn id="15" dur="1000" fill="hold"/>
+                                        <p:tgtEl>
+                                          <p:spTgt spid="4"/>
+                                        </p:tgtEl>
+                                        <p:attrNameLst>
+                                          <p:attrName>ppt_x</p:attrName>
+                                        </p:attrNameLst>
+                                      </p:cBhvr>
+                                      <p:tavLst>
+                                        <p:tav tm="0">
+                                          <p:val>
+                                            <p:strVal val="#ppt_x"/>
+                                          </p:val>
+                                        </p:tav>
+                                        <p:tav tm="100000">
+                                          <p:val>
+                                            <p:strVal val="#ppt_x"/>
+                                          </p:val>
+                                        </p:tav>
+                                      </p:tavLst>
+                                    </p:anim>
+                                    <p:anim calcmode="lin" valueType="num">
+                                      <p:cBhvr>
+                                        <p:cTn id="16" dur="1000" fill="hold"/>
+                                        <p:tgtEl>
+                                          <p:spTgt spid="4"/>
+                                        </p:tgtEl>
+                                        <p:attrNameLst>
+                                          <p:attrName>ppt_y</p:attrName>
+                                        </p:attrNameLst>
+                                      </p:cBhvr>
+                                      <p:tavLst>
+                                        <p:tav tm="0">
+                                          <p:val>
+                                            <p:strVal val="#ppt_y+.1"/>
+                                          </p:val>
+                                        </p:tav>
+                                        <p:tav tm="100000">
+                                          <p:val>
+                                            <p:strVal val="#ppt_y"/>
+                                          </p:val>
+                                        </p:tav>
+                                      </p:tavLst>
+                                    </p:anim>
+                                  </p:childTnLst>
+                                </p:cTn>
+                              </p:par>
+                              <p:par>
+                                <p:cTn id="17" presetID="42" presetClass="entr" presetSubtype="0" fill="hold" grpId="0" nodeType="withEffect">
+                                  <p:stCondLst>
+                                    <p:cond delay="0"/>
+                                  </p:stCondLst>
+                                  <p:childTnLst>
+                                    <p:set>
+                                      <p:cBhvr>
+                                        <p:cTn id="18" dur="1" fill="hold">
+                                          <p:stCondLst>
+                                            <p:cond delay="0"/>
+                                          </p:stCondLst>
+                                        </p:cTn>
+                                        <p:tgtEl>
+                                          <p:spTgt spid="5"/>
+                                        </p:tgtEl>
+                                        <p:attrNameLst>
+                                          <p:attrName>style.visibility</p:attrName>
+                                        </p:attrNameLst>
+                                      </p:cBhvr>
+                                      <p:to>
+                                        <p:strVal val="visible"/>
+                                      </p:to>
+                                    </p:set>
+                                    <p:animEffect transition="in" filter="fade">
+                                      <p:cBhvr>
+                                        <p:cTn id="19" dur="1000"/>
+                                        <p:tgtEl>
+                                          <p:spTgt spid="5"/>
+                                        </p:tgtEl>
+                                      </p:cBhvr>
+                                    </p:animEffect>
+                                    <p:anim calcmode="lin" valueType="num">
+                                      <p:cBhvr>
+                                        <p:cTn id="20" dur="1000" fill="hold"/>
+                                        <p:tgtEl>
+                                          <p:spTgt spid="5"/>
+                                        </p:tgtEl>
+                                        <p:attrNameLst>
+                                          <p:attrName>ppt_x</p:attrName>
+                                        </p:attrNameLst>
+                                      </p:cBhvr>
+                                      <p:tavLst>
+                                        <p:tav tm="0">
+                                          <p:val>
+                                            <p:strVal val="#ppt_x"/>
+                                          </p:val>
+                                        </p:tav>
+                                        <p:tav tm="100000">
+                                          <p:val>
+                                            <p:strVal val="#ppt_x"/>
+                                          </p:val>
+                                        </p:tav>
+                                      </p:tavLst>
+                                    </p:anim>
+                                    <p:anim calcmode="lin" valueType="num">
+                                      <p:cBhvr>
+                                        <p:cTn id="21" dur="1000" fill="hold"/>
+                                        <p:tgtEl>
+                                          <p:spTgt spid="5"/>
+                                        </p:tgtEl>
+                                        <p:attrNameLst>
+                                          <p:attrName>ppt_y</p:attrName>
+                                        </p:attrNameLst>
+                                      </p:cBhvr>
+                                      <p:tavLst>
+                                        <p:tav tm="0">
+                                          <p:val>
+                                            <p:strVal val="#ppt_y+.1"/>
+                                          </p:val>
+                                        </p:tav>
+                                        <p:tav tm="100000">
+                                          <p:val>
+                                            <p:strVal val="#ppt_y"/>
+                                          </p:val>
+                                        </p:tav>
+                                      </p:tavLst>
+                                    </p:anim>
+                                  </p:childTnLst>
+                                </p:cTn>
+                              </p:par>
+                            </p:childTnLst>
+                          </p:cTn>
+                        </p:par>
+                      </p:childTnLst>
+                    </p:cTn>
+                  </p:par>
+                </p:childTnLst>
+              </p:cTn>
+              <p:prevCondLst>
+                <p:cond evt="onPrev" delay="0">
+                  <p:tgtEl>
+                    <p:sldTgt/>
+                  </p:tgtEl>
+                </p:cond>
+              </p:prevCondLst>
+              <p:nextCondLst>
+                <p:cond evt="onNext" delay="0">
+                  <p:tgtEl>
+                    <p:sldTgt/>
+                  </p:tgtEl>
+                </p:cond>
+              </p:nextCondLst>
+            </p:seq>
+          </p:childTnLst>
+        </p:cTn>
+      </p:par>
+    </p:tnLst>
+    <p:bldLst>
+      <p:bldP spid="3" grpId="0"/>
+      <p:bldP spid="4" grpId="0"/>
+      <p:bldP spid="5" grpId="0"/>
+    </p:bldLst>
+  </p:timing>
 </p:sld>
 </file>
 
@@ -16345,7 +16499,7 @@
         </p:nvSpPr>
         <p:spPr>
           <a:xfrm>
-            <a:off x="4184015" y="140335"/>
+            <a:off x="3972560" y="147871"/>
             <a:ext cx="4246880" cy="613410"/>
           </a:xfrm>
           <a:prstGeom prst="rect">
@@ -16357,9 +16511,10 @@
           <a:bodyPr wrap="none" rtlCol="0">
             <a:spAutoFit/>
           </a:bodyPr>
-          <a:p>
-            <a:r>
-              <a:rPr lang="zh-CN" altLang="en-US" sz="3200">
+          <a:lstStyle/>
+          <a:p>
+            <a:r>
+              <a:rPr lang="zh-CN" altLang="en-US" sz="3200" dirty="0">
                 <a:solidFill>
                   <a:schemeClr val="bg1"/>
                 </a:solidFill>
@@ -16368,13 +16523,6 @@
               </a:rPr>
               <a:t>管理系统的内容区渲染</a:t>
             </a:r>
-            <a:endParaRPr lang="zh-CN" altLang="en-US" sz="3200">
-              <a:solidFill>
-                <a:schemeClr val="bg1"/>
-              </a:solidFill>
-              <a:latin typeface="微软雅黑" panose="020B0503020204020204" pitchFamily="34" charset="-122"/>
-              <a:ea typeface="微软雅黑" panose="020B0503020204020204" pitchFamily="34" charset="-122"/>
-            </a:endParaRPr>
           </a:p>
         </p:txBody>
       </p:sp>
@@ -16398,6 +16546,7 @@
           <a:bodyPr wrap="square" rtlCol="0">
             <a:spAutoFit/>
           </a:bodyPr>
+          <a:lstStyle/>
           <a:p>
             <a:pPr fontAlgn="auto">
               <a:lnSpc>
@@ -16405,7 +16554,7 @@
               </a:lnSpc>
             </a:pPr>
             <a:r>
-              <a:rPr lang="zh-CN" altLang="en-US" sz="1600">
+              <a:rPr lang="zh-CN" altLang="en-US" sz="1600" dirty="0">
                 <a:solidFill>
                   <a:schemeClr val="bg1"/>
                 </a:solidFill>
@@ -16414,13 +16563,6 @@
               </a:rPr>
               <a:t>以后端管理系统为例，我们大多数情况下，在集成进其他子应用时，只需要渲染内容区部分，而侧边栏和头部部分应该是使用主应用的。</a:t>
             </a:r>
-            <a:endParaRPr lang="zh-CN" altLang="en-US" sz="1600">
-              <a:solidFill>
-                <a:schemeClr val="bg1"/>
-              </a:solidFill>
-              <a:latin typeface="微软雅黑" panose="020B0503020204020204" pitchFamily="34" charset="-122"/>
-              <a:ea typeface="微软雅黑" panose="020B0503020204020204" pitchFamily="34" charset="-122"/>
-            </a:endParaRPr>
           </a:p>
         </p:txBody>
       </p:sp>
@@ -16457,6 +16599,7 @@
         </p:style>
         <p:txBody>
           <a:bodyPr rtlCol="0" anchor="ctr"/>
+          <a:lstStyle/>
           <a:p>
             <a:pPr algn="ctr"/>
             <a:endParaRPr lang="zh-CN" altLang="en-US"/>
@@ -16477,6 +16620,9 @@
           <a:prstGeom prst="rect">
             <a:avLst/>
           </a:prstGeom>
+          <a:ln>
+            <a:noFill/>
+          </a:ln>
         </p:spPr>
         <p:style>
           <a:lnRef idx="2">
@@ -16496,19 +16642,16 @@
         </p:style>
         <p:txBody>
           <a:bodyPr rtlCol="0" anchor="ctr"/>
+          <a:lstStyle/>
           <a:p>
             <a:pPr algn="ctr"/>
             <a:r>
-              <a:rPr lang="zh-CN" altLang="en-US" sz="1400">
+              <a:rPr lang="zh-CN" altLang="en-US" sz="1400" dirty="0">
                 <a:latin typeface="微软雅黑" panose="020B0503020204020204" pitchFamily="34" charset="-122"/>
                 <a:ea typeface="微软雅黑" panose="020B0503020204020204" pitchFamily="34" charset="-122"/>
               </a:rPr>
               <a:t>侧边栏</a:t>
             </a:r>
-            <a:endParaRPr lang="zh-CN" altLang="en-US" sz="1400">
-              <a:latin typeface="微软雅黑" panose="020B0503020204020204" pitchFamily="34" charset="-122"/>
-              <a:ea typeface="微软雅黑" panose="020B0503020204020204" pitchFamily="34" charset="-122"/>
-            </a:endParaRPr>
           </a:p>
         </p:txBody>
       </p:sp>
@@ -16526,6 +16669,9 @@
           <a:prstGeom prst="rect">
             <a:avLst/>
           </a:prstGeom>
+          <a:ln>
+            <a:noFill/>
+          </a:ln>
         </p:spPr>
         <p:style>
           <a:lnRef idx="2">
@@ -16545,6 +16691,7 @@
         </p:style>
         <p:txBody>
           <a:bodyPr rtlCol="0" anchor="ctr"/>
+          <a:lstStyle/>
           <a:p>
             <a:pPr algn="ctr"/>
             <a:r>
@@ -16554,10 +16701,6 @@
               </a:rPr>
               <a:t>头部导航</a:t>
             </a:r>
-            <a:endParaRPr lang="zh-CN" altLang="en-US" sz="1400">
-              <a:latin typeface="微软雅黑" panose="020B0503020204020204" pitchFamily="34" charset="-122"/>
-              <a:ea typeface="微软雅黑" panose="020B0503020204020204" pitchFamily="34" charset="-122"/>
-            </a:endParaRPr>
           </a:p>
         </p:txBody>
       </p:sp>
@@ -16581,6 +16724,9 @@
               <a:lumOff val="40000"/>
             </a:schemeClr>
           </a:solidFill>
+          <a:ln>
+            <a:noFill/>
+          </a:ln>
         </p:spPr>
         <p:style>
           <a:lnRef idx="2">
@@ -16600,6 +16746,7 @@
         </p:style>
         <p:txBody>
           <a:bodyPr rtlCol="0" anchor="ctr"/>
+          <a:lstStyle/>
           <a:p>
             <a:pPr algn="ctr"/>
             <a:r>
@@ -16609,10 +16756,6 @@
               </a:rPr>
               <a:t>内容区</a:t>
             </a:r>
-            <a:endParaRPr lang="zh-CN" altLang="en-US" sz="1400">
-              <a:latin typeface="微软雅黑" panose="020B0503020204020204" pitchFamily="34" charset="-122"/>
-              <a:ea typeface="微软雅黑" panose="020B0503020204020204" pitchFamily="34" charset="-122"/>
-            </a:endParaRPr>
           </a:p>
         </p:txBody>
       </p:sp>
@@ -16624,6 +16767,1277 @@
   <p:transition>
     <p:fade/>
   </p:transition>
+  <p:timing>
+    <p:tnLst>
+      <p:par>
+        <p:cTn id="1" dur="indefinite" restart="never" nodeType="tmRoot">
+          <p:childTnLst>
+            <p:seq concurrent="1" nextAc="seek">
+              <p:cTn id="2" dur="indefinite" nodeType="mainSeq">
+                <p:childTnLst>
+                  <p:par>
+                    <p:cTn id="3" fill="hold">
+                      <p:stCondLst>
+                        <p:cond delay="indefinite"/>
+                      </p:stCondLst>
+                      <p:childTnLst>
+                        <p:par>
+                          <p:cTn id="4" fill="hold">
+                            <p:stCondLst>
+                              <p:cond delay="0"/>
+                            </p:stCondLst>
+                            <p:childTnLst>
+                              <p:par>
+                                <p:cTn id="5" presetID="42" presetClass="entr" presetSubtype="0" fill="hold" grpId="0" nodeType="clickEffect">
+                                  <p:stCondLst>
+                                    <p:cond delay="0"/>
+                                  </p:stCondLst>
+                                  <p:childTnLst>
+                                    <p:set>
+                                      <p:cBhvr>
+                                        <p:cTn id="6" dur="1" fill="hold">
+                                          <p:stCondLst>
+                                            <p:cond delay="0"/>
+                                          </p:stCondLst>
+                                        </p:cTn>
+                                        <p:tgtEl>
+                                          <p:spTgt spid="3"/>
+                                        </p:tgtEl>
+                                        <p:attrNameLst>
+                                          <p:attrName>style.visibility</p:attrName>
+                                        </p:attrNameLst>
+                                      </p:cBhvr>
+                                      <p:to>
+                                        <p:strVal val="visible"/>
+                                      </p:to>
+                                    </p:set>
+                                    <p:animEffect transition="in" filter="fade">
+                                      <p:cBhvr>
+                                        <p:cTn id="7" dur="1000"/>
+                                        <p:tgtEl>
+                                          <p:spTgt spid="3"/>
+                                        </p:tgtEl>
+                                      </p:cBhvr>
+                                    </p:animEffect>
+                                    <p:anim calcmode="lin" valueType="num">
+                                      <p:cBhvr>
+                                        <p:cTn id="8" dur="1000" fill="hold"/>
+                                        <p:tgtEl>
+                                          <p:spTgt spid="3"/>
+                                        </p:tgtEl>
+                                        <p:attrNameLst>
+                                          <p:attrName>ppt_x</p:attrName>
+                                        </p:attrNameLst>
+                                      </p:cBhvr>
+                                      <p:tavLst>
+                                        <p:tav tm="0">
+                                          <p:val>
+                                            <p:strVal val="#ppt_x"/>
+                                          </p:val>
+                                        </p:tav>
+                                        <p:tav tm="100000">
+                                          <p:val>
+                                            <p:strVal val="#ppt_x"/>
+                                          </p:val>
+                                        </p:tav>
+                                      </p:tavLst>
+                                    </p:anim>
+                                    <p:anim calcmode="lin" valueType="num">
+                                      <p:cBhvr>
+                                        <p:cTn id="9" dur="1000" fill="hold"/>
+                                        <p:tgtEl>
+                                          <p:spTgt spid="3"/>
+                                        </p:tgtEl>
+                                        <p:attrNameLst>
+                                          <p:attrName>ppt_y</p:attrName>
+                                        </p:attrNameLst>
+                                      </p:cBhvr>
+                                      <p:tavLst>
+                                        <p:tav tm="0">
+                                          <p:val>
+                                            <p:strVal val="#ppt_y+.1"/>
+                                          </p:val>
+                                        </p:tav>
+                                        <p:tav tm="100000">
+                                          <p:val>
+                                            <p:strVal val="#ppt_y"/>
+                                          </p:val>
+                                        </p:tav>
+                                      </p:tavLst>
+                                    </p:anim>
+                                  </p:childTnLst>
+                                </p:cTn>
+                              </p:par>
+                            </p:childTnLst>
+                          </p:cTn>
+                        </p:par>
+                      </p:childTnLst>
+                    </p:cTn>
+                  </p:par>
+                  <p:par>
+                    <p:cTn id="10" fill="hold">
+                      <p:stCondLst>
+                        <p:cond delay="indefinite"/>
+                      </p:stCondLst>
+                      <p:childTnLst>
+                        <p:par>
+                          <p:cTn id="11" fill="hold">
+                            <p:stCondLst>
+                              <p:cond delay="0"/>
+                            </p:stCondLst>
+                            <p:childTnLst>
+                              <p:par>
+                                <p:cTn id="12" presetID="42" presetClass="entr" presetSubtype="0" fill="hold" nodeType="clickEffect">
+                                  <p:stCondLst>
+                                    <p:cond delay="0"/>
+                                  </p:stCondLst>
+                                  <p:childTnLst>
+                                    <p:set>
+                                      <p:cBhvr>
+                                        <p:cTn id="13" dur="1" fill="hold">
+                                          <p:stCondLst>
+                                            <p:cond delay="0"/>
+                                          </p:stCondLst>
+                                        </p:cTn>
+                                        <p:tgtEl>
+                                          <p:spTgt spid="4">
+                                            <p:txEl>
+                                              <p:pRg st="0" end="0"/>
+                                            </p:txEl>
+                                          </p:spTgt>
+                                        </p:tgtEl>
+                                        <p:attrNameLst>
+                                          <p:attrName>style.visibility</p:attrName>
+                                        </p:attrNameLst>
+                                      </p:cBhvr>
+                                      <p:to>
+                                        <p:strVal val="visible"/>
+                                      </p:to>
+                                    </p:set>
+                                    <p:animEffect transition="in" filter="fade">
+                                      <p:cBhvr>
+                                        <p:cTn id="14" dur="1000"/>
+                                        <p:tgtEl>
+                                          <p:spTgt spid="4">
+                                            <p:txEl>
+                                              <p:pRg st="0" end="0"/>
+                                            </p:txEl>
+                                          </p:spTgt>
+                                        </p:tgtEl>
+                                      </p:cBhvr>
+                                    </p:animEffect>
+                                    <p:anim calcmode="lin" valueType="num">
+                                      <p:cBhvr>
+                                        <p:cTn id="15" dur="1000" fill="hold"/>
+                                        <p:tgtEl>
+                                          <p:spTgt spid="4">
+                                            <p:txEl>
+                                              <p:pRg st="0" end="0"/>
+                                            </p:txEl>
+                                          </p:spTgt>
+                                        </p:tgtEl>
+                                        <p:attrNameLst>
+                                          <p:attrName>ppt_x</p:attrName>
+                                        </p:attrNameLst>
+                                      </p:cBhvr>
+                                      <p:tavLst>
+                                        <p:tav tm="0">
+                                          <p:val>
+                                            <p:strVal val="#ppt_x"/>
+                                          </p:val>
+                                        </p:tav>
+                                        <p:tav tm="100000">
+                                          <p:val>
+                                            <p:strVal val="#ppt_x"/>
+                                          </p:val>
+                                        </p:tav>
+                                      </p:tavLst>
+                                    </p:anim>
+                                    <p:anim calcmode="lin" valueType="num">
+                                      <p:cBhvr>
+                                        <p:cTn id="16" dur="1000" fill="hold"/>
+                                        <p:tgtEl>
+                                          <p:spTgt spid="4">
+                                            <p:txEl>
+                                              <p:pRg st="0" end="0"/>
+                                            </p:txEl>
+                                          </p:spTgt>
+                                        </p:tgtEl>
+                                        <p:attrNameLst>
+                                          <p:attrName>ppt_y</p:attrName>
+                                        </p:attrNameLst>
+                                      </p:cBhvr>
+                                      <p:tavLst>
+                                        <p:tav tm="0">
+                                          <p:val>
+                                            <p:strVal val="#ppt_y+.1"/>
+                                          </p:val>
+                                        </p:tav>
+                                        <p:tav tm="100000">
+                                          <p:val>
+                                            <p:strVal val="#ppt_y"/>
+                                          </p:val>
+                                        </p:tav>
+                                      </p:tavLst>
+                                    </p:anim>
+                                  </p:childTnLst>
+                                </p:cTn>
+                              </p:par>
+                            </p:childTnLst>
+                          </p:cTn>
+                        </p:par>
+                      </p:childTnLst>
+                    </p:cTn>
+                  </p:par>
+                  <p:par>
+                    <p:cTn id="17" fill="hold">
+                      <p:stCondLst>
+                        <p:cond delay="indefinite"/>
+                      </p:stCondLst>
+                      <p:childTnLst>
+                        <p:par>
+                          <p:cTn id="18" fill="hold">
+                            <p:stCondLst>
+                              <p:cond delay="0"/>
+                            </p:stCondLst>
+                            <p:childTnLst>
+                              <p:par>
+                                <p:cTn id="19" presetID="42" presetClass="entr" presetSubtype="0" fill="hold" grpId="0" nodeType="clickEffect">
+                                  <p:stCondLst>
+                                    <p:cond delay="0"/>
+                                  </p:stCondLst>
+                                  <p:childTnLst>
+                                    <p:set>
+                                      <p:cBhvr>
+                                        <p:cTn id="20" dur="1" fill="hold">
+                                          <p:stCondLst>
+                                            <p:cond delay="0"/>
+                                          </p:stCondLst>
+                                        </p:cTn>
+                                        <p:tgtEl>
+                                          <p:spTgt spid="2"/>
+                                        </p:tgtEl>
+                                        <p:attrNameLst>
+                                          <p:attrName>style.visibility</p:attrName>
+                                        </p:attrNameLst>
+                                      </p:cBhvr>
+                                      <p:to>
+                                        <p:strVal val="visible"/>
+                                      </p:to>
+                                    </p:set>
+                                    <p:animEffect transition="in" filter="fade">
+                                      <p:cBhvr>
+                                        <p:cTn id="21" dur="1000"/>
+                                        <p:tgtEl>
+                                          <p:spTgt spid="2"/>
+                                        </p:tgtEl>
+                                      </p:cBhvr>
+                                    </p:animEffect>
+                                    <p:anim calcmode="lin" valueType="num">
+                                      <p:cBhvr>
+                                        <p:cTn id="22" dur="1000" fill="hold"/>
+                                        <p:tgtEl>
+                                          <p:spTgt spid="2"/>
+                                        </p:tgtEl>
+                                        <p:attrNameLst>
+                                          <p:attrName>ppt_x</p:attrName>
+                                        </p:attrNameLst>
+                                      </p:cBhvr>
+                                      <p:tavLst>
+                                        <p:tav tm="0">
+                                          <p:val>
+                                            <p:strVal val="#ppt_x"/>
+                                          </p:val>
+                                        </p:tav>
+                                        <p:tav tm="100000">
+                                          <p:val>
+                                            <p:strVal val="#ppt_x"/>
+                                          </p:val>
+                                        </p:tav>
+                                      </p:tavLst>
+                                    </p:anim>
+                                    <p:anim calcmode="lin" valueType="num">
+                                      <p:cBhvr>
+                                        <p:cTn id="23" dur="1000" fill="hold"/>
+                                        <p:tgtEl>
+                                          <p:spTgt spid="2"/>
+                                        </p:tgtEl>
+                                        <p:attrNameLst>
+                                          <p:attrName>ppt_y</p:attrName>
+                                        </p:attrNameLst>
+                                      </p:cBhvr>
+                                      <p:tavLst>
+                                        <p:tav tm="0">
+                                          <p:val>
+                                            <p:strVal val="#ppt_y+.1"/>
+                                          </p:val>
+                                        </p:tav>
+                                        <p:tav tm="100000">
+                                          <p:val>
+                                            <p:strVal val="#ppt_y"/>
+                                          </p:val>
+                                        </p:tav>
+                                      </p:tavLst>
+                                    </p:anim>
+                                  </p:childTnLst>
+                                </p:cTn>
+                              </p:par>
+                              <p:par>
+                                <p:cTn id="24" presetID="42" presetClass="entr" presetSubtype="0" fill="hold" grpId="0" nodeType="withEffect">
+                                  <p:stCondLst>
+                                    <p:cond delay="0"/>
+                                  </p:stCondLst>
+                                  <p:childTnLst>
+                                    <p:set>
+                                      <p:cBhvr>
+                                        <p:cTn id="25" dur="1" fill="hold">
+                                          <p:stCondLst>
+                                            <p:cond delay="0"/>
+                                          </p:stCondLst>
+                                        </p:cTn>
+                                        <p:tgtEl>
+                                          <p:spTgt spid="6"/>
+                                        </p:tgtEl>
+                                        <p:attrNameLst>
+                                          <p:attrName>style.visibility</p:attrName>
+                                        </p:attrNameLst>
+                                      </p:cBhvr>
+                                      <p:to>
+                                        <p:strVal val="visible"/>
+                                      </p:to>
+                                    </p:set>
+                                    <p:animEffect transition="in" filter="fade">
+                                      <p:cBhvr>
+                                        <p:cTn id="26" dur="1000"/>
+                                        <p:tgtEl>
+                                          <p:spTgt spid="6"/>
+                                        </p:tgtEl>
+                                      </p:cBhvr>
+                                    </p:animEffect>
+                                    <p:anim calcmode="lin" valueType="num">
+                                      <p:cBhvr>
+                                        <p:cTn id="27" dur="1000" fill="hold"/>
+                                        <p:tgtEl>
+                                          <p:spTgt spid="6"/>
+                                        </p:tgtEl>
+                                        <p:attrNameLst>
+                                          <p:attrName>ppt_x</p:attrName>
+                                        </p:attrNameLst>
+                                      </p:cBhvr>
+                                      <p:tavLst>
+                                        <p:tav tm="0">
+                                          <p:val>
+                                            <p:strVal val="#ppt_x"/>
+                                          </p:val>
+                                        </p:tav>
+                                        <p:tav tm="100000">
+                                          <p:val>
+                                            <p:strVal val="#ppt_x"/>
+                                          </p:val>
+                                        </p:tav>
+                                      </p:tavLst>
+                                    </p:anim>
+                                    <p:anim calcmode="lin" valueType="num">
+                                      <p:cBhvr>
+                                        <p:cTn id="28" dur="1000" fill="hold"/>
+                                        <p:tgtEl>
+                                          <p:spTgt spid="6"/>
+                                        </p:tgtEl>
+                                        <p:attrNameLst>
+                                          <p:attrName>ppt_y</p:attrName>
+                                        </p:attrNameLst>
+                                      </p:cBhvr>
+                                      <p:tavLst>
+                                        <p:tav tm="0">
+                                          <p:val>
+                                            <p:strVal val="#ppt_y+.1"/>
+                                          </p:val>
+                                        </p:tav>
+                                        <p:tav tm="100000">
+                                          <p:val>
+                                            <p:strVal val="#ppt_y"/>
+                                          </p:val>
+                                        </p:tav>
+                                      </p:tavLst>
+                                    </p:anim>
+                                  </p:childTnLst>
+                                </p:cTn>
+                              </p:par>
+                              <p:par>
+                                <p:cTn id="29" presetID="42" presetClass="entr" presetSubtype="0" fill="hold" grpId="0" nodeType="withEffect">
+                                  <p:stCondLst>
+                                    <p:cond delay="0"/>
+                                  </p:stCondLst>
+                                  <p:childTnLst>
+                                    <p:set>
+                                      <p:cBhvr>
+                                        <p:cTn id="30" dur="1" fill="hold">
+                                          <p:stCondLst>
+                                            <p:cond delay="0"/>
+                                          </p:stCondLst>
+                                        </p:cTn>
+                                        <p:tgtEl>
+                                          <p:spTgt spid="8"/>
+                                        </p:tgtEl>
+                                        <p:attrNameLst>
+                                          <p:attrName>style.visibility</p:attrName>
+                                        </p:attrNameLst>
+                                      </p:cBhvr>
+                                      <p:to>
+                                        <p:strVal val="visible"/>
+                                      </p:to>
+                                    </p:set>
+                                    <p:animEffect transition="in" filter="fade">
+                                      <p:cBhvr>
+                                        <p:cTn id="31" dur="1000"/>
+                                        <p:tgtEl>
+                                          <p:spTgt spid="8"/>
+                                        </p:tgtEl>
+                                      </p:cBhvr>
+                                    </p:animEffect>
+                                    <p:anim calcmode="lin" valueType="num">
+                                      <p:cBhvr>
+                                        <p:cTn id="32" dur="1000" fill="hold"/>
+                                        <p:tgtEl>
+                                          <p:spTgt spid="8"/>
+                                        </p:tgtEl>
+                                        <p:attrNameLst>
+                                          <p:attrName>ppt_x</p:attrName>
+                                        </p:attrNameLst>
+                                      </p:cBhvr>
+                                      <p:tavLst>
+                                        <p:tav tm="0">
+                                          <p:val>
+                                            <p:strVal val="#ppt_x"/>
+                                          </p:val>
+                                        </p:tav>
+                                        <p:tav tm="100000">
+                                          <p:val>
+                                            <p:strVal val="#ppt_x"/>
+                                          </p:val>
+                                        </p:tav>
+                                      </p:tavLst>
+                                    </p:anim>
+                                    <p:anim calcmode="lin" valueType="num">
+                                      <p:cBhvr>
+                                        <p:cTn id="33" dur="1000" fill="hold"/>
+                                        <p:tgtEl>
+                                          <p:spTgt spid="8"/>
+                                        </p:tgtEl>
+                                        <p:attrNameLst>
+                                          <p:attrName>ppt_y</p:attrName>
+                                        </p:attrNameLst>
+                                      </p:cBhvr>
+                                      <p:tavLst>
+                                        <p:tav tm="0">
+                                          <p:val>
+                                            <p:strVal val="#ppt_y+.1"/>
+                                          </p:val>
+                                        </p:tav>
+                                        <p:tav tm="100000">
+                                          <p:val>
+                                            <p:strVal val="#ppt_y"/>
+                                          </p:val>
+                                        </p:tav>
+                                      </p:tavLst>
+                                    </p:anim>
+                                  </p:childTnLst>
+                                </p:cTn>
+                              </p:par>
+                              <p:par>
+                                <p:cTn id="34" presetID="42" presetClass="entr" presetSubtype="0" fill="hold" grpId="0" nodeType="withEffect">
+                                  <p:stCondLst>
+                                    <p:cond delay="0"/>
+                                  </p:stCondLst>
+                                  <p:childTnLst>
+                                    <p:set>
+                                      <p:cBhvr>
+                                        <p:cTn id="35" dur="1" fill="hold">
+                                          <p:stCondLst>
+                                            <p:cond delay="0"/>
+                                          </p:stCondLst>
+                                        </p:cTn>
+                                        <p:tgtEl>
+                                          <p:spTgt spid="9"/>
+                                        </p:tgtEl>
+                                        <p:attrNameLst>
+                                          <p:attrName>style.visibility</p:attrName>
+                                        </p:attrNameLst>
+                                      </p:cBhvr>
+                                      <p:to>
+                                        <p:strVal val="visible"/>
+                                      </p:to>
+                                    </p:set>
+                                    <p:animEffect transition="in" filter="fade">
+                                      <p:cBhvr>
+                                        <p:cTn id="36" dur="1000"/>
+                                        <p:tgtEl>
+                                          <p:spTgt spid="9"/>
+                                        </p:tgtEl>
+                                      </p:cBhvr>
+                                    </p:animEffect>
+                                    <p:anim calcmode="lin" valueType="num">
+                                      <p:cBhvr>
+                                        <p:cTn id="37" dur="1000" fill="hold"/>
+                                        <p:tgtEl>
+                                          <p:spTgt spid="9"/>
+                                        </p:tgtEl>
+                                        <p:attrNameLst>
+                                          <p:attrName>ppt_x</p:attrName>
+                                        </p:attrNameLst>
+                                      </p:cBhvr>
+                                      <p:tavLst>
+                                        <p:tav tm="0">
+                                          <p:val>
+                                            <p:strVal val="#ppt_x"/>
+                                          </p:val>
+                                        </p:tav>
+                                        <p:tav tm="100000">
+                                          <p:val>
+                                            <p:strVal val="#ppt_x"/>
+                                          </p:val>
+                                        </p:tav>
+                                      </p:tavLst>
+                                    </p:anim>
+                                    <p:anim calcmode="lin" valueType="num">
+                                      <p:cBhvr>
+                                        <p:cTn id="38" dur="1000" fill="hold"/>
+                                        <p:tgtEl>
+                                          <p:spTgt spid="9"/>
+                                        </p:tgtEl>
+                                        <p:attrNameLst>
+                                          <p:attrName>ppt_y</p:attrName>
+                                        </p:attrNameLst>
+                                      </p:cBhvr>
+                                      <p:tavLst>
+                                        <p:tav tm="0">
+                                          <p:val>
+                                            <p:strVal val="#ppt_y+.1"/>
+                                          </p:val>
+                                        </p:tav>
+                                        <p:tav tm="100000">
+                                          <p:val>
+                                            <p:strVal val="#ppt_y"/>
+                                          </p:val>
+                                        </p:tav>
+                                      </p:tavLst>
+                                    </p:anim>
+                                  </p:childTnLst>
+                                </p:cTn>
+                              </p:par>
+                            </p:childTnLst>
+                          </p:cTn>
+                        </p:par>
+                      </p:childTnLst>
+                    </p:cTn>
+                  </p:par>
+                </p:childTnLst>
+              </p:cTn>
+              <p:prevCondLst>
+                <p:cond evt="onPrev" delay="0">
+                  <p:tgtEl>
+                    <p:sldTgt/>
+                  </p:tgtEl>
+                </p:cond>
+              </p:prevCondLst>
+              <p:nextCondLst>
+                <p:cond evt="onNext" delay="0">
+                  <p:tgtEl>
+                    <p:sldTgt/>
+                  </p:tgtEl>
+                </p:cond>
+              </p:nextCondLst>
+            </p:seq>
+          </p:childTnLst>
+        </p:cTn>
+      </p:par>
+    </p:tnLst>
+    <p:bldLst>
+      <p:bldP spid="3" grpId="0"/>
+      <p:bldP spid="2" grpId="0" animBg="1"/>
+      <p:bldP spid="6" grpId="0" animBg="1"/>
+      <p:bldP spid="8" grpId="0" animBg="1"/>
+      <p:bldP spid="9" grpId="0" animBg="1"/>
+    </p:bldLst>
+  </p:timing>
+</p:sld>
+</file>
+
+<file path=ppt/slides/slide26.xml><?xml version="1.0" encoding="utf-8"?>
+<p:sld xmlns:a="http://schemas.openxmlformats.org/drawingml/2006/main" xmlns:r="http://schemas.openxmlformats.org/officeDocument/2006/relationships" xmlns:p="http://schemas.openxmlformats.org/presentationml/2006/main">
+  <p:cSld>
+    <p:bg>
+      <p:bgPr>
+        <a:solidFill>
+          <a:schemeClr val="tx2"/>
+        </a:solidFill>
+        <a:effectLst/>
+      </p:bgPr>
+    </p:bg>
+    <p:spTree>
+      <p:nvGrpSpPr>
+        <p:cNvPr id="1" name=""/>
+        <p:cNvGrpSpPr/>
+        <p:nvPr/>
+      </p:nvGrpSpPr>
+      <p:grpSpPr>
+        <a:xfrm>
+          <a:off x="0" y="0"/>
+          <a:ext cx="0" cy="0"/>
+          <a:chOff x="0" y="0"/>
+          <a:chExt cx="0" cy="0"/>
+        </a:xfrm>
+      </p:grpSpPr>
+      <p:sp>
+        <p:nvSpPr>
+          <p:cNvPr id="3" name="文本框 2"/>
+          <p:cNvSpPr txBox="1"/>
+          <p:nvPr/>
+        </p:nvSpPr>
+        <p:spPr>
+          <a:xfrm>
+            <a:off x="4157007" y="186989"/>
+            <a:ext cx="3877985" cy="584775"/>
+          </a:xfrm>
+          <a:prstGeom prst="rect">
+            <a:avLst/>
+          </a:prstGeom>
+          <a:noFill/>
+        </p:spPr>
+        <p:txBody>
+          <a:bodyPr wrap="none" rtlCol="0">
+            <a:spAutoFit/>
+          </a:bodyPr>
+          <a:lstStyle/>
+          <a:p>
+            <a:r>
+              <a:rPr lang="zh-CN" altLang="en-US" sz="3200" dirty="0">
+                <a:solidFill>
+                  <a:schemeClr val="bg1"/>
+                </a:solidFill>
+                <a:latin typeface="微软雅黑" panose="020B0503020204020204" pitchFamily="34" charset="-122"/>
+                <a:ea typeface="微软雅黑" panose="020B0503020204020204" pitchFamily="34" charset="-122"/>
+              </a:rPr>
+              <a:t>子应用最终打包配置</a:t>
+            </a:r>
+          </a:p>
+        </p:txBody>
+      </p:sp>
+      <p:sp>
+        <p:nvSpPr>
+          <p:cNvPr id="4" name="文本框 3"/>
+          <p:cNvSpPr txBox="1"/>
+          <p:nvPr/>
+        </p:nvSpPr>
+        <p:spPr>
+          <a:xfrm>
+            <a:off x="751840" y="1141095"/>
+            <a:ext cx="10385425" cy="814454"/>
+          </a:xfrm>
+          <a:prstGeom prst="rect">
+            <a:avLst/>
+          </a:prstGeom>
+          <a:noFill/>
+        </p:spPr>
+        <p:txBody>
+          <a:bodyPr wrap="square" rtlCol="0">
+            <a:spAutoFit/>
+          </a:bodyPr>
+          <a:lstStyle/>
+          <a:p>
+            <a:pPr fontAlgn="auto">
+              <a:lnSpc>
+                <a:spcPts val="3020"/>
+              </a:lnSpc>
+            </a:pPr>
+            <a:r>
+              <a:rPr lang="zh-CN" altLang="en-US" sz="1600" dirty="0">
+                <a:solidFill>
+                  <a:schemeClr val="bg1"/>
+                </a:solidFill>
+                <a:latin typeface="微软雅黑" panose="020B0503020204020204" pitchFamily="34" charset="-122"/>
+                <a:ea typeface="微软雅黑" panose="020B0503020204020204" pitchFamily="34" charset="-122"/>
+              </a:rPr>
+              <a:t>我们一般的默认打包配置独立运行没有问题，但是当它充当子应用时，如果要被主应用识别到，子应用需要配置对应的打包格式才行。</a:t>
+            </a:r>
+          </a:p>
+        </p:txBody>
+      </p:sp>
+      <p:sp>
+        <p:nvSpPr>
+          <p:cNvPr id="5" name="文本框 4">
+            <a:extLst>
+              <a:ext uri="{FF2B5EF4-FFF2-40B4-BE49-F238E27FC236}">
+                <a16:creationId xmlns:a16="http://schemas.microsoft.com/office/drawing/2014/main" id="{74C4DD06-7D13-4BDA-A228-AFE35D544A8F}"/>
+              </a:ext>
+            </a:extLst>
+          </p:cNvPr>
+          <p:cNvSpPr txBox="1"/>
+          <p:nvPr/>
+        </p:nvSpPr>
+        <p:spPr>
+          <a:xfrm>
+            <a:off x="895739" y="2939143"/>
+            <a:ext cx="10241526" cy="2031325"/>
+          </a:xfrm>
+          <a:prstGeom prst="rect">
+            <a:avLst/>
+          </a:prstGeom>
+          <a:noFill/>
+        </p:spPr>
+        <p:txBody>
+          <a:bodyPr wrap="square" rtlCol="0">
+            <a:spAutoFit/>
+          </a:bodyPr>
+          <a:lstStyle/>
+          <a:p>
+            <a:r>
+              <a:rPr lang="en-US" altLang="zh-CN" b="0" dirty="0">
+                <a:solidFill>
+                  <a:schemeClr val="bg1"/>
+                </a:solidFill>
+                <a:effectLst/>
+                <a:latin typeface="Consolas" panose="020B0609020204030204" pitchFamily="49" charset="0"/>
+              </a:rPr>
+              <a:t>const { name } = require("./package");</a:t>
+            </a:r>
+          </a:p>
+          <a:p>
+            <a:endParaRPr lang="en-US" altLang="zh-CN" b="0" dirty="0">
+              <a:solidFill>
+                <a:schemeClr val="bg1"/>
+              </a:solidFill>
+              <a:effectLst/>
+              <a:latin typeface="Consolas" panose="020B0609020204030204" pitchFamily="49" charset="0"/>
+            </a:endParaRPr>
+          </a:p>
+          <a:p>
+            <a:r>
+              <a:rPr lang="en-US" altLang="zh-CN" b="0" dirty="0">
+                <a:solidFill>
+                  <a:schemeClr val="bg1"/>
+                </a:solidFill>
+                <a:effectLst/>
+                <a:latin typeface="Consolas" panose="020B0609020204030204" pitchFamily="49" charset="0"/>
+              </a:rPr>
+              <a:t>output: {</a:t>
+            </a:r>
+          </a:p>
+          <a:p>
+            <a:r>
+              <a:rPr lang="en-US" altLang="zh-CN" b="0" dirty="0">
+                <a:solidFill>
+                  <a:schemeClr val="bg1"/>
+                </a:solidFill>
+                <a:effectLst/>
+                <a:latin typeface="Consolas" panose="020B0609020204030204" pitchFamily="49" charset="0"/>
+              </a:rPr>
+              <a:t>  library: `${name}`,</a:t>
+            </a:r>
+          </a:p>
+          <a:p>
+            <a:r>
+              <a:rPr lang="en-US" altLang="zh-CN" b="0" dirty="0">
+                <a:solidFill>
+                  <a:schemeClr val="bg1"/>
+                </a:solidFill>
+                <a:effectLst/>
+                <a:latin typeface="Consolas" panose="020B0609020204030204" pitchFamily="49" charset="0"/>
+              </a:rPr>
+              <a:t>  </a:t>
+            </a:r>
+            <a:r>
+              <a:rPr lang="en-US" altLang="zh-CN" b="0" dirty="0" err="1">
+                <a:solidFill>
+                  <a:schemeClr val="bg1"/>
+                </a:solidFill>
+                <a:effectLst/>
+                <a:latin typeface="Consolas" panose="020B0609020204030204" pitchFamily="49" charset="0"/>
+              </a:rPr>
+              <a:t>libraryTarget</a:t>
+            </a:r>
+            <a:r>
+              <a:rPr lang="en-US" altLang="zh-CN" b="0" dirty="0">
+                <a:solidFill>
+                  <a:schemeClr val="bg1"/>
+                </a:solidFill>
+                <a:effectLst/>
+                <a:latin typeface="Consolas" panose="020B0609020204030204" pitchFamily="49" charset="0"/>
+              </a:rPr>
+              <a:t>: "</a:t>
+            </a:r>
+            <a:r>
+              <a:rPr lang="en-US" altLang="zh-CN" b="0" dirty="0" err="1">
+                <a:solidFill>
+                  <a:schemeClr val="bg1"/>
+                </a:solidFill>
+                <a:effectLst/>
+                <a:latin typeface="Consolas" panose="020B0609020204030204" pitchFamily="49" charset="0"/>
+              </a:rPr>
+              <a:t>umd</a:t>
+            </a:r>
+            <a:r>
+              <a:rPr lang="en-US" altLang="zh-CN" b="0" dirty="0">
+                <a:solidFill>
+                  <a:schemeClr val="bg1"/>
+                </a:solidFill>
+                <a:effectLst/>
+                <a:latin typeface="Consolas" panose="020B0609020204030204" pitchFamily="49" charset="0"/>
+              </a:rPr>
+              <a:t>", // </a:t>
+            </a:r>
+            <a:r>
+              <a:rPr lang="zh-CN" altLang="en-US" b="0" dirty="0">
+                <a:solidFill>
+                  <a:schemeClr val="bg1"/>
+                </a:solidFill>
+                <a:effectLst/>
+                <a:latin typeface="Consolas" panose="020B0609020204030204" pitchFamily="49" charset="0"/>
+              </a:rPr>
+              <a:t>把子应用打包成 </a:t>
+            </a:r>
+            <a:r>
+              <a:rPr lang="en-US" altLang="zh-CN" b="0" dirty="0" err="1">
+                <a:solidFill>
+                  <a:schemeClr val="bg1"/>
+                </a:solidFill>
+                <a:effectLst/>
+                <a:latin typeface="Consolas" panose="020B0609020204030204" pitchFamily="49" charset="0"/>
+              </a:rPr>
+              <a:t>umd</a:t>
+            </a:r>
+            <a:r>
+              <a:rPr lang="en-US" altLang="zh-CN" b="0" dirty="0">
+                <a:solidFill>
+                  <a:schemeClr val="bg1"/>
+                </a:solidFill>
+                <a:effectLst/>
+                <a:latin typeface="Consolas" panose="020B0609020204030204" pitchFamily="49" charset="0"/>
+              </a:rPr>
+              <a:t> </a:t>
+            </a:r>
+            <a:r>
+              <a:rPr lang="zh-CN" altLang="en-US" b="0" dirty="0">
+                <a:solidFill>
+                  <a:schemeClr val="bg1"/>
+                </a:solidFill>
+                <a:effectLst/>
+                <a:latin typeface="Consolas" panose="020B0609020204030204" pitchFamily="49" charset="0"/>
+              </a:rPr>
+              <a:t>库格式</a:t>
+            </a:r>
+          </a:p>
+          <a:p>
+            <a:r>
+              <a:rPr lang="zh-CN" altLang="en-US" b="0" dirty="0">
+                <a:solidFill>
+                  <a:schemeClr val="bg1"/>
+                </a:solidFill>
+                <a:effectLst/>
+                <a:latin typeface="Consolas" panose="020B0609020204030204" pitchFamily="49" charset="0"/>
+              </a:rPr>
+              <a:t>  </a:t>
+            </a:r>
+            <a:r>
+              <a:rPr lang="en-US" altLang="zh-CN" b="0" dirty="0" err="1">
+                <a:solidFill>
+                  <a:schemeClr val="bg1"/>
+                </a:solidFill>
+                <a:effectLst/>
+                <a:latin typeface="Consolas" panose="020B0609020204030204" pitchFamily="49" charset="0"/>
+              </a:rPr>
+              <a:t>jsonpFunction</a:t>
+            </a:r>
+            <a:r>
+              <a:rPr lang="en-US" altLang="zh-CN" b="0" dirty="0">
+                <a:solidFill>
+                  <a:schemeClr val="bg1"/>
+                </a:solidFill>
+                <a:effectLst/>
+                <a:latin typeface="Consolas" panose="020B0609020204030204" pitchFamily="49" charset="0"/>
+              </a:rPr>
+              <a:t>: `</a:t>
+            </a:r>
+            <a:r>
+              <a:rPr lang="en-US" altLang="zh-CN" b="0" dirty="0" err="1">
+                <a:solidFill>
+                  <a:schemeClr val="bg1"/>
+                </a:solidFill>
+                <a:effectLst/>
+                <a:latin typeface="Consolas" panose="020B0609020204030204" pitchFamily="49" charset="0"/>
+              </a:rPr>
+              <a:t>webpackJsonp</a:t>
+            </a:r>
+            <a:r>
+              <a:rPr lang="en-US" altLang="zh-CN" b="0" dirty="0">
+                <a:solidFill>
+                  <a:schemeClr val="bg1"/>
+                </a:solidFill>
+                <a:effectLst/>
+                <a:latin typeface="Consolas" panose="020B0609020204030204" pitchFamily="49" charset="0"/>
+              </a:rPr>
+              <a:t>_${name}`</a:t>
+            </a:r>
+          </a:p>
+          <a:p>
+            <a:r>
+              <a:rPr lang="en-US" altLang="zh-CN" b="0" dirty="0">
+                <a:solidFill>
+                  <a:schemeClr val="bg1"/>
+                </a:solidFill>
+                <a:effectLst/>
+                <a:latin typeface="Consolas" panose="020B0609020204030204" pitchFamily="49" charset="0"/>
+              </a:rPr>
+              <a:t>}</a:t>
+            </a:r>
+          </a:p>
+        </p:txBody>
+      </p:sp>
+    </p:spTree>
+    <p:extLst>
+      <p:ext uri="{BB962C8B-B14F-4D97-AF65-F5344CB8AC3E}">
+        <p14:creationId xmlns:p14="http://schemas.microsoft.com/office/powerpoint/2010/main" val="4180664989"/>
+      </p:ext>
+    </p:extLst>
+  </p:cSld>
+  <p:clrMapOvr>
+    <a:masterClrMapping/>
+  </p:clrMapOvr>
+  <p:transition>
+    <p:fade/>
+  </p:transition>
+  <p:timing>
+    <p:tnLst>
+      <p:par>
+        <p:cTn id="1" dur="indefinite" restart="never" nodeType="tmRoot">
+          <p:childTnLst>
+            <p:seq concurrent="1" nextAc="seek">
+              <p:cTn id="2" dur="indefinite" nodeType="mainSeq">
+                <p:childTnLst>
+                  <p:par>
+                    <p:cTn id="3" fill="hold">
+                      <p:stCondLst>
+                        <p:cond delay="indefinite"/>
+                      </p:stCondLst>
+                      <p:childTnLst>
+                        <p:par>
+                          <p:cTn id="4" fill="hold">
+                            <p:stCondLst>
+                              <p:cond delay="0"/>
+                            </p:stCondLst>
+                            <p:childTnLst>
+                              <p:par>
+                                <p:cTn id="5" presetID="42" presetClass="entr" presetSubtype="0" fill="hold" grpId="0" nodeType="clickEffect">
+                                  <p:stCondLst>
+                                    <p:cond delay="0"/>
+                                  </p:stCondLst>
+                                  <p:childTnLst>
+                                    <p:set>
+                                      <p:cBhvr>
+                                        <p:cTn id="6" dur="1" fill="hold">
+                                          <p:stCondLst>
+                                            <p:cond delay="0"/>
+                                          </p:stCondLst>
+                                        </p:cTn>
+                                        <p:tgtEl>
+                                          <p:spTgt spid="3"/>
+                                        </p:tgtEl>
+                                        <p:attrNameLst>
+                                          <p:attrName>style.visibility</p:attrName>
+                                        </p:attrNameLst>
+                                      </p:cBhvr>
+                                      <p:to>
+                                        <p:strVal val="visible"/>
+                                      </p:to>
+                                    </p:set>
+                                    <p:animEffect transition="in" filter="fade">
+                                      <p:cBhvr>
+                                        <p:cTn id="7" dur="1000"/>
+                                        <p:tgtEl>
+                                          <p:spTgt spid="3"/>
+                                        </p:tgtEl>
+                                      </p:cBhvr>
+                                    </p:animEffect>
+                                    <p:anim calcmode="lin" valueType="num">
+                                      <p:cBhvr>
+                                        <p:cTn id="8" dur="1000" fill="hold"/>
+                                        <p:tgtEl>
+                                          <p:spTgt spid="3"/>
+                                        </p:tgtEl>
+                                        <p:attrNameLst>
+                                          <p:attrName>ppt_x</p:attrName>
+                                        </p:attrNameLst>
+                                      </p:cBhvr>
+                                      <p:tavLst>
+                                        <p:tav tm="0">
+                                          <p:val>
+                                            <p:strVal val="#ppt_x"/>
+                                          </p:val>
+                                        </p:tav>
+                                        <p:tav tm="100000">
+                                          <p:val>
+                                            <p:strVal val="#ppt_x"/>
+                                          </p:val>
+                                        </p:tav>
+                                      </p:tavLst>
+                                    </p:anim>
+                                    <p:anim calcmode="lin" valueType="num">
+                                      <p:cBhvr>
+                                        <p:cTn id="9" dur="1000" fill="hold"/>
+                                        <p:tgtEl>
+                                          <p:spTgt spid="3"/>
+                                        </p:tgtEl>
+                                        <p:attrNameLst>
+                                          <p:attrName>ppt_y</p:attrName>
+                                        </p:attrNameLst>
+                                      </p:cBhvr>
+                                      <p:tavLst>
+                                        <p:tav tm="0">
+                                          <p:val>
+                                            <p:strVal val="#ppt_y+.1"/>
+                                          </p:val>
+                                        </p:tav>
+                                        <p:tav tm="100000">
+                                          <p:val>
+                                            <p:strVal val="#ppt_y"/>
+                                          </p:val>
+                                        </p:tav>
+                                      </p:tavLst>
+                                    </p:anim>
+                                  </p:childTnLst>
+                                </p:cTn>
+                              </p:par>
+                            </p:childTnLst>
+                          </p:cTn>
+                        </p:par>
+                      </p:childTnLst>
+                    </p:cTn>
+                  </p:par>
+                  <p:par>
+                    <p:cTn id="10" fill="hold">
+                      <p:stCondLst>
+                        <p:cond delay="indefinite"/>
+                      </p:stCondLst>
+                      <p:childTnLst>
+                        <p:par>
+                          <p:cTn id="11" fill="hold">
+                            <p:stCondLst>
+                              <p:cond delay="0"/>
+                            </p:stCondLst>
+                            <p:childTnLst>
+                              <p:par>
+                                <p:cTn id="12" presetID="42" presetClass="entr" presetSubtype="0" fill="hold" grpId="0" nodeType="clickEffect">
+                                  <p:stCondLst>
+                                    <p:cond delay="0"/>
+                                  </p:stCondLst>
+                                  <p:childTnLst>
+                                    <p:set>
+                                      <p:cBhvr>
+                                        <p:cTn id="13" dur="1" fill="hold">
+                                          <p:stCondLst>
+                                            <p:cond delay="0"/>
+                                          </p:stCondLst>
+                                        </p:cTn>
+                                        <p:tgtEl>
+                                          <p:spTgt spid="4"/>
+                                        </p:tgtEl>
+                                        <p:attrNameLst>
+                                          <p:attrName>style.visibility</p:attrName>
+                                        </p:attrNameLst>
+                                      </p:cBhvr>
+                                      <p:to>
+                                        <p:strVal val="visible"/>
+                                      </p:to>
+                                    </p:set>
+                                    <p:animEffect transition="in" filter="fade">
+                                      <p:cBhvr>
+                                        <p:cTn id="14" dur="1000"/>
+                                        <p:tgtEl>
+                                          <p:spTgt spid="4"/>
+                                        </p:tgtEl>
+                                      </p:cBhvr>
+                                    </p:animEffect>
+                                    <p:anim calcmode="lin" valueType="num">
+                                      <p:cBhvr>
+                                        <p:cTn id="15" dur="1000" fill="hold"/>
+                                        <p:tgtEl>
+                                          <p:spTgt spid="4"/>
+                                        </p:tgtEl>
+                                        <p:attrNameLst>
+                                          <p:attrName>ppt_x</p:attrName>
+                                        </p:attrNameLst>
+                                      </p:cBhvr>
+                                      <p:tavLst>
+                                        <p:tav tm="0">
+                                          <p:val>
+                                            <p:strVal val="#ppt_x"/>
+                                          </p:val>
+                                        </p:tav>
+                                        <p:tav tm="100000">
+                                          <p:val>
+                                            <p:strVal val="#ppt_x"/>
+                                          </p:val>
+                                        </p:tav>
+                                      </p:tavLst>
+                                    </p:anim>
+                                    <p:anim calcmode="lin" valueType="num">
+                                      <p:cBhvr>
+                                        <p:cTn id="16" dur="1000" fill="hold"/>
+                                        <p:tgtEl>
+                                          <p:spTgt spid="4"/>
+                                        </p:tgtEl>
+                                        <p:attrNameLst>
+                                          <p:attrName>ppt_y</p:attrName>
+                                        </p:attrNameLst>
+                                      </p:cBhvr>
+                                      <p:tavLst>
+                                        <p:tav tm="0">
+                                          <p:val>
+                                            <p:strVal val="#ppt_y+.1"/>
+                                          </p:val>
+                                        </p:tav>
+                                        <p:tav tm="100000">
+                                          <p:val>
+                                            <p:strVal val="#ppt_y"/>
+                                          </p:val>
+                                        </p:tav>
+                                      </p:tavLst>
+                                    </p:anim>
+                                  </p:childTnLst>
+                                </p:cTn>
+                              </p:par>
+                            </p:childTnLst>
+                          </p:cTn>
+                        </p:par>
+                      </p:childTnLst>
+                    </p:cTn>
+                  </p:par>
+                  <p:par>
+                    <p:cTn id="17" fill="hold">
+                      <p:stCondLst>
+                        <p:cond delay="indefinite"/>
+                      </p:stCondLst>
+                      <p:childTnLst>
+                        <p:par>
+                          <p:cTn id="18" fill="hold">
+                            <p:stCondLst>
+                              <p:cond delay="0"/>
+                            </p:stCondLst>
+                            <p:childTnLst>
+                              <p:par>
+                                <p:cTn id="19" presetID="42" presetClass="entr" presetSubtype="0" fill="hold" grpId="0" nodeType="clickEffect">
+                                  <p:stCondLst>
+                                    <p:cond delay="0"/>
+                                  </p:stCondLst>
+                                  <p:childTnLst>
+                                    <p:set>
+                                      <p:cBhvr>
+                                        <p:cTn id="20" dur="1" fill="hold">
+                                          <p:stCondLst>
+                                            <p:cond delay="0"/>
+                                          </p:stCondLst>
+                                        </p:cTn>
+                                        <p:tgtEl>
+                                          <p:spTgt spid="5"/>
+                                        </p:tgtEl>
+                                        <p:attrNameLst>
+                                          <p:attrName>style.visibility</p:attrName>
+                                        </p:attrNameLst>
+                                      </p:cBhvr>
+                                      <p:to>
+                                        <p:strVal val="visible"/>
+                                      </p:to>
+                                    </p:set>
+                                    <p:animEffect transition="in" filter="fade">
+                                      <p:cBhvr>
+                                        <p:cTn id="21" dur="1000"/>
+                                        <p:tgtEl>
+                                          <p:spTgt spid="5"/>
+                                        </p:tgtEl>
+                                      </p:cBhvr>
+                                    </p:animEffect>
+                                    <p:anim calcmode="lin" valueType="num">
+                                      <p:cBhvr>
+                                        <p:cTn id="22" dur="1000" fill="hold"/>
+                                        <p:tgtEl>
+                                          <p:spTgt spid="5"/>
+                                        </p:tgtEl>
+                                        <p:attrNameLst>
+                                          <p:attrName>ppt_x</p:attrName>
+                                        </p:attrNameLst>
+                                      </p:cBhvr>
+                                      <p:tavLst>
+                                        <p:tav tm="0">
+                                          <p:val>
+                                            <p:strVal val="#ppt_x"/>
+                                          </p:val>
+                                        </p:tav>
+                                        <p:tav tm="100000">
+                                          <p:val>
+                                            <p:strVal val="#ppt_x"/>
+                                          </p:val>
+                                        </p:tav>
+                                      </p:tavLst>
+                                    </p:anim>
+                                    <p:anim calcmode="lin" valueType="num">
+                                      <p:cBhvr>
+                                        <p:cTn id="23" dur="1000" fill="hold"/>
+                                        <p:tgtEl>
+                                          <p:spTgt spid="5"/>
+                                        </p:tgtEl>
+                                        <p:attrNameLst>
+                                          <p:attrName>ppt_y</p:attrName>
+                                        </p:attrNameLst>
+                                      </p:cBhvr>
+                                      <p:tavLst>
+                                        <p:tav tm="0">
+                                          <p:val>
+                                            <p:strVal val="#ppt_y+.1"/>
+                                          </p:val>
+                                        </p:tav>
+                                        <p:tav tm="100000">
+                                          <p:val>
+                                            <p:strVal val="#ppt_y"/>
+                                          </p:val>
+                                        </p:tav>
+                                      </p:tavLst>
+                                    </p:anim>
+                                  </p:childTnLst>
+                                </p:cTn>
+                              </p:par>
+                            </p:childTnLst>
+                          </p:cTn>
+                        </p:par>
+                      </p:childTnLst>
+                    </p:cTn>
+                  </p:par>
+                </p:childTnLst>
+              </p:cTn>
+              <p:prevCondLst>
+                <p:cond evt="onPrev" delay="0">
+                  <p:tgtEl>
+                    <p:sldTgt/>
+                  </p:tgtEl>
+                </p:cond>
+              </p:prevCondLst>
+              <p:nextCondLst>
+                <p:cond evt="onNext" delay="0">
+                  <p:tgtEl>
+                    <p:sldTgt/>
+                  </p:tgtEl>
+                </p:cond>
+              </p:nextCondLst>
+            </p:seq>
+          </p:childTnLst>
+        </p:cTn>
+      </p:par>
+    </p:tnLst>
+    <p:bldLst>
+      <p:bldP spid="3" grpId="0"/>
+      <p:bldP spid="4" grpId="0"/>
+      <p:bldP spid="5" grpId="0"/>
+    </p:bldLst>
+  </p:timing>
 </p:sld>
 </file>
 
@@ -17206,7 +18620,6 @@
               <a:rPr lang="en-US" altLang="zh-CN" dirty="0"/>
               <a:t>UI</a:t>
             </a:r>
-            <a:endParaRPr lang="en-US" altLang="zh-CN" dirty="0"/>
           </a:p>
         </p:txBody>
       </p:sp>
@@ -17343,7 +18756,6 @@
               <a:rPr lang="zh-CN" altLang="en-US" dirty="0"/>
               <a:t>微服务</a:t>
             </a:r>
-            <a:endParaRPr lang="zh-CN" altLang="en-US" dirty="0"/>
           </a:p>
         </p:txBody>
       </p:sp>
@@ -17420,7 +18832,6 @@
               <a:rPr lang="en-US" altLang="zh-CN" dirty="0"/>
               <a:t>REST API</a:t>
             </a:r>
-            <a:endParaRPr lang="en-US" altLang="zh-CN" dirty="0"/>
           </a:p>
         </p:txBody>
       </p:sp>
@@ -17593,7 +19004,6 @@
               <a:rPr lang="en-US" altLang="zh-CN" dirty="0"/>
               <a:t>DB</a:t>
             </a:r>
-            <a:endParaRPr lang="en-US" altLang="zh-CN" dirty="0"/>
           </a:p>
         </p:txBody>
       </p:sp>
@@ -17637,7 +19047,6 @@
               <a:rPr lang="zh-CN" altLang="en-US"/>
               <a:t>缓存服务</a:t>
             </a:r>
-            <a:endParaRPr lang="zh-CN" altLang="en-US"/>
           </a:p>
         </p:txBody>
       </p:sp>
@@ -17714,7 +19123,6 @@
               <a:rPr lang="en-US" altLang="zh-CN" dirty="0"/>
               <a:t>REDIS</a:t>
             </a:r>
-            <a:endParaRPr lang="en-US" altLang="zh-CN" dirty="0"/>
           </a:p>
         </p:txBody>
       </p:sp>
@@ -17791,7 +19199,6 @@
               <a:rPr lang="en-US" altLang="zh-CN" dirty="0"/>
               <a:t>DB</a:t>
             </a:r>
-            <a:endParaRPr lang="en-US" altLang="zh-CN" dirty="0"/>
           </a:p>
         </p:txBody>
       </p:sp>
@@ -17868,7 +19275,6 @@
               <a:rPr lang="zh-CN" altLang="en-US"/>
               <a:t>微服务</a:t>
             </a:r>
-            <a:endParaRPr lang="zh-CN" altLang="en-US"/>
           </a:p>
         </p:txBody>
       </p:sp>
@@ -17945,7 +19351,6 @@
               <a:rPr lang="en-US" altLang="zh-CN" dirty="0"/>
               <a:t>DB</a:t>
             </a:r>
-            <a:endParaRPr lang="en-US" altLang="zh-CN" dirty="0"/>
           </a:p>
         </p:txBody>
       </p:sp>
@@ -17973,7 +19378,7 @@
           <a:p>
             <a:pPr algn="l"/>
             <a:r>
-              <a:rPr lang="zh-CN" altLang="en-US" sz="1000">
+              <a:rPr lang="zh-CN" altLang="en-US" sz="1000" dirty="0">
                 <a:solidFill>
                   <a:schemeClr val="bg1"/>
                 </a:solidFill>
@@ -17982,13 +19387,6 @@
               </a:rPr>
               <a:t>参考资料：Öner Zafer</a:t>
             </a:r>
-            <a:endParaRPr lang="zh-CN" altLang="en-US" sz="1000">
-              <a:solidFill>
-                <a:schemeClr val="bg1"/>
-              </a:solidFill>
-              <a:latin typeface="微软雅黑" panose="020B0503020204020204" pitchFamily="34" charset="-122"/>
-              <a:ea typeface="微软雅黑" panose="020B0503020204020204" pitchFamily="34" charset="-122"/>
-            </a:endParaRPr>
           </a:p>
         </p:txBody>
       </p:sp>
@@ -18034,13 +19432,6 @@
               </a:rPr>
               <a:t>从后端微服务说起</a:t>
             </a:r>
-            <a:endParaRPr lang="zh-CN" altLang="en-US" sz="3200" dirty="0">
-              <a:solidFill>
-                <a:schemeClr val="bg1"/>
-              </a:solidFill>
-              <a:latin typeface="微软雅黑" panose="020B0503020204020204" pitchFamily="34" charset="-122"/>
-              <a:ea typeface="微软雅黑" panose="020B0503020204020204" pitchFamily="34" charset="-122"/>
-            </a:endParaRPr>
           </a:p>
         </p:txBody>
       </p:sp>
@@ -19221,15 +20612,106 @@
                                   </p:childTnLst>
                                 </p:cTn>
                               </p:par>
+                            </p:childTnLst>
+                          </p:cTn>
+                        </p:par>
+                      </p:childTnLst>
+                    </p:cTn>
+                  </p:par>
+                  <p:par>
+                    <p:cTn id="77" fill="hold">
+                      <p:stCondLst>
+                        <p:cond delay="indefinite"/>
+                      </p:stCondLst>
+                      <p:childTnLst>
+                        <p:par>
+                          <p:cTn id="78" fill="hold">
+                            <p:stCondLst>
+                              <p:cond delay="0"/>
+                            </p:stCondLst>
+                            <p:childTnLst>
                               <p:par>
-                                <p:cTn id="77" presetID="42" presetClass="entr" presetSubtype="0" fill="hold" nodeType="withEffect">
+                                <p:cTn id="79" presetID="2" presetClass="entr" presetSubtype="4" fill="hold" grpId="0" nodeType="clickEffect">
                                   <p:stCondLst>
                                     <p:cond delay="0"/>
                                   </p:stCondLst>
                                   <p:childTnLst>
                                     <p:set>
                                       <p:cBhvr>
-                                        <p:cTn id="78" dur="1" fill="hold">
+                                        <p:cTn id="80" dur="1" fill="hold">
+                                          <p:stCondLst>
+                                            <p:cond delay="0"/>
+                                          </p:stCondLst>
+                                        </p:cTn>
+                                        <p:tgtEl>
+                                          <p:spTgt spid="27"/>
+                                        </p:tgtEl>
+                                        <p:attrNameLst>
+                                          <p:attrName>style.visibility</p:attrName>
+                                        </p:attrNameLst>
+                                      </p:cBhvr>
+                                      <p:to>
+                                        <p:strVal val="visible"/>
+                                      </p:to>
+                                    </p:set>
+                                    <p:anim calcmode="lin" valueType="num">
+                                      <p:cBhvr additive="base">
+                                        <p:cTn id="81" dur="500" fill="hold"/>
+                                        <p:tgtEl>
+                                          <p:spTgt spid="27"/>
+                                        </p:tgtEl>
+                                        <p:attrNameLst>
+                                          <p:attrName>ppt_x</p:attrName>
+                                        </p:attrNameLst>
+                                      </p:cBhvr>
+                                      <p:tavLst>
+                                        <p:tav tm="0">
+                                          <p:val>
+                                            <p:strVal val="#ppt_x"/>
+                                          </p:val>
+                                        </p:tav>
+                                        <p:tav tm="100000">
+                                          <p:val>
+                                            <p:strVal val="#ppt_x"/>
+                                          </p:val>
+                                        </p:tav>
+                                      </p:tavLst>
+                                    </p:anim>
+                                    <p:anim calcmode="lin" valueType="num">
+                                      <p:cBhvr additive="base">
+                                        <p:cTn id="82" dur="500" fill="hold"/>
+                                        <p:tgtEl>
+                                          <p:spTgt spid="27"/>
+                                        </p:tgtEl>
+                                        <p:attrNameLst>
+                                          <p:attrName>ppt_y</p:attrName>
+                                        </p:attrNameLst>
+                                      </p:cBhvr>
+                                      <p:tavLst>
+                                        <p:tav tm="0">
+                                          <p:val>
+                                            <p:strVal val="1+#ppt_h/2"/>
+                                          </p:val>
+                                        </p:tav>
+                                        <p:tav tm="100000">
+                                          <p:val>
+                                            <p:strVal val="#ppt_y"/>
+                                          </p:val>
+                                        </p:tav>
+                                      </p:tavLst>
+                                    </p:anim>
+                                  </p:childTnLst>
+                                </p:cTn>
+                              </p:par>
+                              <p:par>
+                                <p:cTn id="83" presetID="42" presetClass="entr" presetSubtype="0" fill="hold" nodeType="withEffect">
+                                  <p:stCondLst>
+                                    <p:cond delay="0"/>
+                                  </p:stCondLst>
+                                  <p:childTnLst>
+                                    <p:set>
+                                      <p:cBhvr>
+                                        <p:cTn id="84" dur="1" fill="hold">
                                           <p:stCondLst>
                                             <p:cond delay="0"/>
                                           </p:stCondLst>
@@ -19247,7 +20729,7 @@
                                     </p:set>
                                     <p:animEffect transition="in" filter="fade">
                                       <p:cBhvr>
-                                        <p:cTn id="79" dur="1000"/>
+                                        <p:cTn id="85" dur="1000"/>
                                         <p:tgtEl>
                                           <p:spTgt spid="19"/>
                                         </p:tgtEl>
@@ -19255,7 +20737,7 @@
                                     </p:animEffect>
                                     <p:anim calcmode="lin" valueType="num">
                                       <p:cBhvr>
-                                        <p:cTn id="80" dur="1000" fill="hold"/>
+                                        <p:cTn id="86" dur="1000" fill="hold"/>
                                         <p:tgtEl>
                                           <p:spTgt spid="19"/>
                                         </p:tgtEl>
@@ -19278,7 +20760,7 @@
                                     </p:anim>
                                     <p:anim calcmode="lin" valueType="num">
                                       <p:cBhvr>
-                                        <p:cTn id="81" dur="1000" fill="hold"/>
+                                        <p:cTn id="87" dur="1000" fill="hold"/>
                                         <p:tgtEl>
                                           <p:spTgt spid="19"/>
                                         </p:tgtEl>
@@ -19303,14 +20785,14 @@
                                 </p:cTn>
                               </p:par>
                               <p:par>
-                                <p:cTn id="82" presetID="42" presetClass="entr" presetSubtype="0" fill="hold" grpId="0" nodeType="withEffect">
+                                <p:cTn id="88" presetID="42" presetClass="entr" presetSubtype="0" fill="hold" grpId="0" nodeType="withEffect">
                                   <p:stCondLst>
                                     <p:cond delay="0"/>
                                   </p:stCondLst>
                                   <p:childTnLst>
                                     <p:set>
                                       <p:cBhvr>
-                                        <p:cTn id="83" dur="1" fill="hold">
+                                        <p:cTn id="89" dur="1" fill="hold">
                                           <p:stCondLst>
                                             <p:cond delay="0"/>
                                           </p:stCondLst>
@@ -19328,7 +20810,7 @@
                                     </p:set>
                                     <p:animEffect transition="in" filter="fade">
                                       <p:cBhvr>
-                                        <p:cTn id="84" dur="1000"/>
+                                        <p:cTn id="90" dur="1000"/>
                                         <p:tgtEl>
                                           <p:spTgt spid="20"/>
                                         </p:tgtEl>
@@ -19336,7 +20818,7 @@
                                     </p:animEffect>
                                     <p:anim calcmode="lin" valueType="num">
                                       <p:cBhvr>
-                                        <p:cTn id="85" dur="1000" fill="hold"/>
+                                        <p:cTn id="91" dur="1000" fill="hold"/>
                                         <p:tgtEl>
                                           <p:spTgt spid="20"/>
                                         </p:tgtEl>
@@ -19359,7 +20841,7 @@
                                     </p:anim>
                                     <p:anim calcmode="lin" valueType="num">
                                       <p:cBhvr>
-                                        <p:cTn id="86" dur="1000" fill="hold"/>
+                                        <p:cTn id="92" dur="1000" fill="hold"/>
                                         <p:tgtEl>
                                           <p:spTgt spid="20"/>
                                         </p:tgtEl>
@@ -19384,14 +20866,14 @@
                                 </p:cTn>
                               </p:par>
                               <p:par>
-                                <p:cTn id="87" presetID="42" presetClass="entr" presetSubtype="0" fill="hold" nodeType="withEffect">
+                                <p:cTn id="93" presetID="42" presetClass="entr" presetSubtype="0" fill="hold" nodeType="withEffect">
                                   <p:stCondLst>
                                     <p:cond delay="0"/>
                                   </p:stCondLst>
                                   <p:childTnLst>
                                     <p:set>
                                       <p:cBhvr>
-                                        <p:cTn id="88" dur="1" fill="hold">
+                                        <p:cTn id="94" dur="1" fill="hold">
                                           <p:stCondLst>
                                             <p:cond delay="0"/>
                                           </p:stCondLst>
@@ -19409,7 +20891,7 @@
                                     </p:set>
                                     <p:animEffect transition="in" filter="fade">
                                       <p:cBhvr>
-                                        <p:cTn id="89" dur="1000"/>
+                                        <p:cTn id="95" dur="1000"/>
                                         <p:tgtEl>
                                           <p:spTgt spid="21"/>
                                         </p:tgtEl>
@@ -19417,7 +20899,7 @@
                                     </p:animEffect>
                                     <p:anim calcmode="lin" valueType="num">
                                       <p:cBhvr>
-                                        <p:cTn id="90" dur="1000" fill="hold"/>
+                                        <p:cTn id="96" dur="1000" fill="hold"/>
                                         <p:tgtEl>
                                           <p:spTgt spid="21"/>
                                         </p:tgtEl>
@@ -19440,7 +20922,7 @@
                                     </p:anim>
                                     <p:anim calcmode="lin" valueType="num">
                                       <p:cBhvr>
-                                        <p:cTn id="91" dur="1000" fill="hold"/>
+                                        <p:cTn id="97" dur="1000" fill="hold"/>
                                         <p:tgtEl>
                                           <p:spTgt spid="21"/>
                                         </p:tgtEl>
@@ -19465,14 +20947,14 @@
                                 </p:cTn>
                               </p:par>
                               <p:par>
-                                <p:cTn id="92" presetID="42" presetClass="entr" presetSubtype="0" fill="hold" grpId="0" nodeType="withEffect">
+                                <p:cTn id="98" presetID="42" presetClass="entr" presetSubtype="0" fill="hold" grpId="0" nodeType="withEffect">
                                   <p:stCondLst>
                                     <p:cond delay="0"/>
                                   </p:stCondLst>
                                   <p:childTnLst>
                                     <p:set>
                                       <p:cBhvr>
-                                        <p:cTn id="93" dur="1" fill="hold">
+                                        <p:cTn id="99" dur="1" fill="hold">
                                           <p:stCondLst>
                                             <p:cond delay="0"/>
                                           </p:stCondLst>
@@ -19490,7 +20972,7 @@
                                     </p:set>
                                     <p:animEffect transition="in" filter="fade">
                                       <p:cBhvr>
-                                        <p:cTn id="94" dur="1000"/>
+                                        <p:cTn id="100" dur="1000"/>
                                         <p:tgtEl>
                                           <p:spTgt spid="22"/>
                                         </p:tgtEl>
@@ -19498,7 +20980,7 @@
                                     </p:animEffect>
                                     <p:anim calcmode="lin" valueType="num">
                                       <p:cBhvr>
-                                        <p:cTn id="95" dur="1000" fill="hold"/>
+                                        <p:cTn id="101" dur="1000" fill="hold"/>
                                         <p:tgtEl>
                                           <p:spTgt spid="22"/>
                                         </p:tgtEl>
@@ -19521,7 +21003,7 @@
                                     </p:anim>
                                     <p:anim calcmode="lin" valueType="num">
                                       <p:cBhvr>
-                                        <p:cTn id="96" dur="1000" fill="hold"/>
+                                        <p:cTn id="102" dur="1000" fill="hold"/>
                                         <p:tgtEl>
                                           <p:spTgt spid="22"/>
                                         </p:tgtEl>
@@ -19546,14 +21028,14 @@
                                 </p:cTn>
                               </p:par>
                               <p:par>
-                                <p:cTn id="97" presetID="42" presetClass="entr" presetSubtype="0" fill="hold" nodeType="withEffect">
+                                <p:cTn id="103" presetID="42" presetClass="entr" presetSubtype="0" fill="hold" nodeType="withEffect">
                                   <p:stCondLst>
                                     <p:cond delay="0"/>
                                   </p:stCondLst>
                                   <p:childTnLst>
                                     <p:set>
                                       <p:cBhvr>
-                                        <p:cTn id="98" dur="1" fill="hold">
+                                        <p:cTn id="104" dur="1" fill="hold">
                                           <p:stCondLst>
                                             <p:cond delay="0"/>
                                           </p:stCondLst>
@@ -19571,7 +21053,7 @@
                                     </p:set>
                                     <p:animEffect transition="in" filter="fade">
                                       <p:cBhvr>
-                                        <p:cTn id="99" dur="1000"/>
+                                        <p:cTn id="105" dur="1000"/>
                                         <p:tgtEl>
                                           <p:spTgt spid="23"/>
                                         </p:tgtEl>
@@ -19579,7 +21061,7 @@
                                     </p:animEffect>
                                     <p:anim calcmode="lin" valueType="num">
                                       <p:cBhvr>
-                                        <p:cTn id="100" dur="1000" fill="hold"/>
+                                        <p:cTn id="106" dur="1000" fill="hold"/>
                                         <p:tgtEl>
                                           <p:spTgt spid="23"/>
                                         </p:tgtEl>
@@ -19602,7 +21084,7 @@
                                     </p:anim>
                                     <p:anim calcmode="lin" valueType="num">
                                       <p:cBhvr>
-                                        <p:cTn id="101" dur="1000" fill="hold"/>
+                                        <p:cTn id="107" dur="1000" fill="hold"/>
                                         <p:tgtEl>
                                           <p:spTgt spid="23"/>
                                         </p:tgtEl>
@@ -19627,14 +21109,14 @@
                                 </p:cTn>
                               </p:par>
                               <p:par>
-                                <p:cTn id="102" presetID="42" presetClass="entr" presetSubtype="0" fill="hold" grpId="0" nodeType="withEffect">
+                                <p:cTn id="108" presetID="42" presetClass="entr" presetSubtype="0" fill="hold" grpId="0" nodeType="withEffect">
                                   <p:stCondLst>
                                     <p:cond delay="0"/>
                                   </p:stCondLst>
                                   <p:childTnLst>
                                     <p:set>
                                       <p:cBhvr>
-                                        <p:cTn id="103" dur="1" fill="hold">
+                                        <p:cTn id="109" dur="1" fill="hold">
                                           <p:stCondLst>
                                             <p:cond delay="0"/>
                                           </p:stCondLst>
@@ -19652,7 +21134,7 @@
                                     </p:set>
                                     <p:animEffect transition="in" filter="fade">
                                       <p:cBhvr>
-                                        <p:cTn id="104" dur="1000"/>
+                                        <p:cTn id="110" dur="1000"/>
                                         <p:tgtEl>
                                           <p:spTgt spid="24"/>
                                         </p:tgtEl>
@@ -19660,7 +21142,7 @@
                                     </p:animEffect>
                                     <p:anim calcmode="lin" valueType="num">
                                       <p:cBhvr>
-                                        <p:cTn id="105" dur="1000" fill="hold"/>
+                                        <p:cTn id="111" dur="1000" fill="hold"/>
                                         <p:tgtEl>
                                           <p:spTgt spid="24"/>
                                         </p:tgtEl>
@@ -19683,7 +21165,7 @@
                                     </p:anim>
                                     <p:anim calcmode="lin" valueType="num">
                                       <p:cBhvr>
-                                        <p:cTn id="106" dur="1000" fill="hold"/>
+                                        <p:cTn id="112" dur="1000" fill="hold"/>
                                         <p:tgtEl>
                                           <p:spTgt spid="24"/>
                                         </p:tgtEl>
@@ -19708,14 +21190,14 @@
                                 </p:cTn>
                               </p:par>
                               <p:par>
-                                <p:cTn id="107" presetID="42" presetClass="entr" presetSubtype="0" fill="hold" nodeType="withEffect">
+                                <p:cTn id="113" presetID="42" presetClass="entr" presetSubtype="0" fill="hold" nodeType="withEffect">
                                   <p:stCondLst>
                                     <p:cond delay="0"/>
                                   </p:stCondLst>
                                   <p:childTnLst>
                                     <p:set>
                                       <p:cBhvr>
-                                        <p:cTn id="108" dur="1" fill="hold">
+                                        <p:cTn id="114" dur="1" fill="hold">
                                           <p:stCondLst>
                                             <p:cond delay="0"/>
                                           </p:stCondLst>
@@ -19733,7 +21215,7 @@
                                     </p:set>
                                     <p:animEffect transition="in" filter="fade">
                                       <p:cBhvr>
-                                        <p:cTn id="109" dur="1000"/>
+                                        <p:cTn id="115" dur="1000"/>
                                         <p:tgtEl>
                                           <p:spTgt spid="25"/>
                                         </p:tgtEl>
@@ -19741,7 +21223,7 @@
                                     </p:animEffect>
                                     <p:anim calcmode="lin" valueType="num">
                                       <p:cBhvr>
-                                        <p:cTn id="110" dur="1000" fill="hold"/>
+                                        <p:cTn id="116" dur="1000" fill="hold"/>
                                         <p:tgtEl>
                                           <p:spTgt spid="25"/>
                                         </p:tgtEl>
@@ -19764,7 +21246,7 @@
                                     </p:anim>
                                     <p:anim calcmode="lin" valueType="num">
                                       <p:cBhvr>
-                                        <p:cTn id="111" dur="1000" fill="hold"/>
+                                        <p:cTn id="117" dur="1000" fill="hold"/>
                                         <p:tgtEl>
                                           <p:spTgt spid="25"/>
                                         </p:tgtEl>
@@ -19789,14 +21271,14 @@
                                 </p:cTn>
                               </p:par>
                               <p:par>
-                                <p:cTn id="112" presetID="42" presetClass="entr" presetSubtype="0" fill="hold" grpId="0" nodeType="withEffect">
+                                <p:cTn id="118" presetID="42" presetClass="entr" presetSubtype="0" fill="hold" grpId="0" nodeType="withEffect">
                                   <p:stCondLst>
                                     <p:cond delay="0"/>
                                   </p:stCondLst>
                                   <p:childTnLst>
                                     <p:set>
                                       <p:cBhvr>
-                                        <p:cTn id="113" dur="1" fill="hold">
+                                        <p:cTn id="119" dur="1" fill="hold">
                                           <p:stCondLst>
                                             <p:cond delay="0"/>
                                           </p:stCondLst>
@@ -19814,7 +21296,7 @@
                                     </p:set>
                                     <p:animEffect transition="in" filter="fade">
                                       <p:cBhvr>
-                                        <p:cTn id="114" dur="1000"/>
+                                        <p:cTn id="120" dur="1000"/>
                                         <p:tgtEl>
                                           <p:spTgt spid="26"/>
                                         </p:tgtEl>
@@ -19822,7 +21304,7 @@
                                     </p:animEffect>
                                     <p:anim calcmode="lin" valueType="num">
                                       <p:cBhvr>
-                                        <p:cTn id="115" dur="1000" fill="hold"/>
+                                        <p:cTn id="121" dur="1000" fill="hold"/>
                                         <p:tgtEl>
                                           <p:spTgt spid="26"/>
                                         </p:tgtEl>
@@ -19845,7 +21327,7 @@
                                     </p:anim>
                                     <p:anim calcmode="lin" valueType="num">
                                       <p:cBhvr>
-                                        <p:cTn id="116" dur="1000" fill="hold"/>
+                                        <p:cTn id="122" dur="1000" fill="hold"/>
                                         <p:tgtEl>
                                           <p:spTgt spid="26"/>
                                         </p:tgtEl>
@@ -19906,6 +21388,7 @@
       <p:bldP spid="22" grpId="0" animBg="1"/>
       <p:bldP spid="24" grpId="0" animBg="1"/>
       <p:bldP spid="26" grpId="0" animBg="1"/>
+      <p:bldP spid="27" grpId="0"/>
       <p:bldP spid="2" grpId="0"/>
     </p:bldLst>
   </p:timing>
@@ -19946,7 +21429,7 @@
           <p:nvPr/>
         </p:nvPicPr>
         <p:blipFill>
-          <a:blip r:embed="rId1"/>
+          <a:blip r:embed="rId2"/>
           <a:stretch>
             <a:fillRect/>
           </a:stretch>
@@ -20003,13 +21486,6 @@
               </a:rPr>
               <a:t>将单页面前端应用由单一的单体应用转变为多个小型前端应用聚合为一的应用。</a:t>
             </a:r>
-            <a:endParaRPr lang="zh-CN" altLang="en-US" sz="3200" dirty="0">
-              <a:solidFill>
-                <a:schemeClr val="bg1"/>
-              </a:solidFill>
-              <a:latin typeface="微软雅黑" panose="020B0503020204020204" pitchFamily="34" charset="-122"/>
-              <a:ea typeface="微软雅黑" panose="020B0503020204020204" pitchFamily="34" charset="-122"/>
-            </a:endParaRPr>
           </a:p>
         </p:txBody>
       </p:sp>
@@ -20638,13 +22114,6 @@
               </a:rPr>
               <a:t>应用集成进来</a:t>
             </a:r>
-            <a:endParaRPr lang="zh-CN" altLang="en-US" sz="1600" b="1" dirty="0">
-              <a:solidFill>
-                <a:schemeClr val="bg1"/>
-              </a:solidFill>
-              <a:latin typeface="微软雅黑" panose="020B0503020204020204" pitchFamily="34" charset="-122"/>
-              <a:ea typeface="微软雅黑" panose="020B0503020204020204" pitchFamily="34" charset="-122"/>
-            </a:endParaRPr>
           </a:p>
           <a:p>
             <a:pPr>
@@ -20707,13 +22176,6 @@
               </a:rPr>
               <a:t>回到前面的问题</a:t>
             </a:r>
-            <a:endParaRPr lang="zh-CN" altLang="en-US" sz="3200" dirty="0">
-              <a:solidFill>
-                <a:schemeClr val="bg1"/>
-              </a:solidFill>
-              <a:latin typeface="微软雅黑" panose="020B0503020204020204" pitchFamily="34" charset="-122"/>
-              <a:ea typeface="微软雅黑" panose="020B0503020204020204" pitchFamily="34" charset="-122"/>
-            </a:endParaRPr>
           </a:p>
         </p:txBody>
       </p:sp>
@@ -21024,13 +22486,6 @@
               </a:rPr>
               <a:t>将现有项目作为主应用</a:t>
             </a:r>
-            <a:endParaRPr lang="zh-CN" altLang="en-US" sz="3200" dirty="0">
-              <a:solidFill>
-                <a:schemeClr val="bg1"/>
-              </a:solidFill>
-              <a:latin typeface="微软雅黑" panose="020B0503020204020204" pitchFamily="34" charset="-122"/>
-              <a:ea typeface="微软雅黑" panose="020B0503020204020204" pitchFamily="34" charset="-122"/>
-            </a:endParaRPr>
           </a:p>
         </p:txBody>
       </p:sp>
@@ -21076,13 +22531,6 @@
               </a:rPr>
               <a:t>其他接入项目作为子应用</a:t>
             </a:r>
-            <a:endParaRPr lang="zh-CN" altLang="en-US" sz="3200" dirty="0">
-              <a:solidFill>
-                <a:schemeClr val="bg1"/>
-              </a:solidFill>
-              <a:latin typeface="微软雅黑" panose="020B0503020204020204" pitchFamily="34" charset="-122"/>
-              <a:ea typeface="微软雅黑" panose="020B0503020204020204" pitchFamily="34" charset="-122"/>
-            </a:endParaRPr>
           </a:p>
         </p:txBody>
       </p:sp>
@@ -21517,6 +22965,7 @@
       </a:bgFillStyleLst>
     </a:fmtScheme>
   </a:themeElements>
+  <a:objectDefaults/>
   <a:extraClrSchemeLst>
     <a:extraClrScheme>
       <a:clrScheme name="">

--- a/微前端.pptx
+++ b/微前端.pptx
@@ -266,7 +266,7 @@
           <a:p>
             <a:fld id="{D997B5FA-0921-464F-AAE1-844C04324D75}" type="datetimeFigureOut">
               <a:rPr lang="zh-CN" altLang="en-US" smtClean="0"/>
-              <a:t>2020/10/13</a:t>
+              <a:t>2020/10/14</a:t>
             </a:fld>
             <a:endParaRPr lang="zh-CN" altLang="en-US"/>
           </a:p>
@@ -430,7 +430,7 @@
           <a:p>
             <a:fld id="{D997B5FA-0921-464F-AAE1-844C04324D75}" type="datetimeFigureOut">
               <a:rPr lang="zh-CN" altLang="en-US" smtClean="0"/>
-              <a:t>2020/10/13</a:t>
+              <a:t>2020/10/14</a:t>
             </a:fld>
             <a:endParaRPr lang="zh-CN" altLang="en-US"/>
           </a:p>
@@ -604,7 +604,7 @@
           <a:p>
             <a:fld id="{D997B5FA-0921-464F-AAE1-844C04324D75}" type="datetimeFigureOut">
               <a:rPr lang="zh-CN" altLang="en-US" smtClean="0"/>
-              <a:t>2020/10/13</a:t>
+              <a:t>2020/10/14</a:t>
             </a:fld>
             <a:endParaRPr lang="zh-CN" altLang="en-US"/>
           </a:p>
@@ -768,7 +768,7 @@
           <a:p>
             <a:fld id="{D997B5FA-0921-464F-AAE1-844C04324D75}" type="datetimeFigureOut">
               <a:rPr lang="zh-CN" altLang="en-US" smtClean="0"/>
-              <a:t>2020/10/13</a:t>
+              <a:t>2020/10/14</a:t>
             </a:fld>
             <a:endParaRPr lang="zh-CN" altLang="en-US"/>
           </a:p>
@@ -1009,7 +1009,7 @@
           <a:p>
             <a:fld id="{D997B5FA-0921-464F-AAE1-844C04324D75}" type="datetimeFigureOut">
               <a:rPr lang="zh-CN" altLang="en-US" smtClean="0"/>
-              <a:t>2020/10/13</a:t>
+              <a:t>2020/10/14</a:t>
             </a:fld>
             <a:endParaRPr lang="zh-CN" altLang="en-US"/>
           </a:p>
@@ -1234,7 +1234,7 @@
           <a:p>
             <a:fld id="{D997B5FA-0921-464F-AAE1-844C04324D75}" type="datetimeFigureOut">
               <a:rPr lang="zh-CN" altLang="en-US" smtClean="0"/>
-              <a:t>2020/10/13</a:t>
+              <a:t>2020/10/14</a:t>
             </a:fld>
             <a:endParaRPr lang="zh-CN" altLang="en-US"/>
           </a:p>
@@ -1594,7 +1594,7 @@
           <a:p>
             <a:fld id="{D997B5FA-0921-464F-AAE1-844C04324D75}" type="datetimeFigureOut">
               <a:rPr lang="zh-CN" altLang="en-US" smtClean="0"/>
-              <a:t>2020/10/13</a:t>
+              <a:t>2020/10/14</a:t>
             </a:fld>
             <a:endParaRPr lang="zh-CN" altLang="en-US"/>
           </a:p>
@@ -1707,7 +1707,7 @@
           <a:p>
             <a:fld id="{D997B5FA-0921-464F-AAE1-844C04324D75}" type="datetimeFigureOut">
               <a:rPr lang="zh-CN" altLang="en-US" smtClean="0"/>
-              <a:t>2020/10/13</a:t>
+              <a:t>2020/10/14</a:t>
             </a:fld>
             <a:endParaRPr lang="zh-CN" altLang="en-US"/>
           </a:p>
@@ -1798,7 +1798,7 @@
           <a:p>
             <a:fld id="{D997B5FA-0921-464F-AAE1-844C04324D75}" type="datetimeFigureOut">
               <a:rPr lang="zh-CN" altLang="en-US" smtClean="0"/>
-              <a:t>2020/10/13</a:t>
+              <a:t>2020/10/14</a:t>
             </a:fld>
             <a:endParaRPr lang="zh-CN" altLang="en-US"/>
           </a:p>
@@ -2069,7 +2069,7 @@
           <a:p>
             <a:fld id="{D997B5FA-0921-464F-AAE1-844C04324D75}" type="datetimeFigureOut">
               <a:rPr lang="zh-CN" altLang="en-US" smtClean="0"/>
-              <a:t>2020/10/13</a:t>
+              <a:t>2020/10/14</a:t>
             </a:fld>
             <a:endParaRPr lang="zh-CN" altLang="en-US"/>
           </a:p>
@@ -2317,7 +2317,7 @@
           <a:p>
             <a:fld id="{D997B5FA-0921-464F-AAE1-844C04324D75}" type="datetimeFigureOut">
               <a:rPr lang="zh-CN" altLang="en-US" smtClean="0"/>
-              <a:t>2020/10/13</a:t>
+              <a:t>2020/10/14</a:t>
             </a:fld>
             <a:endParaRPr lang="zh-CN" altLang="en-US"/>
           </a:p>
@@ -2532,7 +2532,7 @@
           <a:p>
             <a:fld id="{D997B5FA-0921-464F-AAE1-844C04324D75}" type="datetimeFigureOut">
               <a:rPr lang="zh-CN" altLang="en-US" smtClean="0"/>
-              <a:t>2020/10/13</a:t>
+              <a:t>2020/10/14</a:t>
             </a:fld>
             <a:endParaRPr lang="zh-CN" altLang="en-US"/>
           </a:p>
@@ -13152,8 +13152,8 @@
         </p:nvSpPr>
         <p:spPr>
           <a:xfrm>
-            <a:off x="482860" y="1130665"/>
-            <a:ext cx="11404340" cy="1015663"/>
+            <a:off x="393830" y="795622"/>
+            <a:ext cx="11404340" cy="1596078"/>
           </a:xfrm>
           <a:prstGeom prst="rect">
             <a:avLst/>
@@ -13166,6 +13166,11 @@
           </a:bodyPr>
           <a:lstStyle/>
           <a:p>
+            <a:pPr>
+              <a:lnSpc>
+                <a:spcPts val="3000"/>
+              </a:lnSpc>
+            </a:pPr>
             <a:r>
               <a:rPr lang="zh-CN" altLang="en-US" sz="2000" dirty="0">
                 <a:solidFill>
@@ -13174,7 +13179,7 @@
                 <a:latin typeface="微软雅黑" panose="020B0503020204020204" pitchFamily="34" charset="-122"/>
                 <a:ea typeface="微软雅黑" panose="020B0503020204020204" pitchFamily="34" charset="-122"/>
               </a:rPr>
-              <a:t>使用</a:t>
+              <a:t>    使用</a:t>
             </a:r>
             <a:r>
               <a:rPr lang="en-US" altLang="zh-CN" sz="2000" dirty="0">
@@ -13235,6 +13240,50 @@
                 <a:ea typeface="微软雅黑" panose="020B0503020204020204" pitchFamily="34" charset="-122"/>
               </a:rPr>
               <a:t>上挂东西、修改东西和删除东西的时候，我们可以把这个操作记录下来。当我们恢复回外面的全局环境的时候，我们只需要反向执行之前的操作即可。</a:t>
+            </a:r>
+            <a:endParaRPr lang="en-US" altLang="zh-CN" sz="2000" dirty="0">
+              <a:solidFill>
+                <a:schemeClr val="bg1"/>
+              </a:solidFill>
+              <a:latin typeface="微软雅黑" panose="020B0503020204020204" pitchFamily="34" charset="-122"/>
+              <a:ea typeface="微软雅黑" panose="020B0503020204020204" pitchFamily="34" charset="-122"/>
+            </a:endParaRPr>
+          </a:p>
+          <a:p>
+            <a:pPr>
+              <a:lnSpc>
+                <a:spcPts val="3000"/>
+              </a:lnSpc>
+            </a:pPr>
+            <a:r>
+              <a:rPr lang="en-US" altLang="zh-CN" sz="2000" dirty="0">
+                <a:solidFill>
+                  <a:schemeClr val="bg1"/>
+                </a:solidFill>
+                <a:latin typeface="微软雅黑" panose="020B0503020204020204" pitchFamily="34" charset="-122"/>
+                <a:ea typeface="微软雅黑" panose="020B0503020204020204" pitchFamily="34" charset="-122"/>
+              </a:rPr>
+              <a:t>    </a:t>
+            </a:r>
+            <a:r>
+              <a:rPr lang="en-US" altLang="zh-CN" sz="2000" dirty="0" err="1">
+                <a:solidFill>
+                  <a:schemeClr val="bg1"/>
+                </a:solidFill>
+                <a:latin typeface="微软雅黑" panose="020B0503020204020204" pitchFamily="34" charset="-122"/>
+                <a:ea typeface="微软雅黑" panose="020B0503020204020204" pitchFamily="34" charset="-122"/>
+              </a:rPr>
+              <a:t>qiankun</a:t>
+            </a:r>
+            <a:r>
+              <a:rPr lang="zh-CN" altLang="en-US" sz="2000" dirty="0">
+                <a:solidFill>
+                  <a:schemeClr val="bg1"/>
+                </a:solidFill>
+                <a:latin typeface="微软雅黑" panose="020B0503020204020204" pitchFamily="34" charset="-122"/>
+                <a:ea typeface="微软雅黑" panose="020B0503020204020204" pitchFamily="34" charset="-122"/>
+              </a:rPr>
+              <a:t>的隔离方案是保证子应用的全局环境不影响主应用的全局环境</a:t>
             </a:r>
           </a:p>
         </p:txBody>
@@ -13247,7 +13296,7 @@
         </p:nvSpPr>
         <p:spPr>
           <a:xfrm>
-            <a:off x="3156857" y="2896582"/>
+            <a:off x="3156857" y="3114696"/>
             <a:ext cx="5878286" cy="3676261"/>
           </a:xfrm>
           <a:prstGeom prst="rect">
@@ -13290,7 +13339,7 @@
         </p:nvSpPr>
         <p:spPr>
           <a:xfrm>
-            <a:off x="2200470" y="2481371"/>
+            <a:off x="2200470" y="2699485"/>
             <a:ext cx="1912775" cy="830423"/>
           </a:xfrm>
           <a:prstGeom prst="rect">
@@ -13340,7 +13389,7 @@
         </p:nvSpPr>
         <p:spPr>
           <a:xfrm>
-            <a:off x="5172270" y="3008551"/>
+            <a:off x="5172270" y="3226665"/>
             <a:ext cx="1548881" cy="400110"/>
           </a:xfrm>
           <a:prstGeom prst="rect">
@@ -13376,7 +13425,7 @@
         </p:nvSpPr>
         <p:spPr>
           <a:xfrm>
-            <a:off x="3656044" y="4939987"/>
+            <a:off x="3656044" y="5158101"/>
             <a:ext cx="2281335" cy="1077689"/>
           </a:xfrm>
           <a:prstGeom prst="rect">
@@ -13439,7 +13488,7 @@
         </p:nvSpPr>
         <p:spPr>
           <a:xfrm>
-            <a:off x="3343470" y="4622194"/>
+            <a:off x="3343470" y="4840308"/>
             <a:ext cx="1156995" cy="635585"/>
           </a:xfrm>
           <a:prstGeom prst="rect">
@@ -13494,7 +13543,7 @@
         </p:nvSpPr>
         <p:spPr>
           <a:xfrm>
-            <a:off x="6562527" y="4949317"/>
+            <a:off x="6562527" y="5167431"/>
             <a:ext cx="2281335" cy="1077689"/>
           </a:xfrm>
           <a:prstGeom prst="rect">
@@ -13557,7 +13606,7 @@
         </p:nvSpPr>
         <p:spPr>
           <a:xfrm>
-            <a:off x="6249953" y="4631524"/>
+            <a:off x="6249953" y="4849638"/>
             <a:ext cx="1156995" cy="635585"/>
           </a:xfrm>
           <a:prstGeom prst="rect">

--- a/微前端.pptx
+++ b/微前端.pptx
@@ -5,32 +5,32 @@
     <p:sldMasterId id="2147483648" r:id="rId1"/>
   </p:sldMasterIdLst>
   <p:sldIdLst>
-    <p:sldId id="258" r:id="rId2"/>
-    <p:sldId id="269" r:id="rId3"/>
-    <p:sldId id="268" r:id="rId4"/>
-    <p:sldId id="271" r:id="rId5"/>
-    <p:sldId id="259" r:id="rId6"/>
-    <p:sldId id="261" r:id="rId7"/>
-    <p:sldId id="272" r:id="rId8"/>
-    <p:sldId id="270" r:id="rId9"/>
-    <p:sldId id="273" r:id="rId10"/>
-    <p:sldId id="262" r:id="rId11"/>
-    <p:sldId id="274" r:id="rId12"/>
-    <p:sldId id="263" r:id="rId13"/>
-    <p:sldId id="275" r:id="rId14"/>
-    <p:sldId id="276" r:id="rId15"/>
-    <p:sldId id="264" r:id="rId16"/>
-    <p:sldId id="277" r:id="rId17"/>
-    <p:sldId id="278" r:id="rId18"/>
-    <p:sldId id="266" r:id="rId19"/>
-    <p:sldId id="279" r:id="rId20"/>
-    <p:sldId id="280" r:id="rId21"/>
-    <p:sldId id="281" r:id="rId22"/>
-    <p:sldId id="282" r:id="rId23"/>
-    <p:sldId id="267" r:id="rId24"/>
-    <p:sldId id="291" r:id="rId25"/>
-    <p:sldId id="292" r:id="rId26"/>
-    <p:sldId id="293" r:id="rId27"/>
+    <p:sldId id="258" r:id="rId3"/>
+    <p:sldId id="269" r:id="rId4"/>
+    <p:sldId id="268" r:id="rId5"/>
+    <p:sldId id="271" r:id="rId6"/>
+    <p:sldId id="259" r:id="rId7"/>
+    <p:sldId id="261" r:id="rId8"/>
+    <p:sldId id="272" r:id="rId9"/>
+    <p:sldId id="270" r:id="rId10"/>
+    <p:sldId id="273" r:id="rId11"/>
+    <p:sldId id="262" r:id="rId12"/>
+    <p:sldId id="274" r:id="rId13"/>
+    <p:sldId id="263" r:id="rId14"/>
+    <p:sldId id="275" r:id="rId15"/>
+    <p:sldId id="276" r:id="rId16"/>
+    <p:sldId id="264" r:id="rId17"/>
+    <p:sldId id="277" r:id="rId18"/>
+    <p:sldId id="278" r:id="rId19"/>
+    <p:sldId id="266" r:id="rId20"/>
+    <p:sldId id="279" r:id="rId21"/>
+    <p:sldId id="280" r:id="rId22"/>
+    <p:sldId id="281" r:id="rId23"/>
+    <p:sldId id="282" r:id="rId24"/>
+    <p:sldId id="267" r:id="rId25"/>
+    <p:sldId id="291" r:id="rId26"/>
+    <p:sldId id="292" r:id="rId27"/>
+    <p:sldId id="293" r:id="rId28"/>
   </p:sldIdLst>
   <p:sldSz cx="12192000" cy="6858000"/>
   <p:notesSz cx="6858000" cy="9144000"/>
@@ -129,11 +129,6 @@
       </a:defRPr>
     </a:lvl9pPr>
   </p:defaultTextStyle>
-  <p:extLst>
-    <p:ext uri="{EFAFB233-063F-42B5-8137-9DF3F51BA10A}">
-      <p15:sldGuideLst xmlns:p15="http://schemas.microsoft.com/office/powerpoint/2012/main"/>
-    </p:ext>
-  </p:extLst>
 </p:presentation>
 </file>
 
@@ -182,6 +177,7 @@
               <a:rPr lang="zh-CN" altLang="en-US"/>
               <a:t>单击此处编辑母版标题样式</a:t>
             </a:r>
+            <a:endParaRPr lang="zh-CN" altLang="en-US"/>
           </a:p>
         </p:txBody>
       </p:sp>
@@ -246,6 +242,7 @@
               <a:rPr lang="zh-CN" altLang="en-US"/>
               <a:t>单击此处编辑母版副标题样式</a:t>
             </a:r>
+            <a:endParaRPr lang="zh-CN" altLang="en-US"/>
           </a:p>
         </p:txBody>
       </p:sp>
@@ -266,7 +263,6 @@
           <a:p>
             <a:fld id="{D997B5FA-0921-464F-AAE1-844C04324D75}" type="datetimeFigureOut">
               <a:rPr lang="zh-CN" altLang="en-US" smtClean="0"/>
-              <a:t>2020/10/14</a:t>
             </a:fld>
             <a:endParaRPr lang="zh-CN" altLang="en-US"/>
           </a:p>
@@ -308,7 +304,6 @@
           <a:p>
             <a:fld id="{565CE74E-AB26-4998-AD42-012C4C1AD076}" type="slidenum">
               <a:rPr lang="zh-CN" altLang="en-US" smtClean="0"/>
-              <a:t>‹#›</a:t>
             </a:fld>
             <a:endParaRPr lang="zh-CN" altLang="en-US"/>
           </a:p>
@@ -359,6 +354,7 @@
               <a:rPr lang="zh-CN" altLang="en-US"/>
               <a:t>单击此处编辑母版标题样式</a:t>
             </a:r>
+            <a:endParaRPr lang="zh-CN" altLang="en-US"/>
           </a:p>
         </p:txBody>
       </p:sp>
@@ -382,6 +378,7 @@
               <a:rPr lang="zh-CN" altLang="en-US"/>
               <a:t>单击此处编辑母版文本样式</a:t>
             </a:r>
+            <a:endParaRPr lang="zh-CN" altLang="en-US"/>
           </a:p>
           <a:p>
             <a:pPr lvl="1"/>
@@ -389,6 +386,7 @@
               <a:rPr lang="zh-CN" altLang="en-US"/>
               <a:t>第二级</a:t>
             </a:r>
+            <a:endParaRPr lang="zh-CN" altLang="en-US"/>
           </a:p>
           <a:p>
             <a:pPr lvl="2"/>
@@ -396,6 +394,7 @@
               <a:rPr lang="zh-CN" altLang="en-US"/>
               <a:t>第三级</a:t>
             </a:r>
+            <a:endParaRPr lang="zh-CN" altLang="en-US"/>
           </a:p>
           <a:p>
             <a:pPr lvl="3"/>
@@ -403,6 +402,7 @@
               <a:rPr lang="zh-CN" altLang="en-US"/>
               <a:t>第四级</a:t>
             </a:r>
+            <a:endParaRPr lang="zh-CN" altLang="en-US"/>
           </a:p>
           <a:p>
             <a:pPr lvl="4"/>
@@ -410,6 +410,7 @@
               <a:rPr lang="zh-CN" altLang="en-US"/>
               <a:t>第五级</a:t>
             </a:r>
+            <a:endParaRPr lang="zh-CN" altLang="en-US"/>
           </a:p>
         </p:txBody>
       </p:sp>
@@ -430,7 +431,6 @@
           <a:p>
             <a:fld id="{D997B5FA-0921-464F-AAE1-844C04324D75}" type="datetimeFigureOut">
               <a:rPr lang="zh-CN" altLang="en-US" smtClean="0"/>
-              <a:t>2020/10/14</a:t>
             </a:fld>
             <a:endParaRPr lang="zh-CN" altLang="en-US"/>
           </a:p>
@@ -472,7 +472,6 @@
           <a:p>
             <a:fld id="{565CE74E-AB26-4998-AD42-012C4C1AD076}" type="slidenum">
               <a:rPr lang="zh-CN" altLang="en-US" smtClean="0"/>
-              <a:t>‹#›</a:t>
             </a:fld>
             <a:endParaRPr lang="zh-CN" altLang="en-US"/>
           </a:p>
@@ -528,6 +527,7 @@
               <a:rPr lang="zh-CN" altLang="en-US"/>
               <a:t>单击此处编辑母版标题样式</a:t>
             </a:r>
+            <a:endParaRPr lang="zh-CN" altLang="en-US"/>
           </a:p>
         </p:txBody>
       </p:sp>
@@ -556,6 +556,7 @@
               <a:rPr lang="zh-CN" altLang="en-US"/>
               <a:t>单击此处编辑母版文本样式</a:t>
             </a:r>
+            <a:endParaRPr lang="zh-CN" altLang="en-US"/>
           </a:p>
           <a:p>
             <a:pPr lvl="1"/>
@@ -563,6 +564,7 @@
               <a:rPr lang="zh-CN" altLang="en-US"/>
               <a:t>第二级</a:t>
             </a:r>
+            <a:endParaRPr lang="zh-CN" altLang="en-US"/>
           </a:p>
           <a:p>
             <a:pPr lvl="2"/>
@@ -570,6 +572,7 @@
               <a:rPr lang="zh-CN" altLang="en-US"/>
               <a:t>第三级</a:t>
             </a:r>
+            <a:endParaRPr lang="zh-CN" altLang="en-US"/>
           </a:p>
           <a:p>
             <a:pPr lvl="3"/>
@@ -577,6 +580,7 @@
               <a:rPr lang="zh-CN" altLang="en-US"/>
               <a:t>第四级</a:t>
             </a:r>
+            <a:endParaRPr lang="zh-CN" altLang="en-US"/>
           </a:p>
           <a:p>
             <a:pPr lvl="4"/>
@@ -584,6 +588,7 @@
               <a:rPr lang="zh-CN" altLang="en-US"/>
               <a:t>第五级</a:t>
             </a:r>
+            <a:endParaRPr lang="zh-CN" altLang="en-US"/>
           </a:p>
         </p:txBody>
       </p:sp>
@@ -604,7 +609,6 @@
           <a:p>
             <a:fld id="{D997B5FA-0921-464F-AAE1-844C04324D75}" type="datetimeFigureOut">
               <a:rPr lang="zh-CN" altLang="en-US" smtClean="0"/>
-              <a:t>2020/10/14</a:t>
             </a:fld>
             <a:endParaRPr lang="zh-CN" altLang="en-US"/>
           </a:p>
@@ -646,7 +650,6 @@
           <a:p>
             <a:fld id="{565CE74E-AB26-4998-AD42-012C4C1AD076}" type="slidenum">
               <a:rPr lang="zh-CN" altLang="en-US" smtClean="0"/>
-              <a:t>‹#›</a:t>
             </a:fld>
             <a:endParaRPr lang="zh-CN" altLang="en-US"/>
           </a:p>
@@ -697,6 +700,7 @@
               <a:rPr lang="zh-CN" altLang="en-US"/>
               <a:t>单击此处编辑母版标题样式</a:t>
             </a:r>
+            <a:endParaRPr lang="zh-CN" altLang="en-US"/>
           </a:p>
         </p:txBody>
       </p:sp>
@@ -720,6 +724,7 @@
               <a:rPr lang="zh-CN" altLang="en-US"/>
               <a:t>单击此处编辑母版文本样式</a:t>
             </a:r>
+            <a:endParaRPr lang="zh-CN" altLang="en-US"/>
           </a:p>
           <a:p>
             <a:pPr lvl="1"/>
@@ -727,6 +732,7 @@
               <a:rPr lang="zh-CN" altLang="en-US"/>
               <a:t>第二级</a:t>
             </a:r>
+            <a:endParaRPr lang="zh-CN" altLang="en-US"/>
           </a:p>
           <a:p>
             <a:pPr lvl="2"/>
@@ -734,6 +740,7 @@
               <a:rPr lang="zh-CN" altLang="en-US"/>
               <a:t>第三级</a:t>
             </a:r>
+            <a:endParaRPr lang="zh-CN" altLang="en-US"/>
           </a:p>
           <a:p>
             <a:pPr lvl="3"/>
@@ -741,6 +748,7 @@
               <a:rPr lang="zh-CN" altLang="en-US"/>
               <a:t>第四级</a:t>
             </a:r>
+            <a:endParaRPr lang="zh-CN" altLang="en-US"/>
           </a:p>
           <a:p>
             <a:pPr lvl="4"/>
@@ -748,6 +756,7 @@
               <a:rPr lang="zh-CN" altLang="en-US"/>
               <a:t>第五级</a:t>
             </a:r>
+            <a:endParaRPr lang="zh-CN" altLang="en-US"/>
           </a:p>
         </p:txBody>
       </p:sp>
@@ -768,7 +777,6 @@
           <a:p>
             <a:fld id="{D997B5FA-0921-464F-AAE1-844C04324D75}" type="datetimeFigureOut">
               <a:rPr lang="zh-CN" altLang="en-US" smtClean="0"/>
-              <a:t>2020/10/14</a:t>
             </a:fld>
             <a:endParaRPr lang="zh-CN" altLang="en-US"/>
           </a:p>
@@ -810,7 +818,6 @@
           <a:p>
             <a:fld id="{565CE74E-AB26-4998-AD42-012C4C1AD076}" type="slidenum">
               <a:rPr lang="zh-CN" altLang="en-US" smtClean="0"/>
-              <a:t>‹#›</a:t>
             </a:fld>
             <a:endParaRPr lang="zh-CN" altLang="en-US"/>
           </a:p>
@@ -870,6 +877,7 @@
               <a:rPr lang="zh-CN" altLang="en-US"/>
               <a:t>单击此处编辑母版标题样式</a:t>
             </a:r>
+            <a:endParaRPr lang="zh-CN" altLang="en-US"/>
           </a:p>
         </p:txBody>
       </p:sp>
@@ -989,6 +997,7 @@
               <a:rPr lang="zh-CN" altLang="en-US"/>
               <a:t>单击此处编辑母版文本样式</a:t>
             </a:r>
+            <a:endParaRPr lang="zh-CN" altLang="en-US"/>
           </a:p>
         </p:txBody>
       </p:sp>
@@ -1009,7 +1018,6 @@
           <a:p>
             <a:fld id="{D997B5FA-0921-464F-AAE1-844C04324D75}" type="datetimeFigureOut">
               <a:rPr lang="zh-CN" altLang="en-US" smtClean="0"/>
-              <a:t>2020/10/14</a:t>
             </a:fld>
             <a:endParaRPr lang="zh-CN" altLang="en-US"/>
           </a:p>
@@ -1051,7 +1059,6 @@
           <a:p>
             <a:fld id="{565CE74E-AB26-4998-AD42-012C4C1AD076}" type="slidenum">
               <a:rPr lang="zh-CN" altLang="en-US" smtClean="0"/>
-              <a:t>‹#›</a:t>
             </a:fld>
             <a:endParaRPr lang="zh-CN" altLang="en-US"/>
           </a:p>
@@ -1102,6 +1109,7 @@
               <a:rPr lang="zh-CN" altLang="en-US"/>
               <a:t>单击此处编辑母版标题样式</a:t>
             </a:r>
+            <a:endParaRPr lang="zh-CN" altLang="en-US"/>
           </a:p>
         </p:txBody>
       </p:sp>
@@ -1130,6 +1138,7 @@
               <a:rPr lang="zh-CN" altLang="en-US"/>
               <a:t>单击此处编辑母版文本样式</a:t>
             </a:r>
+            <a:endParaRPr lang="zh-CN" altLang="en-US"/>
           </a:p>
           <a:p>
             <a:pPr lvl="1"/>
@@ -1137,6 +1146,7 @@
               <a:rPr lang="zh-CN" altLang="en-US"/>
               <a:t>第二级</a:t>
             </a:r>
+            <a:endParaRPr lang="zh-CN" altLang="en-US"/>
           </a:p>
           <a:p>
             <a:pPr lvl="2"/>
@@ -1144,6 +1154,7 @@
               <a:rPr lang="zh-CN" altLang="en-US"/>
               <a:t>第三级</a:t>
             </a:r>
+            <a:endParaRPr lang="zh-CN" altLang="en-US"/>
           </a:p>
           <a:p>
             <a:pPr lvl="3"/>
@@ -1151,6 +1162,7 @@
               <a:rPr lang="zh-CN" altLang="en-US"/>
               <a:t>第四级</a:t>
             </a:r>
+            <a:endParaRPr lang="zh-CN" altLang="en-US"/>
           </a:p>
           <a:p>
             <a:pPr lvl="4"/>
@@ -1158,6 +1170,7 @@
               <a:rPr lang="zh-CN" altLang="en-US"/>
               <a:t>第五级</a:t>
             </a:r>
+            <a:endParaRPr lang="zh-CN" altLang="en-US"/>
           </a:p>
         </p:txBody>
       </p:sp>
@@ -1186,6 +1199,7 @@
               <a:rPr lang="zh-CN" altLang="en-US"/>
               <a:t>单击此处编辑母版文本样式</a:t>
             </a:r>
+            <a:endParaRPr lang="zh-CN" altLang="en-US"/>
           </a:p>
           <a:p>
             <a:pPr lvl="1"/>
@@ -1193,6 +1207,7 @@
               <a:rPr lang="zh-CN" altLang="en-US"/>
               <a:t>第二级</a:t>
             </a:r>
+            <a:endParaRPr lang="zh-CN" altLang="en-US"/>
           </a:p>
           <a:p>
             <a:pPr lvl="2"/>
@@ -1200,6 +1215,7 @@
               <a:rPr lang="zh-CN" altLang="en-US"/>
               <a:t>第三级</a:t>
             </a:r>
+            <a:endParaRPr lang="zh-CN" altLang="en-US"/>
           </a:p>
           <a:p>
             <a:pPr lvl="3"/>
@@ -1207,6 +1223,7 @@
               <a:rPr lang="zh-CN" altLang="en-US"/>
               <a:t>第四级</a:t>
             </a:r>
+            <a:endParaRPr lang="zh-CN" altLang="en-US"/>
           </a:p>
           <a:p>
             <a:pPr lvl="4"/>
@@ -1214,6 +1231,7 @@
               <a:rPr lang="zh-CN" altLang="en-US"/>
               <a:t>第五级</a:t>
             </a:r>
+            <a:endParaRPr lang="zh-CN" altLang="en-US"/>
           </a:p>
         </p:txBody>
       </p:sp>
@@ -1234,7 +1252,6 @@
           <a:p>
             <a:fld id="{D997B5FA-0921-464F-AAE1-844C04324D75}" type="datetimeFigureOut">
               <a:rPr lang="zh-CN" altLang="en-US" smtClean="0"/>
-              <a:t>2020/10/14</a:t>
             </a:fld>
             <a:endParaRPr lang="zh-CN" altLang="en-US"/>
           </a:p>
@@ -1276,7 +1293,6 @@
           <a:p>
             <a:fld id="{565CE74E-AB26-4998-AD42-012C4C1AD076}" type="slidenum">
               <a:rPr lang="zh-CN" altLang="en-US" smtClean="0"/>
-              <a:t>‹#›</a:t>
             </a:fld>
             <a:endParaRPr lang="zh-CN" altLang="en-US"/>
           </a:p>
@@ -1332,6 +1348,7 @@
               <a:rPr lang="zh-CN" altLang="en-US"/>
               <a:t>单击此处编辑母版标题样式</a:t>
             </a:r>
+            <a:endParaRPr lang="zh-CN" altLang="en-US"/>
           </a:p>
         </p:txBody>
       </p:sp>
@@ -1397,6 +1414,7 @@
               <a:rPr lang="zh-CN" altLang="en-US"/>
               <a:t>单击此处编辑母版文本样式</a:t>
             </a:r>
+            <a:endParaRPr lang="zh-CN" altLang="en-US"/>
           </a:p>
         </p:txBody>
       </p:sp>
@@ -1425,6 +1443,7 @@
               <a:rPr lang="zh-CN" altLang="en-US"/>
               <a:t>单击此处编辑母版文本样式</a:t>
             </a:r>
+            <a:endParaRPr lang="zh-CN" altLang="en-US"/>
           </a:p>
           <a:p>
             <a:pPr lvl="1"/>
@@ -1432,6 +1451,7 @@
               <a:rPr lang="zh-CN" altLang="en-US"/>
               <a:t>第二级</a:t>
             </a:r>
+            <a:endParaRPr lang="zh-CN" altLang="en-US"/>
           </a:p>
           <a:p>
             <a:pPr lvl="2"/>
@@ -1439,6 +1459,7 @@
               <a:rPr lang="zh-CN" altLang="en-US"/>
               <a:t>第三级</a:t>
             </a:r>
+            <a:endParaRPr lang="zh-CN" altLang="en-US"/>
           </a:p>
           <a:p>
             <a:pPr lvl="3"/>
@@ -1446,6 +1467,7 @@
               <a:rPr lang="zh-CN" altLang="en-US"/>
               <a:t>第四级</a:t>
             </a:r>
+            <a:endParaRPr lang="zh-CN" altLang="en-US"/>
           </a:p>
           <a:p>
             <a:pPr lvl="4"/>
@@ -1453,6 +1475,7 @@
               <a:rPr lang="zh-CN" altLang="en-US"/>
               <a:t>第五级</a:t>
             </a:r>
+            <a:endParaRPr lang="zh-CN" altLang="en-US"/>
           </a:p>
         </p:txBody>
       </p:sp>
@@ -1518,6 +1541,7 @@
               <a:rPr lang="zh-CN" altLang="en-US"/>
               <a:t>单击此处编辑母版文本样式</a:t>
             </a:r>
+            <a:endParaRPr lang="zh-CN" altLang="en-US"/>
           </a:p>
         </p:txBody>
       </p:sp>
@@ -1546,6 +1570,7 @@
               <a:rPr lang="zh-CN" altLang="en-US"/>
               <a:t>单击此处编辑母版文本样式</a:t>
             </a:r>
+            <a:endParaRPr lang="zh-CN" altLang="en-US"/>
           </a:p>
           <a:p>
             <a:pPr lvl="1"/>
@@ -1553,6 +1578,7 @@
               <a:rPr lang="zh-CN" altLang="en-US"/>
               <a:t>第二级</a:t>
             </a:r>
+            <a:endParaRPr lang="zh-CN" altLang="en-US"/>
           </a:p>
           <a:p>
             <a:pPr lvl="2"/>
@@ -1560,6 +1586,7 @@
               <a:rPr lang="zh-CN" altLang="en-US"/>
               <a:t>第三级</a:t>
             </a:r>
+            <a:endParaRPr lang="zh-CN" altLang="en-US"/>
           </a:p>
           <a:p>
             <a:pPr lvl="3"/>
@@ -1567,6 +1594,7 @@
               <a:rPr lang="zh-CN" altLang="en-US"/>
               <a:t>第四级</a:t>
             </a:r>
+            <a:endParaRPr lang="zh-CN" altLang="en-US"/>
           </a:p>
           <a:p>
             <a:pPr lvl="4"/>
@@ -1574,6 +1602,7 @@
               <a:rPr lang="zh-CN" altLang="en-US"/>
               <a:t>第五级</a:t>
             </a:r>
+            <a:endParaRPr lang="zh-CN" altLang="en-US"/>
           </a:p>
         </p:txBody>
       </p:sp>
@@ -1594,7 +1623,6 @@
           <a:p>
             <a:fld id="{D997B5FA-0921-464F-AAE1-844C04324D75}" type="datetimeFigureOut">
               <a:rPr lang="zh-CN" altLang="en-US" smtClean="0"/>
-              <a:t>2020/10/14</a:t>
             </a:fld>
             <a:endParaRPr lang="zh-CN" altLang="en-US"/>
           </a:p>
@@ -1636,7 +1664,6 @@
           <a:p>
             <a:fld id="{565CE74E-AB26-4998-AD42-012C4C1AD076}" type="slidenum">
               <a:rPr lang="zh-CN" altLang="en-US" smtClean="0"/>
-              <a:t>‹#›</a:t>
             </a:fld>
             <a:endParaRPr lang="zh-CN" altLang="en-US"/>
           </a:p>
@@ -1687,6 +1714,7 @@
               <a:rPr lang="zh-CN" altLang="en-US"/>
               <a:t>单击此处编辑母版标题样式</a:t>
             </a:r>
+            <a:endParaRPr lang="zh-CN" altLang="en-US"/>
           </a:p>
         </p:txBody>
       </p:sp>
@@ -1707,7 +1735,6 @@
           <a:p>
             <a:fld id="{D997B5FA-0921-464F-AAE1-844C04324D75}" type="datetimeFigureOut">
               <a:rPr lang="zh-CN" altLang="en-US" smtClean="0"/>
-              <a:t>2020/10/14</a:t>
             </a:fld>
             <a:endParaRPr lang="zh-CN" altLang="en-US"/>
           </a:p>
@@ -1749,7 +1776,6 @@
           <a:p>
             <a:fld id="{565CE74E-AB26-4998-AD42-012C4C1AD076}" type="slidenum">
               <a:rPr lang="zh-CN" altLang="en-US" smtClean="0"/>
-              <a:t>‹#›</a:t>
             </a:fld>
             <a:endParaRPr lang="zh-CN" altLang="en-US"/>
           </a:p>
@@ -1798,7 +1824,6 @@
           <a:p>
             <a:fld id="{D997B5FA-0921-464F-AAE1-844C04324D75}" type="datetimeFigureOut">
               <a:rPr lang="zh-CN" altLang="en-US" smtClean="0"/>
-              <a:t>2020/10/14</a:t>
             </a:fld>
             <a:endParaRPr lang="zh-CN" altLang="en-US"/>
           </a:p>
@@ -1840,7 +1865,6 @@
           <a:p>
             <a:fld id="{565CE74E-AB26-4998-AD42-012C4C1AD076}" type="slidenum">
               <a:rPr lang="zh-CN" altLang="en-US" smtClean="0"/>
-              <a:t>‹#›</a:t>
             </a:fld>
             <a:endParaRPr lang="zh-CN" altLang="en-US"/>
           </a:p>
@@ -1900,6 +1924,7 @@
               <a:rPr lang="zh-CN" altLang="en-US"/>
               <a:t>单击此处编辑母版标题样式</a:t>
             </a:r>
+            <a:endParaRPr lang="zh-CN" altLang="en-US"/>
           </a:p>
         </p:txBody>
       </p:sp>
@@ -1956,6 +1981,7 @@
               <a:rPr lang="zh-CN" altLang="en-US"/>
               <a:t>单击此处编辑母版文本样式</a:t>
             </a:r>
+            <a:endParaRPr lang="zh-CN" altLang="en-US"/>
           </a:p>
           <a:p>
             <a:pPr lvl="1"/>
@@ -1963,6 +1989,7 @@
               <a:rPr lang="zh-CN" altLang="en-US"/>
               <a:t>第二级</a:t>
             </a:r>
+            <a:endParaRPr lang="zh-CN" altLang="en-US"/>
           </a:p>
           <a:p>
             <a:pPr lvl="2"/>
@@ -1970,6 +1997,7 @@
               <a:rPr lang="zh-CN" altLang="en-US"/>
               <a:t>第三级</a:t>
             </a:r>
+            <a:endParaRPr lang="zh-CN" altLang="en-US"/>
           </a:p>
           <a:p>
             <a:pPr lvl="3"/>
@@ -1977,6 +2005,7 @@
               <a:rPr lang="zh-CN" altLang="en-US"/>
               <a:t>第四级</a:t>
             </a:r>
+            <a:endParaRPr lang="zh-CN" altLang="en-US"/>
           </a:p>
           <a:p>
             <a:pPr lvl="4"/>
@@ -1984,6 +2013,7 @@
               <a:rPr lang="zh-CN" altLang="en-US"/>
               <a:t>第五级</a:t>
             </a:r>
+            <a:endParaRPr lang="zh-CN" altLang="en-US"/>
           </a:p>
         </p:txBody>
       </p:sp>
@@ -2049,6 +2079,7 @@
               <a:rPr lang="zh-CN" altLang="en-US"/>
               <a:t>单击此处编辑母版文本样式</a:t>
             </a:r>
+            <a:endParaRPr lang="zh-CN" altLang="en-US"/>
           </a:p>
         </p:txBody>
       </p:sp>
@@ -2069,7 +2100,6 @@
           <a:p>
             <a:fld id="{D997B5FA-0921-464F-AAE1-844C04324D75}" type="datetimeFigureOut">
               <a:rPr lang="zh-CN" altLang="en-US" smtClean="0"/>
-              <a:t>2020/10/14</a:t>
             </a:fld>
             <a:endParaRPr lang="zh-CN" altLang="en-US"/>
           </a:p>
@@ -2111,7 +2141,6 @@
           <a:p>
             <a:fld id="{565CE74E-AB26-4998-AD42-012C4C1AD076}" type="slidenum">
               <a:rPr lang="zh-CN" altLang="en-US" smtClean="0"/>
-              <a:t>‹#›</a:t>
             </a:fld>
             <a:endParaRPr lang="zh-CN" altLang="en-US"/>
           </a:p>
@@ -2171,6 +2200,7 @@
               <a:rPr lang="zh-CN" altLang="en-US"/>
               <a:t>单击此处编辑母版标题样式</a:t>
             </a:r>
+            <a:endParaRPr lang="zh-CN" altLang="en-US"/>
           </a:p>
         </p:txBody>
       </p:sp>
@@ -2297,6 +2327,7 @@
               <a:rPr lang="zh-CN" altLang="en-US"/>
               <a:t>单击此处编辑母版文本样式</a:t>
             </a:r>
+            <a:endParaRPr lang="zh-CN" altLang="en-US"/>
           </a:p>
         </p:txBody>
       </p:sp>
@@ -2317,7 +2348,6 @@
           <a:p>
             <a:fld id="{D997B5FA-0921-464F-AAE1-844C04324D75}" type="datetimeFigureOut">
               <a:rPr lang="zh-CN" altLang="en-US" smtClean="0"/>
-              <a:t>2020/10/14</a:t>
             </a:fld>
             <a:endParaRPr lang="zh-CN" altLang="en-US"/>
           </a:p>
@@ -2359,7 +2389,6 @@
           <a:p>
             <a:fld id="{565CE74E-AB26-4998-AD42-012C4C1AD076}" type="slidenum">
               <a:rPr lang="zh-CN" altLang="en-US" smtClean="0"/>
-              <a:t>‹#›</a:t>
             </a:fld>
             <a:endParaRPr lang="zh-CN" altLang="en-US"/>
           </a:p>
@@ -2433,6 +2462,7 @@
               <a:rPr lang="zh-CN" altLang="en-US"/>
               <a:t>单击此处编辑母版标题样式</a:t>
             </a:r>
+            <a:endParaRPr lang="zh-CN" altLang="en-US"/>
           </a:p>
         </p:txBody>
       </p:sp>
@@ -2468,6 +2498,7 @@
               <a:rPr lang="zh-CN" altLang="en-US"/>
               <a:t>单击此处编辑母版文本样式</a:t>
             </a:r>
+            <a:endParaRPr lang="zh-CN" altLang="en-US"/>
           </a:p>
           <a:p>
             <a:pPr lvl="1"/>
@@ -2475,6 +2506,7 @@
               <a:rPr lang="zh-CN" altLang="en-US"/>
               <a:t>第二级</a:t>
             </a:r>
+            <a:endParaRPr lang="zh-CN" altLang="en-US"/>
           </a:p>
           <a:p>
             <a:pPr lvl="2"/>
@@ -2482,6 +2514,7 @@
               <a:rPr lang="zh-CN" altLang="en-US"/>
               <a:t>第三级</a:t>
             </a:r>
+            <a:endParaRPr lang="zh-CN" altLang="en-US"/>
           </a:p>
           <a:p>
             <a:pPr lvl="3"/>
@@ -2489,6 +2522,7 @@
               <a:rPr lang="zh-CN" altLang="en-US"/>
               <a:t>第四级</a:t>
             </a:r>
+            <a:endParaRPr lang="zh-CN" altLang="en-US"/>
           </a:p>
           <a:p>
             <a:pPr lvl="4"/>
@@ -2496,6 +2530,7 @@
               <a:rPr lang="zh-CN" altLang="en-US"/>
               <a:t>第五级</a:t>
             </a:r>
+            <a:endParaRPr lang="zh-CN" altLang="en-US"/>
           </a:p>
         </p:txBody>
       </p:sp>
@@ -2532,7 +2567,6 @@
           <a:p>
             <a:fld id="{D997B5FA-0921-464F-AAE1-844C04324D75}" type="datetimeFigureOut">
               <a:rPr lang="zh-CN" altLang="en-US" smtClean="0"/>
-              <a:t>2020/10/14</a:t>
             </a:fld>
             <a:endParaRPr lang="zh-CN" altLang="en-US"/>
           </a:p>
@@ -2606,7 +2640,6 @@
           <a:p>
             <a:fld id="{565CE74E-AB26-4998-AD42-012C4C1AD076}" type="slidenum">
               <a:rPr lang="zh-CN" altLang="en-US" smtClean="0"/>
-              <a:t>‹#›</a:t>
             </a:fld>
             <a:endParaRPr lang="zh-CN" altLang="en-US"/>
           </a:p>
@@ -3145,6 +3178,13 @@
               </a:rPr>
               <a:t>前端分享会</a:t>
             </a:r>
+            <a:endParaRPr lang="zh-CN" altLang="en-US" sz="3600" dirty="0">
+              <a:solidFill>
+                <a:schemeClr val="bg1"/>
+              </a:solidFill>
+              <a:latin typeface="微软雅黑" panose="020B0503020204020204" pitchFamily="34" charset="-122"/>
+              <a:ea typeface="微软雅黑" panose="020B0503020204020204" pitchFamily="34" charset="-122"/>
+            </a:endParaRPr>
           </a:p>
         </p:txBody>
       </p:sp>
@@ -3181,6 +3221,13 @@
               </a:rPr>
               <a:t>微前端</a:t>
             </a:r>
+            <a:endParaRPr lang="zh-CN" altLang="en-US" sz="6600" b="1" dirty="0">
+              <a:solidFill>
+                <a:schemeClr val="bg1"/>
+              </a:solidFill>
+              <a:latin typeface="微软雅黑" panose="020B0503020204020204" pitchFamily="34" charset="-122"/>
+              <a:ea typeface="微软雅黑" panose="020B0503020204020204" pitchFamily="34" charset="-122"/>
+            </a:endParaRPr>
           </a:p>
         </p:txBody>
       </p:sp>
@@ -3216,6 +3263,13 @@
               </a:rPr>
               <a:t>研发一部 健康管理组 李浩</a:t>
             </a:r>
+            <a:endParaRPr lang="zh-CN" altLang="en-US" sz="1400" dirty="0">
+              <a:solidFill>
+                <a:schemeClr val="bg1"/>
+              </a:solidFill>
+              <a:latin typeface="微软雅黑 Light" panose="020B0502040204020203" pitchFamily="34" charset="-122"/>
+              <a:ea typeface="微软雅黑 Light" panose="020B0502040204020203" pitchFamily="34" charset="-122"/>
+            </a:endParaRPr>
           </a:p>
         </p:txBody>
       </p:sp>
@@ -3322,6 +3376,13 @@
               </a:rPr>
               <a:t>主项目</a:t>
             </a:r>
+            <a:endParaRPr lang="zh-CN" altLang="en-US" sz="1600">
+              <a:solidFill>
+                <a:schemeClr val="bg1"/>
+              </a:solidFill>
+              <a:latin typeface="微软雅黑" panose="020B0503020204020204" pitchFamily="34" charset="-122"/>
+              <a:ea typeface="微软雅黑" panose="020B0503020204020204" pitchFamily="34" charset="-122"/>
+            </a:endParaRPr>
           </a:p>
         </p:txBody>
       </p:sp>
@@ -3477,6 +3538,10 @@
               </a:rPr>
               <a:t>机构养老</a:t>
             </a:r>
+            <a:endParaRPr lang="zh-CN" altLang="en-US" dirty="0">
+              <a:latin typeface="微软雅黑" panose="020B0503020204020204" pitchFamily="34" charset="-122"/>
+              <a:ea typeface="微软雅黑" panose="020B0503020204020204" pitchFamily="34" charset="-122"/>
+            </a:endParaRPr>
           </a:p>
         </p:txBody>
       </p:sp>
@@ -3526,6 +3591,10 @@
               </a:rPr>
               <a:t>健康档案</a:t>
             </a:r>
+            <a:endParaRPr lang="zh-CN" altLang="en-US">
+              <a:latin typeface="微软雅黑" panose="020B0503020204020204" pitchFamily="34" charset="-122"/>
+              <a:ea typeface="微软雅黑" panose="020B0503020204020204" pitchFamily="34" charset="-122"/>
+            </a:endParaRPr>
           </a:p>
         </p:txBody>
       </p:sp>
@@ -3575,6 +3644,10 @@
               </a:rPr>
               <a:t>社区居家</a:t>
             </a:r>
+            <a:endParaRPr lang="zh-CN" altLang="en-US" dirty="0">
+              <a:latin typeface="微软雅黑" panose="020B0503020204020204" pitchFamily="34" charset="-122"/>
+              <a:ea typeface="微软雅黑" panose="020B0503020204020204" pitchFamily="34" charset="-122"/>
+            </a:endParaRPr>
           </a:p>
         </p:txBody>
       </p:sp>
@@ -3771,6 +3844,10 @@
               </a:rPr>
               <a:t>慢病管理</a:t>
             </a:r>
+            <a:endParaRPr lang="zh-CN" altLang="en-US">
+              <a:latin typeface="微软雅黑" panose="020B0503020204020204" pitchFamily="34" charset="-122"/>
+              <a:ea typeface="微软雅黑" panose="020B0503020204020204" pitchFamily="34" charset="-122"/>
+            </a:endParaRPr>
           </a:p>
         </p:txBody>
       </p:sp>
@@ -3851,6 +3928,10 @@
               </a:rPr>
               <a:t>心理云</a:t>
             </a:r>
+            <a:endParaRPr lang="zh-CN" altLang="en-US" dirty="0">
+              <a:latin typeface="微软雅黑" panose="020B0503020204020204" pitchFamily="34" charset="-122"/>
+              <a:ea typeface="微软雅黑" panose="020B0503020204020204" pitchFamily="34" charset="-122"/>
+            </a:endParaRPr>
           </a:p>
         </p:txBody>
       </p:sp>
@@ -3895,6 +3976,10 @@
               </a:rPr>
               <a:t>舌诊</a:t>
             </a:r>
+            <a:endParaRPr lang="zh-CN" altLang="en-US" dirty="0">
+              <a:latin typeface="微软雅黑" panose="020B0503020204020204" pitchFamily="34" charset="-122"/>
+              <a:ea typeface="微软雅黑" panose="020B0503020204020204" pitchFamily="34" charset="-122"/>
+            </a:endParaRPr>
           </a:p>
         </p:txBody>
       </p:sp>
@@ -3998,6 +4083,13 @@
               </a:rPr>
               <a:t>子应用</a:t>
             </a:r>
+            <a:endParaRPr lang="zh-CN" altLang="en-US" sz="1600">
+              <a:solidFill>
+                <a:schemeClr val="bg1"/>
+              </a:solidFill>
+              <a:latin typeface="微软雅黑" panose="020B0503020204020204" pitchFamily="34" charset="-122"/>
+              <a:ea typeface="微软雅黑" panose="020B0503020204020204" pitchFamily="34" charset="-122"/>
+            </a:endParaRPr>
           </a:p>
         </p:txBody>
       </p:sp>
@@ -4033,6 +4125,13 @@
               </a:rPr>
               <a:t>子应用</a:t>
             </a:r>
+            <a:endParaRPr lang="zh-CN" altLang="en-US" sz="1200">
+              <a:solidFill>
+                <a:schemeClr val="bg1"/>
+              </a:solidFill>
+              <a:latin typeface="微软雅黑" panose="020B0503020204020204" pitchFamily="34" charset="-122"/>
+              <a:ea typeface="微软雅黑" panose="020B0503020204020204" pitchFamily="34" charset="-122"/>
+            </a:endParaRPr>
           </a:p>
         </p:txBody>
       </p:sp>
@@ -4068,6 +4167,13 @@
               </a:rPr>
               <a:t>子应用</a:t>
             </a:r>
+            <a:endParaRPr lang="zh-CN" altLang="en-US" sz="1200">
+              <a:solidFill>
+                <a:schemeClr val="bg1"/>
+              </a:solidFill>
+              <a:latin typeface="微软雅黑" panose="020B0503020204020204" pitchFamily="34" charset="-122"/>
+              <a:ea typeface="微软雅黑" panose="020B0503020204020204" pitchFamily="34" charset="-122"/>
+            </a:endParaRPr>
           </a:p>
         </p:txBody>
       </p:sp>
@@ -5570,6 +5676,13 @@
               </a:rPr>
               <a:t>微前端特点</a:t>
             </a:r>
+            <a:endParaRPr lang="zh-CN" altLang="en-US" sz="3200" dirty="0">
+              <a:solidFill>
+                <a:schemeClr val="bg1"/>
+              </a:solidFill>
+              <a:latin typeface="微软雅黑" panose="020B0503020204020204" pitchFamily="34" charset="-122"/>
+              <a:ea typeface="微软雅黑" panose="020B0503020204020204" pitchFamily="34" charset="-122"/>
+            </a:endParaRPr>
           </a:p>
         </p:txBody>
       </p:sp>
@@ -5603,6 +5716,13 @@
               </a:rPr>
               <a:t>单个前端部分可独立开发、测试和部署</a:t>
             </a:r>
+            <a:endParaRPr lang="zh-CN" altLang="en-US" dirty="0">
+              <a:solidFill>
+                <a:schemeClr val="bg1"/>
+              </a:solidFill>
+              <a:latin typeface="微软雅黑" panose="020B0503020204020204" pitchFamily="34" charset="-122"/>
+              <a:ea typeface="微软雅黑" panose="020B0503020204020204" pitchFamily="34" charset="-122"/>
+            </a:endParaRPr>
           </a:p>
           <a:p>
             <a:pPr>
@@ -5644,6 +5764,13 @@
               </a:rPr>
               <a:t>不同的前端部分可使用不同的技术构建</a:t>
             </a:r>
+            <a:endParaRPr lang="zh-CN" altLang="en-US" dirty="0">
+              <a:solidFill>
+                <a:schemeClr val="bg1"/>
+              </a:solidFill>
+              <a:latin typeface="微软雅黑" panose="020B0503020204020204" pitchFamily="34" charset="-122"/>
+              <a:ea typeface="微软雅黑" panose="020B0503020204020204" pitchFamily="34" charset="-122"/>
+            </a:endParaRPr>
           </a:p>
         </p:txBody>
       </p:sp>
@@ -6167,7 +6294,7 @@
           <p:nvPr/>
         </p:nvPicPr>
         <p:blipFill>
-          <a:blip r:embed="rId2"/>
+          <a:blip r:embed="rId1"/>
           <a:stretch>
             <a:fillRect/>
           </a:stretch>
@@ -6215,6 +6342,13 @@
               </a:rPr>
               <a:t>参考资料：Florian Rappl</a:t>
             </a:r>
+            <a:endParaRPr lang="zh-CN" altLang="en-US" sz="1200" dirty="0">
+              <a:solidFill>
+                <a:schemeClr val="bg1"/>
+              </a:solidFill>
+              <a:latin typeface="微软雅黑" panose="020B0503020204020204" pitchFamily="34" charset="-122"/>
+              <a:ea typeface="微软雅黑" panose="020B0503020204020204" pitchFamily="34" charset="-122"/>
+            </a:endParaRPr>
           </a:p>
         </p:txBody>
       </p:sp>
@@ -6501,6 +6635,13 @@
               </a:rPr>
               <a:t>使用微前端需要解决的主要问题以及解决方案</a:t>
             </a:r>
+            <a:endParaRPr lang="zh-CN" altLang="en-US" sz="4800" dirty="0">
+              <a:solidFill>
+                <a:schemeClr val="bg1"/>
+              </a:solidFill>
+              <a:latin typeface="微软雅黑" panose="020B0503020204020204" pitchFamily="34" charset="-122"/>
+              <a:ea typeface="微软雅黑" panose="020B0503020204020204" pitchFamily="34" charset="-122"/>
+            </a:endParaRPr>
           </a:p>
         </p:txBody>
       </p:sp>
@@ -6694,6 +6835,13 @@
               </a:rPr>
               <a:t>核心：技术栈无关</a:t>
             </a:r>
+            <a:endParaRPr lang="zh-CN" altLang="en-US" sz="3600" dirty="0">
+              <a:solidFill>
+                <a:schemeClr val="bg1"/>
+              </a:solidFill>
+              <a:latin typeface="微软雅黑" panose="020B0503020204020204" pitchFamily="34" charset="-122"/>
+              <a:ea typeface="微软雅黑" panose="020B0503020204020204" pitchFamily="34" charset="-122"/>
+            </a:endParaRPr>
           </a:p>
         </p:txBody>
       </p:sp>
@@ -6760,6 +6908,13 @@
               </a:rPr>
               <a:t>向前兼容：可接入新技术、面向未来</a:t>
             </a:r>
+            <a:endParaRPr lang="zh-CN" altLang="en-US" dirty="0">
+              <a:solidFill>
+                <a:schemeClr val="bg1"/>
+              </a:solidFill>
+              <a:latin typeface="微软雅黑" panose="020B0503020204020204" pitchFamily="34" charset="-122"/>
+              <a:ea typeface="微软雅黑" panose="020B0503020204020204" pitchFamily="34" charset="-122"/>
+            </a:endParaRPr>
           </a:p>
         </p:txBody>
       </p:sp>
@@ -7358,6 +7513,7 @@
               <a:rPr lang="en-US" altLang="zh-CN" dirty="0"/>
               <a:t>Vue</a:t>
             </a:r>
+            <a:endParaRPr lang="en-US" altLang="zh-CN" dirty="0"/>
           </a:p>
           <a:p>
             <a:pPr algn="ctr"/>
@@ -7440,6 +7596,7 @@
               <a:rPr lang="en-US" altLang="zh-CN" dirty="0"/>
               <a:t>React</a:t>
             </a:r>
+            <a:endParaRPr lang="en-US" altLang="zh-CN" dirty="0"/>
           </a:p>
           <a:p>
             <a:pPr algn="ctr"/>
@@ -7451,6 +7608,7 @@
               <a:rPr lang="en-US" altLang="zh-CN" dirty="0"/>
               <a:t>Webpack@4</a:t>
             </a:r>
+            <a:endParaRPr lang="en-US" altLang="zh-CN" dirty="0"/>
           </a:p>
           <a:p>
             <a:pPr algn="ctr"/>
@@ -7458,6 +7616,7 @@
               <a:rPr lang="en-US" altLang="zh-CN" dirty="0"/>
               <a:t>CSS Modules</a:t>
             </a:r>
+            <a:endParaRPr lang="en-US" altLang="zh-CN" dirty="0"/>
           </a:p>
           <a:p>
             <a:pPr algn="ctr"/>
@@ -7465,6 +7624,7 @@
               <a:rPr lang="en-US" altLang="zh-CN" dirty="0"/>
               <a:t>JSX</a:t>
             </a:r>
+            <a:endParaRPr lang="en-US" altLang="zh-CN" dirty="0"/>
           </a:p>
           <a:p>
             <a:pPr algn="ctr"/>
@@ -7472,6 +7632,7 @@
               <a:rPr lang="en-US" altLang="zh-CN" dirty="0"/>
               <a:t>React@16</a:t>
             </a:r>
+            <a:endParaRPr lang="en-US" altLang="zh-CN" dirty="0"/>
           </a:p>
         </p:txBody>
       </p:sp>
@@ -7521,6 +7682,7 @@
               <a:rPr lang="en-US" altLang="zh-CN" dirty="0"/>
               <a:t>Angular</a:t>
             </a:r>
+            <a:endParaRPr lang="en-US" altLang="zh-CN" dirty="0"/>
           </a:p>
           <a:p>
             <a:pPr algn="ctr"/>
@@ -7532,6 +7694,7 @@
               <a:rPr lang="en-US" altLang="zh-CN" dirty="0"/>
               <a:t>Rx.js</a:t>
             </a:r>
+            <a:endParaRPr lang="en-US" altLang="zh-CN" dirty="0"/>
           </a:p>
           <a:p>
             <a:pPr algn="ctr"/>
@@ -7539,6 +7702,7 @@
               <a:rPr lang="en-US" altLang="zh-CN" dirty="0"/>
               <a:t>CSS</a:t>
             </a:r>
+            <a:endParaRPr lang="en-US" altLang="zh-CN" dirty="0"/>
           </a:p>
           <a:p>
             <a:pPr algn="ctr"/>
@@ -7546,6 +7710,7 @@
               <a:rPr lang="en-US" altLang="zh-CN" dirty="0"/>
               <a:t>angular@6</a:t>
             </a:r>
+            <a:endParaRPr lang="en-US" altLang="zh-CN" dirty="0"/>
           </a:p>
         </p:txBody>
       </p:sp>
@@ -7601,6 +7766,13 @@
               </a:rPr>
               <a:t>（作为主应用）</a:t>
             </a:r>
+            <a:endParaRPr lang="zh-CN" altLang="en-US" sz="1600" b="1">
+              <a:solidFill>
+                <a:schemeClr val="bg1"/>
+              </a:solidFill>
+              <a:latin typeface="微软雅黑" panose="020B0503020204020204" pitchFamily="34" charset="-122"/>
+              <a:ea typeface="微软雅黑" panose="020B0503020204020204" pitchFamily="34" charset="-122"/>
+            </a:endParaRPr>
           </a:p>
         </p:txBody>
       </p:sp>
@@ -7646,6 +7818,13 @@
               </a:rPr>
               <a:t>C</a:t>
             </a:r>
+            <a:endParaRPr lang="en-US" altLang="zh-CN" sz="1600" b="1">
+              <a:solidFill>
+                <a:schemeClr val="bg1"/>
+              </a:solidFill>
+              <a:latin typeface="微软雅黑" panose="020B0503020204020204" pitchFamily="34" charset="-122"/>
+              <a:ea typeface="微软雅黑" panose="020B0503020204020204" pitchFamily="34" charset="-122"/>
+            </a:endParaRPr>
           </a:p>
         </p:txBody>
       </p:sp>
@@ -7691,6 +7870,13 @@
               </a:rPr>
               <a:t>B</a:t>
             </a:r>
+            <a:endParaRPr lang="en-US" altLang="zh-CN" sz="1600" b="1">
+              <a:solidFill>
+                <a:schemeClr val="bg1"/>
+              </a:solidFill>
+              <a:latin typeface="微软雅黑" panose="020B0503020204020204" pitchFamily="34" charset="-122"/>
+              <a:ea typeface="微软雅黑" panose="020B0503020204020204" pitchFamily="34" charset="-122"/>
+            </a:endParaRPr>
           </a:p>
         </p:txBody>
       </p:sp>
@@ -7752,6 +7938,13 @@
               </a:rPr>
               <a:t>其他关键问题</a:t>
             </a:r>
+            <a:endParaRPr lang="zh-CN" altLang="en-US" sz="3600" dirty="0">
+              <a:solidFill>
+                <a:schemeClr val="bg1"/>
+              </a:solidFill>
+              <a:latin typeface="微软雅黑" panose="020B0503020204020204" pitchFamily="34" charset="-122"/>
+              <a:ea typeface="微软雅黑" panose="020B0503020204020204" pitchFamily="34" charset="-122"/>
+            </a:endParaRPr>
           </a:p>
         </p:txBody>
       </p:sp>
@@ -7900,6 +8093,13 @@
               </a:rPr>
               <a:t>父子、子子应用的通讯</a:t>
             </a:r>
+            <a:endParaRPr lang="zh-CN" altLang="en-US" dirty="0">
+              <a:solidFill>
+                <a:schemeClr val="bg1"/>
+              </a:solidFill>
+              <a:latin typeface="微软雅黑" panose="020B0503020204020204" pitchFamily="34" charset="-122"/>
+              <a:ea typeface="微软雅黑" panose="020B0503020204020204" pitchFamily="34" charset="-122"/>
+            </a:endParaRPr>
           </a:p>
         </p:txBody>
       </p:sp>
@@ -8784,6 +8984,13 @@
               </a:rPr>
               <a:t>解决方案</a:t>
             </a:r>
+            <a:endParaRPr lang="zh-CN" altLang="en-US" sz="3600" dirty="0">
+              <a:solidFill>
+                <a:schemeClr val="bg1"/>
+              </a:solidFill>
+              <a:latin typeface="微软雅黑" panose="020B0503020204020204" pitchFamily="34" charset="-122"/>
+              <a:ea typeface="微软雅黑" panose="020B0503020204020204" pitchFamily="34" charset="-122"/>
+            </a:endParaRPr>
           </a:p>
         </p:txBody>
       </p:sp>
@@ -8821,6 +9028,13 @@
               </a:rPr>
               <a:t>· iframe</a:t>
             </a:r>
+            <a:endParaRPr lang="en-US" altLang="zh-CN" sz="1600" b="1" dirty="0">
+              <a:solidFill>
+                <a:schemeClr val="bg1"/>
+              </a:solidFill>
+              <a:latin typeface="微软雅黑" panose="020B0503020204020204" pitchFamily="34" charset="-122"/>
+              <a:ea typeface="微软雅黑" panose="020B0503020204020204" pitchFamily="34" charset="-122"/>
+            </a:endParaRPr>
           </a:p>
           <a:p>
             <a:pPr marL="71755" indent="0">
@@ -8978,6 +9192,13 @@
               </a:rPr>
               <a:t>· single-spa</a:t>
             </a:r>
+            <a:endParaRPr lang="en-US" altLang="zh-CN" sz="1600" b="1" dirty="0">
+              <a:solidFill>
+                <a:schemeClr val="bg1"/>
+              </a:solidFill>
+              <a:latin typeface="微软雅黑" panose="020B0503020204020204" pitchFamily="34" charset="-122"/>
+              <a:ea typeface="微软雅黑" panose="020B0503020204020204" pitchFamily="34" charset="-122"/>
+            </a:endParaRPr>
           </a:p>
           <a:p>
             <a:pPr marL="71755" indent="0">
@@ -10095,6 +10316,10 @@
               </a:rPr>
               <a:t>主应用</a:t>
             </a:r>
+            <a:endParaRPr lang="zh-CN" altLang="en-US">
+              <a:latin typeface="微软雅黑" panose="020B0503020204020204" pitchFamily="34" charset="-122"/>
+              <a:ea typeface="微软雅黑" panose="020B0503020204020204" pitchFamily="34" charset="-122"/>
+            </a:endParaRPr>
           </a:p>
         </p:txBody>
       </p:sp>
@@ -10199,6 +10424,13 @@
               </a:rPr>
               <a:t>/proj-1/*</a:t>
             </a:r>
+            <a:endParaRPr lang="en-US" altLang="zh-CN" sz="1600">
+              <a:solidFill>
+                <a:schemeClr val="bg1"/>
+              </a:solidFill>
+              <a:latin typeface="微软雅黑" panose="020B0503020204020204" pitchFamily="34" charset="-122"/>
+              <a:ea typeface="微软雅黑" panose="020B0503020204020204" pitchFamily="34" charset="-122"/>
+            </a:endParaRPr>
           </a:p>
         </p:txBody>
       </p:sp>
@@ -10234,6 +10466,13 @@
               </a:rPr>
               <a:t>/proj-2/*</a:t>
             </a:r>
+            <a:endParaRPr lang="en-US" altLang="zh-CN" sz="1600">
+              <a:solidFill>
+                <a:schemeClr val="bg1"/>
+              </a:solidFill>
+              <a:latin typeface="微软雅黑" panose="020B0503020204020204" pitchFamily="34" charset="-122"/>
+              <a:ea typeface="微软雅黑" panose="020B0503020204020204" pitchFamily="34" charset="-122"/>
+            </a:endParaRPr>
           </a:p>
         </p:txBody>
       </p:sp>
@@ -10389,6 +10628,10 @@
               </a:rPr>
               <a:t>1</a:t>
             </a:r>
+            <a:endParaRPr lang="en-US" altLang="zh-CN">
+              <a:latin typeface="微软雅黑" panose="020B0503020204020204" pitchFamily="34" charset="-122"/>
+              <a:ea typeface="微软雅黑" panose="020B0503020204020204" pitchFamily="34" charset="-122"/>
+            </a:endParaRPr>
           </a:p>
         </p:txBody>
       </p:sp>
@@ -10448,6 +10691,10 @@
               </a:rPr>
               <a:t>2</a:t>
             </a:r>
+            <a:endParaRPr lang="en-US" altLang="zh-CN">
+              <a:latin typeface="微软雅黑" panose="020B0503020204020204" pitchFamily="34" charset="-122"/>
+              <a:ea typeface="微软雅黑" panose="020B0503020204020204" pitchFamily="34" charset="-122"/>
+            </a:endParaRPr>
           </a:p>
         </p:txBody>
       </p:sp>
@@ -10500,6 +10747,10 @@
               </a:rPr>
               <a:t>/proj-1/home</a:t>
             </a:r>
+            <a:endParaRPr lang="en-US" altLang="zh-CN" sz="1200">
+              <a:latin typeface="微软雅黑" panose="020B0503020204020204" pitchFamily="34" charset="-122"/>
+              <a:ea typeface="微软雅黑" panose="020B0503020204020204" pitchFamily="34" charset="-122"/>
+            </a:endParaRPr>
           </a:p>
           <a:p>
             <a:pPr algn="ctr"/>
@@ -10510,6 +10761,10 @@
               </a:rPr>
               <a:t>/proj-1/info</a:t>
             </a:r>
+            <a:endParaRPr lang="en-US" altLang="zh-CN" sz="1200">
+              <a:latin typeface="微软雅黑" panose="020B0503020204020204" pitchFamily="34" charset="-122"/>
+              <a:ea typeface="微软雅黑" panose="020B0503020204020204" pitchFamily="34" charset="-122"/>
+            </a:endParaRPr>
           </a:p>
           <a:p>
             <a:pPr algn="ctr"/>
@@ -10520,6 +10775,10 @@
               </a:rPr>
               <a:t>......</a:t>
             </a:r>
+            <a:endParaRPr lang="en-US" altLang="zh-CN" sz="1200">
+              <a:latin typeface="微软雅黑" panose="020B0503020204020204" pitchFamily="34" charset="-122"/>
+              <a:ea typeface="微软雅黑" panose="020B0503020204020204" pitchFamily="34" charset="-122"/>
+            </a:endParaRPr>
           </a:p>
         </p:txBody>
       </p:sp>
@@ -10572,6 +10831,10 @@
               </a:rPr>
               <a:t>/proj-2/home</a:t>
             </a:r>
+            <a:endParaRPr lang="en-US" altLang="zh-CN" sz="1200">
+              <a:latin typeface="微软雅黑" panose="020B0503020204020204" pitchFamily="34" charset="-122"/>
+              <a:ea typeface="微软雅黑" panose="020B0503020204020204" pitchFamily="34" charset="-122"/>
+            </a:endParaRPr>
           </a:p>
           <a:p>
             <a:pPr algn="ctr"/>
@@ -10582,6 +10845,10 @@
               </a:rPr>
               <a:t>/proj-2/info</a:t>
             </a:r>
+            <a:endParaRPr lang="en-US" altLang="zh-CN" sz="1200">
+              <a:latin typeface="微软雅黑" panose="020B0503020204020204" pitchFamily="34" charset="-122"/>
+              <a:ea typeface="微软雅黑" panose="020B0503020204020204" pitchFamily="34" charset="-122"/>
+            </a:endParaRPr>
           </a:p>
           <a:p>
             <a:pPr algn="ctr"/>
@@ -10592,6 +10859,10 @@
               </a:rPr>
               <a:t>......</a:t>
             </a:r>
+            <a:endParaRPr lang="en-US" altLang="zh-CN" sz="1200">
+              <a:latin typeface="微软雅黑" panose="020B0503020204020204" pitchFamily="34" charset="-122"/>
+              <a:ea typeface="微软雅黑" panose="020B0503020204020204" pitchFamily="34" charset="-122"/>
+            </a:endParaRPr>
           </a:p>
         </p:txBody>
       </p:sp>
@@ -10627,6 +10898,13 @@
               </a:rPr>
               <a:t>应用路由</a:t>
             </a:r>
+            <a:endParaRPr lang="zh-CN" altLang="en-US" sz="3600" dirty="0">
+              <a:solidFill>
+                <a:schemeClr val="bg1"/>
+              </a:solidFill>
+              <a:latin typeface="微软雅黑" panose="020B0503020204020204" pitchFamily="34" charset="-122"/>
+              <a:ea typeface="微软雅黑" panose="020B0503020204020204" pitchFamily="34" charset="-122"/>
+            </a:endParaRPr>
           </a:p>
         </p:txBody>
       </p:sp>
@@ -10692,6 +10970,13 @@
               </a:rPr>
               <a:t>的原始方案，包括路由劫持、路由切换、路由加载。</a:t>
             </a:r>
+            <a:endParaRPr lang="zh-CN" altLang="en-US" sz="2000" dirty="0">
+              <a:solidFill>
+                <a:schemeClr val="bg1"/>
+              </a:solidFill>
+              <a:latin typeface="微软雅黑" panose="020B0503020204020204" pitchFamily="34" charset="-122"/>
+              <a:ea typeface="微软雅黑" panose="020B0503020204020204" pitchFamily="34" charset="-122"/>
+            </a:endParaRPr>
           </a:p>
         </p:txBody>
       </p:sp>
@@ -11971,6 +12256,13 @@
               </a:rPr>
               <a:t>子应用生命周期</a:t>
             </a:r>
+            <a:endParaRPr lang="zh-CN" altLang="en-US" sz="3600" dirty="0">
+              <a:solidFill>
+                <a:schemeClr val="bg1"/>
+              </a:solidFill>
+              <a:latin typeface="微软雅黑" panose="020B0503020204020204" pitchFamily="34" charset="-122"/>
+              <a:ea typeface="微软雅黑" panose="020B0503020204020204" pitchFamily="34" charset="-122"/>
+            </a:endParaRPr>
           </a:p>
         </p:txBody>
       </p:sp>
@@ -12116,6 +12408,13 @@
               </a:rPr>
               <a:t>就知道该如何去加载这个子应用。</a:t>
             </a:r>
+            <a:endParaRPr lang="zh-CN" altLang="en-US" sz="2000" dirty="0">
+              <a:solidFill>
+                <a:schemeClr val="bg1"/>
+              </a:solidFill>
+              <a:latin typeface="微软雅黑" panose="020B0503020204020204" pitchFamily="34" charset="-122"/>
+              <a:ea typeface="微软雅黑" panose="020B0503020204020204" pitchFamily="34" charset="-122"/>
+            </a:endParaRPr>
           </a:p>
         </p:txBody>
       </p:sp>
@@ -12151,72 +12450,6 @@
               </a:rPr>
               <a:t>export async function bootstrap() {</a:t>
             </a:r>
-          </a:p>
-          <a:p>
-            <a:r>
-              <a:rPr lang="en-US" altLang="zh-CN" sz="1600" dirty="0">
-                <a:solidFill>
-                  <a:schemeClr val="bg1"/>
-                </a:solidFill>
-                <a:latin typeface="Arial" panose="020B0604020202020204" pitchFamily="34" charset="0"/>
-                <a:cs typeface="Arial" panose="020B0604020202020204" pitchFamily="34" charset="0"/>
-              </a:rPr>
-              <a:t>  console.log("</a:t>
-            </a:r>
-            <a:r>
-              <a:rPr lang="en-US" altLang="zh-CN" sz="1600" dirty="0" err="1">
-                <a:solidFill>
-                  <a:schemeClr val="bg1"/>
-                </a:solidFill>
-                <a:latin typeface="Arial" panose="020B0604020202020204" pitchFamily="34" charset="0"/>
-                <a:cs typeface="Arial" panose="020B0604020202020204" pitchFamily="34" charset="0"/>
-              </a:rPr>
-              <a:t>vue</a:t>
-            </a:r>
-            <a:r>
-              <a:rPr lang="en-US" altLang="zh-CN" sz="1600" dirty="0">
-                <a:solidFill>
-                  <a:schemeClr val="bg1"/>
-                </a:solidFill>
-                <a:latin typeface="Arial" panose="020B0604020202020204" pitchFamily="34" charset="0"/>
-                <a:cs typeface="Arial" panose="020B0604020202020204" pitchFamily="34" charset="0"/>
-              </a:rPr>
-              <a:t> app </a:t>
-            </a:r>
-            <a:r>
-              <a:rPr lang="en-US" altLang="zh-CN" sz="1600" dirty="0" err="1">
-                <a:solidFill>
-                  <a:schemeClr val="bg1"/>
-                </a:solidFill>
-                <a:latin typeface="Arial" panose="020B0604020202020204" pitchFamily="34" charset="0"/>
-                <a:cs typeface="Arial" panose="020B0604020202020204" pitchFamily="34" charset="0"/>
-              </a:rPr>
-              <a:t>bootstraped</a:t>
-            </a:r>
-            <a:r>
-              <a:rPr lang="en-US" altLang="zh-CN" sz="1600" dirty="0">
-                <a:solidFill>
-                  <a:schemeClr val="bg1"/>
-                </a:solidFill>
-                <a:latin typeface="Arial" panose="020B0604020202020204" pitchFamily="34" charset="0"/>
-                <a:cs typeface="Arial" panose="020B0604020202020204" pitchFamily="34" charset="0"/>
-              </a:rPr>
-              <a:t>");</a:t>
-            </a:r>
-          </a:p>
-          <a:p>
-            <a:r>
-              <a:rPr lang="en-US" altLang="zh-CN" sz="1600" dirty="0">
-                <a:solidFill>
-                  <a:schemeClr val="bg1"/>
-                </a:solidFill>
-                <a:latin typeface="Arial" panose="020B0604020202020204" pitchFamily="34" charset="0"/>
-                <a:cs typeface="Arial" panose="020B0604020202020204" pitchFamily="34" charset="0"/>
-              </a:rPr>
-              <a:t>}</a:t>
-            </a:r>
-          </a:p>
-          <a:p>
             <a:endParaRPr lang="en-US" altLang="zh-CN" sz="1600" dirty="0">
               <a:solidFill>
                 <a:schemeClr val="bg1"/>
@@ -12234,10 +12467,18 @@
                 <a:latin typeface="Arial" panose="020B0604020202020204" pitchFamily="34" charset="0"/>
                 <a:cs typeface="Arial" panose="020B0604020202020204" pitchFamily="34" charset="0"/>
               </a:rPr>
-              <a:t>export async function mount(props) {</a:t>
-            </a:r>
-          </a:p>
-          <a:p>
+              <a:t>  console.log("</a:t>
+            </a:r>
+            <a:r>
+              <a:rPr lang="en-US" altLang="zh-CN" sz="1600" dirty="0" err="1">
+                <a:solidFill>
+                  <a:schemeClr val="bg1"/>
+                </a:solidFill>
+                <a:latin typeface="Arial" panose="020B0604020202020204" pitchFamily="34" charset="0"/>
+                <a:cs typeface="Arial" panose="020B0604020202020204" pitchFamily="34" charset="0"/>
+              </a:rPr>
+              <a:t>vue</a:t>
+            </a:r>
             <a:r>
               <a:rPr lang="en-US" altLang="zh-CN" sz="1600" dirty="0">
                 <a:solidFill>
@@ -12246,7 +12487,7 @@
                 <a:latin typeface="Arial" panose="020B0604020202020204" pitchFamily="34" charset="0"/>
                 <a:cs typeface="Arial" panose="020B0604020202020204" pitchFamily="34" charset="0"/>
               </a:rPr>
-              <a:t>  console.log("props from main framework", </a:t>
+              <a:t> app </a:t>
             </a:r>
             <a:r>
               <a:rPr lang="en-US" altLang="zh-CN" sz="1600" dirty="0" err="1">
@@ -12256,7 +12497,7 @@
                 <a:latin typeface="Arial" panose="020B0604020202020204" pitchFamily="34" charset="0"/>
                 <a:cs typeface="Arial" panose="020B0604020202020204" pitchFamily="34" charset="0"/>
               </a:rPr>
-              <a:t>props.data</a:t>
+              <a:t>bootstraped</a:t>
             </a:r>
             <a:r>
               <a:rPr lang="en-US" altLang="zh-CN" sz="1600" dirty="0">
@@ -12266,34 +12507,8 @@
                 <a:latin typeface="Arial" panose="020B0604020202020204" pitchFamily="34" charset="0"/>
                 <a:cs typeface="Arial" panose="020B0604020202020204" pitchFamily="34" charset="0"/>
               </a:rPr>
-              <a:t>);</a:t>
-            </a:r>
-          </a:p>
-          <a:p>
-            <a:r>
-              <a:rPr lang="en-US" altLang="zh-CN" sz="1600" dirty="0">
-                <a:solidFill>
-                  <a:schemeClr val="bg1"/>
-                </a:solidFill>
-                <a:latin typeface="Arial" panose="020B0604020202020204" pitchFamily="34" charset="0"/>
-                <a:cs typeface="Arial" panose="020B0604020202020204" pitchFamily="34" charset="0"/>
-              </a:rPr>
-              <a:t>  render(props);</a:t>
-            </a:r>
-          </a:p>
-          <a:p>
-            <a:r>
-              <a:rPr lang="en-US" altLang="zh-CN" sz="1600" dirty="0">
-                <a:solidFill>
-                  <a:schemeClr val="bg1"/>
-                </a:solidFill>
-                <a:latin typeface="Arial" panose="020B0604020202020204" pitchFamily="34" charset="0"/>
-                <a:cs typeface="Arial" panose="020B0604020202020204" pitchFamily="34" charset="0"/>
-              </a:rPr>
-              <a:t>}</a:t>
-            </a:r>
-          </a:p>
-          <a:p>
+              <a:t>");</a:t>
+            </a:r>
             <a:endParaRPr lang="en-US" altLang="zh-CN" sz="1600" dirty="0">
               <a:solidFill>
                 <a:schemeClr val="bg1"/>
@@ -12311,8 +12526,24 @@
                 <a:latin typeface="Arial" panose="020B0604020202020204" pitchFamily="34" charset="0"/>
                 <a:cs typeface="Arial" panose="020B0604020202020204" pitchFamily="34" charset="0"/>
               </a:rPr>
-              <a:t>export async function unmount() {</a:t>
-            </a:r>
+              <a:t>}</a:t>
+            </a:r>
+            <a:endParaRPr lang="en-US" altLang="zh-CN" sz="1600" dirty="0">
+              <a:solidFill>
+                <a:schemeClr val="bg1"/>
+              </a:solidFill>
+              <a:latin typeface="Arial" panose="020B0604020202020204" pitchFamily="34" charset="0"/>
+              <a:cs typeface="Arial" panose="020B0604020202020204" pitchFamily="34" charset="0"/>
+            </a:endParaRPr>
+          </a:p>
+          <a:p>
+            <a:endParaRPr lang="en-US" altLang="zh-CN" sz="1600" dirty="0">
+              <a:solidFill>
+                <a:schemeClr val="bg1"/>
+              </a:solidFill>
+              <a:latin typeface="Arial" panose="020B0604020202020204" pitchFamily="34" charset="0"/>
+              <a:cs typeface="Arial" panose="020B0604020202020204" pitchFamily="34" charset="0"/>
+            </a:endParaRPr>
           </a:p>
           <a:p>
             <a:r>
@@ -12323,7 +12554,26 @@
                 <a:latin typeface="Arial" panose="020B0604020202020204" pitchFamily="34" charset="0"/>
                 <a:cs typeface="Arial" panose="020B0604020202020204" pitchFamily="34" charset="0"/>
               </a:rPr>
-              <a:t>  console.log("</a:t>
+              <a:t>export async function mount(props) {</a:t>
+            </a:r>
+            <a:endParaRPr lang="en-US" altLang="zh-CN" sz="1600" dirty="0">
+              <a:solidFill>
+                <a:schemeClr val="bg1"/>
+              </a:solidFill>
+              <a:latin typeface="Arial" panose="020B0604020202020204" pitchFamily="34" charset="0"/>
+              <a:cs typeface="Arial" panose="020B0604020202020204" pitchFamily="34" charset="0"/>
+            </a:endParaRPr>
+          </a:p>
+          <a:p>
+            <a:r>
+              <a:rPr lang="en-US" altLang="zh-CN" sz="1600" dirty="0">
+                <a:solidFill>
+                  <a:schemeClr val="bg1"/>
+                </a:solidFill>
+                <a:latin typeface="Arial" panose="020B0604020202020204" pitchFamily="34" charset="0"/>
+                <a:cs typeface="Arial" panose="020B0604020202020204" pitchFamily="34" charset="0"/>
+              </a:rPr>
+              <a:t>  console.log("props from main framework", </a:t>
             </a:r>
             <a:r>
               <a:rPr lang="en-US" altLang="zh-CN" sz="1600" dirty="0" err="1">
@@ -12333,7 +12583,7 @@
                 <a:latin typeface="Arial" panose="020B0604020202020204" pitchFamily="34" charset="0"/>
                 <a:cs typeface="Arial" panose="020B0604020202020204" pitchFamily="34" charset="0"/>
               </a:rPr>
-              <a:t>vue</a:t>
+              <a:t>props.data</a:t>
             </a:r>
             <a:r>
               <a:rPr lang="en-US" altLang="zh-CN" sz="1600" dirty="0">
@@ -12343,8 +12593,120 @@
                 <a:latin typeface="Arial" panose="020B0604020202020204" pitchFamily="34" charset="0"/>
                 <a:cs typeface="Arial" panose="020B0604020202020204" pitchFamily="34" charset="0"/>
               </a:rPr>
+              <a:t>);</a:t>
+            </a:r>
+            <a:endParaRPr lang="en-US" altLang="zh-CN" sz="1600" dirty="0">
+              <a:solidFill>
+                <a:schemeClr val="bg1"/>
+              </a:solidFill>
+              <a:latin typeface="Arial" panose="020B0604020202020204" pitchFamily="34" charset="0"/>
+              <a:cs typeface="Arial" panose="020B0604020202020204" pitchFamily="34" charset="0"/>
+            </a:endParaRPr>
+          </a:p>
+          <a:p>
+            <a:r>
+              <a:rPr lang="en-US" altLang="zh-CN" sz="1600" dirty="0">
+                <a:solidFill>
+                  <a:schemeClr val="bg1"/>
+                </a:solidFill>
+                <a:latin typeface="Arial" panose="020B0604020202020204" pitchFamily="34" charset="0"/>
+                <a:cs typeface="Arial" panose="020B0604020202020204" pitchFamily="34" charset="0"/>
+              </a:rPr>
+              <a:t>  render(props);</a:t>
+            </a:r>
+            <a:endParaRPr lang="en-US" altLang="zh-CN" sz="1600" dirty="0">
+              <a:solidFill>
+                <a:schemeClr val="bg1"/>
+              </a:solidFill>
+              <a:latin typeface="Arial" panose="020B0604020202020204" pitchFamily="34" charset="0"/>
+              <a:cs typeface="Arial" panose="020B0604020202020204" pitchFamily="34" charset="0"/>
+            </a:endParaRPr>
+          </a:p>
+          <a:p>
+            <a:r>
+              <a:rPr lang="en-US" altLang="zh-CN" sz="1600" dirty="0">
+                <a:solidFill>
+                  <a:schemeClr val="bg1"/>
+                </a:solidFill>
+                <a:latin typeface="Arial" panose="020B0604020202020204" pitchFamily="34" charset="0"/>
+                <a:cs typeface="Arial" panose="020B0604020202020204" pitchFamily="34" charset="0"/>
+              </a:rPr>
+              <a:t>}</a:t>
+            </a:r>
+            <a:endParaRPr lang="en-US" altLang="zh-CN" sz="1600" dirty="0">
+              <a:solidFill>
+                <a:schemeClr val="bg1"/>
+              </a:solidFill>
+              <a:latin typeface="Arial" panose="020B0604020202020204" pitchFamily="34" charset="0"/>
+              <a:cs typeface="Arial" panose="020B0604020202020204" pitchFamily="34" charset="0"/>
+            </a:endParaRPr>
+          </a:p>
+          <a:p>
+            <a:endParaRPr lang="en-US" altLang="zh-CN" sz="1600" dirty="0">
+              <a:solidFill>
+                <a:schemeClr val="bg1"/>
+              </a:solidFill>
+              <a:latin typeface="Arial" panose="020B0604020202020204" pitchFamily="34" charset="0"/>
+              <a:cs typeface="Arial" panose="020B0604020202020204" pitchFamily="34" charset="0"/>
+            </a:endParaRPr>
+          </a:p>
+          <a:p>
+            <a:r>
+              <a:rPr lang="en-US" altLang="zh-CN" sz="1600" dirty="0">
+                <a:solidFill>
+                  <a:schemeClr val="bg1"/>
+                </a:solidFill>
+                <a:latin typeface="Arial" panose="020B0604020202020204" pitchFamily="34" charset="0"/>
+                <a:cs typeface="Arial" panose="020B0604020202020204" pitchFamily="34" charset="0"/>
+              </a:rPr>
+              <a:t>export async function unmount() {</a:t>
+            </a:r>
+            <a:endParaRPr lang="en-US" altLang="zh-CN" sz="1600" dirty="0">
+              <a:solidFill>
+                <a:schemeClr val="bg1"/>
+              </a:solidFill>
+              <a:latin typeface="Arial" panose="020B0604020202020204" pitchFamily="34" charset="0"/>
+              <a:cs typeface="Arial" panose="020B0604020202020204" pitchFamily="34" charset="0"/>
+            </a:endParaRPr>
+          </a:p>
+          <a:p>
+            <a:r>
+              <a:rPr lang="en-US" altLang="zh-CN" sz="1600" dirty="0">
+                <a:solidFill>
+                  <a:schemeClr val="bg1"/>
+                </a:solidFill>
+                <a:latin typeface="Arial" panose="020B0604020202020204" pitchFamily="34" charset="0"/>
+                <a:cs typeface="Arial" panose="020B0604020202020204" pitchFamily="34" charset="0"/>
+              </a:rPr>
+              <a:t>  console.log("</a:t>
+            </a:r>
+            <a:r>
+              <a:rPr lang="en-US" altLang="zh-CN" sz="1600" dirty="0" err="1">
+                <a:solidFill>
+                  <a:schemeClr val="bg1"/>
+                </a:solidFill>
+                <a:latin typeface="Arial" panose="020B0604020202020204" pitchFamily="34" charset="0"/>
+                <a:cs typeface="Arial" panose="020B0604020202020204" pitchFamily="34" charset="0"/>
+              </a:rPr>
+              <a:t>vue</a:t>
+            </a:r>
+            <a:r>
+              <a:rPr lang="en-US" altLang="zh-CN" sz="1600" dirty="0">
+                <a:solidFill>
+                  <a:schemeClr val="bg1"/>
+                </a:solidFill>
+                <a:latin typeface="Arial" panose="020B0604020202020204" pitchFamily="34" charset="0"/>
+                <a:cs typeface="Arial" panose="020B0604020202020204" pitchFamily="34" charset="0"/>
+              </a:rPr>
               <a:t> app unmounted");</a:t>
             </a:r>
+            <a:endParaRPr lang="en-US" altLang="zh-CN" sz="1600" dirty="0">
+              <a:solidFill>
+                <a:schemeClr val="bg1"/>
+              </a:solidFill>
+              <a:latin typeface="Arial" panose="020B0604020202020204" pitchFamily="34" charset="0"/>
+              <a:cs typeface="Arial" panose="020B0604020202020204" pitchFamily="34" charset="0"/>
+            </a:endParaRPr>
           </a:p>
           <a:p>
             <a:r>
@@ -13141,6 +13503,13 @@
               </a:rPr>
               <a:t>隔离</a:t>
             </a:r>
+            <a:endParaRPr lang="zh-CN" altLang="en-US" sz="3600" dirty="0">
+              <a:solidFill>
+                <a:schemeClr val="bg1"/>
+              </a:solidFill>
+              <a:latin typeface="微软雅黑" panose="020B0503020204020204" pitchFamily="34" charset="-122"/>
+              <a:ea typeface="微软雅黑" panose="020B0503020204020204" pitchFamily="34" charset="-122"/>
+            </a:endParaRPr>
           </a:p>
         </p:txBody>
       </p:sp>
@@ -13285,6 +13654,13 @@
               </a:rPr>
               <a:t>的隔离方案是保证子应用的全局环境不影响主应用的全局环境</a:t>
             </a:r>
+            <a:endParaRPr lang="zh-CN" altLang="en-US" sz="2000" dirty="0">
+              <a:solidFill>
+                <a:schemeClr val="bg1"/>
+              </a:solidFill>
+              <a:latin typeface="微软雅黑" panose="020B0503020204020204" pitchFamily="34" charset="-122"/>
+              <a:ea typeface="微软雅黑" panose="020B0503020204020204" pitchFamily="34" charset="-122"/>
+            </a:endParaRPr>
           </a:p>
         </p:txBody>
       </p:sp>
@@ -13414,6 +13790,13 @@
               </a:rPr>
               <a:t>全局环境</a:t>
             </a:r>
+            <a:endParaRPr lang="zh-CN" altLang="en-US" sz="2000" dirty="0">
+              <a:solidFill>
+                <a:schemeClr val="bg1"/>
+              </a:solidFill>
+              <a:latin typeface="微软雅黑" panose="020B0503020204020204" pitchFamily="34" charset="-122"/>
+              <a:ea typeface="微软雅黑" panose="020B0503020204020204" pitchFamily="34" charset="-122"/>
+            </a:endParaRPr>
           </a:p>
         </p:txBody>
       </p:sp>
@@ -14564,6 +14947,20 @@
               </a:rPr>
               <a:t>隔离</a:t>
             </a:r>
+            <a:endParaRPr kumimoji="0" lang="zh-CN" altLang="en-US" sz="3600" b="0" i="0" u="none" strike="noStrike" kern="1200" cap="none" spc="0" normalizeH="0" baseline="0" noProof="0" dirty="0">
+              <a:ln>
+                <a:noFill/>
+              </a:ln>
+              <a:solidFill>
+                <a:prstClr val="white"/>
+              </a:solidFill>
+              <a:effectLst/>
+              <a:uLnTx/>
+              <a:uFillTx/>
+              <a:latin typeface="微软雅黑" panose="020B0503020204020204" pitchFamily="34" charset="-122"/>
+              <a:ea typeface="微软雅黑" panose="020B0503020204020204" pitchFamily="34" charset="-122"/>
+              <a:cs typeface="+mn-cs"/>
+            </a:endParaRPr>
           </a:p>
         </p:txBody>
       </p:sp>
@@ -14576,7 +14973,7 @@
         <p:spPr>
           <a:xfrm>
             <a:off x="503853" y="1399592"/>
-            <a:ext cx="11215396" cy="3738331"/>
+            <a:ext cx="11215396" cy="3676650"/>
           </a:xfrm>
           <a:prstGeom prst="rect">
             <a:avLst/>
@@ -14666,9 +15063,9 @@
                 <a:latin typeface="微软雅黑" panose="020B0503020204020204" pitchFamily="34" charset="-122"/>
                 <a:ea typeface="微软雅黑" panose="020B0503020204020204" pitchFamily="34" charset="-122"/>
               </a:rPr>
-              <a:t>自带的特性。</a:t>
-            </a:r>
-            <a:endParaRPr lang="en-US" altLang="zh-CN" sz="1600" dirty="0">
+              <a:t>自带的特性。适合隔离子子应用之间的样式冲突。</a:t>
+            </a:r>
+            <a:endParaRPr lang="zh-CN" altLang="en-US" sz="1600" dirty="0">
               <a:solidFill>
                 <a:schemeClr val="bg1"/>
               </a:solidFill>
@@ -14706,6 +15103,13 @@
               </a:rPr>
               <a:t>    在单应用的模式下（仅有一个应用活跃的情况），可以动态去挂载和卸载样式，从而达到隔离样式的作用。</a:t>
             </a:r>
+            <a:endParaRPr lang="zh-CN" altLang="en-US" sz="1600" dirty="0">
+              <a:solidFill>
+                <a:schemeClr val="bg1"/>
+              </a:solidFill>
+              <a:latin typeface="微软雅黑" panose="020B0503020204020204" pitchFamily="34" charset="-122"/>
+              <a:ea typeface="微软雅黑" panose="020B0503020204020204" pitchFamily="34" charset="-122"/>
+            </a:endParaRPr>
           </a:p>
           <a:p>
             <a:pPr>
@@ -14977,6 +15381,13 @@
               </a:rPr>
               <a:t>值，从而达到这个选择器和标签是独一无二的特点。</a:t>
             </a:r>
+            <a:endParaRPr lang="zh-CN" altLang="en-US" sz="1600" dirty="0">
+              <a:solidFill>
+                <a:schemeClr val="bg1"/>
+              </a:solidFill>
+              <a:latin typeface="微软雅黑" panose="020B0503020204020204" pitchFamily="34" charset="-122"/>
+              <a:ea typeface="微软雅黑" panose="020B0503020204020204" pitchFamily="34" charset="-122"/>
+            </a:endParaRPr>
           </a:p>
         </p:txBody>
       </p:sp>
@@ -15219,7 +15630,7 @@
         <p:spPr>
           <a:xfrm>
             <a:off x="488302" y="1537581"/>
-            <a:ext cx="11215396" cy="1849120"/>
+            <a:ext cx="11215396" cy="2727960"/>
           </a:xfrm>
           <a:prstGeom prst="rect">
             <a:avLst/>
@@ -15299,6 +15710,20 @@
               </a:rPr>
               <a:t>URL</a:t>
             </a:r>
+            <a:endParaRPr kumimoji="0" lang="en-US" altLang="zh-CN" sz="1800" b="1" i="0" u="none" strike="noStrike" kern="1200" cap="none" spc="0" normalizeH="0" baseline="0" noProof="0" dirty="0">
+              <a:ln>
+                <a:noFill/>
+              </a:ln>
+              <a:solidFill>
+                <a:prstClr val="white"/>
+              </a:solidFill>
+              <a:effectLst/>
+              <a:uLnTx/>
+              <a:uFillTx/>
+              <a:latin typeface="微软雅黑" panose="020B0503020204020204" pitchFamily="34" charset="-122"/>
+              <a:ea typeface="微软雅黑" panose="020B0503020204020204" pitchFamily="34" charset="-122"/>
+              <a:cs typeface="+mn-cs"/>
+            </a:endParaRPr>
           </a:p>
           <a:p>
             <a:pPr marL="0" marR="0" lvl="0" indent="0" algn="l" defTabSz="914400" rtl="0" fontAlgn="auto">
@@ -15417,6 +15842,20 @@
               </a:rPr>
               <a:t>· props</a:t>
             </a:r>
+            <a:endParaRPr kumimoji="0" lang="en-US" altLang="zh-CN" sz="1800" b="1" i="0" u="none" strike="noStrike" kern="1200" cap="none" spc="0" normalizeH="0" baseline="0" noProof="0" dirty="0">
+              <a:ln>
+                <a:noFill/>
+              </a:ln>
+              <a:solidFill>
+                <a:prstClr val="white"/>
+              </a:solidFill>
+              <a:effectLst/>
+              <a:uLnTx/>
+              <a:uFillTx/>
+              <a:latin typeface="微软雅黑" panose="020B0503020204020204" pitchFamily="34" charset="-122"/>
+              <a:ea typeface="微软雅黑" panose="020B0503020204020204" pitchFamily="34" charset="-122"/>
+              <a:cs typeface="+mn-cs"/>
+            </a:endParaRPr>
           </a:p>
           <a:p>
             <a:pPr marL="0" marR="0" lvl="0" indent="0" algn="l" defTabSz="914400" rtl="0" fontAlgn="auto">
@@ -15453,23 +15892,6 @@
               <a:t>    </a:t>
             </a:r>
             <a:r>
-              <a:rPr kumimoji="0" lang="en-US" altLang="zh-CN" sz="1600" b="0" i="0" u="none" strike="noStrike" kern="1200" cap="none" spc="0" normalizeH="0" baseline="0" noProof="0" dirty="0" err="1">
-                <a:ln>
-                  <a:noFill/>
-                </a:ln>
-                <a:solidFill>
-                  <a:prstClr val="white"/>
-                </a:solidFill>
-                <a:effectLst/>
-                <a:uLnTx/>
-                <a:uFillTx/>
-                <a:latin typeface="微软雅黑" panose="020B0503020204020204" pitchFamily="34" charset="-122"/>
-                <a:ea typeface="微软雅黑" panose="020B0503020204020204" pitchFamily="34" charset="-122"/>
-                <a:cs typeface="+mn-cs"/>
-              </a:rPr>
-              <a:t>qiankun</a:t>
-            </a:r>
-            <a:r>
               <a:rPr kumimoji="0" lang="zh-CN" altLang="en-US" sz="1600" b="0" i="0" u="none" strike="noStrike" kern="1200" cap="none" spc="0" normalizeH="0" baseline="0" noProof="0" dirty="0">
                 <a:ln>
                   <a:noFill/>
@@ -15484,7 +15906,7 @@
                 <a:ea typeface="微软雅黑" panose="020B0503020204020204" pitchFamily="34" charset="-122"/>
                 <a:cs typeface="+mn-cs"/>
               </a:rPr>
-              <a:t>官方有出对应得</a:t>
+              <a:t>如果你的主应用和子应用都是</a:t>
             </a:r>
             <a:r>
               <a:rPr kumimoji="0" lang="en-US" altLang="zh-CN" sz="1600" b="0" i="0" u="none" strike="noStrike" kern="1200" cap="none" spc="0" normalizeH="0" baseline="0" noProof="0" dirty="0">
@@ -15501,7 +15923,7 @@
                 <a:ea typeface="微软雅黑" panose="020B0503020204020204" pitchFamily="34" charset="-122"/>
                 <a:cs typeface="+mn-cs"/>
               </a:rPr>
-              <a:t>API</a:t>
+              <a:t>vue</a:t>
             </a:r>
             <a:r>
               <a:rPr kumimoji="0" lang="zh-CN" altLang="en-US" sz="1600" b="0" i="0" u="none" strike="noStrike" kern="1200" cap="none" spc="0" normalizeH="0" baseline="0" noProof="0" dirty="0">
@@ -15518,7 +15940,7 @@
                 <a:ea typeface="微软雅黑" panose="020B0503020204020204" pitchFamily="34" charset="-122"/>
                 <a:cs typeface="+mn-cs"/>
               </a:rPr>
-              <a:t>，不论是主子通讯和子子通讯都需要借助主应用的</a:t>
+              <a:t>的技术栈，可以通过</a:t>
             </a:r>
             <a:r>
               <a:rPr kumimoji="0" lang="en-US" altLang="zh-CN" sz="1600" b="0" i="0" u="none" strike="noStrike" kern="1200" cap="none" spc="0" normalizeH="0" baseline="0" noProof="0" dirty="0">
@@ -15552,8 +15974,222 @@
                 <a:ea typeface="微软雅黑" panose="020B0503020204020204" pitchFamily="34" charset="-122"/>
                 <a:cs typeface="+mn-cs"/>
               </a:rPr>
+              <a:t>来传递</a:t>
+            </a:r>
+            <a:r>
+              <a:rPr kumimoji="0" lang="en-US" altLang="zh-CN" sz="1600" b="0" i="0" u="none" strike="noStrike" kern="1200" cap="none" spc="0" normalizeH="0" baseline="0" noProof="0" dirty="0">
+                <a:ln>
+                  <a:noFill/>
+                </a:ln>
+                <a:solidFill>
+                  <a:prstClr val="white"/>
+                </a:solidFill>
+                <a:effectLst/>
+                <a:uLnTx/>
+                <a:uFillTx/>
+                <a:latin typeface="微软雅黑" panose="020B0503020204020204" pitchFamily="34" charset="-122"/>
+                <a:ea typeface="微软雅黑" panose="020B0503020204020204" pitchFamily="34" charset="-122"/>
+                <a:cs typeface="+mn-cs"/>
+              </a:rPr>
+              <a:t>vuex</a:t>
+            </a:r>
+            <a:r>
+              <a:rPr kumimoji="0" lang="zh-CN" altLang="en-US" sz="1600" b="0" i="0" u="none" strike="noStrike" kern="1200" cap="none" spc="0" normalizeH="0" baseline="0" noProof="0" dirty="0">
+                <a:ln>
+                  <a:noFill/>
+                </a:ln>
+                <a:solidFill>
+                  <a:prstClr val="white"/>
+                </a:solidFill>
+                <a:effectLst/>
+                <a:uLnTx/>
+                <a:uFillTx/>
+                <a:latin typeface="微软雅黑" panose="020B0503020204020204" pitchFamily="34" charset="-122"/>
+                <a:ea typeface="微软雅黑" panose="020B0503020204020204" pitchFamily="34" charset="-122"/>
+                <a:cs typeface="+mn-cs"/>
+              </a:rPr>
+              <a:t>来进行组件通讯。</a:t>
+            </a:r>
+            <a:endParaRPr kumimoji="0" lang="zh-CN" altLang="en-US" sz="1600" b="0" i="0" u="none" strike="noStrike" kern="1200" cap="none" spc="0" normalizeH="0" baseline="0" noProof="0" dirty="0">
+              <a:ln>
+                <a:noFill/>
+              </a:ln>
+              <a:solidFill>
+                <a:prstClr val="white"/>
+              </a:solidFill>
+              <a:effectLst/>
+              <a:uLnTx/>
+              <a:uFillTx/>
+              <a:latin typeface="微软雅黑" panose="020B0503020204020204" pitchFamily="34" charset="-122"/>
+              <a:ea typeface="微软雅黑" panose="020B0503020204020204" pitchFamily="34" charset="-122"/>
+              <a:cs typeface="+mn-cs"/>
+            </a:endParaRPr>
+          </a:p>
+          <a:p>
+            <a:pPr marL="0" marR="0" lvl="0" indent="0" algn="l" defTabSz="914400" rtl="0" fontAlgn="auto">
+              <a:lnSpc>
+                <a:spcPts val="3460"/>
+              </a:lnSpc>
+              <a:spcBef>
+                <a:spcPts val="0"/>
+              </a:spcBef>
+              <a:spcAft>
+                <a:spcPts val="0"/>
+              </a:spcAft>
+              <a:buClrTx/>
+              <a:buSzTx/>
+              <a:buFontTx/>
+              <a:buNone/>
+              <a:defRPr/>
+            </a:pPr>
+            <a:r>
+              <a:rPr lang="en-US" altLang="zh-CN" sz="1600" b="1" noProof="0" dirty="0">
+                <a:ln>
+                  <a:noFill/>
+                </a:ln>
+                <a:solidFill>
+                  <a:prstClr val="white"/>
+                </a:solidFill>
+                <a:effectLst/>
+                <a:uLnTx/>
+                <a:uFillTx/>
+                <a:latin typeface="微软雅黑" panose="020B0503020204020204" pitchFamily="34" charset="-122"/>
+                <a:ea typeface="微软雅黑" panose="020B0503020204020204" pitchFamily="34" charset="-122"/>
+                <a:sym typeface="+mn-ea"/>
+              </a:rPr>
+              <a:t>·  initGlobalState</a:t>
+            </a:r>
+            <a:endParaRPr lang="en-US" altLang="zh-CN" sz="1600" b="1" noProof="0" dirty="0">
+              <a:ln>
+                <a:noFill/>
+              </a:ln>
+              <a:solidFill>
+                <a:prstClr val="white"/>
+              </a:solidFill>
+              <a:effectLst/>
+              <a:uLnTx/>
+              <a:uFillTx/>
+              <a:latin typeface="微软雅黑" panose="020B0503020204020204" pitchFamily="34" charset="-122"/>
+              <a:ea typeface="微软雅黑" panose="020B0503020204020204" pitchFamily="34" charset="-122"/>
+              <a:sym typeface="+mn-ea"/>
+            </a:endParaRPr>
+          </a:p>
+          <a:p>
+            <a:pPr marL="0" marR="0" lvl="0" indent="0" algn="l" defTabSz="914400" rtl="0" fontAlgn="auto">
+              <a:lnSpc>
+                <a:spcPts val="3460"/>
+              </a:lnSpc>
+              <a:spcBef>
+                <a:spcPts val="0"/>
+              </a:spcBef>
+              <a:spcAft>
+                <a:spcPts val="0"/>
+              </a:spcAft>
+              <a:buClrTx/>
+              <a:buSzTx/>
+              <a:buFontTx/>
+              <a:buNone/>
+              <a:defRPr/>
+            </a:pPr>
+            <a:r>
+              <a:rPr lang="en-US" altLang="zh-CN" sz="1600" b="1" noProof="0" dirty="0">
+                <a:ln>
+                  <a:noFill/>
+                </a:ln>
+                <a:solidFill>
+                  <a:prstClr val="white"/>
+                </a:solidFill>
+                <a:effectLst/>
+                <a:uLnTx/>
+                <a:uFillTx/>
+                <a:latin typeface="微软雅黑" panose="020B0503020204020204" pitchFamily="34" charset="-122"/>
+                <a:ea typeface="微软雅黑" panose="020B0503020204020204" pitchFamily="34" charset="-122"/>
+                <a:sym typeface="+mn-ea"/>
+              </a:rPr>
+              <a:t>    </a:t>
+            </a:r>
+            <a:r>
+              <a:rPr lang="en-US" altLang="zh-CN" sz="1600" noProof="0" dirty="0">
+                <a:ln>
+                  <a:noFill/>
+                </a:ln>
+                <a:solidFill>
+                  <a:prstClr val="white"/>
+                </a:solidFill>
+                <a:effectLst/>
+                <a:uLnTx/>
+                <a:uFillTx/>
+                <a:latin typeface="微软雅黑" panose="020B0503020204020204" pitchFamily="34" charset="-122"/>
+                <a:ea typeface="微软雅黑" panose="020B0503020204020204" pitchFamily="34" charset="-122"/>
+                <a:sym typeface="+mn-ea"/>
+              </a:rPr>
+              <a:t>qiankun</a:t>
+            </a:r>
+            <a:r>
+              <a:rPr lang="zh-CN" altLang="en-US" sz="1600" noProof="0" dirty="0">
+                <a:ln>
+                  <a:noFill/>
+                </a:ln>
+                <a:solidFill>
+                  <a:prstClr val="white"/>
+                </a:solidFill>
+                <a:effectLst/>
+                <a:uLnTx/>
+                <a:uFillTx/>
+                <a:latin typeface="微软雅黑" panose="020B0503020204020204" pitchFamily="34" charset="-122"/>
+                <a:ea typeface="微软雅黑" panose="020B0503020204020204" pitchFamily="34" charset="-122"/>
+                <a:sym typeface="+mn-ea"/>
+              </a:rPr>
+              <a:t>自带的</a:t>
+            </a:r>
+            <a:r>
+              <a:rPr lang="en-US" altLang="zh-CN" sz="1600" noProof="0" dirty="0">
+                <a:ln>
+                  <a:noFill/>
+                </a:ln>
+                <a:solidFill>
+                  <a:prstClr val="white"/>
+                </a:solidFill>
+                <a:effectLst/>
+                <a:uLnTx/>
+                <a:uFillTx/>
+                <a:latin typeface="微软雅黑" panose="020B0503020204020204" pitchFamily="34" charset="-122"/>
+                <a:ea typeface="微软雅黑" panose="020B0503020204020204" pitchFamily="34" charset="-122"/>
+                <a:sym typeface="+mn-ea"/>
+              </a:rPr>
+              <a:t>API</a:t>
+            </a:r>
+            <a:r>
+              <a:rPr lang="zh-CN" altLang="en-US" sz="1600" noProof="0" dirty="0">
+                <a:ln>
+                  <a:noFill/>
+                </a:ln>
+                <a:solidFill>
+                  <a:prstClr val="white"/>
+                </a:solidFill>
+                <a:effectLst/>
+                <a:uLnTx/>
+                <a:uFillTx/>
+                <a:latin typeface="微软雅黑" panose="020B0503020204020204" pitchFamily="34" charset="-122"/>
+                <a:ea typeface="微软雅黑" panose="020B0503020204020204" pitchFamily="34" charset="-122"/>
+                <a:sym typeface="+mn-ea"/>
+              </a:rPr>
               <a:t>。</a:t>
             </a:r>
+            <a:endParaRPr lang="zh-CN" altLang="en-US" sz="1600" noProof="0" dirty="0">
+              <a:ln>
+                <a:noFill/>
+              </a:ln>
+              <a:solidFill>
+                <a:prstClr val="white"/>
+              </a:solidFill>
+              <a:effectLst/>
+              <a:uLnTx/>
+              <a:uFillTx/>
+              <a:latin typeface="微软雅黑" panose="020B0503020204020204" pitchFamily="34" charset="-122"/>
+              <a:ea typeface="微软雅黑" panose="020B0503020204020204" pitchFamily="34" charset="-122"/>
+              <a:sym typeface="+mn-ea"/>
+            </a:endParaRPr>
           </a:p>
         </p:txBody>
       </p:sp>
@@ -15854,6 +16490,13 @@
               </a:rPr>
               <a:t>落地集成需要解决的问题</a:t>
             </a:r>
+            <a:endParaRPr lang="zh-CN" altLang="en-US" sz="4800" dirty="0">
+              <a:solidFill>
+                <a:schemeClr val="bg1"/>
+              </a:solidFill>
+              <a:latin typeface="微软雅黑" panose="020B0503020204020204" pitchFamily="34" charset="-122"/>
+              <a:ea typeface="微软雅黑" panose="020B0503020204020204" pitchFamily="34" charset="-122"/>
+            </a:endParaRPr>
           </a:p>
         </p:txBody>
       </p:sp>
@@ -16057,6 +16700,13 @@
               </a:rPr>
               <a:t>路由模式的选择</a:t>
             </a:r>
+            <a:endParaRPr lang="zh-CN" altLang="en-US" sz="3200" dirty="0">
+              <a:solidFill>
+                <a:schemeClr val="bg1"/>
+              </a:solidFill>
+              <a:latin typeface="微软雅黑" panose="020B0503020204020204" pitchFamily="34" charset="-122"/>
+              <a:ea typeface="微软雅黑" panose="020B0503020204020204" pitchFamily="34" charset="-122"/>
+            </a:endParaRPr>
           </a:p>
         </p:txBody>
       </p:sp>
@@ -16122,6 +16772,13 @@
               </a:rPr>
               <a:t>模式</a:t>
             </a:r>
+            <a:endParaRPr lang="zh-CN" altLang="en-US">
+              <a:solidFill>
+                <a:schemeClr val="bg1"/>
+              </a:solidFill>
+              <a:latin typeface="微软雅黑" panose="020B0503020204020204" pitchFamily="34" charset="-122"/>
+              <a:ea typeface="微软雅黑" panose="020B0503020204020204" pitchFamily="34" charset="-122"/>
+            </a:endParaRPr>
           </a:p>
         </p:txBody>
       </p:sp>
@@ -16187,6 +16844,13 @@
               </a:rPr>
               <a:t>模式</a:t>
             </a:r>
+            <a:endParaRPr lang="zh-CN" altLang="en-US">
+              <a:solidFill>
+                <a:schemeClr val="bg1"/>
+              </a:solidFill>
+              <a:latin typeface="微软雅黑" panose="020B0503020204020204" pitchFamily="34" charset="-122"/>
+              <a:ea typeface="微软雅黑" panose="020B0503020204020204" pitchFamily="34" charset="-122"/>
+            </a:endParaRPr>
           </a:p>
         </p:txBody>
       </p:sp>
@@ -16572,6 +17236,13 @@
               </a:rPr>
               <a:t>管理系统的内容区渲染</a:t>
             </a:r>
+            <a:endParaRPr lang="zh-CN" altLang="en-US" sz="3200" dirty="0">
+              <a:solidFill>
+                <a:schemeClr val="bg1"/>
+              </a:solidFill>
+              <a:latin typeface="微软雅黑" panose="020B0503020204020204" pitchFamily="34" charset="-122"/>
+              <a:ea typeface="微软雅黑" panose="020B0503020204020204" pitchFamily="34" charset="-122"/>
+            </a:endParaRPr>
           </a:p>
         </p:txBody>
       </p:sp>
@@ -16612,6 +17283,13 @@
               </a:rPr>
               <a:t>以后端管理系统为例，我们大多数情况下，在集成进其他子应用时，只需要渲染内容区部分，而侧边栏和头部部分应该是使用主应用的。</a:t>
             </a:r>
+            <a:endParaRPr lang="zh-CN" altLang="en-US" sz="1600" dirty="0">
+              <a:solidFill>
+                <a:schemeClr val="bg1"/>
+              </a:solidFill>
+              <a:latin typeface="微软雅黑" panose="020B0503020204020204" pitchFamily="34" charset="-122"/>
+              <a:ea typeface="微软雅黑" panose="020B0503020204020204" pitchFamily="34" charset="-122"/>
+            </a:endParaRPr>
           </a:p>
         </p:txBody>
       </p:sp>
@@ -16701,6 +17379,10 @@
               </a:rPr>
               <a:t>侧边栏</a:t>
             </a:r>
+            <a:endParaRPr lang="zh-CN" altLang="en-US" sz="1400" dirty="0">
+              <a:latin typeface="微软雅黑" panose="020B0503020204020204" pitchFamily="34" charset="-122"/>
+              <a:ea typeface="微软雅黑" panose="020B0503020204020204" pitchFamily="34" charset="-122"/>
+            </a:endParaRPr>
           </a:p>
         </p:txBody>
       </p:sp>
@@ -16750,6 +17432,10 @@
               </a:rPr>
               <a:t>头部导航</a:t>
             </a:r>
+            <a:endParaRPr lang="zh-CN" altLang="en-US" sz="1400">
+              <a:latin typeface="微软雅黑" panose="020B0503020204020204" pitchFamily="34" charset="-122"/>
+              <a:ea typeface="微软雅黑" panose="020B0503020204020204" pitchFamily="34" charset="-122"/>
+            </a:endParaRPr>
           </a:p>
         </p:txBody>
       </p:sp>
@@ -16805,6 +17491,10 @@
               </a:rPr>
               <a:t>内容区</a:t>
             </a:r>
+            <a:endParaRPr lang="zh-CN" altLang="en-US" sz="1400">
+              <a:latin typeface="微软雅黑" panose="020B0503020204020204" pitchFamily="34" charset="-122"/>
+              <a:ea typeface="微软雅黑" panose="020B0503020204020204" pitchFamily="34" charset="-122"/>
+            </a:endParaRPr>
           </a:p>
         </p:txBody>
       </p:sp>
@@ -17469,6 +18159,13 @@
               </a:rPr>
               <a:t>子应用最终打包配置</a:t>
             </a:r>
+            <a:endParaRPr lang="zh-CN" altLang="en-US" sz="3200" dirty="0">
+              <a:solidFill>
+                <a:schemeClr val="bg1"/>
+              </a:solidFill>
+              <a:latin typeface="微软雅黑" panose="020B0503020204020204" pitchFamily="34" charset="-122"/>
+              <a:ea typeface="微软雅黑" panose="020B0503020204020204" pitchFamily="34" charset="-122"/>
+            </a:endParaRPr>
           </a:p>
         </p:txBody>
       </p:sp>
@@ -17509,18 +18206,19 @@
               </a:rPr>
               <a:t>我们一般的默认打包配置独立运行没有问题，但是当它充当子应用时，如果要被主应用识别到，子应用需要配置对应的打包格式才行。</a:t>
             </a:r>
+            <a:endParaRPr lang="zh-CN" altLang="en-US" sz="1600" dirty="0">
+              <a:solidFill>
+                <a:schemeClr val="bg1"/>
+              </a:solidFill>
+              <a:latin typeface="微软雅黑" panose="020B0503020204020204" pitchFamily="34" charset="-122"/>
+              <a:ea typeface="微软雅黑" panose="020B0503020204020204" pitchFamily="34" charset="-122"/>
+            </a:endParaRPr>
           </a:p>
         </p:txBody>
       </p:sp>
       <p:sp>
         <p:nvSpPr>
-          <p:cNvPr id="5" name="文本框 4">
-            <a:extLst>
-              <a:ext uri="{FF2B5EF4-FFF2-40B4-BE49-F238E27FC236}">
-                <a16:creationId xmlns:a16="http://schemas.microsoft.com/office/drawing/2014/main" id="{74C4DD06-7D13-4BDA-A228-AFE35D544A8F}"/>
-              </a:ext>
-            </a:extLst>
-          </p:cNvPr>
+          <p:cNvPr id="5" name="文本框 4"/>
           <p:cNvSpPr txBox="1"/>
           <p:nvPr/>
         </p:nvSpPr>
@@ -17550,8 +18248,6 @@
               </a:rPr>
               <a:t>const { name } = require("./package");</a:t>
             </a:r>
-          </a:p>
-          <a:p>
             <a:endParaRPr lang="en-US" altLang="zh-CN" b="0" dirty="0">
               <a:solidFill>
                 <a:schemeClr val="bg1"/>
@@ -17561,6 +18257,15 @@
             </a:endParaRPr>
           </a:p>
           <a:p>
+            <a:endParaRPr lang="en-US" altLang="zh-CN" b="0" dirty="0">
+              <a:solidFill>
+                <a:schemeClr val="bg1"/>
+              </a:solidFill>
+              <a:effectLst/>
+              <a:latin typeface="Consolas" panose="020B0609020204030204" pitchFamily="49" charset="0"/>
+            </a:endParaRPr>
+          </a:p>
+          <a:p>
             <a:r>
               <a:rPr lang="en-US" altLang="zh-CN" b="0" dirty="0">
                 <a:solidFill>
@@ -17571,6 +18276,13 @@
               </a:rPr>
               <a:t>output: {</a:t>
             </a:r>
+            <a:endParaRPr lang="en-US" altLang="zh-CN" b="0" dirty="0">
+              <a:solidFill>
+                <a:schemeClr val="bg1"/>
+              </a:solidFill>
+              <a:effectLst/>
+              <a:latin typeface="Consolas" panose="020B0609020204030204" pitchFamily="49" charset="0"/>
+            </a:endParaRPr>
           </a:p>
           <a:p>
             <a:r>
@@ -17583,6 +18295,13 @@
               </a:rPr>
               <a:t>  library: `${name}`,</a:t>
             </a:r>
+            <a:endParaRPr lang="en-US" altLang="zh-CN" b="0" dirty="0">
+              <a:solidFill>
+                <a:schemeClr val="bg1"/>
+              </a:solidFill>
+              <a:effectLst/>
+              <a:latin typeface="Consolas" panose="020B0609020204030204" pitchFamily="49" charset="0"/>
+            </a:endParaRPr>
           </a:p>
           <a:p>
             <a:r>
@@ -17675,6 +18394,13 @@
               </a:rPr>
               <a:t>库格式</a:t>
             </a:r>
+            <a:endParaRPr lang="zh-CN" altLang="en-US" b="0" dirty="0">
+              <a:solidFill>
+                <a:schemeClr val="bg1"/>
+              </a:solidFill>
+              <a:effectLst/>
+              <a:latin typeface="Consolas" panose="020B0609020204030204" pitchFamily="49" charset="0"/>
+            </a:endParaRPr>
           </a:p>
           <a:p>
             <a:r>
@@ -17727,6 +18453,13 @@
               </a:rPr>
               <a:t>_${name}`</a:t>
             </a:r>
+            <a:endParaRPr lang="en-US" altLang="zh-CN" b="0" dirty="0">
+              <a:solidFill>
+                <a:schemeClr val="bg1"/>
+              </a:solidFill>
+              <a:effectLst/>
+              <a:latin typeface="Consolas" panose="020B0609020204030204" pitchFamily="49" charset="0"/>
+            </a:endParaRPr>
           </a:p>
           <a:p>
             <a:r>
@@ -17739,15 +18472,17 @@
               </a:rPr>
               <a:t>}</a:t>
             </a:r>
+            <a:endParaRPr lang="en-US" altLang="zh-CN" b="0" dirty="0">
+              <a:solidFill>
+                <a:schemeClr val="bg1"/>
+              </a:solidFill>
+              <a:effectLst/>
+              <a:latin typeface="Consolas" panose="020B0609020204030204" pitchFamily="49" charset="0"/>
+            </a:endParaRPr>
           </a:p>
         </p:txBody>
       </p:sp>
     </p:spTree>
-    <p:extLst>
-      <p:ext uri="{BB962C8B-B14F-4D97-AF65-F5344CB8AC3E}">
-        <p14:creationId xmlns:p14="http://schemas.microsoft.com/office/powerpoint/2010/main" val="4180664989"/>
-      </p:ext>
-    </p:extLst>
   </p:cSld>
   <p:clrMapOvr>
     <a:masterClrMapping/>
@@ -18669,6 +19404,7 @@
               <a:rPr lang="en-US" altLang="zh-CN" dirty="0"/>
               <a:t>UI</a:t>
             </a:r>
+            <a:endParaRPr lang="en-US" altLang="zh-CN" dirty="0"/>
           </a:p>
         </p:txBody>
       </p:sp>
@@ -18805,6 +19541,7 @@
               <a:rPr lang="zh-CN" altLang="en-US" dirty="0"/>
               <a:t>微服务</a:t>
             </a:r>
+            <a:endParaRPr lang="zh-CN" altLang="en-US" dirty="0"/>
           </a:p>
         </p:txBody>
       </p:sp>
@@ -18881,6 +19618,7 @@
               <a:rPr lang="en-US" altLang="zh-CN" dirty="0"/>
               <a:t>REST API</a:t>
             </a:r>
+            <a:endParaRPr lang="en-US" altLang="zh-CN" dirty="0"/>
           </a:p>
         </p:txBody>
       </p:sp>
@@ -19053,6 +19791,7 @@
               <a:rPr lang="en-US" altLang="zh-CN" dirty="0"/>
               <a:t>DB</a:t>
             </a:r>
+            <a:endParaRPr lang="en-US" altLang="zh-CN" dirty="0"/>
           </a:p>
         </p:txBody>
       </p:sp>
@@ -19096,6 +19835,7 @@
               <a:rPr lang="zh-CN" altLang="en-US"/>
               <a:t>缓存服务</a:t>
             </a:r>
+            <a:endParaRPr lang="zh-CN" altLang="en-US"/>
           </a:p>
         </p:txBody>
       </p:sp>
@@ -19172,6 +19912,7 @@
               <a:rPr lang="en-US" altLang="zh-CN" dirty="0"/>
               <a:t>REDIS</a:t>
             </a:r>
+            <a:endParaRPr lang="en-US" altLang="zh-CN" dirty="0"/>
           </a:p>
         </p:txBody>
       </p:sp>
@@ -19248,6 +19989,7 @@
               <a:rPr lang="en-US" altLang="zh-CN" dirty="0"/>
               <a:t>DB</a:t>
             </a:r>
+            <a:endParaRPr lang="en-US" altLang="zh-CN" dirty="0"/>
           </a:p>
         </p:txBody>
       </p:sp>
@@ -19324,6 +20066,7 @@
               <a:rPr lang="zh-CN" altLang="en-US"/>
               <a:t>微服务</a:t>
             </a:r>
+            <a:endParaRPr lang="zh-CN" altLang="en-US"/>
           </a:p>
         </p:txBody>
       </p:sp>
@@ -19400,6 +20143,7 @@
               <a:rPr lang="en-US" altLang="zh-CN" dirty="0"/>
               <a:t>DB</a:t>
             </a:r>
+            <a:endParaRPr lang="en-US" altLang="zh-CN" dirty="0"/>
           </a:p>
         </p:txBody>
       </p:sp>
@@ -19436,6 +20180,13 @@
               </a:rPr>
               <a:t>参考资料：Öner Zafer</a:t>
             </a:r>
+            <a:endParaRPr lang="zh-CN" altLang="en-US" sz="1000" dirty="0">
+              <a:solidFill>
+                <a:schemeClr val="bg1"/>
+              </a:solidFill>
+              <a:latin typeface="微软雅黑" panose="020B0503020204020204" pitchFamily="34" charset="-122"/>
+              <a:ea typeface="微软雅黑" panose="020B0503020204020204" pitchFamily="34" charset="-122"/>
+            </a:endParaRPr>
           </a:p>
         </p:txBody>
       </p:sp>
@@ -19481,6 +20232,13 @@
               </a:rPr>
               <a:t>从后端微服务说起</a:t>
             </a:r>
+            <a:endParaRPr lang="zh-CN" altLang="en-US" sz="3200" dirty="0">
+              <a:solidFill>
+                <a:schemeClr val="bg1"/>
+              </a:solidFill>
+              <a:latin typeface="微软雅黑" panose="020B0503020204020204" pitchFamily="34" charset="-122"/>
+              <a:ea typeface="微软雅黑" panose="020B0503020204020204" pitchFamily="34" charset="-122"/>
+            </a:endParaRPr>
           </a:p>
         </p:txBody>
       </p:sp>
@@ -21478,7 +22236,7 @@
           <p:nvPr/>
         </p:nvPicPr>
         <p:blipFill>
-          <a:blip r:embed="rId2"/>
+          <a:blip r:embed="rId1"/>
           <a:stretch>
             <a:fillRect/>
           </a:stretch>
@@ -21535,6 +22293,13 @@
               </a:rPr>
               <a:t>将单页面前端应用由单一的单体应用转变为多个小型前端应用聚合为一的应用。</a:t>
             </a:r>
+            <a:endParaRPr lang="zh-CN" altLang="en-US" sz="3200" dirty="0">
+              <a:solidFill>
+                <a:schemeClr val="bg1"/>
+              </a:solidFill>
+              <a:latin typeface="微软雅黑" panose="020B0503020204020204" pitchFamily="34" charset="-122"/>
+              <a:ea typeface="微软雅黑" panose="020B0503020204020204" pitchFamily="34" charset="-122"/>
+            </a:endParaRPr>
           </a:p>
         </p:txBody>
       </p:sp>
@@ -22163,6 +22928,13 @@
               </a:rPr>
               <a:t>应用集成进来</a:t>
             </a:r>
+            <a:endParaRPr lang="zh-CN" altLang="en-US" sz="1600" b="1" dirty="0">
+              <a:solidFill>
+                <a:schemeClr val="bg1"/>
+              </a:solidFill>
+              <a:latin typeface="微软雅黑" panose="020B0503020204020204" pitchFamily="34" charset="-122"/>
+              <a:ea typeface="微软雅黑" panose="020B0503020204020204" pitchFamily="34" charset="-122"/>
+            </a:endParaRPr>
           </a:p>
           <a:p>
             <a:pPr>
@@ -22225,6 +22997,13 @@
               </a:rPr>
               <a:t>回到前面的问题</a:t>
             </a:r>
+            <a:endParaRPr lang="zh-CN" altLang="en-US" sz="3200" dirty="0">
+              <a:solidFill>
+                <a:schemeClr val="bg1"/>
+              </a:solidFill>
+              <a:latin typeface="微软雅黑" panose="020B0503020204020204" pitchFamily="34" charset="-122"/>
+              <a:ea typeface="微软雅黑" panose="020B0503020204020204" pitchFamily="34" charset="-122"/>
+            </a:endParaRPr>
           </a:p>
         </p:txBody>
       </p:sp>
@@ -22535,6 +23314,13 @@
               </a:rPr>
               <a:t>将现有项目作为主应用</a:t>
             </a:r>
+            <a:endParaRPr lang="zh-CN" altLang="en-US" sz="3200" dirty="0">
+              <a:solidFill>
+                <a:schemeClr val="bg1"/>
+              </a:solidFill>
+              <a:latin typeface="微软雅黑" panose="020B0503020204020204" pitchFamily="34" charset="-122"/>
+              <a:ea typeface="微软雅黑" panose="020B0503020204020204" pitchFamily="34" charset="-122"/>
+            </a:endParaRPr>
           </a:p>
         </p:txBody>
       </p:sp>
@@ -22580,6 +23366,13 @@
               </a:rPr>
               <a:t>其他接入项目作为子应用</a:t>
             </a:r>
+            <a:endParaRPr lang="zh-CN" altLang="en-US" sz="3200" dirty="0">
+              <a:solidFill>
+                <a:schemeClr val="bg1"/>
+              </a:solidFill>
+              <a:latin typeface="微软雅黑" panose="020B0503020204020204" pitchFamily="34" charset="-122"/>
+              <a:ea typeface="微软雅黑" panose="020B0503020204020204" pitchFamily="34" charset="-122"/>
+            </a:endParaRPr>
           </a:p>
         </p:txBody>
       </p:sp>
@@ -23014,7 +23807,6 @@
       </a:bgFillStyleLst>
     </a:fmtScheme>
   </a:themeElements>
-  <a:objectDefaults/>
   <a:extraClrSchemeLst>
     <a:extraClrScheme>
       <a:clrScheme name="">

--- a/微前端.pptx
+++ b/微前端.pptx
@@ -5,32 +5,32 @@
     <p:sldMasterId id="2147483648" r:id="rId1"/>
   </p:sldMasterIdLst>
   <p:sldIdLst>
-    <p:sldId id="258" r:id="rId3"/>
-    <p:sldId id="269" r:id="rId4"/>
-    <p:sldId id="268" r:id="rId5"/>
-    <p:sldId id="271" r:id="rId6"/>
-    <p:sldId id="259" r:id="rId7"/>
-    <p:sldId id="261" r:id="rId8"/>
-    <p:sldId id="272" r:id="rId9"/>
-    <p:sldId id="270" r:id="rId10"/>
-    <p:sldId id="273" r:id="rId11"/>
-    <p:sldId id="262" r:id="rId12"/>
-    <p:sldId id="274" r:id="rId13"/>
-    <p:sldId id="263" r:id="rId14"/>
-    <p:sldId id="275" r:id="rId15"/>
-    <p:sldId id="276" r:id="rId16"/>
-    <p:sldId id="264" r:id="rId17"/>
-    <p:sldId id="277" r:id="rId18"/>
-    <p:sldId id="278" r:id="rId19"/>
-    <p:sldId id="266" r:id="rId20"/>
-    <p:sldId id="279" r:id="rId21"/>
-    <p:sldId id="280" r:id="rId22"/>
-    <p:sldId id="281" r:id="rId23"/>
-    <p:sldId id="282" r:id="rId24"/>
-    <p:sldId id="267" r:id="rId25"/>
-    <p:sldId id="291" r:id="rId26"/>
-    <p:sldId id="292" r:id="rId27"/>
-    <p:sldId id="293" r:id="rId28"/>
+    <p:sldId id="258" r:id="rId2"/>
+    <p:sldId id="269" r:id="rId3"/>
+    <p:sldId id="268" r:id="rId4"/>
+    <p:sldId id="271" r:id="rId5"/>
+    <p:sldId id="259" r:id="rId6"/>
+    <p:sldId id="261" r:id="rId7"/>
+    <p:sldId id="272" r:id="rId8"/>
+    <p:sldId id="270" r:id="rId9"/>
+    <p:sldId id="273" r:id="rId10"/>
+    <p:sldId id="262" r:id="rId11"/>
+    <p:sldId id="274" r:id="rId12"/>
+    <p:sldId id="263" r:id="rId13"/>
+    <p:sldId id="275" r:id="rId14"/>
+    <p:sldId id="276" r:id="rId15"/>
+    <p:sldId id="264" r:id="rId16"/>
+    <p:sldId id="277" r:id="rId17"/>
+    <p:sldId id="278" r:id="rId18"/>
+    <p:sldId id="266" r:id="rId19"/>
+    <p:sldId id="279" r:id="rId20"/>
+    <p:sldId id="280" r:id="rId21"/>
+    <p:sldId id="281" r:id="rId22"/>
+    <p:sldId id="282" r:id="rId23"/>
+    <p:sldId id="267" r:id="rId24"/>
+    <p:sldId id="291" r:id="rId25"/>
+    <p:sldId id="292" r:id="rId26"/>
+    <p:sldId id="293" r:id="rId27"/>
   </p:sldIdLst>
   <p:sldSz cx="12192000" cy="6858000"/>
   <p:notesSz cx="6858000" cy="9144000"/>
@@ -129,6 +129,11 @@
       </a:defRPr>
     </a:lvl9pPr>
   </p:defaultTextStyle>
+  <p:extLst>
+    <p:ext uri="{EFAFB233-063F-42B5-8137-9DF3F51BA10A}">
+      <p15:sldGuideLst xmlns:p15="http://schemas.microsoft.com/office/powerpoint/2012/main"/>
+    </p:ext>
+  </p:extLst>
 </p:presentation>
 </file>
 
@@ -177,7 +182,6 @@
               <a:rPr lang="zh-CN" altLang="en-US"/>
               <a:t>单击此处编辑母版标题样式</a:t>
             </a:r>
-            <a:endParaRPr lang="zh-CN" altLang="en-US"/>
           </a:p>
         </p:txBody>
       </p:sp>
@@ -242,7 +246,6 @@
               <a:rPr lang="zh-CN" altLang="en-US"/>
               <a:t>单击此处编辑母版副标题样式</a:t>
             </a:r>
-            <a:endParaRPr lang="zh-CN" altLang="en-US"/>
           </a:p>
         </p:txBody>
       </p:sp>
@@ -263,6 +266,7 @@
           <a:p>
             <a:fld id="{D997B5FA-0921-464F-AAE1-844C04324D75}" type="datetimeFigureOut">
               <a:rPr lang="zh-CN" altLang="en-US" smtClean="0"/>
+              <a:t>2020/10/16</a:t>
             </a:fld>
             <a:endParaRPr lang="zh-CN" altLang="en-US"/>
           </a:p>
@@ -304,6 +308,7 @@
           <a:p>
             <a:fld id="{565CE74E-AB26-4998-AD42-012C4C1AD076}" type="slidenum">
               <a:rPr lang="zh-CN" altLang="en-US" smtClean="0"/>
+              <a:t>‹#›</a:t>
             </a:fld>
             <a:endParaRPr lang="zh-CN" altLang="en-US"/>
           </a:p>
@@ -354,7 +359,6 @@
               <a:rPr lang="zh-CN" altLang="en-US"/>
               <a:t>单击此处编辑母版标题样式</a:t>
             </a:r>
-            <a:endParaRPr lang="zh-CN" altLang="en-US"/>
           </a:p>
         </p:txBody>
       </p:sp>
@@ -378,7 +382,6 @@
               <a:rPr lang="zh-CN" altLang="en-US"/>
               <a:t>单击此处编辑母版文本样式</a:t>
             </a:r>
-            <a:endParaRPr lang="zh-CN" altLang="en-US"/>
           </a:p>
           <a:p>
             <a:pPr lvl="1"/>
@@ -386,7 +389,6 @@
               <a:rPr lang="zh-CN" altLang="en-US"/>
               <a:t>第二级</a:t>
             </a:r>
-            <a:endParaRPr lang="zh-CN" altLang="en-US"/>
           </a:p>
           <a:p>
             <a:pPr lvl="2"/>
@@ -394,7 +396,6 @@
               <a:rPr lang="zh-CN" altLang="en-US"/>
               <a:t>第三级</a:t>
             </a:r>
-            <a:endParaRPr lang="zh-CN" altLang="en-US"/>
           </a:p>
           <a:p>
             <a:pPr lvl="3"/>
@@ -402,7 +403,6 @@
               <a:rPr lang="zh-CN" altLang="en-US"/>
               <a:t>第四级</a:t>
             </a:r>
-            <a:endParaRPr lang="zh-CN" altLang="en-US"/>
           </a:p>
           <a:p>
             <a:pPr lvl="4"/>
@@ -410,7 +410,6 @@
               <a:rPr lang="zh-CN" altLang="en-US"/>
               <a:t>第五级</a:t>
             </a:r>
-            <a:endParaRPr lang="zh-CN" altLang="en-US"/>
           </a:p>
         </p:txBody>
       </p:sp>
@@ -431,6 +430,7 @@
           <a:p>
             <a:fld id="{D997B5FA-0921-464F-AAE1-844C04324D75}" type="datetimeFigureOut">
               <a:rPr lang="zh-CN" altLang="en-US" smtClean="0"/>
+              <a:t>2020/10/16</a:t>
             </a:fld>
             <a:endParaRPr lang="zh-CN" altLang="en-US"/>
           </a:p>
@@ -472,6 +472,7 @@
           <a:p>
             <a:fld id="{565CE74E-AB26-4998-AD42-012C4C1AD076}" type="slidenum">
               <a:rPr lang="zh-CN" altLang="en-US" smtClean="0"/>
+              <a:t>‹#›</a:t>
             </a:fld>
             <a:endParaRPr lang="zh-CN" altLang="en-US"/>
           </a:p>
@@ -527,7 +528,6 @@
               <a:rPr lang="zh-CN" altLang="en-US"/>
               <a:t>单击此处编辑母版标题样式</a:t>
             </a:r>
-            <a:endParaRPr lang="zh-CN" altLang="en-US"/>
           </a:p>
         </p:txBody>
       </p:sp>
@@ -556,7 +556,6 @@
               <a:rPr lang="zh-CN" altLang="en-US"/>
               <a:t>单击此处编辑母版文本样式</a:t>
             </a:r>
-            <a:endParaRPr lang="zh-CN" altLang="en-US"/>
           </a:p>
           <a:p>
             <a:pPr lvl="1"/>
@@ -564,7 +563,6 @@
               <a:rPr lang="zh-CN" altLang="en-US"/>
               <a:t>第二级</a:t>
             </a:r>
-            <a:endParaRPr lang="zh-CN" altLang="en-US"/>
           </a:p>
           <a:p>
             <a:pPr lvl="2"/>
@@ -572,7 +570,6 @@
               <a:rPr lang="zh-CN" altLang="en-US"/>
               <a:t>第三级</a:t>
             </a:r>
-            <a:endParaRPr lang="zh-CN" altLang="en-US"/>
           </a:p>
           <a:p>
             <a:pPr lvl="3"/>
@@ -580,7 +577,6 @@
               <a:rPr lang="zh-CN" altLang="en-US"/>
               <a:t>第四级</a:t>
             </a:r>
-            <a:endParaRPr lang="zh-CN" altLang="en-US"/>
           </a:p>
           <a:p>
             <a:pPr lvl="4"/>
@@ -588,7 +584,6 @@
               <a:rPr lang="zh-CN" altLang="en-US"/>
               <a:t>第五级</a:t>
             </a:r>
-            <a:endParaRPr lang="zh-CN" altLang="en-US"/>
           </a:p>
         </p:txBody>
       </p:sp>
@@ -609,6 +604,7 @@
           <a:p>
             <a:fld id="{D997B5FA-0921-464F-AAE1-844C04324D75}" type="datetimeFigureOut">
               <a:rPr lang="zh-CN" altLang="en-US" smtClean="0"/>
+              <a:t>2020/10/16</a:t>
             </a:fld>
             <a:endParaRPr lang="zh-CN" altLang="en-US"/>
           </a:p>
@@ -650,6 +646,7 @@
           <a:p>
             <a:fld id="{565CE74E-AB26-4998-AD42-012C4C1AD076}" type="slidenum">
               <a:rPr lang="zh-CN" altLang="en-US" smtClean="0"/>
+              <a:t>‹#›</a:t>
             </a:fld>
             <a:endParaRPr lang="zh-CN" altLang="en-US"/>
           </a:p>
@@ -700,7 +697,6 @@
               <a:rPr lang="zh-CN" altLang="en-US"/>
               <a:t>单击此处编辑母版标题样式</a:t>
             </a:r>
-            <a:endParaRPr lang="zh-CN" altLang="en-US"/>
           </a:p>
         </p:txBody>
       </p:sp>
@@ -724,7 +720,6 @@
               <a:rPr lang="zh-CN" altLang="en-US"/>
               <a:t>单击此处编辑母版文本样式</a:t>
             </a:r>
-            <a:endParaRPr lang="zh-CN" altLang="en-US"/>
           </a:p>
           <a:p>
             <a:pPr lvl="1"/>
@@ -732,7 +727,6 @@
               <a:rPr lang="zh-CN" altLang="en-US"/>
               <a:t>第二级</a:t>
             </a:r>
-            <a:endParaRPr lang="zh-CN" altLang="en-US"/>
           </a:p>
           <a:p>
             <a:pPr lvl="2"/>
@@ -740,7 +734,6 @@
               <a:rPr lang="zh-CN" altLang="en-US"/>
               <a:t>第三级</a:t>
             </a:r>
-            <a:endParaRPr lang="zh-CN" altLang="en-US"/>
           </a:p>
           <a:p>
             <a:pPr lvl="3"/>
@@ -748,7 +741,6 @@
               <a:rPr lang="zh-CN" altLang="en-US"/>
               <a:t>第四级</a:t>
             </a:r>
-            <a:endParaRPr lang="zh-CN" altLang="en-US"/>
           </a:p>
           <a:p>
             <a:pPr lvl="4"/>
@@ -756,7 +748,6 @@
               <a:rPr lang="zh-CN" altLang="en-US"/>
               <a:t>第五级</a:t>
             </a:r>
-            <a:endParaRPr lang="zh-CN" altLang="en-US"/>
           </a:p>
         </p:txBody>
       </p:sp>
@@ -777,6 +768,7 @@
           <a:p>
             <a:fld id="{D997B5FA-0921-464F-AAE1-844C04324D75}" type="datetimeFigureOut">
               <a:rPr lang="zh-CN" altLang="en-US" smtClean="0"/>
+              <a:t>2020/10/16</a:t>
             </a:fld>
             <a:endParaRPr lang="zh-CN" altLang="en-US"/>
           </a:p>
@@ -818,6 +810,7 @@
           <a:p>
             <a:fld id="{565CE74E-AB26-4998-AD42-012C4C1AD076}" type="slidenum">
               <a:rPr lang="zh-CN" altLang="en-US" smtClean="0"/>
+              <a:t>‹#›</a:t>
             </a:fld>
             <a:endParaRPr lang="zh-CN" altLang="en-US"/>
           </a:p>
@@ -877,7 +870,6 @@
               <a:rPr lang="zh-CN" altLang="en-US"/>
               <a:t>单击此处编辑母版标题样式</a:t>
             </a:r>
-            <a:endParaRPr lang="zh-CN" altLang="en-US"/>
           </a:p>
         </p:txBody>
       </p:sp>
@@ -997,7 +989,6 @@
               <a:rPr lang="zh-CN" altLang="en-US"/>
               <a:t>单击此处编辑母版文本样式</a:t>
             </a:r>
-            <a:endParaRPr lang="zh-CN" altLang="en-US"/>
           </a:p>
         </p:txBody>
       </p:sp>
@@ -1018,6 +1009,7 @@
           <a:p>
             <a:fld id="{D997B5FA-0921-464F-AAE1-844C04324D75}" type="datetimeFigureOut">
               <a:rPr lang="zh-CN" altLang="en-US" smtClean="0"/>
+              <a:t>2020/10/16</a:t>
             </a:fld>
             <a:endParaRPr lang="zh-CN" altLang="en-US"/>
           </a:p>
@@ -1059,6 +1051,7 @@
           <a:p>
             <a:fld id="{565CE74E-AB26-4998-AD42-012C4C1AD076}" type="slidenum">
               <a:rPr lang="zh-CN" altLang="en-US" smtClean="0"/>
+              <a:t>‹#›</a:t>
             </a:fld>
             <a:endParaRPr lang="zh-CN" altLang="en-US"/>
           </a:p>
@@ -1109,7 +1102,6 @@
               <a:rPr lang="zh-CN" altLang="en-US"/>
               <a:t>单击此处编辑母版标题样式</a:t>
             </a:r>
-            <a:endParaRPr lang="zh-CN" altLang="en-US"/>
           </a:p>
         </p:txBody>
       </p:sp>
@@ -1138,7 +1130,6 @@
               <a:rPr lang="zh-CN" altLang="en-US"/>
               <a:t>单击此处编辑母版文本样式</a:t>
             </a:r>
-            <a:endParaRPr lang="zh-CN" altLang="en-US"/>
           </a:p>
           <a:p>
             <a:pPr lvl="1"/>
@@ -1146,7 +1137,6 @@
               <a:rPr lang="zh-CN" altLang="en-US"/>
               <a:t>第二级</a:t>
             </a:r>
-            <a:endParaRPr lang="zh-CN" altLang="en-US"/>
           </a:p>
           <a:p>
             <a:pPr lvl="2"/>
@@ -1154,7 +1144,6 @@
               <a:rPr lang="zh-CN" altLang="en-US"/>
               <a:t>第三级</a:t>
             </a:r>
-            <a:endParaRPr lang="zh-CN" altLang="en-US"/>
           </a:p>
           <a:p>
             <a:pPr lvl="3"/>
@@ -1162,7 +1151,6 @@
               <a:rPr lang="zh-CN" altLang="en-US"/>
               <a:t>第四级</a:t>
             </a:r>
-            <a:endParaRPr lang="zh-CN" altLang="en-US"/>
           </a:p>
           <a:p>
             <a:pPr lvl="4"/>
@@ -1170,7 +1158,6 @@
               <a:rPr lang="zh-CN" altLang="en-US"/>
               <a:t>第五级</a:t>
             </a:r>
-            <a:endParaRPr lang="zh-CN" altLang="en-US"/>
           </a:p>
         </p:txBody>
       </p:sp>
@@ -1199,7 +1186,6 @@
               <a:rPr lang="zh-CN" altLang="en-US"/>
               <a:t>单击此处编辑母版文本样式</a:t>
             </a:r>
-            <a:endParaRPr lang="zh-CN" altLang="en-US"/>
           </a:p>
           <a:p>
             <a:pPr lvl="1"/>
@@ -1207,7 +1193,6 @@
               <a:rPr lang="zh-CN" altLang="en-US"/>
               <a:t>第二级</a:t>
             </a:r>
-            <a:endParaRPr lang="zh-CN" altLang="en-US"/>
           </a:p>
           <a:p>
             <a:pPr lvl="2"/>
@@ -1215,7 +1200,6 @@
               <a:rPr lang="zh-CN" altLang="en-US"/>
               <a:t>第三级</a:t>
             </a:r>
-            <a:endParaRPr lang="zh-CN" altLang="en-US"/>
           </a:p>
           <a:p>
             <a:pPr lvl="3"/>
@@ -1223,7 +1207,6 @@
               <a:rPr lang="zh-CN" altLang="en-US"/>
               <a:t>第四级</a:t>
             </a:r>
-            <a:endParaRPr lang="zh-CN" altLang="en-US"/>
           </a:p>
           <a:p>
             <a:pPr lvl="4"/>
@@ -1231,7 +1214,6 @@
               <a:rPr lang="zh-CN" altLang="en-US"/>
               <a:t>第五级</a:t>
             </a:r>
-            <a:endParaRPr lang="zh-CN" altLang="en-US"/>
           </a:p>
         </p:txBody>
       </p:sp>
@@ -1252,6 +1234,7 @@
           <a:p>
             <a:fld id="{D997B5FA-0921-464F-AAE1-844C04324D75}" type="datetimeFigureOut">
               <a:rPr lang="zh-CN" altLang="en-US" smtClean="0"/>
+              <a:t>2020/10/16</a:t>
             </a:fld>
             <a:endParaRPr lang="zh-CN" altLang="en-US"/>
           </a:p>
@@ -1293,6 +1276,7 @@
           <a:p>
             <a:fld id="{565CE74E-AB26-4998-AD42-012C4C1AD076}" type="slidenum">
               <a:rPr lang="zh-CN" altLang="en-US" smtClean="0"/>
+              <a:t>‹#›</a:t>
             </a:fld>
             <a:endParaRPr lang="zh-CN" altLang="en-US"/>
           </a:p>
@@ -1348,7 +1332,6 @@
               <a:rPr lang="zh-CN" altLang="en-US"/>
               <a:t>单击此处编辑母版标题样式</a:t>
             </a:r>
-            <a:endParaRPr lang="zh-CN" altLang="en-US"/>
           </a:p>
         </p:txBody>
       </p:sp>
@@ -1414,7 +1397,6 @@
               <a:rPr lang="zh-CN" altLang="en-US"/>
               <a:t>单击此处编辑母版文本样式</a:t>
             </a:r>
-            <a:endParaRPr lang="zh-CN" altLang="en-US"/>
           </a:p>
         </p:txBody>
       </p:sp>
@@ -1443,7 +1425,6 @@
               <a:rPr lang="zh-CN" altLang="en-US"/>
               <a:t>单击此处编辑母版文本样式</a:t>
             </a:r>
-            <a:endParaRPr lang="zh-CN" altLang="en-US"/>
           </a:p>
           <a:p>
             <a:pPr lvl="1"/>
@@ -1451,7 +1432,6 @@
               <a:rPr lang="zh-CN" altLang="en-US"/>
               <a:t>第二级</a:t>
             </a:r>
-            <a:endParaRPr lang="zh-CN" altLang="en-US"/>
           </a:p>
           <a:p>
             <a:pPr lvl="2"/>
@@ -1459,7 +1439,6 @@
               <a:rPr lang="zh-CN" altLang="en-US"/>
               <a:t>第三级</a:t>
             </a:r>
-            <a:endParaRPr lang="zh-CN" altLang="en-US"/>
           </a:p>
           <a:p>
             <a:pPr lvl="3"/>
@@ -1467,7 +1446,6 @@
               <a:rPr lang="zh-CN" altLang="en-US"/>
               <a:t>第四级</a:t>
             </a:r>
-            <a:endParaRPr lang="zh-CN" altLang="en-US"/>
           </a:p>
           <a:p>
             <a:pPr lvl="4"/>
@@ -1475,7 +1453,6 @@
               <a:rPr lang="zh-CN" altLang="en-US"/>
               <a:t>第五级</a:t>
             </a:r>
-            <a:endParaRPr lang="zh-CN" altLang="en-US"/>
           </a:p>
         </p:txBody>
       </p:sp>
@@ -1541,7 +1518,6 @@
               <a:rPr lang="zh-CN" altLang="en-US"/>
               <a:t>单击此处编辑母版文本样式</a:t>
             </a:r>
-            <a:endParaRPr lang="zh-CN" altLang="en-US"/>
           </a:p>
         </p:txBody>
       </p:sp>
@@ -1570,7 +1546,6 @@
               <a:rPr lang="zh-CN" altLang="en-US"/>
               <a:t>单击此处编辑母版文本样式</a:t>
             </a:r>
-            <a:endParaRPr lang="zh-CN" altLang="en-US"/>
           </a:p>
           <a:p>
             <a:pPr lvl="1"/>
@@ -1578,7 +1553,6 @@
               <a:rPr lang="zh-CN" altLang="en-US"/>
               <a:t>第二级</a:t>
             </a:r>
-            <a:endParaRPr lang="zh-CN" altLang="en-US"/>
           </a:p>
           <a:p>
             <a:pPr lvl="2"/>
@@ -1586,7 +1560,6 @@
               <a:rPr lang="zh-CN" altLang="en-US"/>
               <a:t>第三级</a:t>
             </a:r>
-            <a:endParaRPr lang="zh-CN" altLang="en-US"/>
           </a:p>
           <a:p>
             <a:pPr lvl="3"/>
@@ -1594,7 +1567,6 @@
               <a:rPr lang="zh-CN" altLang="en-US"/>
               <a:t>第四级</a:t>
             </a:r>
-            <a:endParaRPr lang="zh-CN" altLang="en-US"/>
           </a:p>
           <a:p>
             <a:pPr lvl="4"/>
@@ -1602,7 +1574,6 @@
               <a:rPr lang="zh-CN" altLang="en-US"/>
               <a:t>第五级</a:t>
             </a:r>
-            <a:endParaRPr lang="zh-CN" altLang="en-US"/>
           </a:p>
         </p:txBody>
       </p:sp>
@@ -1623,6 +1594,7 @@
           <a:p>
             <a:fld id="{D997B5FA-0921-464F-AAE1-844C04324D75}" type="datetimeFigureOut">
               <a:rPr lang="zh-CN" altLang="en-US" smtClean="0"/>
+              <a:t>2020/10/16</a:t>
             </a:fld>
             <a:endParaRPr lang="zh-CN" altLang="en-US"/>
           </a:p>
@@ -1664,6 +1636,7 @@
           <a:p>
             <a:fld id="{565CE74E-AB26-4998-AD42-012C4C1AD076}" type="slidenum">
               <a:rPr lang="zh-CN" altLang="en-US" smtClean="0"/>
+              <a:t>‹#›</a:t>
             </a:fld>
             <a:endParaRPr lang="zh-CN" altLang="en-US"/>
           </a:p>
@@ -1714,7 +1687,6 @@
               <a:rPr lang="zh-CN" altLang="en-US"/>
               <a:t>单击此处编辑母版标题样式</a:t>
             </a:r>
-            <a:endParaRPr lang="zh-CN" altLang="en-US"/>
           </a:p>
         </p:txBody>
       </p:sp>
@@ -1735,6 +1707,7 @@
           <a:p>
             <a:fld id="{D997B5FA-0921-464F-AAE1-844C04324D75}" type="datetimeFigureOut">
               <a:rPr lang="zh-CN" altLang="en-US" smtClean="0"/>
+              <a:t>2020/10/16</a:t>
             </a:fld>
             <a:endParaRPr lang="zh-CN" altLang="en-US"/>
           </a:p>
@@ -1776,6 +1749,7 @@
           <a:p>
             <a:fld id="{565CE74E-AB26-4998-AD42-012C4C1AD076}" type="slidenum">
               <a:rPr lang="zh-CN" altLang="en-US" smtClean="0"/>
+              <a:t>‹#›</a:t>
             </a:fld>
             <a:endParaRPr lang="zh-CN" altLang="en-US"/>
           </a:p>
@@ -1824,6 +1798,7 @@
           <a:p>
             <a:fld id="{D997B5FA-0921-464F-AAE1-844C04324D75}" type="datetimeFigureOut">
               <a:rPr lang="zh-CN" altLang="en-US" smtClean="0"/>
+              <a:t>2020/10/16</a:t>
             </a:fld>
             <a:endParaRPr lang="zh-CN" altLang="en-US"/>
           </a:p>
@@ -1865,6 +1840,7 @@
           <a:p>
             <a:fld id="{565CE74E-AB26-4998-AD42-012C4C1AD076}" type="slidenum">
               <a:rPr lang="zh-CN" altLang="en-US" smtClean="0"/>
+              <a:t>‹#›</a:t>
             </a:fld>
             <a:endParaRPr lang="zh-CN" altLang="en-US"/>
           </a:p>
@@ -1924,7 +1900,6 @@
               <a:rPr lang="zh-CN" altLang="en-US"/>
               <a:t>单击此处编辑母版标题样式</a:t>
             </a:r>
-            <a:endParaRPr lang="zh-CN" altLang="en-US"/>
           </a:p>
         </p:txBody>
       </p:sp>
@@ -1981,7 +1956,6 @@
               <a:rPr lang="zh-CN" altLang="en-US"/>
               <a:t>单击此处编辑母版文本样式</a:t>
             </a:r>
-            <a:endParaRPr lang="zh-CN" altLang="en-US"/>
           </a:p>
           <a:p>
             <a:pPr lvl="1"/>
@@ -1989,7 +1963,6 @@
               <a:rPr lang="zh-CN" altLang="en-US"/>
               <a:t>第二级</a:t>
             </a:r>
-            <a:endParaRPr lang="zh-CN" altLang="en-US"/>
           </a:p>
           <a:p>
             <a:pPr lvl="2"/>
@@ -1997,7 +1970,6 @@
               <a:rPr lang="zh-CN" altLang="en-US"/>
               <a:t>第三级</a:t>
             </a:r>
-            <a:endParaRPr lang="zh-CN" altLang="en-US"/>
           </a:p>
           <a:p>
             <a:pPr lvl="3"/>
@@ -2005,7 +1977,6 @@
               <a:rPr lang="zh-CN" altLang="en-US"/>
               <a:t>第四级</a:t>
             </a:r>
-            <a:endParaRPr lang="zh-CN" altLang="en-US"/>
           </a:p>
           <a:p>
             <a:pPr lvl="4"/>
@@ -2013,7 +1984,6 @@
               <a:rPr lang="zh-CN" altLang="en-US"/>
               <a:t>第五级</a:t>
             </a:r>
-            <a:endParaRPr lang="zh-CN" altLang="en-US"/>
           </a:p>
         </p:txBody>
       </p:sp>
@@ -2079,7 +2049,6 @@
               <a:rPr lang="zh-CN" altLang="en-US"/>
               <a:t>单击此处编辑母版文本样式</a:t>
             </a:r>
-            <a:endParaRPr lang="zh-CN" altLang="en-US"/>
           </a:p>
         </p:txBody>
       </p:sp>
@@ -2100,6 +2069,7 @@
           <a:p>
             <a:fld id="{D997B5FA-0921-464F-AAE1-844C04324D75}" type="datetimeFigureOut">
               <a:rPr lang="zh-CN" altLang="en-US" smtClean="0"/>
+              <a:t>2020/10/16</a:t>
             </a:fld>
             <a:endParaRPr lang="zh-CN" altLang="en-US"/>
           </a:p>
@@ -2141,6 +2111,7 @@
           <a:p>
             <a:fld id="{565CE74E-AB26-4998-AD42-012C4C1AD076}" type="slidenum">
               <a:rPr lang="zh-CN" altLang="en-US" smtClean="0"/>
+              <a:t>‹#›</a:t>
             </a:fld>
             <a:endParaRPr lang="zh-CN" altLang="en-US"/>
           </a:p>
@@ -2200,7 +2171,6 @@
               <a:rPr lang="zh-CN" altLang="en-US"/>
               <a:t>单击此处编辑母版标题样式</a:t>
             </a:r>
-            <a:endParaRPr lang="zh-CN" altLang="en-US"/>
           </a:p>
         </p:txBody>
       </p:sp>
@@ -2327,7 +2297,6 @@
               <a:rPr lang="zh-CN" altLang="en-US"/>
               <a:t>单击此处编辑母版文本样式</a:t>
             </a:r>
-            <a:endParaRPr lang="zh-CN" altLang="en-US"/>
           </a:p>
         </p:txBody>
       </p:sp>
@@ -2348,6 +2317,7 @@
           <a:p>
             <a:fld id="{D997B5FA-0921-464F-AAE1-844C04324D75}" type="datetimeFigureOut">
               <a:rPr lang="zh-CN" altLang="en-US" smtClean="0"/>
+              <a:t>2020/10/16</a:t>
             </a:fld>
             <a:endParaRPr lang="zh-CN" altLang="en-US"/>
           </a:p>
@@ -2389,6 +2359,7 @@
           <a:p>
             <a:fld id="{565CE74E-AB26-4998-AD42-012C4C1AD076}" type="slidenum">
               <a:rPr lang="zh-CN" altLang="en-US" smtClean="0"/>
+              <a:t>‹#›</a:t>
             </a:fld>
             <a:endParaRPr lang="zh-CN" altLang="en-US"/>
           </a:p>
@@ -2462,7 +2433,6 @@
               <a:rPr lang="zh-CN" altLang="en-US"/>
               <a:t>单击此处编辑母版标题样式</a:t>
             </a:r>
-            <a:endParaRPr lang="zh-CN" altLang="en-US"/>
           </a:p>
         </p:txBody>
       </p:sp>
@@ -2498,7 +2468,6 @@
               <a:rPr lang="zh-CN" altLang="en-US"/>
               <a:t>单击此处编辑母版文本样式</a:t>
             </a:r>
-            <a:endParaRPr lang="zh-CN" altLang="en-US"/>
           </a:p>
           <a:p>
             <a:pPr lvl="1"/>
@@ -2506,7 +2475,6 @@
               <a:rPr lang="zh-CN" altLang="en-US"/>
               <a:t>第二级</a:t>
             </a:r>
-            <a:endParaRPr lang="zh-CN" altLang="en-US"/>
           </a:p>
           <a:p>
             <a:pPr lvl="2"/>
@@ -2514,7 +2482,6 @@
               <a:rPr lang="zh-CN" altLang="en-US"/>
               <a:t>第三级</a:t>
             </a:r>
-            <a:endParaRPr lang="zh-CN" altLang="en-US"/>
           </a:p>
           <a:p>
             <a:pPr lvl="3"/>
@@ -2522,7 +2489,6 @@
               <a:rPr lang="zh-CN" altLang="en-US"/>
               <a:t>第四级</a:t>
             </a:r>
-            <a:endParaRPr lang="zh-CN" altLang="en-US"/>
           </a:p>
           <a:p>
             <a:pPr lvl="4"/>
@@ -2530,7 +2496,6 @@
               <a:rPr lang="zh-CN" altLang="en-US"/>
               <a:t>第五级</a:t>
             </a:r>
-            <a:endParaRPr lang="zh-CN" altLang="en-US"/>
           </a:p>
         </p:txBody>
       </p:sp>
@@ -2567,6 +2532,7 @@
           <a:p>
             <a:fld id="{D997B5FA-0921-464F-AAE1-844C04324D75}" type="datetimeFigureOut">
               <a:rPr lang="zh-CN" altLang="en-US" smtClean="0"/>
+              <a:t>2020/10/16</a:t>
             </a:fld>
             <a:endParaRPr lang="zh-CN" altLang="en-US"/>
           </a:p>
@@ -2640,6 +2606,7 @@
           <a:p>
             <a:fld id="{565CE74E-AB26-4998-AD42-012C4C1AD076}" type="slidenum">
               <a:rPr lang="zh-CN" altLang="en-US" smtClean="0"/>
+              <a:t>‹#›</a:t>
             </a:fld>
             <a:endParaRPr lang="zh-CN" altLang="en-US"/>
           </a:p>
@@ -3178,13 +3145,6 @@
               </a:rPr>
               <a:t>前端分享会</a:t>
             </a:r>
-            <a:endParaRPr lang="zh-CN" altLang="en-US" sz="3600" dirty="0">
-              <a:solidFill>
-                <a:schemeClr val="bg1"/>
-              </a:solidFill>
-              <a:latin typeface="微软雅黑" panose="020B0503020204020204" pitchFamily="34" charset="-122"/>
-              <a:ea typeface="微软雅黑" panose="020B0503020204020204" pitchFamily="34" charset="-122"/>
-            </a:endParaRPr>
           </a:p>
         </p:txBody>
       </p:sp>
@@ -3221,13 +3181,6 @@
               </a:rPr>
               <a:t>微前端</a:t>
             </a:r>
-            <a:endParaRPr lang="zh-CN" altLang="en-US" sz="6600" b="1" dirty="0">
-              <a:solidFill>
-                <a:schemeClr val="bg1"/>
-              </a:solidFill>
-              <a:latin typeface="微软雅黑" panose="020B0503020204020204" pitchFamily="34" charset="-122"/>
-              <a:ea typeface="微软雅黑" panose="020B0503020204020204" pitchFamily="34" charset="-122"/>
-            </a:endParaRPr>
           </a:p>
         </p:txBody>
       </p:sp>
@@ -3263,13 +3216,6 @@
               </a:rPr>
               <a:t>研发一部 健康管理组 李浩</a:t>
             </a:r>
-            <a:endParaRPr lang="zh-CN" altLang="en-US" sz="1400" dirty="0">
-              <a:solidFill>
-                <a:schemeClr val="bg1"/>
-              </a:solidFill>
-              <a:latin typeface="微软雅黑 Light" panose="020B0502040204020203" pitchFamily="34" charset="-122"/>
-              <a:ea typeface="微软雅黑 Light" panose="020B0502040204020203" pitchFamily="34" charset="-122"/>
-            </a:endParaRPr>
           </a:p>
         </p:txBody>
       </p:sp>
@@ -3376,13 +3322,6 @@
               </a:rPr>
               <a:t>主项目</a:t>
             </a:r>
-            <a:endParaRPr lang="zh-CN" altLang="en-US" sz="1600">
-              <a:solidFill>
-                <a:schemeClr val="bg1"/>
-              </a:solidFill>
-              <a:latin typeface="微软雅黑" panose="020B0503020204020204" pitchFamily="34" charset="-122"/>
-              <a:ea typeface="微软雅黑" panose="020B0503020204020204" pitchFamily="34" charset="-122"/>
-            </a:endParaRPr>
           </a:p>
         </p:txBody>
       </p:sp>
@@ -3538,10 +3477,6 @@
               </a:rPr>
               <a:t>机构养老</a:t>
             </a:r>
-            <a:endParaRPr lang="zh-CN" altLang="en-US" dirty="0">
-              <a:latin typeface="微软雅黑" panose="020B0503020204020204" pitchFamily="34" charset="-122"/>
-              <a:ea typeface="微软雅黑" panose="020B0503020204020204" pitchFamily="34" charset="-122"/>
-            </a:endParaRPr>
           </a:p>
         </p:txBody>
       </p:sp>
@@ -3591,10 +3526,6 @@
               </a:rPr>
               <a:t>健康档案</a:t>
             </a:r>
-            <a:endParaRPr lang="zh-CN" altLang="en-US">
-              <a:latin typeface="微软雅黑" panose="020B0503020204020204" pitchFamily="34" charset="-122"/>
-              <a:ea typeface="微软雅黑" panose="020B0503020204020204" pitchFamily="34" charset="-122"/>
-            </a:endParaRPr>
           </a:p>
         </p:txBody>
       </p:sp>
@@ -3644,10 +3575,6 @@
               </a:rPr>
               <a:t>社区居家</a:t>
             </a:r>
-            <a:endParaRPr lang="zh-CN" altLang="en-US" dirty="0">
-              <a:latin typeface="微软雅黑" panose="020B0503020204020204" pitchFamily="34" charset="-122"/>
-              <a:ea typeface="微软雅黑" panose="020B0503020204020204" pitchFamily="34" charset="-122"/>
-            </a:endParaRPr>
           </a:p>
         </p:txBody>
       </p:sp>
@@ -3844,10 +3771,6 @@
               </a:rPr>
               <a:t>慢病管理</a:t>
             </a:r>
-            <a:endParaRPr lang="zh-CN" altLang="en-US">
-              <a:latin typeface="微软雅黑" panose="020B0503020204020204" pitchFamily="34" charset="-122"/>
-              <a:ea typeface="微软雅黑" panose="020B0503020204020204" pitchFamily="34" charset="-122"/>
-            </a:endParaRPr>
           </a:p>
         </p:txBody>
       </p:sp>
@@ -3928,10 +3851,6 @@
               </a:rPr>
               <a:t>心理云</a:t>
             </a:r>
-            <a:endParaRPr lang="zh-CN" altLang="en-US" dirty="0">
-              <a:latin typeface="微软雅黑" panose="020B0503020204020204" pitchFamily="34" charset="-122"/>
-              <a:ea typeface="微软雅黑" panose="020B0503020204020204" pitchFamily="34" charset="-122"/>
-            </a:endParaRPr>
           </a:p>
         </p:txBody>
       </p:sp>
@@ -3976,10 +3895,6 @@
               </a:rPr>
               <a:t>舌诊</a:t>
             </a:r>
-            <a:endParaRPr lang="zh-CN" altLang="en-US" dirty="0">
-              <a:latin typeface="微软雅黑" panose="020B0503020204020204" pitchFamily="34" charset="-122"/>
-              <a:ea typeface="微软雅黑" panose="020B0503020204020204" pitchFamily="34" charset="-122"/>
-            </a:endParaRPr>
           </a:p>
         </p:txBody>
       </p:sp>
@@ -4083,13 +3998,6 @@
               </a:rPr>
               <a:t>子应用</a:t>
             </a:r>
-            <a:endParaRPr lang="zh-CN" altLang="en-US" sz="1600">
-              <a:solidFill>
-                <a:schemeClr val="bg1"/>
-              </a:solidFill>
-              <a:latin typeface="微软雅黑" panose="020B0503020204020204" pitchFamily="34" charset="-122"/>
-              <a:ea typeface="微软雅黑" panose="020B0503020204020204" pitchFamily="34" charset="-122"/>
-            </a:endParaRPr>
           </a:p>
         </p:txBody>
       </p:sp>
@@ -4125,13 +4033,6 @@
               </a:rPr>
               <a:t>子应用</a:t>
             </a:r>
-            <a:endParaRPr lang="zh-CN" altLang="en-US" sz="1200">
-              <a:solidFill>
-                <a:schemeClr val="bg1"/>
-              </a:solidFill>
-              <a:latin typeface="微软雅黑" panose="020B0503020204020204" pitchFamily="34" charset="-122"/>
-              <a:ea typeface="微软雅黑" panose="020B0503020204020204" pitchFamily="34" charset="-122"/>
-            </a:endParaRPr>
           </a:p>
         </p:txBody>
       </p:sp>
@@ -4167,13 +4068,6 @@
               </a:rPr>
               <a:t>子应用</a:t>
             </a:r>
-            <a:endParaRPr lang="zh-CN" altLang="en-US" sz="1200">
-              <a:solidFill>
-                <a:schemeClr val="bg1"/>
-              </a:solidFill>
-              <a:latin typeface="微软雅黑" panose="020B0503020204020204" pitchFamily="34" charset="-122"/>
-              <a:ea typeface="微软雅黑" panose="020B0503020204020204" pitchFamily="34" charset="-122"/>
-            </a:endParaRPr>
           </a:p>
         </p:txBody>
       </p:sp>
@@ -5676,13 +5570,6 @@
               </a:rPr>
               <a:t>微前端特点</a:t>
             </a:r>
-            <a:endParaRPr lang="zh-CN" altLang="en-US" sz="3200" dirty="0">
-              <a:solidFill>
-                <a:schemeClr val="bg1"/>
-              </a:solidFill>
-              <a:latin typeface="微软雅黑" panose="020B0503020204020204" pitchFamily="34" charset="-122"/>
-              <a:ea typeface="微软雅黑" panose="020B0503020204020204" pitchFamily="34" charset="-122"/>
-            </a:endParaRPr>
           </a:p>
         </p:txBody>
       </p:sp>
@@ -5716,13 +5603,6 @@
               </a:rPr>
               <a:t>单个前端部分可独立开发、测试和部署</a:t>
             </a:r>
-            <a:endParaRPr lang="zh-CN" altLang="en-US" dirty="0">
-              <a:solidFill>
-                <a:schemeClr val="bg1"/>
-              </a:solidFill>
-              <a:latin typeface="微软雅黑" panose="020B0503020204020204" pitchFamily="34" charset="-122"/>
-              <a:ea typeface="微软雅黑" panose="020B0503020204020204" pitchFamily="34" charset="-122"/>
-            </a:endParaRPr>
           </a:p>
           <a:p>
             <a:pPr>
@@ -5764,13 +5644,6 @@
               </a:rPr>
               <a:t>不同的前端部分可使用不同的技术构建</a:t>
             </a:r>
-            <a:endParaRPr lang="zh-CN" altLang="en-US" dirty="0">
-              <a:solidFill>
-                <a:schemeClr val="bg1"/>
-              </a:solidFill>
-              <a:latin typeface="微软雅黑" panose="020B0503020204020204" pitchFamily="34" charset="-122"/>
-              <a:ea typeface="微软雅黑" panose="020B0503020204020204" pitchFamily="34" charset="-122"/>
-            </a:endParaRPr>
           </a:p>
         </p:txBody>
       </p:sp>
@@ -6294,7 +6167,7 @@
           <p:nvPr/>
         </p:nvPicPr>
         <p:blipFill>
-          <a:blip r:embed="rId1"/>
+          <a:blip r:embed="rId2"/>
           <a:stretch>
             <a:fillRect/>
           </a:stretch>
@@ -6342,13 +6215,6 @@
               </a:rPr>
               <a:t>参考资料：Florian Rappl</a:t>
             </a:r>
-            <a:endParaRPr lang="zh-CN" altLang="en-US" sz="1200" dirty="0">
-              <a:solidFill>
-                <a:schemeClr val="bg1"/>
-              </a:solidFill>
-              <a:latin typeface="微软雅黑" panose="020B0503020204020204" pitchFamily="34" charset="-122"/>
-              <a:ea typeface="微软雅黑" panose="020B0503020204020204" pitchFamily="34" charset="-122"/>
-            </a:endParaRPr>
           </a:p>
         </p:txBody>
       </p:sp>
@@ -6635,13 +6501,6 @@
               </a:rPr>
               <a:t>使用微前端需要解决的主要问题以及解决方案</a:t>
             </a:r>
-            <a:endParaRPr lang="zh-CN" altLang="en-US" sz="4800" dirty="0">
-              <a:solidFill>
-                <a:schemeClr val="bg1"/>
-              </a:solidFill>
-              <a:latin typeface="微软雅黑" panose="020B0503020204020204" pitchFamily="34" charset="-122"/>
-              <a:ea typeface="微软雅黑" panose="020B0503020204020204" pitchFamily="34" charset="-122"/>
-            </a:endParaRPr>
           </a:p>
         </p:txBody>
       </p:sp>
@@ -6835,13 +6694,6 @@
               </a:rPr>
               <a:t>核心：技术栈无关</a:t>
             </a:r>
-            <a:endParaRPr lang="zh-CN" altLang="en-US" sz="3600" dirty="0">
-              <a:solidFill>
-                <a:schemeClr val="bg1"/>
-              </a:solidFill>
-              <a:latin typeface="微软雅黑" panose="020B0503020204020204" pitchFamily="34" charset="-122"/>
-              <a:ea typeface="微软雅黑" panose="020B0503020204020204" pitchFamily="34" charset="-122"/>
-            </a:endParaRPr>
           </a:p>
         </p:txBody>
       </p:sp>
@@ -6908,13 +6760,6 @@
               </a:rPr>
               <a:t>向前兼容：可接入新技术、面向未来</a:t>
             </a:r>
-            <a:endParaRPr lang="zh-CN" altLang="en-US" dirty="0">
-              <a:solidFill>
-                <a:schemeClr val="bg1"/>
-              </a:solidFill>
-              <a:latin typeface="微软雅黑" panose="020B0503020204020204" pitchFamily="34" charset="-122"/>
-              <a:ea typeface="微软雅黑" panose="020B0503020204020204" pitchFamily="34" charset="-122"/>
-            </a:endParaRPr>
           </a:p>
         </p:txBody>
       </p:sp>
@@ -7513,7 +7358,6 @@
               <a:rPr lang="en-US" altLang="zh-CN" dirty="0"/>
               <a:t>Vue</a:t>
             </a:r>
-            <a:endParaRPr lang="en-US" altLang="zh-CN" dirty="0"/>
           </a:p>
           <a:p>
             <a:pPr algn="ctr"/>
@@ -7596,7 +7440,6 @@
               <a:rPr lang="en-US" altLang="zh-CN" dirty="0"/>
               <a:t>React</a:t>
             </a:r>
-            <a:endParaRPr lang="en-US" altLang="zh-CN" dirty="0"/>
           </a:p>
           <a:p>
             <a:pPr algn="ctr"/>
@@ -7608,7 +7451,6 @@
               <a:rPr lang="en-US" altLang="zh-CN" dirty="0"/>
               <a:t>Webpack@4</a:t>
             </a:r>
-            <a:endParaRPr lang="en-US" altLang="zh-CN" dirty="0"/>
           </a:p>
           <a:p>
             <a:pPr algn="ctr"/>
@@ -7616,7 +7458,6 @@
               <a:rPr lang="en-US" altLang="zh-CN" dirty="0"/>
               <a:t>CSS Modules</a:t>
             </a:r>
-            <a:endParaRPr lang="en-US" altLang="zh-CN" dirty="0"/>
           </a:p>
           <a:p>
             <a:pPr algn="ctr"/>
@@ -7624,7 +7465,6 @@
               <a:rPr lang="en-US" altLang="zh-CN" dirty="0"/>
               <a:t>JSX</a:t>
             </a:r>
-            <a:endParaRPr lang="en-US" altLang="zh-CN" dirty="0"/>
           </a:p>
           <a:p>
             <a:pPr algn="ctr"/>
@@ -7632,7 +7472,6 @@
               <a:rPr lang="en-US" altLang="zh-CN" dirty="0"/>
               <a:t>React@16</a:t>
             </a:r>
-            <a:endParaRPr lang="en-US" altLang="zh-CN" dirty="0"/>
           </a:p>
         </p:txBody>
       </p:sp>
@@ -7682,7 +7521,6 @@
               <a:rPr lang="en-US" altLang="zh-CN" dirty="0"/>
               <a:t>Angular</a:t>
             </a:r>
-            <a:endParaRPr lang="en-US" altLang="zh-CN" dirty="0"/>
           </a:p>
           <a:p>
             <a:pPr algn="ctr"/>
@@ -7694,7 +7532,6 @@
               <a:rPr lang="en-US" altLang="zh-CN" dirty="0"/>
               <a:t>Rx.js</a:t>
             </a:r>
-            <a:endParaRPr lang="en-US" altLang="zh-CN" dirty="0"/>
           </a:p>
           <a:p>
             <a:pPr algn="ctr"/>
@@ -7702,7 +7539,6 @@
               <a:rPr lang="en-US" altLang="zh-CN" dirty="0"/>
               <a:t>CSS</a:t>
             </a:r>
-            <a:endParaRPr lang="en-US" altLang="zh-CN" dirty="0"/>
           </a:p>
           <a:p>
             <a:pPr algn="ctr"/>
@@ -7710,7 +7546,6 @@
               <a:rPr lang="en-US" altLang="zh-CN" dirty="0"/>
               <a:t>angular@6</a:t>
             </a:r>
-            <a:endParaRPr lang="en-US" altLang="zh-CN" dirty="0"/>
           </a:p>
         </p:txBody>
       </p:sp>
@@ -7766,13 +7601,6 @@
               </a:rPr>
               <a:t>（作为主应用）</a:t>
             </a:r>
-            <a:endParaRPr lang="zh-CN" altLang="en-US" sz="1600" b="1">
-              <a:solidFill>
-                <a:schemeClr val="bg1"/>
-              </a:solidFill>
-              <a:latin typeface="微软雅黑" panose="020B0503020204020204" pitchFamily="34" charset="-122"/>
-              <a:ea typeface="微软雅黑" panose="020B0503020204020204" pitchFamily="34" charset="-122"/>
-            </a:endParaRPr>
           </a:p>
         </p:txBody>
       </p:sp>
@@ -7818,13 +7646,6 @@
               </a:rPr>
               <a:t>C</a:t>
             </a:r>
-            <a:endParaRPr lang="en-US" altLang="zh-CN" sz="1600" b="1">
-              <a:solidFill>
-                <a:schemeClr val="bg1"/>
-              </a:solidFill>
-              <a:latin typeface="微软雅黑" panose="020B0503020204020204" pitchFamily="34" charset="-122"/>
-              <a:ea typeface="微软雅黑" panose="020B0503020204020204" pitchFamily="34" charset="-122"/>
-            </a:endParaRPr>
           </a:p>
         </p:txBody>
       </p:sp>
@@ -7870,13 +7691,6 @@
               </a:rPr>
               <a:t>B</a:t>
             </a:r>
-            <a:endParaRPr lang="en-US" altLang="zh-CN" sz="1600" b="1">
-              <a:solidFill>
-                <a:schemeClr val="bg1"/>
-              </a:solidFill>
-              <a:latin typeface="微软雅黑" panose="020B0503020204020204" pitchFamily="34" charset="-122"/>
-              <a:ea typeface="微软雅黑" panose="020B0503020204020204" pitchFamily="34" charset="-122"/>
-            </a:endParaRPr>
           </a:p>
         </p:txBody>
       </p:sp>
@@ -7938,13 +7752,6 @@
               </a:rPr>
               <a:t>其他关键问题</a:t>
             </a:r>
-            <a:endParaRPr lang="zh-CN" altLang="en-US" sz="3600" dirty="0">
-              <a:solidFill>
-                <a:schemeClr val="bg1"/>
-              </a:solidFill>
-              <a:latin typeface="微软雅黑" panose="020B0503020204020204" pitchFamily="34" charset="-122"/>
-              <a:ea typeface="微软雅黑" panose="020B0503020204020204" pitchFamily="34" charset="-122"/>
-            </a:endParaRPr>
           </a:p>
         </p:txBody>
       </p:sp>
@@ -8093,13 +7900,6 @@
               </a:rPr>
               <a:t>父子、子子应用的通讯</a:t>
             </a:r>
-            <a:endParaRPr lang="zh-CN" altLang="en-US" dirty="0">
-              <a:solidFill>
-                <a:schemeClr val="bg1"/>
-              </a:solidFill>
-              <a:latin typeface="微软雅黑" panose="020B0503020204020204" pitchFamily="34" charset="-122"/>
-              <a:ea typeface="微软雅黑" panose="020B0503020204020204" pitchFamily="34" charset="-122"/>
-            </a:endParaRPr>
           </a:p>
         </p:txBody>
       </p:sp>
@@ -8984,13 +8784,6 @@
               </a:rPr>
               <a:t>解决方案</a:t>
             </a:r>
-            <a:endParaRPr lang="zh-CN" altLang="en-US" sz="3600" dirty="0">
-              <a:solidFill>
-                <a:schemeClr val="bg1"/>
-              </a:solidFill>
-              <a:latin typeface="微软雅黑" panose="020B0503020204020204" pitchFamily="34" charset="-122"/>
-              <a:ea typeface="微软雅黑" panose="020B0503020204020204" pitchFamily="34" charset="-122"/>
-            </a:endParaRPr>
           </a:p>
         </p:txBody>
       </p:sp>
@@ -9028,13 +8821,6 @@
               </a:rPr>
               <a:t>· iframe</a:t>
             </a:r>
-            <a:endParaRPr lang="en-US" altLang="zh-CN" sz="1600" b="1" dirty="0">
-              <a:solidFill>
-                <a:schemeClr val="bg1"/>
-              </a:solidFill>
-              <a:latin typeface="微软雅黑" panose="020B0503020204020204" pitchFamily="34" charset="-122"/>
-              <a:ea typeface="微软雅黑" panose="020B0503020204020204" pitchFamily="34" charset="-122"/>
-            </a:endParaRPr>
           </a:p>
           <a:p>
             <a:pPr marL="71755" indent="0">
@@ -9192,13 +8978,6 @@
               </a:rPr>
               <a:t>· single-spa</a:t>
             </a:r>
-            <a:endParaRPr lang="en-US" altLang="zh-CN" sz="1600" b="1" dirty="0">
-              <a:solidFill>
-                <a:schemeClr val="bg1"/>
-              </a:solidFill>
-              <a:latin typeface="微软雅黑" panose="020B0503020204020204" pitchFamily="34" charset="-122"/>
-              <a:ea typeface="微软雅黑" panose="020B0503020204020204" pitchFamily="34" charset="-122"/>
-            </a:endParaRPr>
           </a:p>
           <a:p>
             <a:pPr marL="71755" indent="0">
@@ -9258,7 +9037,35 @@
                 <a:latin typeface="微软雅黑" panose="020B0503020204020204" pitchFamily="34" charset="-122"/>
                 <a:ea typeface="微软雅黑" panose="020B0503020204020204" pitchFamily="34" charset="-122"/>
               </a:rPr>
-              <a:t>在微应用接入主应用时比较繁琐，同时框架本身不提供样式和</a:t>
+              <a:t>在微应用接入主应用时比较繁琐，入门门槛较高，</a:t>
+            </a:r>
+            <a:endParaRPr lang="en-US" altLang="zh-CN" sz="1400" dirty="0">
+              <a:solidFill>
+                <a:schemeClr val="bg1"/>
+              </a:solidFill>
+              <a:latin typeface="微软雅黑" panose="020B0503020204020204" pitchFamily="34" charset="-122"/>
+              <a:ea typeface="微软雅黑" panose="020B0503020204020204" pitchFamily="34" charset="-122"/>
+            </a:endParaRPr>
+          </a:p>
+          <a:p>
+            <a:pPr marL="71755" indent="0">
+              <a:lnSpc>
+                <a:spcPts val="2000"/>
+              </a:lnSpc>
+              <a:spcBef>
+                <a:spcPts val="1200"/>
+              </a:spcBef>
+              <a:buNone/>
+            </a:pPr>
+            <a:r>
+              <a:rPr lang="zh-CN" altLang="en-US" sz="1400" dirty="0">
+                <a:solidFill>
+                  <a:schemeClr val="bg1"/>
+                </a:solidFill>
+                <a:latin typeface="微软雅黑" panose="020B0503020204020204" pitchFamily="34" charset="-122"/>
+                <a:ea typeface="微软雅黑" panose="020B0503020204020204" pitchFamily="34" charset="-122"/>
+              </a:rPr>
+              <a:t>同时框架本身不提供样式和</a:t>
             </a:r>
             <a:r>
               <a:rPr lang="en-US" altLang="zh-CN" sz="1400" dirty="0">
@@ -9996,6 +9803,103 @@
                                   </p:childTnLst>
                                 </p:cTn>
                               </p:par>
+                              <p:par>
+                                <p:cTn id="34" presetID="42" presetClass="entr" presetSubtype="0" fill="hold" nodeType="withEffect">
+                                  <p:stCondLst>
+                                    <p:cond delay="0"/>
+                                  </p:stCondLst>
+                                  <p:childTnLst>
+                                    <p:set>
+                                      <p:cBhvr>
+                                        <p:cTn id="35" dur="1" fill="hold">
+                                          <p:stCondLst>
+                                            <p:cond delay="0"/>
+                                          </p:stCondLst>
+                                        </p:cTn>
+                                        <p:tgtEl>
+                                          <p:spTgt spid="3">
+                                            <p:txEl>
+                                              <p:pRg st="5" end="5"/>
+                                            </p:txEl>
+                                          </p:spTgt>
+                                        </p:tgtEl>
+                                        <p:attrNameLst>
+                                          <p:attrName>style.visibility</p:attrName>
+                                        </p:attrNameLst>
+                                      </p:cBhvr>
+                                      <p:to>
+                                        <p:strVal val="visible"/>
+                                      </p:to>
+                                    </p:set>
+                                    <p:animEffect transition="in" filter="fade">
+                                      <p:cBhvr>
+                                        <p:cTn id="36" dur="1000"/>
+                                        <p:tgtEl>
+                                          <p:spTgt spid="3">
+                                            <p:txEl>
+                                              <p:pRg st="5" end="5"/>
+                                            </p:txEl>
+                                          </p:spTgt>
+                                        </p:tgtEl>
+                                      </p:cBhvr>
+                                    </p:animEffect>
+                                    <p:anim calcmode="lin" valueType="num">
+                                      <p:cBhvr>
+                                        <p:cTn id="37" dur="1000" fill="hold"/>
+                                        <p:tgtEl>
+                                          <p:spTgt spid="3">
+                                            <p:txEl>
+                                              <p:pRg st="5" end="5"/>
+                                            </p:txEl>
+                                          </p:spTgt>
+                                        </p:tgtEl>
+                                        <p:attrNameLst>
+                                          <p:attrName>ppt_x</p:attrName>
+                                        </p:attrNameLst>
+                                      </p:cBhvr>
+                                      <p:tavLst>
+                                        <p:tav tm="0">
+                                          <p:val>
+                                            <p:strVal val="#ppt_x"/>
+                                          </p:val>
+                                        </p:tav>
+                                        <p:tav tm="100000">
+                                          <p:val>
+                                            <p:strVal val="#ppt_x"/>
+                                          </p:val>
+                                        </p:tav>
+                                      </p:tavLst>
+                                    </p:anim>
+                                    <p:anim calcmode="lin" valueType="num">
+                                      <p:cBhvr>
+                                        <p:cTn id="38" dur="1000" fill="hold"/>
+                                        <p:tgtEl>
+                                          <p:spTgt spid="3">
+                                            <p:txEl>
+                                              <p:pRg st="5" end="5"/>
+                                            </p:txEl>
+                                          </p:spTgt>
+                                        </p:tgtEl>
+                                        <p:attrNameLst>
+                                          <p:attrName>ppt_y</p:attrName>
+                                        </p:attrNameLst>
+                                      </p:cBhvr>
+                                      <p:tavLst>
+                                        <p:tav tm="0">
+                                          <p:val>
+                                            <p:strVal val="#ppt_y+.1"/>
+                                          </p:val>
+                                        </p:tav>
+                                        <p:tav tm="100000">
+                                          <p:val>
+                                            <p:strVal val="#ppt_y"/>
+                                          </p:val>
+                                        </p:tav>
+                                      </p:tavLst>
+                                    </p:anim>
+                                  </p:childTnLst>
+                                </p:cTn>
+                              </p:par>
                             </p:childTnLst>
                           </p:cTn>
                         </p:par>
@@ -10003,26 +9907,26 @@
                     </p:cTn>
                   </p:par>
                   <p:par>
-                    <p:cTn id="34" fill="hold">
+                    <p:cTn id="39" fill="hold">
                       <p:stCondLst>
                         <p:cond delay="indefinite"/>
                       </p:stCondLst>
                       <p:childTnLst>
                         <p:par>
-                          <p:cTn id="35" fill="hold">
+                          <p:cTn id="40" fill="hold">
                             <p:stCondLst>
                               <p:cond delay="0"/>
                             </p:stCondLst>
                             <p:childTnLst>
                               <p:par>
-                                <p:cTn id="36" presetID="42" presetClass="entr" presetSubtype="0" fill="hold" nodeType="clickEffect">
+                                <p:cTn id="41" presetID="42" presetClass="entr" presetSubtype="0" fill="hold" nodeType="clickEffect">
                                   <p:stCondLst>
                                     <p:cond delay="0"/>
                                   </p:stCondLst>
                                   <p:childTnLst>
                                     <p:set>
                                       <p:cBhvr>
-                                        <p:cTn id="37" dur="1" fill="hold">
+                                        <p:cTn id="42" dur="1" fill="hold">
                                           <p:stCondLst>
                                             <p:cond delay="0"/>
                                           </p:stCondLst>
@@ -10030,7 +9934,7 @@
                                         <p:tgtEl>
                                           <p:spTgt spid="3">
                                             <p:txEl>
-                                              <p:pRg st="6" end="6"/>
+                                              <p:pRg st="7" end="7"/>
                                             </p:txEl>
                                           </p:spTgt>
                                         </p:tgtEl>
@@ -10044,11 +9948,11 @@
                                     </p:set>
                                     <p:animEffect transition="in" filter="fade">
                                       <p:cBhvr>
-                                        <p:cTn id="38" dur="1000"/>
+                                        <p:cTn id="43" dur="1000"/>
                                         <p:tgtEl>
                                           <p:spTgt spid="3">
                                             <p:txEl>
-                                              <p:pRg st="6" end="6"/>
+                                              <p:pRg st="7" end="7"/>
                                             </p:txEl>
                                           </p:spTgt>
                                         </p:tgtEl>
@@ -10056,11 +9960,11 @@
                                     </p:animEffect>
                                     <p:anim calcmode="lin" valueType="num">
                                       <p:cBhvr>
-                                        <p:cTn id="39" dur="1000" fill="hold"/>
+                                        <p:cTn id="44" dur="1000" fill="hold"/>
                                         <p:tgtEl>
                                           <p:spTgt spid="3">
                                             <p:txEl>
-                                              <p:pRg st="6" end="6"/>
+                                              <p:pRg st="7" end="7"/>
                                             </p:txEl>
                                           </p:spTgt>
                                         </p:tgtEl>
@@ -10083,11 +9987,11 @@
                                     </p:anim>
                                     <p:anim calcmode="lin" valueType="num">
                                       <p:cBhvr>
-                                        <p:cTn id="40" dur="1000" fill="hold"/>
+                                        <p:cTn id="45" dur="1000" fill="hold"/>
                                         <p:tgtEl>
                                           <p:spTgt spid="3">
                                             <p:txEl>
-                                              <p:pRg st="6" end="6"/>
+                                              <p:pRg st="7" end="7"/>
                                             </p:txEl>
                                           </p:spTgt>
                                         </p:tgtEl>
@@ -10112,14 +10016,14 @@
                                 </p:cTn>
                               </p:par>
                               <p:par>
-                                <p:cTn id="41" presetID="42" presetClass="entr" presetSubtype="0" fill="hold" nodeType="withEffect">
+                                <p:cTn id="46" presetID="42" presetClass="entr" presetSubtype="0" fill="hold" nodeType="withEffect">
                                   <p:stCondLst>
                                     <p:cond delay="0"/>
                                   </p:stCondLst>
                                   <p:childTnLst>
                                     <p:set>
                                       <p:cBhvr>
-                                        <p:cTn id="42" dur="1" fill="hold">
+                                        <p:cTn id="47" dur="1" fill="hold">
                                           <p:stCondLst>
                                             <p:cond delay="0"/>
                                           </p:stCondLst>
@@ -10127,7 +10031,7 @@
                                         <p:tgtEl>
                                           <p:spTgt spid="3">
                                             <p:txEl>
-                                              <p:pRg st="7" end="7"/>
+                                              <p:pRg st="8" end="8"/>
                                             </p:txEl>
                                           </p:spTgt>
                                         </p:tgtEl>
@@ -10141,11 +10045,11 @@
                                     </p:set>
                                     <p:animEffect transition="in" filter="fade">
                                       <p:cBhvr>
-                                        <p:cTn id="43" dur="1000"/>
+                                        <p:cTn id="48" dur="1000"/>
                                         <p:tgtEl>
                                           <p:spTgt spid="3">
                                             <p:txEl>
-                                              <p:pRg st="7" end="7"/>
+                                              <p:pRg st="8" end="8"/>
                                             </p:txEl>
                                           </p:spTgt>
                                         </p:tgtEl>
@@ -10153,11 +10057,11 @@
                                     </p:animEffect>
                                     <p:anim calcmode="lin" valueType="num">
                                       <p:cBhvr>
-                                        <p:cTn id="44" dur="1000" fill="hold"/>
+                                        <p:cTn id="49" dur="1000" fill="hold"/>
                                         <p:tgtEl>
                                           <p:spTgt spid="3">
                                             <p:txEl>
-                                              <p:pRg st="7" end="7"/>
+                                              <p:pRg st="8" end="8"/>
                                             </p:txEl>
                                           </p:spTgt>
                                         </p:tgtEl>
@@ -10180,11 +10084,11 @@
                                     </p:anim>
                                     <p:anim calcmode="lin" valueType="num">
                                       <p:cBhvr>
-                                        <p:cTn id="45" dur="1000" fill="hold"/>
+                                        <p:cTn id="50" dur="1000" fill="hold"/>
                                         <p:tgtEl>
                                           <p:spTgt spid="3">
                                             <p:txEl>
-                                              <p:pRg st="7" end="7"/>
+                                              <p:pRg st="8" end="8"/>
                                             </p:txEl>
                                           </p:spTgt>
                                         </p:tgtEl>
@@ -10316,10 +10220,6 @@
               </a:rPr>
               <a:t>主应用</a:t>
             </a:r>
-            <a:endParaRPr lang="zh-CN" altLang="en-US">
-              <a:latin typeface="微软雅黑" panose="020B0503020204020204" pitchFamily="34" charset="-122"/>
-              <a:ea typeface="微软雅黑" panose="020B0503020204020204" pitchFamily="34" charset="-122"/>
-            </a:endParaRPr>
           </a:p>
         </p:txBody>
       </p:sp>
@@ -10424,13 +10324,6 @@
               </a:rPr>
               <a:t>/proj-1/*</a:t>
             </a:r>
-            <a:endParaRPr lang="en-US" altLang="zh-CN" sz="1600">
-              <a:solidFill>
-                <a:schemeClr val="bg1"/>
-              </a:solidFill>
-              <a:latin typeface="微软雅黑" panose="020B0503020204020204" pitchFamily="34" charset="-122"/>
-              <a:ea typeface="微软雅黑" panose="020B0503020204020204" pitchFamily="34" charset="-122"/>
-            </a:endParaRPr>
           </a:p>
         </p:txBody>
       </p:sp>
@@ -10466,13 +10359,6 @@
               </a:rPr>
               <a:t>/proj-2/*</a:t>
             </a:r>
-            <a:endParaRPr lang="en-US" altLang="zh-CN" sz="1600">
-              <a:solidFill>
-                <a:schemeClr val="bg1"/>
-              </a:solidFill>
-              <a:latin typeface="微软雅黑" panose="020B0503020204020204" pitchFamily="34" charset="-122"/>
-              <a:ea typeface="微软雅黑" panose="020B0503020204020204" pitchFamily="34" charset="-122"/>
-            </a:endParaRPr>
           </a:p>
         </p:txBody>
       </p:sp>
@@ -10628,10 +10514,6 @@
               </a:rPr>
               <a:t>1</a:t>
             </a:r>
-            <a:endParaRPr lang="en-US" altLang="zh-CN">
-              <a:latin typeface="微软雅黑" panose="020B0503020204020204" pitchFamily="34" charset="-122"/>
-              <a:ea typeface="微软雅黑" panose="020B0503020204020204" pitchFamily="34" charset="-122"/>
-            </a:endParaRPr>
           </a:p>
         </p:txBody>
       </p:sp>
@@ -10691,10 +10573,6 @@
               </a:rPr>
               <a:t>2</a:t>
             </a:r>
-            <a:endParaRPr lang="en-US" altLang="zh-CN">
-              <a:latin typeface="微软雅黑" panose="020B0503020204020204" pitchFamily="34" charset="-122"/>
-              <a:ea typeface="微软雅黑" panose="020B0503020204020204" pitchFamily="34" charset="-122"/>
-            </a:endParaRPr>
           </a:p>
         </p:txBody>
       </p:sp>
@@ -10747,10 +10625,6 @@
               </a:rPr>
               <a:t>/proj-1/home</a:t>
             </a:r>
-            <a:endParaRPr lang="en-US" altLang="zh-CN" sz="1200">
-              <a:latin typeface="微软雅黑" panose="020B0503020204020204" pitchFamily="34" charset="-122"/>
-              <a:ea typeface="微软雅黑" panose="020B0503020204020204" pitchFamily="34" charset="-122"/>
-            </a:endParaRPr>
           </a:p>
           <a:p>
             <a:pPr algn="ctr"/>
@@ -10761,10 +10635,6 @@
               </a:rPr>
               <a:t>/proj-1/info</a:t>
             </a:r>
-            <a:endParaRPr lang="en-US" altLang="zh-CN" sz="1200">
-              <a:latin typeface="微软雅黑" panose="020B0503020204020204" pitchFamily="34" charset="-122"/>
-              <a:ea typeface="微软雅黑" panose="020B0503020204020204" pitchFamily="34" charset="-122"/>
-            </a:endParaRPr>
           </a:p>
           <a:p>
             <a:pPr algn="ctr"/>
@@ -10775,10 +10645,6 @@
               </a:rPr>
               <a:t>......</a:t>
             </a:r>
-            <a:endParaRPr lang="en-US" altLang="zh-CN" sz="1200">
-              <a:latin typeface="微软雅黑" panose="020B0503020204020204" pitchFamily="34" charset="-122"/>
-              <a:ea typeface="微软雅黑" panose="020B0503020204020204" pitchFamily="34" charset="-122"/>
-            </a:endParaRPr>
           </a:p>
         </p:txBody>
       </p:sp>
@@ -10831,10 +10697,6 @@
               </a:rPr>
               <a:t>/proj-2/home</a:t>
             </a:r>
-            <a:endParaRPr lang="en-US" altLang="zh-CN" sz="1200">
-              <a:latin typeface="微软雅黑" panose="020B0503020204020204" pitchFamily="34" charset="-122"/>
-              <a:ea typeface="微软雅黑" panose="020B0503020204020204" pitchFamily="34" charset="-122"/>
-            </a:endParaRPr>
           </a:p>
           <a:p>
             <a:pPr algn="ctr"/>
@@ -10845,10 +10707,6 @@
               </a:rPr>
               <a:t>/proj-2/info</a:t>
             </a:r>
-            <a:endParaRPr lang="en-US" altLang="zh-CN" sz="1200">
-              <a:latin typeface="微软雅黑" panose="020B0503020204020204" pitchFamily="34" charset="-122"/>
-              <a:ea typeface="微软雅黑" panose="020B0503020204020204" pitchFamily="34" charset="-122"/>
-            </a:endParaRPr>
           </a:p>
           <a:p>
             <a:pPr algn="ctr"/>
@@ -10859,10 +10717,6 @@
               </a:rPr>
               <a:t>......</a:t>
             </a:r>
-            <a:endParaRPr lang="en-US" altLang="zh-CN" sz="1200">
-              <a:latin typeface="微软雅黑" panose="020B0503020204020204" pitchFamily="34" charset="-122"/>
-              <a:ea typeface="微软雅黑" panose="020B0503020204020204" pitchFamily="34" charset="-122"/>
-            </a:endParaRPr>
           </a:p>
         </p:txBody>
       </p:sp>
@@ -10898,13 +10752,6 @@
               </a:rPr>
               <a:t>应用路由</a:t>
             </a:r>
-            <a:endParaRPr lang="zh-CN" altLang="en-US" sz="3600" dirty="0">
-              <a:solidFill>
-                <a:schemeClr val="bg1"/>
-              </a:solidFill>
-              <a:latin typeface="微软雅黑" panose="020B0503020204020204" pitchFamily="34" charset="-122"/>
-              <a:ea typeface="微软雅黑" panose="020B0503020204020204" pitchFamily="34" charset="-122"/>
-            </a:endParaRPr>
           </a:p>
         </p:txBody>
       </p:sp>
@@ -10970,13 +10817,6 @@
               </a:rPr>
               <a:t>的原始方案，包括路由劫持、路由切换、路由加载。</a:t>
             </a:r>
-            <a:endParaRPr lang="zh-CN" altLang="en-US" sz="2000" dirty="0">
-              <a:solidFill>
-                <a:schemeClr val="bg1"/>
-              </a:solidFill>
-              <a:latin typeface="微软雅黑" panose="020B0503020204020204" pitchFamily="34" charset="-122"/>
-              <a:ea typeface="微软雅黑" panose="020B0503020204020204" pitchFamily="34" charset="-122"/>
-            </a:endParaRPr>
           </a:p>
         </p:txBody>
       </p:sp>
@@ -12256,13 +12096,6 @@
               </a:rPr>
               <a:t>子应用生命周期</a:t>
             </a:r>
-            <a:endParaRPr lang="zh-CN" altLang="en-US" sz="3600" dirty="0">
-              <a:solidFill>
-                <a:schemeClr val="bg1"/>
-              </a:solidFill>
-              <a:latin typeface="微软雅黑" panose="020B0503020204020204" pitchFamily="34" charset="-122"/>
-              <a:ea typeface="微软雅黑" panose="020B0503020204020204" pitchFamily="34" charset="-122"/>
-            </a:endParaRPr>
           </a:p>
         </p:txBody>
       </p:sp>
@@ -12408,13 +12241,6 @@
               </a:rPr>
               <a:t>就知道该如何去加载这个子应用。</a:t>
             </a:r>
-            <a:endParaRPr lang="zh-CN" altLang="en-US" sz="2000" dirty="0">
-              <a:solidFill>
-                <a:schemeClr val="bg1"/>
-              </a:solidFill>
-              <a:latin typeface="微软雅黑" panose="020B0503020204020204" pitchFamily="34" charset="-122"/>
-              <a:ea typeface="微软雅黑" panose="020B0503020204020204" pitchFamily="34" charset="-122"/>
-            </a:endParaRPr>
           </a:p>
         </p:txBody>
       </p:sp>
@@ -12450,6 +12276,72 @@
               </a:rPr>
               <a:t>export async function bootstrap() {</a:t>
             </a:r>
+          </a:p>
+          <a:p>
+            <a:r>
+              <a:rPr lang="en-US" altLang="zh-CN" sz="1600" dirty="0">
+                <a:solidFill>
+                  <a:schemeClr val="bg1"/>
+                </a:solidFill>
+                <a:latin typeface="Arial" panose="020B0604020202020204" pitchFamily="34" charset="0"/>
+                <a:cs typeface="Arial" panose="020B0604020202020204" pitchFamily="34" charset="0"/>
+              </a:rPr>
+              <a:t>  console.log("</a:t>
+            </a:r>
+            <a:r>
+              <a:rPr lang="en-US" altLang="zh-CN" sz="1600" dirty="0" err="1">
+                <a:solidFill>
+                  <a:schemeClr val="bg1"/>
+                </a:solidFill>
+                <a:latin typeface="Arial" panose="020B0604020202020204" pitchFamily="34" charset="0"/>
+                <a:cs typeface="Arial" panose="020B0604020202020204" pitchFamily="34" charset="0"/>
+              </a:rPr>
+              <a:t>vue</a:t>
+            </a:r>
+            <a:r>
+              <a:rPr lang="en-US" altLang="zh-CN" sz="1600" dirty="0">
+                <a:solidFill>
+                  <a:schemeClr val="bg1"/>
+                </a:solidFill>
+                <a:latin typeface="Arial" panose="020B0604020202020204" pitchFamily="34" charset="0"/>
+                <a:cs typeface="Arial" panose="020B0604020202020204" pitchFamily="34" charset="0"/>
+              </a:rPr>
+              <a:t> app </a:t>
+            </a:r>
+            <a:r>
+              <a:rPr lang="en-US" altLang="zh-CN" sz="1600" dirty="0" err="1">
+                <a:solidFill>
+                  <a:schemeClr val="bg1"/>
+                </a:solidFill>
+                <a:latin typeface="Arial" panose="020B0604020202020204" pitchFamily="34" charset="0"/>
+                <a:cs typeface="Arial" panose="020B0604020202020204" pitchFamily="34" charset="0"/>
+              </a:rPr>
+              <a:t>bootstraped</a:t>
+            </a:r>
+            <a:r>
+              <a:rPr lang="en-US" altLang="zh-CN" sz="1600" dirty="0">
+                <a:solidFill>
+                  <a:schemeClr val="bg1"/>
+                </a:solidFill>
+                <a:latin typeface="Arial" panose="020B0604020202020204" pitchFamily="34" charset="0"/>
+                <a:cs typeface="Arial" panose="020B0604020202020204" pitchFamily="34" charset="0"/>
+              </a:rPr>
+              <a:t>");</a:t>
+            </a:r>
+          </a:p>
+          <a:p>
+            <a:r>
+              <a:rPr lang="en-US" altLang="zh-CN" sz="1600" dirty="0">
+                <a:solidFill>
+                  <a:schemeClr val="bg1"/>
+                </a:solidFill>
+                <a:latin typeface="Arial" panose="020B0604020202020204" pitchFamily="34" charset="0"/>
+                <a:cs typeface="Arial" panose="020B0604020202020204" pitchFamily="34" charset="0"/>
+              </a:rPr>
+              <a:t>}</a:t>
+            </a:r>
+          </a:p>
+          <a:p>
             <a:endParaRPr lang="en-US" altLang="zh-CN" sz="1600" dirty="0">
               <a:solidFill>
                 <a:schemeClr val="bg1"/>
@@ -12467,38 +12359,42 @@
                 <a:latin typeface="Arial" panose="020B0604020202020204" pitchFamily="34" charset="0"/>
                 <a:cs typeface="Arial" panose="020B0604020202020204" pitchFamily="34" charset="0"/>
               </a:rPr>
-              <a:t>  console.log("</a:t>
-            </a:r>
-            <a:r>
-              <a:rPr lang="en-US" altLang="zh-CN" sz="1600" dirty="0" err="1">
+              <a:t>export async function mount(props) {</a:t>
+            </a:r>
+          </a:p>
+          <a:p>
+            <a:r>
+              <a:rPr lang="en-US" altLang="zh-CN" sz="1600" dirty="0">
                 <a:solidFill>
                   <a:schemeClr val="bg1"/>
                 </a:solidFill>
                 <a:latin typeface="Arial" panose="020B0604020202020204" pitchFamily="34" charset="0"/>
                 <a:cs typeface="Arial" panose="020B0604020202020204" pitchFamily="34" charset="0"/>
               </a:rPr>
-              <a:t>vue</a:t>
-            </a:r>
-            <a:r>
-              <a:rPr lang="en-US" altLang="zh-CN" sz="1600" dirty="0">
+              <a:t>  console.log("props from main framework", </a:t>
+            </a:r>
+            <a:r>
+              <a:rPr lang="en-US" altLang="zh-CN" sz="1600" dirty="0" err="1">
                 <a:solidFill>
                   <a:schemeClr val="bg1"/>
                 </a:solidFill>
                 <a:latin typeface="Arial" panose="020B0604020202020204" pitchFamily="34" charset="0"/>
                 <a:cs typeface="Arial" panose="020B0604020202020204" pitchFamily="34" charset="0"/>
               </a:rPr>
-              <a:t> app </a:t>
-            </a:r>
-            <a:r>
-              <a:rPr lang="en-US" altLang="zh-CN" sz="1600" dirty="0" err="1">
+              <a:t>props.data</a:t>
+            </a:r>
+            <a:r>
+              <a:rPr lang="en-US" altLang="zh-CN" sz="1600" dirty="0">
                 <a:solidFill>
                   <a:schemeClr val="bg1"/>
                 </a:solidFill>
                 <a:latin typeface="Arial" panose="020B0604020202020204" pitchFamily="34" charset="0"/>
                 <a:cs typeface="Arial" panose="020B0604020202020204" pitchFamily="34" charset="0"/>
               </a:rPr>
-              <a:t>bootstraped</a:t>
-            </a:r>
+              <a:t>);</a:t>
+            </a:r>
+          </a:p>
+          <a:p>
             <a:r>
               <a:rPr lang="en-US" altLang="zh-CN" sz="1600" dirty="0">
                 <a:solidFill>
@@ -12507,8 +12403,22 @@
                 <a:latin typeface="Arial" panose="020B0604020202020204" pitchFamily="34" charset="0"/>
                 <a:cs typeface="Arial" panose="020B0604020202020204" pitchFamily="34" charset="0"/>
               </a:rPr>
-              <a:t>");</a:t>
-            </a:r>
+              <a:t>  render(props);</a:t>
+            </a:r>
+          </a:p>
+          <a:p>
+            <a:r>
+              <a:rPr lang="en-US" altLang="zh-CN" sz="1600" dirty="0">
+                <a:solidFill>
+                  <a:schemeClr val="bg1"/>
+                </a:solidFill>
+                <a:latin typeface="Arial" panose="020B0604020202020204" pitchFamily="34" charset="0"/>
+                <a:cs typeface="Arial" panose="020B0604020202020204" pitchFamily="34" charset="0"/>
+              </a:rPr>
+              <a:t>}</a:t>
+            </a:r>
+          </a:p>
+          <a:p>
             <a:endParaRPr lang="en-US" altLang="zh-CN" sz="1600" dirty="0">
               <a:solidFill>
                 <a:schemeClr val="bg1"/>
@@ -12526,24 +12436,8 @@
                 <a:latin typeface="Arial" panose="020B0604020202020204" pitchFamily="34" charset="0"/>
                 <a:cs typeface="Arial" panose="020B0604020202020204" pitchFamily="34" charset="0"/>
               </a:rPr>
-              <a:t>}</a:t>
-            </a:r>
-            <a:endParaRPr lang="en-US" altLang="zh-CN" sz="1600" dirty="0">
-              <a:solidFill>
-                <a:schemeClr val="bg1"/>
-              </a:solidFill>
-              <a:latin typeface="Arial" panose="020B0604020202020204" pitchFamily="34" charset="0"/>
-              <a:cs typeface="Arial" panose="020B0604020202020204" pitchFamily="34" charset="0"/>
-            </a:endParaRPr>
-          </a:p>
-          <a:p>
-            <a:endParaRPr lang="en-US" altLang="zh-CN" sz="1600" dirty="0">
-              <a:solidFill>
-                <a:schemeClr val="bg1"/>
-              </a:solidFill>
-              <a:latin typeface="Arial" panose="020B0604020202020204" pitchFamily="34" charset="0"/>
-              <a:cs typeface="Arial" panose="020B0604020202020204" pitchFamily="34" charset="0"/>
-            </a:endParaRPr>
+              <a:t>export async function unmount() {</a:t>
+            </a:r>
           </a:p>
           <a:p>
             <a:r>
@@ -12554,159 +12448,28 @@
                 <a:latin typeface="Arial" panose="020B0604020202020204" pitchFamily="34" charset="0"/>
                 <a:cs typeface="Arial" panose="020B0604020202020204" pitchFamily="34" charset="0"/>
               </a:rPr>
-              <a:t>export async function mount(props) {</a:t>
-            </a:r>
-            <a:endParaRPr lang="en-US" altLang="zh-CN" sz="1600" dirty="0">
-              <a:solidFill>
-                <a:schemeClr val="bg1"/>
-              </a:solidFill>
-              <a:latin typeface="Arial" panose="020B0604020202020204" pitchFamily="34" charset="0"/>
-              <a:cs typeface="Arial" panose="020B0604020202020204" pitchFamily="34" charset="0"/>
-            </a:endParaRPr>
-          </a:p>
-          <a:p>
-            <a:r>
-              <a:rPr lang="en-US" altLang="zh-CN" sz="1600" dirty="0">
+              <a:t>  console.log("</a:t>
+            </a:r>
+            <a:r>
+              <a:rPr lang="en-US" altLang="zh-CN" sz="1600" dirty="0" err="1">
                 <a:solidFill>
                   <a:schemeClr val="bg1"/>
                 </a:solidFill>
                 <a:latin typeface="Arial" panose="020B0604020202020204" pitchFamily="34" charset="0"/>
                 <a:cs typeface="Arial" panose="020B0604020202020204" pitchFamily="34" charset="0"/>
               </a:rPr>
-              <a:t>  console.log("props from main framework", </a:t>
-            </a:r>
-            <a:r>
-              <a:rPr lang="en-US" altLang="zh-CN" sz="1600" dirty="0" err="1">
+              <a:t>vue</a:t>
+            </a:r>
+            <a:r>
+              <a:rPr lang="en-US" altLang="zh-CN" sz="1600" dirty="0">
                 <a:solidFill>
                   <a:schemeClr val="bg1"/>
                 </a:solidFill>
                 <a:latin typeface="Arial" panose="020B0604020202020204" pitchFamily="34" charset="0"/>
                 <a:cs typeface="Arial" panose="020B0604020202020204" pitchFamily="34" charset="0"/>
               </a:rPr>
-              <a:t>props.data</a:t>
-            </a:r>
-            <a:r>
-              <a:rPr lang="en-US" altLang="zh-CN" sz="1600" dirty="0">
-                <a:solidFill>
-                  <a:schemeClr val="bg1"/>
-                </a:solidFill>
-                <a:latin typeface="Arial" panose="020B0604020202020204" pitchFamily="34" charset="0"/>
-                <a:cs typeface="Arial" panose="020B0604020202020204" pitchFamily="34" charset="0"/>
-              </a:rPr>
-              <a:t>);</a:t>
-            </a:r>
-            <a:endParaRPr lang="en-US" altLang="zh-CN" sz="1600" dirty="0">
-              <a:solidFill>
-                <a:schemeClr val="bg1"/>
-              </a:solidFill>
-              <a:latin typeface="Arial" panose="020B0604020202020204" pitchFamily="34" charset="0"/>
-              <a:cs typeface="Arial" panose="020B0604020202020204" pitchFamily="34" charset="0"/>
-            </a:endParaRPr>
-          </a:p>
-          <a:p>
-            <a:r>
-              <a:rPr lang="en-US" altLang="zh-CN" sz="1600" dirty="0">
-                <a:solidFill>
-                  <a:schemeClr val="bg1"/>
-                </a:solidFill>
-                <a:latin typeface="Arial" panose="020B0604020202020204" pitchFamily="34" charset="0"/>
-                <a:cs typeface="Arial" panose="020B0604020202020204" pitchFamily="34" charset="0"/>
-              </a:rPr>
-              <a:t>  render(props);</a:t>
-            </a:r>
-            <a:endParaRPr lang="en-US" altLang="zh-CN" sz="1600" dirty="0">
-              <a:solidFill>
-                <a:schemeClr val="bg1"/>
-              </a:solidFill>
-              <a:latin typeface="Arial" panose="020B0604020202020204" pitchFamily="34" charset="0"/>
-              <a:cs typeface="Arial" panose="020B0604020202020204" pitchFamily="34" charset="0"/>
-            </a:endParaRPr>
-          </a:p>
-          <a:p>
-            <a:r>
-              <a:rPr lang="en-US" altLang="zh-CN" sz="1600" dirty="0">
-                <a:solidFill>
-                  <a:schemeClr val="bg1"/>
-                </a:solidFill>
-                <a:latin typeface="Arial" panose="020B0604020202020204" pitchFamily="34" charset="0"/>
-                <a:cs typeface="Arial" panose="020B0604020202020204" pitchFamily="34" charset="0"/>
-              </a:rPr>
-              <a:t>}</a:t>
-            </a:r>
-            <a:endParaRPr lang="en-US" altLang="zh-CN" sz="1600" dirty="0">
-              <a:solidFill>
-                <a:schemeClr val="bg1"/>
-              </a:solidFill>
-              <a:latin typeface="Arial" panose="020B0604020202020204" pitchFamily="34" charset="0"/>
-              <a:cs typeface="Arial" panose="020B0604020202020204" pitchFamily="34" charset="0"/>
-            </a:endParaRPr>
-          </a:p>
-          <a:p>
-            <a:endParaRPr lang="en-US" altLang="zh-CN" sz="1600" dirty="0">
-              <a:solidFill>
-                <a:schemeClr val="bg1"/>
-              </a:solidFill>
-              <a:latin typeface="Arial" panose="020B0604020202020204" pitchFamily="34" charset="0"/>
-              <a:cs typeface="Arial" panose="020B0604020202020204" pitchFamily="34" charset="0"/>
-            </a:endParaRPr>
-          </a:p>
-          <a:p>
-            <a:r>
-              <a:rPr lang="en-US" altLang="zh-CN" sz="1600" dirty="0">
-                <a:solidFill>
-                  <a:schemeClr val="bg1"/>
-                </a:solidFill>
-                <a:latin typeface="Arial" panose="020B0604020202020204" pitchFamily="34" charset="0"/>
-                <a:cs typeface="Arial" panose="020B0604020202020204" pitchFamily="34" charset="0"/>
-              </a:rPr>
-              <a:t>export async function unmount() {</a:t>
-            </a:r>
-            <a:endParaRPr lang="en-US" altLang="zh-CN" sz="1600" dirty="0">
-              <a:solidFill>
-                <a:schemeClr val="bg1"/>
-              </a:solidFill>
-              <a:latin typeface="Arial" panose="020B0604020202020204" pitchFamily="34" charset="0"/>
-              <a:cs typeface="Arial" panose="020B0604020202020204" pitchFamily="34" charset="0"/>
-            </a:endParaRPr>
-          </a:p>
-          <a:p>
-            <a:r>
-              <a:rPr lang="en-US" altLang="zh-CN" sz="1600" dirty="0">
-                <a:solidFill>
-                  <a:schemeClr val="bg1"/>
-                </a:solidFill>
-                <a:latin typeface="Arial" panose="020B0604020202020204" pitchFamily="34" charset="0"/>
-                <a:cs typeface="Arial" panose="020B0604020202020204" pitchFamily="34" charset="0"/>
-              </a:rPr>
-              <a:t>  console.log("</a:t>
-            </a:r>
-            <a:r>
-              <a:rPr lang="en-US" altLang="zh-CN" sz="1600" dirty="0" err="1">
-                <a:solidFill>
-                  <a:schemeClr val="bg1"/>
-                </a:solidFill>
-                <a:latin typeface="Arial" panose="020B0604020202020204" pitchFamily="34" charset="0"/>
-                <a:cs typeface="Arial" panose="020B0604020202020204" pitchFamily="34" charset="0"/>
-              </a:rPr>
-              <a:t>vue</a:t>
-            </a:r>
-            <a:r>
-              <a:rPr lang="en-US" altLang="zh-CN" sz="1600" dirty="0">
-                <a:solidFill>
-                  <a:schemeClr val="bg1"/>
-                </a:solidFill>
-                <a:latin typeface="Arial" panose="020B0604020202020204" pitchFamily="34" charset="0"/>
-                <a:cs typeface="Arial" panose="020B0604020202020204" pitchFamily="34" charset="0"/>
-              </a:rPr>
               <a:t> app unmounted");</a:t>
             </a:r>
-            <a:endParaRPr lang="en-US" altLang="zh-CN" sz="1600" dirty="0">
-              <a:solidFill>
-                <a:schemeClr val="bg1"/>
-              </a:solidFill>
-              <a:latin typeface="Arial" panose="020B0604020202020204" pitchFamily="34" charset="0"/>
-              <a:cs typeface="Arial" panose="020B0604020202020204" pitchFamily="34" charset="0"/>
-            </a:endParaRPr>
           </a:p>
           <a:p>
             <a:r>
@@ -13503,13 +13266,6 @@
               </a:rPr>
               <a:t>隔离</a:t>
             </a:r>
-            <a:endParaRPr lang="zh-CN" altLang="en-US" sz="3600" dirty="0">
-              <a:solidFill>
-                <a:schemeClr val="bg1"/>
-              </a:solidFill>
-              <a:latin typeface="微软雅黑" panose="020B0503020204020204" pitchFamily="34" charset="-122"/>
-              <a:ea typeface="微软雅黑" panose="020B0503020204020204" pitchFamily="34" charset="-122"/>
-            </a:endParaRPr>
           </a:p>
         </p:txBody>
       </p:sp>
@@ -13654,13 +13410,6 @@
               </a:rPr>
               <a:t>的隔离方案是保证子应用的全局环境不影响主应用的全局环境</a:t>
             </a:r>
-            <a:endParaRPr lang="zh-CN" altLang="en-US" sz="2000" dirty="0">
-              <a:solidFill>
-                <a:schemeClr val="bg1"/>
-              </a:solidFill>
-              <a:latin typeface="微软雅黑" panose="020B0503020204020204" pitchFamily="34" charset="-122"/>
-              <a:ea typeface="微软雅黑" panose="020B0503020204020204" pitchFamily="34" charset="-122"/>
-            </a:endParaRPr>
           </a:p>
         </p:txBody>
       </p:sp>
@@ -13790,13 +13539,6 @@
               </a:rPr>
               <a:t>全局环境</a:t>
             </a:r>
-            <a:endParaRPr lang="zh-CN" altLang="en-US" sz="2000" dirty="0">
-              <a:solidFill>
-                <a:schemeClr val="bg1"/>
-              </a:solidFill>
-              <a:latin typeface="微软雅黑" panose="020B0503020204020204" pitchFamily="34" charset="-122"/>
-              <a:ea typeface="微软雅黑" panose="020B0503020204020204" pitchFamily="34" charset="-122"/>
-            </a:endParaRPr>
           </a:p>
         </p:txBody>
       </p:sp>
@@ -14947,20 +14689,6 @@
               </a:rPr>
               <a:t>隔离</a:t>
             </a:r>
-            <a:endParaRPr kumimoji="0" lang="zh-CN" altLang="en-US" sz="3600" b="0" i="0" u="none" strike="noStrike" kern="1200" cap="none" spc="0" normalizeH="0" baseline="0" noProof="0" dirty="0">
-              <a:ln>
-                <a:noFill/>
-              </a:ln>
-              <a:solidFill>
-                <a:prstClr val="white"/>
-              </a:solidFill>
-              <a:effectLst/>
-              <a:uLnTx/>
-              <a:uFillTx/>
-              <a:latin typeface="微软雅黑" panose="020B0503020204020204" pitchFamily="34" charset="-122"/>
-              <a:ea typeface="微软雅黑" panose="020B0503020204020204" pitchFamily="34" charset="-122"/>
-              <a:cs typeface="+mn-cs"/>
-            </a:endParaRPr>
           </a:p>
         </p:txBody>
       </p:sp>
@@ -14973,7 +14701,7 @@
         <p:spPr>
           <a:xfrm>
             <a:off x="503853" y="1399592"/>
-            <a:ext cx="11215396" cy="3676650"/>
+            <a:ext cx="11215396" cy="3738331"/>
           </a:xfrm>
           <a:prstGeom prst="rect">
             <a:avLst/>
@@ -15063,7 +14791,17 @@
                 <a:latin typeface="微软雅黑" panose="020B0503020204020204" pitchFamily="34" charset="-122"/>
                 <a:ea typeface="微软雅黑" panose="020B0503020204020204" pitchFamily="34" charset="-122"/>
               </a:rPr>
-              <a:t>自带的特性。适合隔离子子应用之间的样式冲突。</a:t>
+              <a:t>自带的</a:t>
+            </a:r>
+            <a:r>
+              <a:rPr lang="zh-CN" altLang="en-US" sz="1600">
+                <a:solidFill>
+                  <a:schemeClr val="bg1"/>
+                </a:solidFill>
+                <a:latin typeface="微软雅黑" panose="020B0503020204020204" pitchFamily="34" charset="-122"/>
+                <a:ea typeface="微软雅黑" panose="020B0503020204020204" pitchFamily="34" charset="-122"/>
+              </a:rPr>
+              <a:t>特性。</a:t>
             </a:r>
             <a:endParaRPr lang="zh-CN" altLang="en-US" sz="1600" dirty="0">
               <a:solidFill>
@@ -15103,13 +14841,6 @@
               </a:rPr>
               <a:t>    在单应用的模式下（仅有一个应用活跃的情况），可以动态去挂载和卸载样式，从而达到隔离样式的作用。</a:t>
             </a:r>
-            <a:endParaRPr lang="zh-CN" altLang="en-US" sz="1600" dirty="0">
-              <a:solidFill>
-                <a:schemeClr val="bg1"/>
-              </a:solidFill>
-              <a:latin typeface="微软雅黑" panose="020B0503020204020204" pitchFamily="34" charset="-122"/>
-              <a:ea typeface="微软雅黑" panose="020B0503020204020204" pitchFamily="34" charset="-122"/>
-            </a:endParaRPr>
           </a:p>
           <a:p>
             <a:pPr>
@@ -15381,13 +15112,6 @@
               </a:rPr>
               <a:t>值，从而达到这个选择器和标签是独一无二的特点。</a:t>
             </a:r>
-            <a:endParaRPr lang="zh-CN" altLang="en-US" sz="1600" dirty="0">
-              <a:solidFill>
-                <a:schemeClr val="bg1"/>
-              </a:solidFill>
-              <a:latin typeface="微软雅黑" panose="020B0503020204020204" pitchFamily="34" charset="-122"/>
-              <a:ea typeface="微软雅黑" panose="020B0503020204020204" pitchFamily="34" charset="-122"/>
-            </a:endParaRPr>
           </a:p>
         </p:txBody>
       </p:sp>
@@ -15503,6 +15227,105 @@
                       </p:childTnLst>
                     </p:cTn>
                   </p:par>
+                  <p:par>
+                    <p:cTn id="10" fill="hold">
+                      <p:stCondLst>
+                        <p:cond delay="indefinite"/>
+                      </p:stCondLst>
+                      <p:childTnLst>
+                        <p:par>
+                          <p:cTn id="11" fill="hold">
+                            <p:stCondLst>
+                              <p:cond delay="0"/>
+                            </p:stCondLst>
+                            <p:childTnLst>
+                              <p:par>
+                                <p:cTn id="12" presetID="42" presetClass="entr" presetSubtype="0" fill="hold" grpId="0" nodeType="clickEffect">
+                                  <p:stCondLst>
+                                    <p:cond delay="0"/>
+                                  </p:stCondLst>
+                                  <p:childTnLst>
+                                    <p:set>
+                                      <p:cBhvr>
+                                        <p:cTn id="13" dur="1" fill="hold">
+                                          <p:stCondLst>
+                                            <p:cond delay="0"/>
+                                          </p:stCondLst>
+                                        </p:cTn>
+                                        <p:tgtEl>
+                                          <p:spTgt spid="2"/>
+                                        </p:tgtEl>
+                                        <p:attrNameLst>
+                                          <p:attrName>style.visibility</p:attrName>
+                                        </p:attrNameLst>
+                                      </p:cBhvr>
+                                      <p:to>
+                                        <p:strVal val="visible"/>
+                                      </p:to>
+                                    </p:set>
+                                    <p:animEffect transition="in" filter="fade">
+                                      <p:cBhvr>
+                                        <p:cTn id="14" dur="1000"/>
+                                        <p:tgtEl>
+                                          <p:spTgt spid="2"/>
+                                        </p:tgtEl>
+                                      </p:cBhvr>
+                                    </p:animEffect>
+                                    <p:anim calcmode="lin" valueType="num">
+                                      <p:cBhvr>
+                                        <p:cTn id="15" dur="1000" fill="hold"/>
+                                        <p:tgtEl>
+                                          <p:spTgt spid="2"/>
+                                        </p:tgtEl>
+                                        <p:attrNameLst>
+                                          <p:attrName>ppt_x</p:attrName>
+                                        </p:attrNameLst>
+                                      </p:cBhvr>
+                                      <p:tavLst>
+                                        <p:tav tm="0">
+                                          <p:val>
+                                            <p:strVal val="#ppt_x"/>
+                                          </p:val>
+                                        </p:tav>
+                                        <p:tav tm="100000">
+                                          <p:val>
+                                            <p:strVal val="#ppt_x"/>
+                                          </p:val>
+                                        </p:tav>
+                                      </p:tavLst>
+                                    </p:anim>
+                                    <p:anim calcmode="lin" valueType="num">
+                                      <p:cBhvr>
+                                        <p:cTn id="16" dur="1000" fill="hold"/>
+                                        <p:tgtEl>
+                                          <p:spTgt spid="2"/>
+                                        </p:tgtEl>
+                                        <p:attrNameLst>
+                                          <p:attrName>ppt_y</p:attrName>
+                                        </p:attrNameLst>
+                                      </p:cBhvr>
+                                      <p:tavLst>
+                                        <p:tav tm="0">
+                                          <p:val>
+                                            <p:strVal val="#ppt_y+.1"/>
+                                          </p:val>
+                                        </p:tav>
+                                        <p:tav tm="100000">
+                                          <p:val>
+                                            <p:strVal val="#ppt_y"/>
+                                          </p:val>
+                                        </p:tav>
+                                      </p:tavLst>
+                                    </p:anim>
+                                  </p:childTnLst>
+                                </p:cTn>
+                              </p:par>
+                            </p:childTnLst>
+                          </p:cTn>
+                        </p:par>
+                      </p:childTnLst>
+                    </p:cTn>
+                  </p:par>
                 </p:childTnLst>
               </p:cTn>
               <p:prevCondLst>
@@ -15526,6 +15349,7 @@
     </p:tnLst>
     <p:bldLst>
       <p:bldP spid="5" grpId="0"/>
+      <p:bldP spid="2" grpId="0"/>
     </p:bldLst>
   </p:timing>
 </p:sld>
@@ -15710,20 +15534,6 @@
               </a:rPr>
               <a:t>URL</a:t>
             </a:r>
-            <a:endParaRPr kumimoji="0" lang="en-US" altLang="zh-CN" sz="1800" b="1" i="0" u="none" strike="noStrike" kern="1200" cap="none" spc="0" normalizeH="0" baseline="0" noProof="0" dirty="0">
-              <a:ln>
-                <a:noFill/>
-              </a:ln>
-              <a:solidFill>
-                <a:prstClr val="white"/>
-              </a:solidFill>
-              <a:effectLst/>
-              <a:uLnTx/>
-              <a:uFillTx/>
-              <a:latin typeface="微软雅黑" panose="020B0503020204020204" pitchFamily="34" charset="-122"/>
-              <a:ea typeface="微软雅黑" panose="020B0503020204020204" pitchFamily="34" charset="-122"/>
-              <a:cs typeface="+mn-cs"/>
-            </a:endParaRPr>
           </a:p>
           <a:p>
             <a:pPr marL="0" marR="0" lvl="0" indent="0" algn="l" defTabSz="914400" rtl="0" fontAlgn="auto">
@@ -15842,20 +15652,6 @@
               </a:rPr>
               <a:t>· props</a:t>
             </a:r>
-            <a:endParaRPr kumimoji="0" lang="en-US" altLang="zh-CN" sz="1800" b="1" i="0" u="none" strike="noStrike" kern="1200" cap="none" spc="0" normalizeH="0" baseline="0" noProof="0" dirty="0">
-              <a:ln>
-                <a:noFill/>
-              </a:ln>
-              <a:solidFill>
-                <a:prstClr val="white"/>
-              </a:solidFill>
-              <a:effectLst/>
-              <a:uLnTx/>
-              <a:uFillTx/>
-              <a:latin typeface="微软雅黑" panose="020B0503020204020204" pitchFamily="34" charset="-122"/>
-              <a:ea typeface="微软雅黑" panose="020B0503020204020204" pitchFamily="34" charset="-122"/>
-              <a:cs typeface="+mn-cs"/>
-            </a:endParaRPr>
           </a:p>
           <a:p>
             <a:pPr marL="0" marR="0" lvl="0" indent="0" algn="l" defTabSz="914400" rtl="0" fontAlgn="auto">
@@ -16010,20 +15806,6 @@
               </a:rPr>
               <a:t>来进行组件通讯。</a:t>
             </a:r>
-            <a:endParaRPr kumimoji="0" lang="zh-CN" altLang="en-US" sz="1600" b="0" i="0" u="none" strike="noStrike" kern="1200" cap="none" spc="0" normalizeH="0" baseline="0" noProof="0" dirty="0">
-              <a:ln>
-                <a:noFill/>
-              </a:ln>
-              <a:solidFill>
-                <a:prstClr val="white"/>
-              </a:solidFill>
-              <a:effectLst/>
-              <a:uLnTx/>
-              <a:uFillTx/>
-              <a:latin typeface="微软雅黑" panose="020B0503020204020204" pitchFamily="34" charset="-122"/>
-              <a:ea typeface="微软雅黑" panose="020B0503020204020204" pitchFamily="34" charset="-122"/>
-              <a:cs typeface="+mn-cs"/>
-            </a:endParaRPr>
           </a:p>
           <a:p>
             <a:pPr marL="0" marR="0" lvl="0" indent="0" algn="l" defTabSz="914400" rtl="0" fontAlgn="auto">
@@ -16059,20 +15841,6 @@
               </a:rPr>
               <a:t>·  initGlobalState</a:t>
             </a:r>
-            <a:endParaRPr lang="en-US" altLang="zh-CN" sz="1600" b="1" noProof="0" dirty="0">
-              <a:ln>
-                <a:noFill/>
-              </a:ln>
-              <a:solidFill>
-                <a:prstClr val="white"/>
-              </a:solidFill>
-              <a:effectLst/>
-              <a:uLnTx/>
-              <a:uFillTx/>
-              <a:latin typeface="微软雅黑" panose="020B0503020204020204" pitchFamily="34" charset="-122"/>
-              <a:ea typeface="微软雅黑" panose="020B0503020204020204" pitchFamily="34" charset="-122"/>
-              <a:sym typeface="+mn-ea"/>
-            </a:endParaRPr>
           </a:p>
           <a:p>
             <a:pPr marL="0" marR="0" lvl="0" indent="0" algn="l" defTabSz="914400" rtl="0" fontAlgn="auto">
@@ -16160,6 +15928,17 @@
               <a:t>API</a:t>
             </a:r>
             <a:r>
+              <a:rPr lang="zh-CN" altLang="en-US" sz="1600" dirty="0">
+                <a:solidFill>
+                  <a:prstClr val="white"/>
+                </a:solidFill>
+                <a:latin typeface="微软雅黑" panose="020B0503020204020204" pitchFamily="34" charset="-122"/>
+                <a:ea typeface="微软雅黑" panose="020B0503020204020204" pitchFamily="34" charset="-122"/>
+                <a:sym typeface="+mn-ea"/>
+              </a:rPr>
+              <a:t>，</a:t>
+            </a:r>
+            <a:r>
               <a:rPr lang="zh-CN" altLang="en-US" sz="1600" noProof="0" dirty="0">
                 <a:ln>
                   <a:noFill/>
@@ -16174,22 +15953,8 @@
                 <a:ea typeface="微软雅黑" panose="020B0503020204020204" pitchFamily="34" charset="-122"/>
                 <a:sym typeface="+mn-ea"/>
               </a:rPr>
-              <a:t>。</a:t>
-            </a:r>
-            <a:endParaRPr lang="zh-CN" altLang="en-US" sz="1600" noProof="0" dirty="0">
-              <a:ln>
-                <a:noFill/>
-              </a:ln>
-              <a:solidFill>
-                <a:prstClr val="white"/>
-              </a:solidFill>
-              <a:effectLst/>
-              <a:uLnTx/>
-              <a:uFillTx/>
-              <a:latin typeface="微软雅黑" panose="020B0503020204020204" pitchFamily="34" charset="-122"/>
-              <a:ea typeface="微软雅黑" panose="020B0503020204020204" pitchFamily="34" charset="-122"/>
-              <a:sym typeface="+mn-ea"/>
-            </a:endParaRPr>
+              <a:t>基于发布订阅模式。</a:t>
+            </a:r>
           </a:p>
         </p:txBody>
       </p:sp>
@@ -16490,13 +16255,6 @@
               </a:rPr>
               <a:t>落地集成需要解决的问题</a:t>
             </a:r>
-            <a:endParaRPr lang="zh-CN" altLang="en-US" sz="4800" dirty="0">
-              <a:solidFill>
-                <a:schemeClr val="bg1"/>
-              </a:solidFill>
-              <a:latin typeface="微软雅黑" panose="020B0503020204020204" pitchFamily="34" charset="-122"/>
-              <a:ea typeface="微软雅黑" panose="020B0503020204020204" pitchFamily="34" charset="-122"/>
-            </a:endParaRPr>
           </a:p>
         </p:txBody>
       </p:sp>
@@ -16700,13 +16458,6 @@
               </a:rPr>
               <a:t>路由模式的选择</a:t>
             </a:r>
-            <a:endParaRPr lang="zh-CN" altLang="en-US" sz="3200" dirty="0">
-              <a:solidFill>
-                <a:schemeClr val="bg1"/>
-              </a:solidFill>
-              <a:latin typeface="微软雅黑" panose="020B0503020204020204" pitchFamily="34" charset="-122"/>
-              <a:ea typeface="微软雅黑" panose="020B0503020204020204" pitchFamily="34" charset="-122"/>
-            </a:endParaRPr>
           </a:p>
         </p:txBody>
       </p:sp>
@@ -16772,13 +16523,6 @@
               </a:rPr>
               <a:t>模式</a:t>
             </a:r>
-            <a:endParaRPr lang="zh-CN" altLang="en-US">
-              <a:solidFill>
-                <a:schemeClr val="bg1"/>
-              </a:solidFill>
-              <a:latin typeface="微软雅黑" panose="020B0503020204020204" pitchFamily="34" charset="-122"/>
-              <a:ea typeface="微软雅黑" panose="020B0503020204020204" pitchFamily="34" charset="-122"/>
-            </a:endParaRPr>
           </a:p>
         </p:txBody>
       </p:sp>
@@ -16844,13 +16588,6 @@
               </a:rPr>
               <a:t>模式</a:t>
             </a:r>
-            <a:endParaRPr lang="zh-CN" altLang="en-US">
-              <a:solidFill>
-                <a:schemeClr val="bg1"/>
-              </a:solidFill>
-              <a:latin typeface="微软雅黑" panose="020B0503020204020204" pitchFamily="34" charset="-122"/>
-              <a:ea typeface="微软雅黑" panose="020B0503020204020204" pitchFamily="34" charset="-122"/>
-            </a:endParaRPr>
           </a:p>
         </p:txBody>
       </p:sp>
@@ -17236,13 +16973,6 @@
               </a:rPr>
               <a:t>管理系统的内容区渲染</a:t>
             </a:r>
-            <a:endParaRPr lang="zh-CN" altLang="en-US" sz="3200" dirty="0">
-              <a:solidFill>
-                <a:schemeClr val="bg1"/>
-              </a:solidFill>
-              <a:latin typeface="微软雅黑" panose="020B0503020204020204" pitchFamily="34" charset="-122"/>
-              <a:ea typeface="微软雅黑" panose="020B0503020204020204" pitchFamily="34" charset="-122"/>
-            </a:endParaRPr>
           </a:p>
         </p:txBody>
       </p:sp>
@@ -17283,13 +17013,6 @@
               </a:rPr>
               <a:t>以后端管理系统为例，我们大多数情况下，在集成进其他子应用时，只需要渲染内容区部分，而侧边栏和头部部分应该是使用主应用的。</a:t>
             </a:r>
-            <a:endParaRPr lang="zh-CN" altLang="en-US" sz="1600" dirty="0">
-              <a:solidFill>
-                <a:schemeClr val="bg1"/>
-              </a:solidFill>
-              <a:latin typeface="微软雅黑" panose="020B0503020204020204" pitchFamily="34" charset="-122"/>
-              <a:ea typeface="微软雅黑" panose="020B0503020204020204" pitchFamily="34" charset="-122"/>
-            </a:endParaRPr>
           </a:p>
         </p:txBody>
       </p:sp>
@@ -17379,10 +17102,6 @@
               </a:rPr>
               <a:t>侧边栏</a:t>
             </a:r>
-            <a:endParaRPr lang="zh-CN" altLang="en-US" sz="1400" dirty="0">
-              <a:latin typeface="微软雅黑" panose="020B0503020204020204" pitchFamily="34" charset="-122"/>
-              <a:ea typeface="微软雅黑" panose="020B0503020204020204" pitchFamily="34" charset="-122"/>
-            </a:endParaRPr>
           </a:p>
         </p:txBody>
       </p:sp>
@@ -17432,10 +17151,6 @@
               </a:rPr>
               <a:t>头部导航</a:t>
             </a:r>
-            <a:endParaRPr lang="zh-CN" altLang="en-US" sz="1400">
-              <a:latin typeface="微软雅黑" panose="020B0503020204020204" pitchFamily="34" charset="-122"/>
-              <a:ea typeface="微软雅黑" panose="020B0503020204020204" pitchFamily="34" charset="-122"/>
-            </a:endParaRPr>
           </a:p>
         </p:txBody>
       </p:sp>
@@ -17491,10 +17206,6 @@
               </a:rPr>
               <a:t>内容区</a:t>
             </a:r>
-            <a:endParaRPr lang="zh-CN" altLang="en-US" sz="1400">
-              <a:latin typeface="微软雅黑" panose="020B0503020204020204" pitchFamily="34" charset="-122"/>
-              <a:ea typeface="微软雅黑" panose="020B0503020204020204" pitchFamily="34" charset="-122"/>
-            </a:endParaRPr>
           </a:p>
         </p:txBody>
       </p:sp>
@@ -18159,13 +17870,6 @@
               </a:rPr>
               <a:t>子应用最终打包配置</a:t>
             </a:r>
-            <a:endParaRPr lang="zh-CN" altLang="en-US" sz="3200" dirty="0">
-              <a:solidFill>
-                <a:schemeClr val="bg1"/>
-              </a:solidFill>
-              <a:latin typeface="微软雅黑" panose="020B0503020204020204" pitchFamily="34" charset="-122"/>
-              <a:ea typeface="微软雅黑" panose="020B0503020204020204" pitchFamily="34" charset="-122"/>
-            </a:endParaRPr>
           </a:p>
         </p:txBody>
       </p:sp>
@@ -18206,13 +17910,6 @@
               </a:rPr>
               <a:t>我们一般的默认打包配置独立运行没有问题，但是当它充当子应用时，如果要被主应用识别到，子应用需要配置对应的打包格式才行。</a:t>
             </a:r>
-            <a:endParaRPr lang="zh-CN" altLang="en-US" sz="1600" dirty="0">
-              <a:solidFill>
-                <a:schemeClr val="bg1"/>
-              </a:solidFill>
-              <a:latin typeface="微软雅黑" panose="020B0503020204020204" pitchFamily="34" charset="-122"/>
-              <a:ea typeface="微软雅黑" panose="020B0503020204020204" pitchFamily="34" charset="-122"/>
-            </a:endParaRPr>
           </a:p>
         </p:txBody>
       </p:sp>
@@ -18248,6 +17945,8 @@
               </a:rPr>
               <a:t>const { name } = require("./package");</a:t>
             </a:r>
+          </a:p>
+          <a:p>
             <a:endParaRPr lang="en-US" altLang="zh-CN" b="0" dirty="0">
               <a:solidFill>
                 <a:schemeClr val="bg1"/>
@@ -18257,15 +17956,6 @@
             </a:endParaRPr>
           </a:p>
           <a:p>
-            <a:endParaRPr lang="en-US" altLang="zh-CN" b="0" dirty="0">
-              <a:solidFill>
-                <a:schemeClr val="bg1"/>
-              </a:solidFill>
-              <a:effectLst/>
-              <a:latin typeface="Consolas" panose="020B0609020204030204" pitchFamily="49" charset="0"/>
-            </a:endParaRPr>
-          </a:p>
-          <a:p>
             <a:r>
               <a:rPr lang="en-US" altLang="zh-CN" b="0" dirty="0">
                 <a:solidFill>
@@ -18276,13 +17966,6 @@
               </a:rPr>
               <a:t>output: {</a:t>
             </a:r>
-            <a:endParaRPr lang="en-US" altLang="zh-CN" b="0" dirty="0">
-              <a:solidFill>
-                <a:schemeClr val="bg1"/>
-              </a:solidFill>
-              <a:effectLst/>
-              <a:latin typeface="Consolas" panose="020B0609020204030204" pitchFamily="49" charset="0"/>
-            </a:endParaRPr>
           </a:p>
           <a:p>
             <a:r>
@@ -18295,13 +17978,6 @@
               </a:rPr>
               <a:t>  library: `${name}`,</a:t>
             </a:r>
-            <a:endParaRPr lang="en-US" altLang="zh-CN" b="0" dirty="0">
-              <a:solidFill>
-                <a:schemeClr val="bg1"/>
-              </a:solidFill>
-              <a:effectLst/>
-              <a:latin typeface="Consolas" panose="020B0609020204030204" pitchFamily="49" charset="0"/>
-            </a:endParaRPr>
           </a:p>
           <a:p>
             <a:r>
@@ -18394,13 +18070,6 @@
               </a:rPr>
               <a:t>库格式</a:t>
             </a:r>
-            <a:endParaRPr lang="zh-CN" altLang="en-US" b="0" dirty="0">
-              <a:solidFill>
-                <a:schemeClr val="bg1"/>
-              </a:solidFill>
-              <a:effectLst/>
-              <a:latin typeface="Consolas" panose="020B0609020204030204" pitchFamily="49" charset="0"/>
-            </a:endParaRPr>
           </a:p>
           <a:p>
             <a:r>
@@ -18453,13 +18122,6 @@
               </a:rPr>
               <a:t>_${name}`</a:t>
             </a:r>
-            <a:endParaRPr lang="en-US" altLang="zh-CN" b="0" dirty="0">
-              <a:solidFill>
-                <a:schemeClr val="bg1"/>
-              </a:solidFill>
-              <a:effectLst/>
-              <a:latin typeface="Consolas" panose="020B0609020204030204" pitchFamily="49" charset="0"/>
-            </a:endParaRPr>
           </a:p>
           <a:p>
             <a:r>
@@ -18472,13 +18134,6 @@
               </a:rPr>
               <a:t>}</a:t>
             </a:r>
-            <a:endParaRPr lang="en-US" altLang="zh-CN" b="0" dirty="0">
-              <a:solidFill>
-                <a:schemeClr val="bg1"/>
-              </a:solidFill>
-              <a:effectLst/>
-              <a:latin typeface="Consolas" panose="020B0609020204030204" pitchFamily="49" charset="0"/>
-            </a:endParaRPr>
           </a:p>
         </p:txBody>
       </p:sp>
@@ -19404,7 +19059,6 @@
               <a:rPr lang="en-US" altLang="zh-CN" dirty="0"/>
               <a:t>UI</a:t>
             </a:r>
-            <a:endParaRPr lang="en-US" altLang="zh-CN" dirty="0"/>
           </a:p>
         </p:txBody>
       </p:sp>
@@ -19541,7 +19195,6 @@
               <a:rPr lang="zh-CN" altLang="en-US" dirty="0"/>
               <a:t>微服务</a:t>
             </a:r>
-            <a:endParaRPr lang="zh-CN" altLang="en-US" dirty="0"/>
           </a:p>
         </p:txBody>
       </p:sp>
@@ -19618,7 +19271,6 @@
               <a:rPr lang="en-US" altLang="zh-CN" dirty="0"/>
               <a:t>REST API</a:t>
             </a:r>
-            <a:endParaRPr lang="en-US" altLang="zh-CN" dirty="0"/>
           </a:p>
         </p:txBody>
       </p:sp>
@@ -19791,7 +19443,6 @@
               <a:rPr lang="en-US" altLang="zh-CN" dirty="0"/>
               <a:t>DB</a:t>
             </a:r>
-            <a:endParaRPr lang="en-US" altLang="zh-CN" dirty="0"/>
           </a:p>
         </p:txBody>
       </p:sp>
@@ -19835,7 +19486,6 @@
               <a:rPr lang="zh-CN" altLang="en-US"/>
               <a:t>缓存服务</a:t>
             </a:r>
-            <a:endParaRPr lang="zh-CN" altLang="en-US"/>
           </a:p>
         </p:txBody>
       </p:sp>
@@ -19912,7 +19562,6 @@
               <a:rPr lang="en-US" altLang="zh-CN" dirty="0"/>
               <a:t>REDIS</a:t>
             </a:r>
-            <a:endParaRPr lang="en-US" altLang="zh-CN" dirty="0"/>
           </a:p>
         </p:txBody>
       </p:sp>
@@ -19989,7 +19638,6 @@
               <a:rPr lang="en-US" altLang="zh-CN" dirty="0"/>
               <a:t>DB</a:t>
             </a:r>
-            <a:endParaRPr lang="en-US" altLang="zh-CN" dirty="0"/>
           </a:p>
         </p:txBody>
       </p:sp>
@@ -20066,7 +19714,6 @@
               <a:rPr lang="zh-CN" altLang="en-US"/>
               <a:t>微服务</a:t>
             </a:r>
-            <a:endParaRPr lang="zh-CN" altLang="en-US"/>
           </a:p>
         </p:txBody>
       </p:sp>
@@ -20143,7 +19790,6 @@
               <a:rPr lang="en-US" altLang="zh-CN" dirty="0"/>
               <a:t>DB</a:t>
             </a:r>
-            <a:endParaRPr lang="en-US" altLang="zh-CN" dirty="0"/>
           </a:p>
         </p:txBody>
       </p:sp>
@@ -20180,13 +19826,6 @@
               </a:rPr>
               <a:t>参考资料：Öner Zafer</a:t>
             </a:r>
-            <a:endParaRPr lang="zh-CN" altLang="en-US" sz="1000" dirty="0">
-              <a:solidFill>
-                <a:schemeClr val="bg1"/>
-              </a:solidFill>
-              <a:latin typeface="微软雅黑" panose="020B0503020204020204" pitchFamily="34" charset="-122"/>
-              <a:ea typeface="微软雅黑" panose="020B0503020204020204" pitchFamily="34" charset="-122"/>
-            </a:endParaRPr>
           </a:p>
         </p:txBody>
       </p:sp>
@@ -20232,13 +19871,6 @@
               </a:rPr>
               <a:t>从后端微服务说起</a:t>
             </a:r>
-            <a:endParaRPr lang="zh-CN" altLang="en-US" sz="3200" dirty="0">
-              <a:solidFill>
-                <a:schemeClr val="bg1"/>
-              </a:solidFill>
-              <a:latin typeface="微软雅黑" panose="020B0503020204020204" pitchFamily="34" charset="-122"/>
-              <a:ea typeface="微软雅黑" panose="020B0503020204020204" pitchFamily="34" charset="-122"/>
-            </a:endParaRPr>
           </a:p>
         </p:txBody>
       </p:sp>
@@ -20367,7 +19999,7 @@
                             </p:stCondLst>
                             <p:childTnLst>
                               <p:par>
-                                <p:cTn id="12" presetID="42" presetClass="entr" presetSubtype="0" fill="hold" grpId="0" nodeType="clickEffect">
+                                <p:cTn id="12" presetID="2" presetClass="entr" presetSubtype="4" fill="hold" grpId="0" nodeType="clickEffect">
                                   <p:stCondLst>
                                     <p:cond delay="0"/>
                                   </p:stCondLst>
@@ -20390,51 +20022,43 @@
                                         <p:strVal val="visible"/>
                                       </p:to>
                                     </p:set>
-                                    <p:animEffect transition="in" filter="fade">
-                                      <p:cBhvr>
-                                        <p:cTn id="14" dur="1000"/>
+                                    <p:anim calcmode="lin" valueType="num">
+                                      <p:cBhvr additive="base">
+                                        <p:cTn id="14" dur="500" fill="hold"/>
                                         <p:tgtEl>
                                           <p:spTgt spid="4"/>
                                         </p:tgtEl>
-                                      </p:cBhvr>
-                                    </p:animEffect>
-                                    <p:anim calcmode="lin" valueType="num">
-                                      <p:cBhvr>
-                                        <p:cTn id="15" dur="1000" fill="hold"/>
+                                        <p:attrNameLst>
+                                          <p:attrName>ppt_x</p:attrName>
+                                        </p:attrNameLst>
+                                      </p:cBhvr>
+                                      <p:tavLst>
+                                        <p:tav tm="0">
+                                          <p:val>
+                                            <p:strVal val="#ppt_x"/>
+                                          </p:val>
+                                        </p:tav>
+                                        <p:tav tm="100000">
+                                          <p:val>
+                                            <p:strVal val="#ppt_x"/>
+                                          </p:val>
+                                        </p:tav>
+                                      </p:tavLst>
+                                    </p:anim>
+                                    <p:anim calcmode="lin" valueType="num">
+                                      <p:cBhvr additive="base">
+                                        <p:cTn id="15" dur="500" fill="hold"/>
                                         <p:tgtEl>
                                           <p:spTgt spid="4"/>
                                         </p:tgtEl>
                                         <p:attrNameLst>
-                                          <p:attrName>ppt_x</p:attrName>
-                                        </p:attrNameLst>
-                                      </p:cBhvr>
-                                      <p:tavLst>
-                                        <p:tav tm="0">
-                                          <p:val>
-                                            <p:strVal val="#ppt_x"/>
-                                          </p:val>
-                                        </p:tav>
-                                        <p:tav tm="100000">
-                                          <p:val>
-                                            <p:strVal val="#ppt_x"/>
-                                          </p:val>
-                                        </p:tav>
-                                      </p:tavLst>
-                                    </p:anim>
-                                    <p:anim calcmode="lin" valueType="num">
-                                      <p:cBhvr>
-                                        <p:cTn id="16" dur="1000" fill="hold"/>
-                                        <p:tgtEl>
-                                          <p:spTgt spid="4"/>
-                                        </p:tgtEl>
-                                        <p:attrNameLst>
                                           <p:attrName>ppt_y</p:attrName>
                                         </p:attrNameLst>
                                       </p:cBhvr>
                                       <p:tavLst>
                                         <p:tav tm="0">
                                           <p:val>
-                                            <p:strVal val="#ppt_y+.1"/>
+                                            <p:strVal val="1+#ppt_h/2"/>
                                           </p:val>
                                         </p:tav>
                                         <p:tav tm="100000">
@@ -20448,14 +20072,14 @@
                                 </p:cTn>
                               </p:par>
                               <p:par>
-                                <p:cTn id="17" presetID="42" presetClass="entr" presetSubtype="0" fill="hold" nodeType="withEffect">
+                                <p:cTn id="16" presetID="2" presetClass="entr" presetSubtype="4" fill="hold" nodeType="withEffect">
                                   <p:stCondLst>
                                     <p:cond delay="0"/>
                                   </p:stCondLst>
                                   <p:childTnLst>
                                     <p:set>
                                       <p:cBhvr>
-                                        <p:cTn id="18" dur="1" fill="hold">
+                                        <p:cTn id="17" dur="1" fill="hold">
                                           <p:stCondLst>
                                             <p:cond delay="0"/>
                                           </p:stCondLst>
@@ -20471,51 +20095,43 @@
                                         <p:strVal val="visible"/>
                                       </p:to>
                                     </p:set>
-                                    <p:animEffect transition="in" filter="fade">
-                                      <p:cBhvr>
-                                        <p:cTn id="19" dur="1000"/>
+                                    <p:anim calcmode="lin" valueType="num">
+                                      <p:cBhvr additive="base">
+                                        <p:cTn id="18" dur="500" fill="hold"/>
                                         <p:tgtEl>
                                           <p:spTgt spid="7"/>
                                         </p:tgtEl>
-                                      </p:cBhvr>
-                                    </p:animEffect>
-                                    <p:anim calcmode="lin" valueType="num">
-                                      <p:cBhvr>
-                                        <p:cTn id="20" dur="1000" fill="hold"/>
+                                        <p:attrNameLst>
+                                          <p:attrName>ppt_x</p:attrName>
+                                        </p:attrNameLst>
+                                      </p:cBhvr>
+                                      <p:tavLst>
+                                        <p:tav tm="0">
+                                          <p:val>
+                                            <p:strVal val="#ppt_x"/>
+                                          </p:val>
+                                        </p:tav>
+                                        <p:tav tm="100000">
+                                          <p:val>
+                                            <p:strVal val="#ppt_x"/>
+                                          </p:val>
+                                        </p:tav>
+                                      </p:tavLst>
+                                    </p:anim>
+                                    <p:anim calcmode="lin" valueType="num">
+                                      <p:cBhvr additive="base">
+                                        <p:cTn id="19" dur="500" fill="hold"/>
                                         <p:tgtEl>
                                           <p:spTgt spid="7"/>
                                         </p:tgtEl>
                                         <p:attrNameLst>
-                                          <p:attrName>ppt_x</p:attrName>
-                                        </p:attrNameLst>
-                                      </p:cBhvr>
-                                      <p:tavLst>
-                                        <p:tav tm="0">
-                                          <p:val>
-                                            <p:strVal val="#ppt_x"/>
-                                          </p:val>
-                                        </p:tav>
-                                        <p:tav tm="100000">
-                                          <p:val>
-                                            <p:strVal val="#ppt_x"/>
-                                          </p:val>
-                                        </p:tav>
-                                      </p:tavLst>
-                                    </p:anim>
-                                    <p:anim calcmode="lin" valueType="num">
-                                      <p:cBhvr>
-                                        <p:cTn id="21" dur="1000" fill="hold"/>
-                                        <p:tgtEl>
-                                          <p:spTgt spid="7"/>
-                                        </p:tgtEl>
-                                        <p:attrNameLst>
                                           <p:attrName>ppt_y</p:attrName>
                                         </p:attrNameLst>
                                       </p:cBhvr>
                                       <p:tavLst>
                                         <p:tav tm="0">
                                           <p:val>
-                                            <p:strVal val="#ppt_y+.1"/>
+                                            <p:strVal val="1+#ppt_h/2"/>
                                           </p:val>
                                         </p:tav>
                                         <p:tav tm="100000">
@@ -20529,14 +20145,14 @@
                                 </p:cTn>
                               </p:par>
                               <p:par>
-                                <p:cTn id="22" presetID="42" presetClass="entr" presetSubtype="0" fill="hold" nodeType="withEffect">
+                                <p:cTn id="20" presetID="2" presetClass="entr" presetSubtype="4" fill="hold" nodeType="withEffect">
                                   <p:stCondLst>
                                     <p:cond delay="0"/>
                                   </p:stCondLst>
                                   <p:childTnLst>
                                     <p:set>
                                       <p:cBhvr>
-                                        <p:cTn id="23" dur="1" fill="hold">
+                                        <p:cTn id="21" dur="1" fill="hold">
                                           <p:stCondLst>
                                             <p:cond delay="0"/>
                                           </p:stCondLst>
@@ -20552,51 +20168,43 @@
                                         <p:strVal val="visible"/>
                                       </p:to>
                                     </p:set>
-                                    <p:animEffect transition="in" filter="fade">
-                                      <p:cBhvr>
-                                        <p:cTn id="24" dur="1000"/>
+                                    <p:anim calcmode="lin" valueType="num">
+                                      <p:cBhvr additive="base">
+                                        <p:cTn id="22" dur="500" fill="hold"/>
                                         <p:tgtEl>
                                           <p:spTgt spid="8"/>
                                         </p:tgtEl>
-                                      </p:cBhvr>
-                                    </p:animEffect>
-                                    <p:anim calcmode="lin" valueType="num">
-                                      <p:cBhvr>
-                                        <p:cTn id="25" dur="1000" fill="hold"/>
+                                        <p:attrNameLst>
+                                          <p:attrName>ppt_x</p:attrName>
+                                        </p:attrNameLst>
+                                      </p:cBhvr>
+                                      <p:tavLst>
+                                        <p:tav tm="0">
+                                          <p:val>
+                                            <p:strVal val="#ppt_x"/>
+                                          </p:val>
+                                        </p:tav>
+                                        <p:tav tm="100000">
+                                          <p:val>
+                                            <p:strVal val="#ppt_x"/>
+                                          </p:val>
+                                        </p:tav>
+                                      </p:tavLst>
+                                    </p:anim>
+                                    <p:anim calcmode="lin" valueType="num">
+                                      <p:cBhvr additive="base">
+                                        <p:cTn id="23" dur="500" fill="hold"/>
                                         <p:tgtEl>
                                           <p:spTgt spid="8"/>
                                         </p:tgtEl>
                                         <p:attrNameLst>
-                                          <p:attrName>ppt_x</p:attrName>
-                                        </p:attrNameLst>
-                                      </p:cBhvr>
-                                      <p:tavLst>
-                                        <p:tav tm="0">
-                                          <p:val>
-                                            <p:strVal val="#ppt_x"/>
-                                          </p:val>
-                                        </p:tav>
-                                        <p:tav tm="100000">
-                                          <p:val>
-                                            <p:strVal val="#ppt_x"/>
-                                          </p:val>
-                                        </p:tav>
-                                      </p:tavLst>
-                                    </p:anim>
-                                    <p:anim calcmode="lin" valueType="num">
-                                      <p:cBhvr>
-                                        <p:cTn id="26" dur="1000" fill="hold"/>
-                                        <p:tgtEl>
-                                          <p:spTgt spid="8"/>
-                                        </p:tgtEl>
-                                        <p:attrNameLst>
                                           <p:attrName>ppt_y</p:attrName>
                                         </p:attrNameLst>
                                       </p:cBhvr>
                                       <p:tavLst>
                                         <p:tav tm="0">
                                           <p:val>
-                                            <p:strVal val="#ppt_y+.1"/>
+                                            <p:strVal val="1+#ppt_h/2"/>
                                           </p:val>
                                         </p:tav>
                                         <p:tav tm="100000">
@@ -20610,14 +20218,14 @@
                                 </p:cTn>
                               </p:par>
                               <p:par>
-                                <p:cTn id="27" presetID="42" presetClass="entr" presetSubtype="0" fill="hold" nodeType="withEffect">
+                                <p:cTn id="24" presetID="2" presetClass="entr" presetSubtype="4" fill="hold" nodeType="withEffect">
                                   <p:stCondLst>
                                     <p:cond delay="0"/>
                                   </p:stCondLst>
                                   <p:childTnLst>
                                     <p:set>
                                       <p:cBhvr>
-                                        <p:cTn id="28" dur="1" fill="hold">
+                                        <p:cTn id="25" dur="1" fill="hold">
                                           <p:stCondLst>
                                             <p:cond delay="0"/>
                                           </p:stCondLst>
@@ -20633,51 +20241,43 @@
                                         <p:strVal val="visible"/>
                                       </p:to>
                                     </p:set>
-                                    <p:animEffect transition="in" filter="fade">
-                                      <p:cBhvr>
-                                        <p:cTn id="29" dur="1000"/>
+                                    <p:anim calcmode="lin" valueType="num">
+                                      <p:cBhvr additive="base">
+                                        <p:cTn id="26" dur="500" fill="hold"/>
                                         <p:tgtEl>
                                           <p:spTgt spid="9"/>
                                         </p:tgtEl>
-                                      </p:cBhvr>
-                                    </p:animEffect>
-                                    <p:anim calcmode="lin" valueType="num">
-                                      <p:cBhvr>
-                                        <p:cTn id="30" dur="1000" fill="hold"/>
+                                        <p:attrNameLst>
+                                          <p:attrName>ppt_x</p:attrName>
+                                        </p:attrNameLst>
+                                      </p:cBhvr>
+                                      <p:tavLst>
+                                        <p:tav tm="0">
+                                          <p:val>
+                                            <p:strVal val="#ppt_x"/>
+                                          </p:val>
+                                        </p:tav>
+                                        <p:tav tm="100000">
+                                          <p:val>
+                                            <p:strVal val="#ppt_x"/>
+                                          </p:val>
+                                        </p:tav>
+                                      </p:tavLst>
+                                    </p:anim>
+                                    <p:anim calcmode="lin" valueType="num">
+                                      <p:cBhvr additive="base">
+                                        <p:cTn id="27" dur="500" fill="hold"/>
                                         <p:tgtEl>
                                           <p:spTgt spid="9"/>
                                         </p:tgtEl>
                                         <p:attrNameLst>
-                                          <p:attrName>ppt_x</p:attrName>
-                                        </p:attrNameLst>
-                                      </p:cBhvr>
-                                      <p:tavLst>
-                                        <p:tav tm="0">
-                                          <p:val>
-                                            <p:strVal val="#ppt_x"/>
-                                          </p:val>
-                                        </p:tav>
-                                        <p:tav tm="100000">
-                                          <p:val>
-                                            <p:strVal val="#ppt_x"/>
-                                          </p:val>
-                                        </p:tav>
-                                      </p:tavLst>
-                                    </p:anim>
-                                    <p:anim calcmode="lin" valueType="num">
-                                      <p:cBhvr>
-                                        <p:cTn id="31" dur="1000" fill="hold"/>
-                                        <p:tgtEl>
-                                          <p:spTgt spid="9"/>
-                                        </p:tgtEl>
-                                        <p:attrNameLst>
                                           <p:attrName>ppt_y</p:attrName>
                                         </p:attrNameLst>
                                       </p:cBhvr>
                                       <p:tavLst>
                                         <p:tav tm="0">
                                           <p:val>
-                                            <p:strVal val="#ppt_y+.1"/>
+                                            <p:strVal val="1+#ppt_h/2"/>
                                           </p:val>
                                         </p:tav>
                                         <p:tav tm="100000">
@@ -20691,20 +20291,93 @@
                                 </p:cTn>
                               </p:par>
                               <p:par>
-                                <p:cTn id="32" presetID="42" presetClass="entr" presetSubtype="0" fill="hold" grpId="0" nodeType="withEffect">
+                                <p:cTn id="28" presetID="2" presetClass="entr" presetSubtype="4" fill="hold" grpId="0" nodeType="withEffect">
                                   <p:stCondLst>
                                     <p:cond delay="0"/>
                                   </p:stCondLst>
                                   <p:childTnLst>
                                     <p:set>
                                       <p:cBhvr>
+                                        <p:cTn id="29" dur="1" fill="hold">
+                                          <p:stCondLst>
+                                            <p:cond delay="0"/>
+                                          </p:stCondLst>
+                                        </p:cTn>
+                                        <p:tgtEl>
+                                          <p:spTgt spid="10"/>
+                                        </p:tgtEl>
+                                        <p:attrNameLst>
+                                          <p:attrName>style.visibility</p:attrName>
+                                        </p:attrNameLst>
+                                      </p:cBhvr>
+                                      <p:to>
+                                        <p:strVal val="visible"/>
+                                      </p:to>
+                                    </p:set>
+                                    <p:anim calcmode="lin" valueType="num">
+                                      <p:cBhvr additive="base">
+                                        <p:cTn id="30" dur="500" fill="hold"/>
+                                        <p:tgtEl>
+                                          <p:spTgt spid="10"/>
+                                        </p:tgtEl>
+                                        <p:attrNameLst>
+                                          <p:attrName>ppt_x</p:attrName>
+                                        </p:attrNameLst>
+                                      </p:cBhvr>
+                                      <p:tavLst>
+                                        <p:tav tm="0">
+                                          <p:val>
+                                            <p:strVal val="#ppt_x"/>
+                                          </p:val>
+                                        </p:tav>
+                                        <p:tav tm="100000">
+                                          <p:val>
+                                            <p:strVal val="#ppt_x"/>
+                                          </p:val>
+                                        </p:tav>
+                                      </p:tavLst>
+                                    </p:anim>
+                                    <p:anim calcmode="lin" valueType="num">
+                                      <p:cBhvr additive="base">
+                                        <p:cTn id="31" dur="500" fill="hold"/>
+                                        <p:tgtEl>
+                                          <p:spTgt spid="10"/>
+                                        </p:tgtEl>
+                                        <p:attrNameLst>
+                                          <p:attrName>ppt_y</p:attrName>
+                                        </p:attrNameLst>
+                                      </p:cBhvr>
+                                      <p:tavLst>
+                                        <p:tav tm="0">
+                                          <p:val>
+                                            <p:strVal val="1+#ppt_h/2"/>
+                                          </p:val>
+                                        </p:tav>
+                                        <p:tav tm="100000">
+                                          <p:val>
+                                            <p:strVal val="#ppt_y"/>
+                                          </p:val>
+                                        </p:tav>
+                                      </p:tavLst>
+                                    </p:anim>
+                                  </p:childTnLst>
+                                </p:cTn>
+                              </p:par>
+                              <p:par>
+                                <p:cTn id="32" presetID="2" presetClass="entr" presetSubtype="4" fill="hold" nodeType="withEffect">
+                                  <p:stCondLst>
+                                    <p:cond delay="0"/>
+                                  </p:stCondLst>
+                                  <p:childTnLst>
+                                    <p:set>
+                                      <p:cBhvr>
                                         <p:cTn id="33" dur="1" fill="hold">
                                           <p:stCondLst>
                                             <p:cond delay="0"/>
                                           </p:stCondLst>
                                         </p:cTn>
                                         <p:tgtEl>
-                                          <p:spTgt spid="10"/>
+                                          <p:spTgt spid="11"/>
                                         </p:tgtEl>
                                         <p:attrNameLst>
                                           <p:attrName>style.visibility</p:attrName>
@@ -20714,19 +20387,11 @@
                                         <p:strVal val="visible"/>
                                       </p:to>
                                     </p:set>
-                                    <p:animEffect transition="in" filter="fade">
-                                      <p:cBhvr>
-                                        <p:cTn id="34" dur="1000"/>
-                                        <p:tgtEl>
-                                          <p:spTgt spid="10"/>
-                                        </p:tgtEl>
-                                      </p:cBhvr>
-                                    </p:animEffect>
-                                    <p:anim calcmode="lin" valueType="num">
-                                      <p:cBhvr>
-                                        <p:cTn id="35" dur="1000" fill="hold"/>
-                                        <p:tgtEl>
-                                          <p:spTgt spid="10"/>
+                                    <p:anim calcmode="lin" valueType="num">
+                                      <p:cBhvr additive="base">
+                                        <p:cTn id="34" dur="500" fill="hold"/>
+                                        <p:tgtEl>
+                                          <p:spTgt spid="11"/>
                                         </p:tgtEl>
                                         <p:attrNameLst>
                                           <p:attrName>ppt_x</p:attrName>
@@ -20746,10 +20411,10 @@
                                       </p:tavLst>
                                     </p:anim>
                                     <p:anim calcmode="lin" valueType="num">
-                                      <p:cBhvr>
-                                        <p:cTn id="36" dur="1000" fill="hold"/>
-                                        <p:tgtEl>
-                                          <p:spTgt spid="10"/>
+                                      <p:cBhvr additive="base">
+                                        <p:cTn id="35" dur="500" fill="hold"/>
+                                        <p:tgtEl>
+                                          <p:spTgt spid="11"/>
                                         </p:tgtEl>
                                         <p:attrNameLst>
                                           <p:attrName>ppt_y</p:attrName>
@@ -20758,7 +20423,7 @@
                                       <p:tavLst>
                                         <p:tav tm="0">
                                           <p:val>
-                                            <p:strVal val="#ppt_y+.1"/>
+                                            <p:strVal val="1+#ppt_h/2"/>
                                           </p:val>
                                         </p:tav>
                                         <p:tav tm="100000">
@@ -20772,20 +20437,20 @@
                                 </p:cTn>
                               </p:par>
                               <p:par>
-                                <p:cTn id="37" presetID="42" presetClass="entr" presetSubtype="0" fill="hold" nodeType="withEffect">
+                                <p:cTn id="36" presetID="2" presetClass="entr" presetSubtype="4" fill="hold" grpId="0" nodeType="withEffect">
                                   <p:stCondLst>
                                     <p:cond delay="0"/>
                                   </p:stCondLst>
                                   <p:childTnLst>
                                     <p:set>
                                       <p:cBhvr>
-                                        <p:cTn id="38" dur="1" fill="hold">
+                                        <p:cTn id="37" dur="1" fill="hold">
                                           <p:stCondLst>
                                             <p:cond delay="0"/>
                                           </p:stCondLst>
                                         </p:cTn>
                                         <p:tgtEl>
-                                          <p:spTgt spid="11"/>
+                                          <p:spTgt spid="12"/>
                                         </p:tgtEl>
                                         <p:attrNameLst>
                                           <p:attrName>style.visibility</p:attrName>
@@ -20795,19 +20460,11 @@
                                         <p:strVal val="visible"/>
                                       </p:to>
                                     </p:set>
-                                    <p:animEffect transition="in" filter="fade">
-                                      <p:cBhvr>
-                                        <p:cTn id="39" dur="1000"/>
-                                        <p:tgtEl>
-                                          <p:spTgt spid="11"/>
-                                        </p:tgtEl>
-                                      </p:cBhvr>
-                                    </p:animEffect>
-                                    <p:anim calcmode="lin" valueType="num">
-                                      <p:cBhvr>
-                                        <p:cTn id="40" dur="1000" fill="hold"/>
-                                        <p:tgtEl>
-                                          <p:spTgt spid="11"/>
+                                    <p:anim calcmode="lin" valueType="num">
+                                      <p:cBhvr additive="base">
+                                        <p:cTn id="38" dur="500" fill="hold"/>
+                                        <p:tgtEl>
+                                          <p:spTgt spid="12"/>
                                         </p:tgtEl>
                                         <p:attrNameLst>
                                           <p:attrName>ppt_x</p:attrName>
@@ -20827,10 +20484,10 @@
                                       </p:tavLst>
                                     </p:anim>
                                     <p:anim calcmode="lin" valueType="num">
-                                      <p:cBhvr>
-                                        <p:cTn id="41" dur="1000" fill="hold"/>
-                                        <p:tgtEl>
-                                          <p:spTgt spid="11"/>
+                                      <p:cBhvr additive="base">
+                                        <p:cTn id="39" dur="500" fill="hold"/>
+                                        <p:tgtEl>
+                                          <p:spTgt spid="12"/>
                                         </p:tgtEl>
                                         <p:attrNameLst>
                                           <p:attrName>ppt_y</p:attrName>
@@ -20839,7 +20496,7 @@
                                       <p:tavLst>
                                         <p:tav tm="0">
                                           <p:val>
-                                            <p:strVal val="#ppt_y+.1"/>
+                                            <p:strVal val="1+#ppt_h/2"/>
                                           </p:val>
                                         </p:tav>
                                         <p:tav tm="100000">
@@ -20853,20 +20510,20 @@
                                 </p:cTn>
                               </p:par>
                               <p:par>
-                                <p:cTn id="42" presetID="42" presetClass="entr" presetSubtype="0" fill="hold" grpId="0" nodeType="withEffect">
+                                <p:cTn id="40" presetID="2" presetClass="entr" presetSubtype="4" fill="hold" nodeType="withEffect">
                                   <p:stCondLst>
                                     <p:cond delay="0"/>
                                   </p:stCondLst>
                                   <p:childTnLst>
                                     <p:set>
                                       <p:cBhvr>
-                                        <p:cTn id="43" dur="1" fill="hold">
+                                        <p:cTn id="41" dur="1" fill="hold">
                                           <p:stCondLst>
                                             <p:cond delay="0"/>
                                           </p:stCondLst>
                                         </p:cTn>
                                         <p:tgtEl>
-                                          <p:spTgt spid="12"/>
+                                          <p:spTgt spid="13"/>
                                         </p:tgtEl>
                                         <p:attrNameLst>
                                           <p:attrName>style.visibility</p:attrName>
@@ -20876,19 +20533,11 @@
                                         <p:strVal val="visible"/>
                                       </p:to>
                                     </p:set>
-                                    <p:animEffect transition="in" filter="fade">
-                                      <p:cBhvr>
-                                        <p:cTn id="44" dur="1000"/>
-                                        <p:tgtEl>
-                                          <p:spTgt spid="12"/>
-                                        </p:tgtEl>
-                                      </p:cBhvr>
-                                    </p:animEffect>
-                                    <p:anim calcmode="lin" valueType="num">
-                                      <p:cBhvr>
-                                        <p:cTn id="45" dur="1000" fill="hold"/>
-                                        <p:tgtEl>
-                                          <p:spTgt spid="12"/>
+                                    <p:anim calcmode="lin" valueType="num">
+                                      <p:cBhvr additive="base">
+                                        <p:cTn id="42" dur="500" fill="hold"/>
+                                        <p:tgtEl>
+                                          <p:spTgt spid="13"/>
                                         </p:tgtEl>
                                         <p:attrNameLst>
                                           <p:attrName>ppt_x</p:attrName>
@@ -20908,10 +20557,10 @@
                                       </p:tavLst>
                                     </p:anim>
                                     <p:anim calcmode="lin" valueType="num">
-                                      <p:cBhvr>
-                                        <p:cTn id="46" dur="1000" fill="hold"/>
-                                        <p:tgtEl>
-                                          <p:spTgt spid="12"/>
+                                      <p:cBhvr additive="base">
+                                        <p:cTn id="43" dur="500" fill="hold"/>
+                                        <p:tgtEl>
+                                          <p:spTgt spid="13"/>
                                         </p:tgtEl>
                                         <p:attrNameLst>
                                           <p:attrName>ppt_y</p:attrName>
@@ -20920,7 +20569,7 @@
                                       <p:tavLst>
                                         <p:tav tm="0">
                                           <p:val>
-                                            <p:strVal val="#ppt_y+.1"/>
+                                            <p:strVal val="1+#ppt_h/2"/>
                                           </p:val>
                                         </p:tav>
                                         <p:tav tm="100000">
@@ -20934,20 +20583,20 @@
                                 </p:cTn>
                               </p:par>
                               <p:par>
-                                <p:cTn id="47" presetID="42" presetClass="entr" presetSubtype="0" fill="hold" nodeType="withEffect">
+                                <p:cTn id="44" presetID="2" presetClass="entr" presetSubtype="4" fill="hold" nodeType="withEffect">
                                   <p:stCondLst>
                                     <p:cond delay="0"/>
                                   </p:stCondLst>
                                   <p:childTnLst>
                                     <p:set>
                                       <p:cBhvr>
-                                        <p:cTn id="48" dur="1" fill="hold">
+                                        <p:cTn id="45" dur="1" fill="hold">
                                           <p:stCondLst>
                                             <p:cond delay="0"/>
                                           </p:stCondLst>
                                         </p:cTn>
                                         <p:tgtEl>
-                                          <p:spTgt spid="13"/>
+                                          <p:spTgt spid="14"/>
                                         </p:tgtEl>
                                         <p:attrNameLst>
                                           <p:attrName>style.visibility</p:attrName>
@@ -20957,19 +20606,11 @@
                                         <p:strVal val="visible"/>
                                       </p:to>
                                     </p:set>
-                                    <p:animEffect transition="in" filter="fade">
-                                      <p:cBhvr>
-                                        <p:cTn id="49" dur="1000"/>
-                                        <p:tgtEl>
-                                          <p:spTgt spid="13"/>
-                                        </p:tgtEl>
-                                      </p:cBhvr>
-                                    </p:animEffect>
-                                    <p:anim calcmode="lin" valueType="num">
-                                      <p:cBhvr>
-                                        <p:cTn id="50" dur="1000" fill="hold"/>
-                                        <p:tgtEl>
-                                          <p:spTgt spid="13"/>
+                                    <p:anim calcmode="lin" valueType="num">
+                                      <p:cBhvr additive="base">
+                                        <p:cTn id="46" dur="500" fill="hold"/>
+                                        <p:tgtEl>
+                                          <p:spTgt spid="14"/>
                                         </p:tgtEl>
                                         <p:attrNameLst>
                                           <p:attrName>ppt_x</p:attrName>
@@ -20989,10 +20630,10 @@
                                       </p:tavLst>
                                     </p:anim>
                                     <p:anim calcmode="lin" valueType="num">
-                                      <p:cBhvr>
-                                        <p:cTn id="51" dur="1000" fill="hold"/>
-                                        <p:tgtEl>
-                                          <p:spTgt spid="13"/>
+                                      <p:cBhvr additive="base">
+                                        <p:cTn id="47" dur="500" fill="hold"/>
+                                        <p:tgtEl>
+                                          <p:spTgt spid="14"/>
                                         </p:tgtEl>
                                         <p:attrNameLst>
                                           <p:attrName>ppt_y</p:attrName>
@@ -21001,7 +20642,7 @@
                                       <p:tavLst>
                                         <p:tav tm="0">
                                           <p:val>
-                                            <p:strVal val="#ppt_y+.1"/>
+                                            <p:strVal val="1+#ppt_h/2"/>
                                           </p:val>
                                         </p:tav>
                                         <p:tav tm="100000">
@@ -21015,20 +20656,93 @@
                                 </p:cTn>
                               </p:par>
                               <p:par>
-                                <p:cTn id="52" presetID="42" presetClass="entr" presetSubtype="0" fill="hold" nodeType="withEffect">
+                                <p:cTn id="48" presetID="2" presetClass="entr" presetSubtype="4" fill="hold" nodeType="withEffect">
                                   <p:stCondLst>
                                     <p:cond delay="0"/>
                                   </p:stCondLst>
                                   <p:childTnLst>
                                     <p:set>
                                       <p:cBhvr>
+                                        <p:cTn id="49" dur="1" fill="hold">
+                                          <p:stCondLst>
+                                            <p:cond delay="0"/>
+                                          </p:stCondLst>
+                                        </p:cTn>
+                                        <p:tgtEl>
+                                          <p:spTgt spid="15"/>
+                                        </p:tgtEl>
+                                        <p:attrNameLst>
+                                          <p:attrName>style.visibility</p:attrName>
+                                        </p:attrNameLst>
+                                      </p:cBhvr>
+                                      <p:to>
+                                        <p:strVal val="visible"/>
+                                      </p:to>
+                                    </p:set>
+                                    <p:anim calcmode="lin" valueType="num">
+                                      <p:cBhvr additive="base">
+                                        <p:cTn id="50" dur="500" fill="hold"/>
+                                        <p:tgtEl>
+                                          <p:spTgt spid="15"/>
+                                        </p:tgtEl>
+                                        <p:attrNameLst>
+                                          <p:attrName>ppt_x</p:attrName>
+                                        </p:attrNameLst>
+                                      </p:cBhvr>
+                                      <p:tavLst>
+                                        <p:tav tm="0">
+                                          <p:val>
+                                            <p:strVal val="#ppt_x"/>
+                                          </p:val>
+                                        </p:tav>
+                                        <p:tav tm="100000">
+                                          <p:val>
+                                            <p:strVal val="#ppt_x"/>
+                                          </p:val>
+                                        </p:tav>
+                                      </p:tavLst>
+                                    </p:anim>
+                                    <p:anim calcmode="lin" valueType="num">
+                                      <p:cBhvr additive="base">
+                                        <p:cTn id="51" dur="500" fill="hold"/>
+                                        <p:tgtEl>
+                                          <p:spTgt spid="15"/>
+                                        </p:tgtEl>
+                                        <p:attrNameLst>
+                                          <p:attrName>ppt_y</p:attrName>
+                                        </p:attrNameLst>
+                                      </p:cBhvr>
+                                      <p:tavLst>
+                                        <p:tav tm="0">
+                                          <p:val>
+                                            <p:strVal val="1+#ppt_h/2"/>
+                                          </p:val>
+                                        </p:tav>
+                                        <p:tav tm="100000">
+                                          <p:val>
+                                            <p:strVal val="#ppt_y"/>
+                                          </p:val>
+                                        </p:tav>
+                                      </p:tavLst>
+                                    </p:anim>
+                                  </p:childTnLst>
+                                </p:cTn>
+                              </p:par>
+                              <p:par>
+                                <p:cTn id="52" presetID="2" presetClass="entr" presetSubtype="4" fill="hold" nodeType="withEffect">
+                                  <p:stCondLst>
+                                    <p:cond delay="0"/>
+                                  </p:stCondLst>
+                                  <p:childTnLst>
+                                    <p:set>
+                                      <p:cBhvr>
                                         <p:cTn id="53" dur="1" fill="hold">
                                           <p:stCondLst>
                                             <p:cond delay="0"/>
                                           </p:stCondLst>
                                         </p:cTn>
                                         <p:tgtEl>
-                                          <p:spTgt spid="14"/>
+                                          <p:spTgt spid="16"/>
                                         </p:tgtEl>
                                         <p:attrNameLst>
                                           <p:attrName>style.visibility</p:attrName>
@@ -21038,19 +20752,11 @@
                                         <p:strVal val="visible"/>
                                       </p:to>
                                     </p:set>
-                                    <p:animEffect transition="in" filter="fade">
-                                      <p:cBhvr>
-                                        <p:cTn id="54" dur="1000"/>
-                                        <p:tgtEl>
-                                          <p:spTgt spid="14"/>
-                                        </p:tgtEl>
-                                      </p:cBhvr>
-                                    </p:animEffect>
-                                    <p:anim calcmode="lin" valueType="num">
-                                      <p:cBhvr>
-                                        <p:cTn id="55" dur="1000" fill="hold"/>
-                                        <p:tgtEl>
-                                          <p:spTgt spid="14"/>
+                                    <p:anim calcmode="lin" valueType="num">
+                                      <p:cBhvr additive="base">
+                                        <p:cTn id="54" dur="500" fill="hold"/>
+                                        <p:tgtEl>
+                                          <p:spTgt spid="16"/>
                                         </p:tgtEl>
                                         <p:attrNameLst>
                                           <p:attrName>ppt_x</p:attrName>
@@ -21070,10 +20776,10 @@
                                       </p:tavLst>
                                     </p:anim>
                                     <p:anim calcmode="lin" valueType="num">
-                                      <p:cBhvr>
-                                        <p:cTn id="56" dur="1000" fill="hold"/>
-                                        <p:tgtEl>
-                                          <p:spTgt spid="14"/>
+                                      <p:cBhvr additive="base">
+                                        <p:cTn id="55" dur="500" fill="hold"/>
+                                        <p:tgtEl>
+                                          <p:spTgt spid="16"/>
                                         </p:tgtEl>
                                         <p:attrNameLst>
                                           <p:attrName>ppt_y</p:attrName>
@@ -21082,7 +20788,7 @@
                                       <p:tavLst>
                                         <p:tav tm="0">
                                           <p:val>
-                                            <p:strVal val="#ppt_y+.1"/>
+                                            <p:strVal val="1+#ppt_h/2"/>
                                           </p:val>
                                         </p:tav>
                                         <p:tav tm="100000">
@@ -21096,20 +20802,20 @@
                                 </p:cTn>
                               </p:par>
                               <p:par>
-                                <p:cTn id="57" presetID="42" presetClass="entr" presetSubtype="0" fill="hold" nodeType="withEffect">
+                                <p:cTn id="56" presetID="2" presetClass="entr" presetSubtype="4" fill="hold" grpId="0" nodeType="withEffect">
                                   <p:stCondLst>
                                     <p:cond delay="0"/>
                                   </p:stCondLst>
                                   <p:childTnLst>
                                     <p:set>
                                       <p:cBhvr>
-                                        <p:cTn id="58" dur="1" fill="hold">
+                                        <p:cTn id="57" dur="1" fill="hold">
                                           <p:stCondLst>
                                             <p:cond delay="0"/>
                                           </p:stCondLst>
                                         </p:cTn>
                                         <p:tgtEl>
-                                          <p:spTgt spid="15"/>
+                                          <p:spTgt spid="17"/>
                                         </p:tgtEl>
                                         <p:attrNameLst>
                                           <p:attrName>style.visibility</p:attrName>
@@ -21119,19 +20825,11 @@
                                         <p:strVal val="visible"/>
                                       </p:to>
                                     </p:set>
-                                    <p:animEffect transition="in" filter="fade">
-                                      <p:cBhvr>
-                                        <p:cTn id="59" dur="1000"/>
-                                        <p:tgtEl>
-                                          <p:spTgt spid="15"/>
-                                        </p:tgtEl>
-                                      </p:cBhvr>
-                                    </p:animEffect>
-                                    <p:anim calcmode="lin" valueType="num">
-                                      <p:cBhvr>
-                                        <p:cTn id="60" dur="1000" fill="hold"/>
-                                        <p:tgtEl>
-                                          <p:spTgt spid="15"/>
+                                    <p:anim calcmode="lin" valueType="num">
+                                      <p:cBhvr additive="base">
+                                        <p:cTn id="58" dur="500" fill="hold"/>
+                                        <p:tgtEl>
+                                          <p:spTgt spid="17"/>
                                         </p:tgtEl>
                                         <p:attrNameLst>
                                           <p:attrName>ppt_x</p:attrName>
@@ -21151,10 +20849,10 @@
                                       </p:tavLst>
                                     </p:anim>
                                     <p:anim calcmode="lin" valueType="num">
-                                      <p:cBhvr>
-                                        <p:cTn id="61" dur="1000" fill="hold"/>
-                                        <p:tgtEl>
-                                          <p:spTgt spid="15"/>
+                                      <p:cBhvr additive="base">
+                                        <p:cTn id="59" dur="500" fill="hold"/>
+                                        <p:tgtEl>
+                                          <p:spTgt spid="17"/>
                                         </p:tgtEl>
                                         <p:attrNameLst>
                                           <p:attrName>ppt_y</p:attrName>
@@ -21163,7 +20861,7 @@
                                       <p:tavLst>
                                         <p:tav tm="0">
                                           <p:val>
-                                            <p:strVal val="#ppt_y+.1"/>
+                                            <p:strVal val="1+#ppt_h/2"/>
                                           </p:val>
                                         </p:tav>
                                         <p:tav tm="100000">
@@ -21177,20 +20875,20 @@
                                 </p:cTn>
                               </p:par>
                               <p:par>
-                                <p:cTn id="62" presetID="42" presetClass="entr" presetSubtype="0" fill="hold" nodeType="withEffect">
+                                <p:cTn id="60" presetID="2" presetClass="entr" presetSubtype="4" fill="hold" grpId="0" nodeType="withEffect">
                                   <p:stCondLst>
                                     <p:cond delay="0"/>
                                   </p:stCondLst>
                                   <p:childTnLst>
                                     <p:set>
                                       <p:cBhvr>
-                                        <p:cTn id="63" dur="1" fill="hold">
+                                        <p:cTn id="61" dur="1" fill="hold">
                                           <p:stCondLst>
                                             <p:cond delay="0"/>
                                           </p:stCondLst>
                                         </p:cTn>
                                         <p:tgtEl>
-                                          <p:spTgt spid="16"/>
+                                          <p:spTgt spid="18"/>
                                         </p:tgtEl>
                                         <p:attrNameLst>
                                           <p:attrName>style.visibility</p:attrName>
@@ -21200,19 +20898,11 @@
                                         <p:strVal val="visible"/>
                                       </p:to>
                                     </p:set>
-                                    <p:animEffect transition="in" filter="fade">
-                                      <p:cBhvr>
-                                        <p:cTn id="64" dur="1000"/>
-                                        <p:tgtEl>
-                                          <p:spTgt spid="16"/>
-                                        </p:tgtEl>
-                                      </p:cBhvr>
-                                    </p:animEffect>
-                                    <p:anim calcmode="lin" valueType="num">
-                                      <p:cBhvr>
-                                        <p:cTn id="65" dur="1000" fill="hold"/>
-                                        <p:tgtEl>
-                                          <p:spTgt spid="16"/>
+                                    <p:anim calcmode="lin" valueType="num">
+                                      <p:cBhvr additive="base">
+                                        <p:cTn id="62" dur="500" fill="hold"/>
+                                        <p:tgtEl>
+                                          <p:spTgt spid="18"/>
                                         </p:tgtEl>
                                         <p:attrNameLst>
                                           <p:attrName>ppt_x</p:attrName>
@@ -21232,10 +20922,10 @@
                                       </p:tavLst>
                                     </p:anim>
                                     <p:anim calcmode="lin" valueType="num">
-                                      <p:cBhvr>
-                                        <p:cTn id="66" dur="1000" fill="hold"/>
-                                        <p:tgtEl>
-                                          <p:spTgt spid="16"/>
+                                      <p:cBhvr additive="base">
+                                        <p:cTn id="63" dur="500" fill="hold"/>
+                                        <p:tgtEl>
+                                          <p:spTgt spid="18"/>
                                         </p:tgtEl>
                                         <p:attrNameLst>
                                           <p:attrName>ppt_y</p:attrName>
@@ -21244,7 +20934,7 @@
                                       <p:tavLst>
                                         <p:tav tm="0">
                                           <p:val>
-                                            <p:strVal val="#ppt_y+.1"/>
+                                            <p:strVal val="1+#ppt_h/2"/>
                                           </p:val>
                                         </p:tav>
                                         <p:tav tm="100000">
@@ -21258,20 +20948,20 @@
                                 </p:cTn>
                               </p:par>
                               <p:par>
-                                <p:cTn id="67" presetID="42" presetClass="entr" presetSubtype="0" fill="hold" grpId="0" nodeType="withEffect">
+                                <p:cTn id="64" presetID="2" presetClass="entr" presetSubtype="4" fill="hold" nodeType="withEffect">
                                   <p:stCondLst>
                                     <p:cond delay="0"/>
                                   </p:stCondLst>
                                   <p:childTnLst>
                                     <p:set>
                                       <p:cBhvr>
-                                        <p:cTn id="68" dur="1" fill="hold">
+                                        <p:cTn id="65" dur="1" fill="hold">
                                           <p:stCondLst>
                                             <p:cond delay="0"/>
                                           </p:stCondLst>
                                         </p:cTn>
                                         <p:tgtEl>
-                                          <p:spTgt spid="17"/>
+                                          <p:spTgt spid="19"/>
                                         </p:tgtEl>
                                         <p:attrNameLst>
                                           <p:attrName>style.visibility</p:attrName>
@@ -21281,19 +20971,11 @@
                                         <p:strVal val="visible"/>
                                       </p:to>
                                     </p:set>
-                                    <p:animEffect transition="in" filter="fade">
-                                      <p:cBhvr>
-                                        <p:cTn id="69" dur="1000"/>
-                                        <p:tgtEl>
-                                          <p:spTgt spid="17"/>
-                                        </p:tgtEl>
-                                      </p:cBhvr>
-                                    </p:animEffect>
-                                    <p:anim calcmode="lin" valueType="num">
-                                      <p:cBhvr>
-                                        <p:cTn id="70" dur="1000" fill="hold"/>
-                                        <p:tgtEl>
-                                          <p:spTgt spid="17"/>
+                                    <p:anim calcmode="lin" valueType="num">
+                                      <p:cBhvr additive="base">
+                                        <p:cTn id="66" dur="500" fill="hold"/>
+                                        <p:tgtEl>
+                                          <p:spTgt spid="19"/>
                                         </p:tgtEl>
                                         <p:attrNameLst>
                                           <p:attrName>ppt_x</p:attrName>
@@ -21313,10 +20995,10 @@
                                       </p:tavLst>
                                     </p:anim>
                                     <p:anim calcmode="lin" valueType="num">
-                                      <p:cBhvr>
-                                        <p:cTn id="71" dur="1000" fill="hold"/>
-                                        <p:tgtEl>
-                                          <p:spTgt spid="17"/>
+                                      <p:cBhvr additive="base">
+                                        <p:cTn id="67" dur="500" fill="hold"/>
+                                        <p:tgtEl>
+                                          <p:spTgt spid="19"/>
                                         </p:tgtEl>
                                         <p:attrNameLst>
                                           <p:attrName>ppt_y</p:attrName>
@@ -21325,7 +21007,7 @@
                                       <p:tavLst>
                                         <p:tav tm="0">
                                           <p:val>
-                                            <p:strVal val="#ppt_y+.1"/>
+                                            <p:strVal val="1+#ppt_h/2"/>
                                           </p:val>
                                         </p:tav>
                                         <p:tav tm="100000">
@@ -21339,20 +21021,93 @@
                                 </p:cTn>
                               </p:par>
                               <p:par>
-                                <p:cTn id="72" presetID="42" presetClass="entr" presetSubtype="0" fill="hold" grpId="0" nodeType="withEffect">
+                                <p:cTn id="68" presetID="2" presetClass="entr" presetSubtype="4" fill="hold" grpId="0" nodeType="withEffect">
                                   <p:stCondLst>
                                     <p:cond delay="0"/>
                                   </p:stCondLst>
                                   <p:childTnLst>
                                     <p:set>
                                       <p:cBhvr>
+                                        <p:cTn id="69" dur="1" fill="hold">
+                                          <p:stCondLst>
+                                            <p:cond delay="0"/>
+                                          </p:stCondLst>
+                                        </p:cTn>
+                                        <p:tgtEl>
+                                          <p:spTgt spid="20"/>
+                                        </p:tgtEl>
+                                        <p:attrNameLst>
+                                          <p:attrName>style.visibility</p:attrName>
+                                        </p:attrNameLst>
+                                      </p:cBhvr>
+                                      <p:to>
+                                        <p:strVal val="visible"/>
+                                      </p:to>
+                                    </p:set>
+                                    <p:anim calcmode="lin" valueType="num">
+                                      <p:cBhvr additive="base">
+                                        <p:cTn id="70" dur="500" fill="hold"/>
+                                        <p:tgtEl>
+                                          <p:spTgt spid="20"/>
+                                        </p:tgtEl>
+                                        <p:attrNameLst>
+                                          <p:attrName>ppt_x</p:attrName>
+                                        </p:attrNameLst>
+                                      </p:cBhvr>
+                                      <p:tavLst>
+                                        <p:tav tm="0">
+                                          <p:val>
+                                            <p:strVal val="#ppt_x"/>
+                                          </p:val>
+                                        </p:tav>
+                                        <p:tav tm="100000">
+                                          <p:val>
+                                            <p:strVal val="#ppt_x"/>
+                                          </p:val>
+                                        </p:tav>
+                                      </p:tavLst>
+                                    </p:anim>
+                                    <p:anim calcmode="lin" valueType="num">
+                                      <p:cBhvr additive="base">
+                                        <p:cTn id="71" dur="500" fill="hold"/>
+                                        <p:tgtEl>
+                                          <p:spTgt spid="20"/>
+                                        </p:tgtEl>
+                                        <p:attrNameLst>
+                                          <p:attrName>ppt_y</p:attrName>
+                                        </p:attrNameLst>
+                                      </p:cBhvr>
+                                      <p:tavLst>
+                                        <p:tav tm="0">
+                                          <p:val>
+                                            <p:strVal val="1+#ppt_h/2"/>
+                                          </p:val>
+                                        </p:tav>
+                                        <p:tav tm="100000">
+                                          <p:val>
+                                            <p:strVal val="#ppt_y"/>
+                                          </p:val>
+                                        </p:tav>
+                                      </p:tavLst>
+                                    </p:anim>
+                                  </p:childTnLst>
+                                </p:cTn>
+                              </p:par>
+                              <p:par>
+                                <p:cTn id="72" presetID="2" presetClass="entr" presetSubtype="4" fill="hold" nodeType="withEffect">
+                                  <p:stCondLst>
+                                    <p:cond delay="0"/>
+                                  </p:stCondLst>
+                                  <p:childTnLst>
+                                    <p:set>
+                                      <p:cBhvr>
                                         <p:cTn id="73" dur="1" fill="hold">
                                           <p:stCondLst>
                                             <p:cond delay="0"/>
                                           </p:stCondLst>
                                         </p:cTn>
                                         <p:tgtEl>
-                                          <p:spTgt spid="18"/>
+                                          <p:spTgt spid="21"/>
                                         </p:tgtEl>
                                         <p:attrNameLst>
                                           <p:attrName>style.visibility</p:attrName>
@@ -21362,19 +21117,11 @@
                                         <p:strVal val="visible"/>
                                       </p:to>
                                     </p:set>
-                                    <p:animEffect transition="in" filter="fade">
-                                      <p:cBhvr>
-                                        <p:cTn id="74" dur="1000"/>
-                                        <p:tgtEl>
-                                          <p:spTgt spid="18"/>
-                                        </p:tgtEl>
-                                      </p:cBhvr>
-                                    </p:animEffect>
-                                    <p:anim calcmode="lin" valueType="num">
-                                      <p:cBhvr>
-                                        <p:cTn id="75" dur="1000" fill="hold"/>
-                                        <p:tgtEl>
-                                          <p:spTgt spid="18"/>
+                                    <p:anim calcmode="lin" valueType="num">
+                                      <p:cBhvr additive="base">
+                                        <p:cTn id="74" dur="500" fill="hold"/>
+                                        <p:tgtEl>
+                                          <p:spTgt spid="21"/>
                                         </p:tgtEl>
                                         <p:attrNameLst>
                                           <p:attrName>ppt_x</p:attrName>
@@ -21394,10 +21141,10 @@
                                       </p:tavLst>
                                     </p:anim>
                                     <p:anim calcmode="lin" valueType="num">
-                                      <p:cBhvr>
-                                        <p:cTn id="76" dur="1000" fill="hold"/>
-                                        <p:tgtEl>
-                                          <p:spTgt spid="18"/>
+                                      <p:cBhvr additive="base">
+                                        <p:cTn id="75" dur="500" fill="hold"/>
+                                        <p:tgtEl>
+                                          <p:spTgt spid="21"/>
                                         </p:tgtEl>
                                         <p:attrNameLst>
                                           <p:attrName>ppt_y</p:attrName>
@@ -21406,7 +21153,7 @@
                                       <p:tavLst>
                                         <p:tav tm="0">
                                           <p:val>
-                                            <p:strVal val="#ppt_y+.1"/>
+                                            <p:strVal val="1+#ppt_h/2"/>
                                           </p:val>
                                         </p:tav>
                                         <p:tav tm="100000">
@@ -21419,39 +21166,21 @@
                                   </p:childTnLst>
                                 </p:cTn>
                               </p:par>
-                            </p:childTnLst>
-                          </p:cTn>
-                        </p:par>
-                      </p:childTnLst>
-                    </p:cTn>
-                  </p:par>
-                  <p:par>
-                    <p:cTn id="77" fill="hold">
-                      <p:stCondLst>
-                        <p:cond delay="indefinite"/>
-                      </p:stCondLst>
-                      <p:childTnLst>
-                        <p:par>
-                          <p:cTn id="78" fill="hold">
-                            <p:stCondLst>
-                              <p:cond delay="0"/>
-                            </p:stCondLst>
-                            <p:childTnLst>
                               <p:par>
-                                <p:cTn id="79" presetID="2" presetClass="entr" presetSubtype="4" fill="hold" grpId="0" nodeType="clickEffect">
+                                <p:cTn id="76" presetID="2" presetClass="entr" presetSubtype="4" fill="hold" grpId="0" nodeType="withEffect">
                                   <p:stCondLst>
                                     <p:cond delay="0"/>
                                   </p:stCondLst>
                                   <p:childTnLst>
                                     <p:set>
                                       <p:cBhvr>
-                                        <p:cTn id="80" dur="1" fill="hold">
+                                        <p:cTn id="77" dur="1" fill="hold">
                                           <p:stCondLst>
                                             <p:cond delay="0"/>
                                           </p:stCondLst>
                                         </p:cTn>
                                         <p:tgtEl>
-                                          <p:spTgt spid="27"/>
+                                          <p:spTgt spid="22"/>
                                         </p:tgtEl>
                                         <p:attrNameLst>
                                           <p:attrName>style.visibility</p:attrName>
@@ -21463,9 +21192,9 @@
                                     </p:set>
                                     <p:anim calcmode="lin" valueType="num">
                                       <p:cBhvr additive="base">
-                                        <p:cTn id="81" dur="500" fill="hold"/>
-                                        <p:tgtEl>
-                                          <p:spTgt spid="27"/>
+                                        <p:cTn id="78" dur="500" fill="hold"/>
+                                        <p:tgtEl>
+                                          <p:spTgt spid="22"/>
                                         </p:tgtEl>
                                         <p:attrNameLst>
                                           <p:attrName>ppt_x</p:attrName>
@@ -21486,9 +21215,9 @@
                                     </p:anim>
                                     <p:anim calcmode="lin" valueType="num">
                                       <p:cBhvr additive="base">
-                                        <p:cTn id="82" dur="500" fill="hold"/>
-                                        <p:tgtEl>
-                                          <p:spTgt spid="27"/>
+                                        <p:cTn id="79" dur="500" fill="hold"/>
+                                        <p:tgtEl>
+                                          <p:spTgt spid="22"/>
                                         </p:tgtEl>
                                         <p:attrNameLst>
                                           <p:attrName>ppt_y</p:attrName>
@@ -21511,20 +21240,20 @@
                                 </p:cTn>
                               </p:par>
                               <p:par>
-                                <p:cTn id="83" presetID="42" presetClass="entr" presetSubtype="0" fill="hold" nodeType="withEffect">
+                                <p:cTn id="80" presetID="2" presetClass="entr" presetSubtype="4" fill="hold" nodeType="withEffect">
                                   <p:stCondLst>
                                     <p:cond delay="0"/>
                                   </p:stCondLst>
                                   <p:childTnLst>
                                     <p:set>
                                       <p:cBhvr>
-                                        <p:cTn id="84" dur="1" fill="hold">
+                                        <p:cTn id="81" dur="1" fill="hold">
                                           <p:stCondLst>
                                             <p:cond delay="0"/>
                                           </p:stCondLst>
                                         </p:cTn>
                                         <p:tgtEl>
-                                          <p:spTgt spid="19"/>
+                                          <p:spTgt spid="23"/>
                                         </p:tgtEl>
                                         <p:attrNameLst>
                                           <p:attrName>style.visibility</p:attrName>
@@ -21534,19 +21263,11 @@
                                         <p:strVal val="visible"/>
                                       </p:to>
                                     </p:set>
-                                    <p:animEffect transition="in" filter="fade">
-                                      <p:cBhvr>
-                                        <p:cTn id="85" dur="1000"/>
-                                        <p:tgtEl>
-                                          <p:spTgt spid="19"/>
-                                        </p:tgtEl>
-                                      </p:cBhvr>
-                                    </p:animEffect>
-                                    <p:anim calcmode="lin" valueType="num">
-                                      <p:cBhvr>
-                                        <p:cTn id="86" dur="1000" fill="hold"/>
-                                        <p:tgtEl>
-                                          <p:spTgt spid="19"/>
+                                    <p:anim calcmode="lin" valueType="num">
+                                      <p:cBhvr additive="base">
+                                        <p:cTn id="82" dur="500" fill="hold"/>
+                                        <p:tgtEl>
+                                          <p:spTgt spid="23"/>
                                         </p:tgtEl>
                                         <p:attrNameLst>
                                           <p:attrName>ppt_x</p:attrName>
@@ -21566,10 +21287,10 @@
                                       </p:tavLst>
                                     </p:anim>
                                     <p:anim calcmode="lin" valueType="num">
-                                      <p:cBhvr>
-                                        <p:cTn id="87" dur="1000" fill="hold"/>
-                                        <p:tgtEl>
-                                          <p:spTgt spid="19"/>
+                                      <p:cBhvr additive="base">
+                                        <p:cTn id="83" dur="500" fill="hold"/>
+                                        <p:tgtEl>
+                                          <p:spTgt spid="23"/>
                                         </p:tgtEl>
                                         <p:attrNameLst>
                                           <p:attrName>ppt_y</p:attrName>
@@ -21578,7 +21299,7 @@
                                       <p:tavLst>
                                         <p:tav tm="0">
                                           <p:val>
-                                            <p:strVal val="#ppt_y+.1"/>
+                                            <p:strVal val="1+#ppt_h/2"/>
                                           </p:val>
                                         </p:tav>
                                         <p:tav tm="100000">
@@ -21592,20 +21313,93 @@
                                 </p:cTn>
                               </p:par>
                               <p:par>
-                                <p:cTn id="88" presetID="42" presetClass="entr" presetSubtype="0" fill="hold" grpId="0" nodeType="withEffect">
+                                <p:cTn id="84" presetID="2" presetClass="entr" presetSubtype="4" fill="hold" grpId="0" nodeType="withEffect">
                                   <p:stCondLst>
                                     <p:cond delay="0"/>
                                   </p:stCondLst>
                                   <p:childTnLst>
                                     <p:set>
                                       <p:cBhvr>
+                                        <p:cTn id="85" dur="1" fill="hold">
+                                          <p:stCondLst>
+                                            <p:cond delay="0"/>
+                                          </p:stCondLst>
+                                        </p:cTn>
+                                        <p:tgtEl>
+                                          <p:spTgt spid="24"/>
+                                        </p:tgtEl>
+                                        <p:attrNameLst>
+                                          <p:attrName>style.visibility</p:attrName>
+                                        </p:attrNameLst>
+                                      </p:cBhvr>
+                                      <p:to>
+                                        <p:strVal val="visible"/>
+                                      </p:to>
+                                    </p:set>
+                                    <p:anim calcmode="lin" valueType="num">
+                                      <p:cBhvr additive="base">
+                                        <p:cTn id="86" dur="500" fill="hold"/>
+                                        <p:tgtEl>
+                                          <p:spTgt spid="24"/>
+                                        </p:tgtEl>
+                                        <p:attrNameLst>
+                                          <p:attrName>ppt_x</p:attrName>
+                                        </p:attrNameLst>
+                                      </p:cBhvr>
+                                      <p:tavLst>
+                                        <p:tav tm="0">
+                                          <p:val>
+                                            <p:strVal val="#ppt_x"/>
+                                          </p:val>
+                                        </p:tav>
+                                        <p:tav tm="100000">
+                                          <p:val>
+                                            <p:strVal val="#ppt_x"/>
+                                          </p:val>
+                                        </p:tav>
+                                      </p:tavLst>
+                                    </p:anim>
+                                    <p:anim calcmode="lin" valueType="num">
+                                      <p:cBhvr additive="base">
+                                        <p:cTn id="87" dur="500" fill="hold"/>
+                                        <p:tgtEl>
+                                          <p:spTgt spid="24"/>
+                                        </p:tgtEl>
+                                        <p:attrNameLst>
+                                          <p:attrName>ppt_y</p:attrName>
+                                        </p:attrNameLst>
+                                      </p:cBhvr>
+                                      <p:tavLst>
+                                        <p:tav tm="0">
+                                          <p:val>
+                                            <p:strVal val="1+#ppt_h/2"/>
+                                          </p:val>
+                                        </p:tav>
+                                        <p:tav tm="100000">
+                                          <p:val>
+                                            <p:strVal val="#ppt_y"/>
+                                          </p:val>
+                                        </p:tav>
+                                      </p:tavLst>
+                                    </p:anim>
+                                  </p:childTnLst>
+                                </p:cTn>
+                              </p:par>
+                              <p:par>
+                                <p:cTn id="88" presetID="2" presetClass="entr" presetSubtype="4" fill="hold" nodeType="withEffect">
+                                  <p:stCondLst>
+                                    <p:cond delay="0"/>
+                                  </p:stCondLst>
+                                  <p:childTnLst>
+                                    <p:set>
+                                      <p:cBhvr>
                                         <p:cTn id="89" dur="1" fill="hold">
                                           <p:stCondLst>
                                             <p:cond delay="0"/>
                                           </p:stCondLst>
                                         </p:cTn>
                                         <p:tgtEl>
-                                          <p:spTgt spid="20"/>
+                                          <p:spTgt spid="25"/>
                                         </p:tgtEl>
                                         <p:attrNameLst>
                                           <p:attrName>style.visibility</p:attrName>
@@ -21615,19 +21409,11 @@
                                         <p:strVal val="visible"/>
                                       </p:to>
                                     </p:set>
-                                    <p:animEffect transition="in" filter="fade">
-                                      <p:cBhvr>
-                                        <p:cTn id="90" dur="1000"/>
-                                        <p:tgtEl>
-                                          <p:spTgt spid="20"/>
-                                        </p:tgtEl>
-                                      </p:cBhvr>
-                                    </p:animEffect>
-                                    <p:anim calcmode="lin" valueType="num">
-                                      <p:cBhvr>
-                                        <p:cTn id="91" dur="1000" fill="hold"/>
-                                        <p:tgtEl>
-                                          <p:spTgt spid="20"/>
+                                    <p:anim calcmode="lin" valueType="num">
+                                      <p:cBhvr additive="base">
+                                        <p:cTn id="90" dur="500" fill="hold"/>
+                                        <p:tgtEl>
+                                          <p:spTgt spid="25"/>
                                         </p:tgtEl>
                                         <p:attrNameLst>
                                           <p:attrName>ppt_x</p:attrName>
@@ -21647,10 +21433,10 @@
                                       </p:tavLst>
                                     </p:anim>
                                     <p:anim calcmode="lin" valueType="num">
-                                      <p:cBhvr>
-                                        <p:cTn id="92" dur="1000" fill="hold"/>
-                                        <p:tgtEl>
-                                          <p:spTgt spid="20"/>
+                                      <p:cBhvr additive="base">
+                                        <p:cTn id="91" dur="500" fill="hold"/>
+                                        <p:tgtEl>
+                                          <p:spTgt spid="25"/>
                                         </p:tgtEl>
                                         <p:attrNameLst>
                                           <p:attrName>ppt_y</p:attrName>
@@ -21659,7 +21445,7 @@
                                       <p:tavLst>
                                         <p:tav tm="0">
                                           <p:val>
-                                            <p:strVal val="#ppt_y+.1"/>
+                                            <p:strVal val="1+#ppt_h/2"/>
                                           </p:val>
                                         </p:tav>
                                         <p:tav tm="100000">
@@ -21673,20 +21459,20 @@
                                 </p:cTn>
                               </p:par>
                               <p:par>
-                                <p:cTn id="93" presetID="42" presetClass="entr" presetSubtype="0" fill="hold" nodeType="withEffect">
+                                <p:cTn id="92" presetID="2" presetClass="entr" presetSubtype="4" fill="hold" grpId="0" nodeType="withEffect">
                                   <p:stCondLst>
                                     <p:cond delay="0"/>
                                   </p:stCondLst>
                                   <p:childTnLst>
                                     <p:set>
                                       <p:cBhvr>
-                                        <p:cTn id="94" dur="1" fill="hold">
+                                        <p:cTn id="93" dur="1" fill="hold">
                                           <p:stCondLst>
                                             <p:cond delay="0"/>
                                           </p:stCondLst>
                                         </p:cTn>
                                         <p:tgtEl>
-                                          <p:spTgt spid="21"/>
+                                          <p:spTgt spid="26"/>
                                         </p:tgtEl>
                                         <p:attrNameLst>
                                           <p:attrName>style.visibility</p:attrName>
@@ -21696,19 +21482,11 @@
                                         <p:strVal val="visible"/>
                                       </p:to>
                                     </p:set>
-                                    <p:animEffect transition="in" filter="fade">
-                                      <p:cBhvr>
-                                        <p:cTn id="95" dur="1000"/>
-                                        <p:tgtEl>
-                                          <p:spTgt spid="21"/>
-                                        </p:tgtEl>
-                                      </p:cBhvr>
-                                    </p:animEffect>
-                                    <p:anim calcmode="lin" valueType="num">
-                                      <p:cBhvr>
-                                        <p:cTn id="96" dur="1000" fill="hold"/>
-                                        <p:tgtEl>
-                                          <p:spTgt spid="21"/>
+                                    <p:anim calcmode="lin" valueType="num">
+                                      <p:cBhvr additive="base">
+                                        <p:cTn id="94" dur="500" fill="hold"/>
+                                        <p:tgtEl>
+                                          <p:spTgt spid="26"/>
                                         </p:tgtEl>
                                         <p:attrNameLst>
                                           <p:attrName>ppt_x</p:attrName>
@@ -21728,10 +21506,10 @@
                                       </p:tavLst>
                                     </p:anim>
                                     <p:anim calcmode="lin" valueType="num">
-                                      <p:cBhvr>
-                                        <p:cTn id="97" dur="1000" fill="hold"/>
-                                        <p:tgtEl>
-                                          <p:spTgt spid="21"/>
+                                      <p:cBhvr additive="base">
+                                        <p:cTn id="95" dur="500" fill="hold"/>
+                                        <p:tgtEl>
+                                          <p:spTgt spid="26"/>
                                         </p:tgtEl>
                                         <p:attrNameLst>
                                           <p:attrName>ppt_y</p:attrName>
@@ -21740,7 +21518,7 @@
                                       <p:tavLst>
                                         <p:tav tm="0">
                                           <p:val>
-                                            <p:strVal val="#ppt_y+.1"/>
+                                            <p:strVal val="1+#ppt_h/2"/>
                                           </p:val>
                                         </p:tav>
                                         <p:tav tm="100000">
@@ -21754,20 +21532,20 @@
                                 </p:cTn>
                               </p:par>
                               <p:par>
-                                <p:cTn id="98" presetID="42" presetClass="entr" presetSubtype="0" fill="hold" grpId="0" nodeType="withEffect">
+                                <p:cTn id="96" presetID="2" presetClass="entr" presetSubtype="4" fill="hold" grpId="0" nodeType="withEffect">
                                   <p:stCondLst>
                                     <p:cond delay="0"/>
                                   </p:stCondLst>
                                   <p:childTnLst>
                                     <p:set>
                                       <p:cBhvr>
-                                        <p:cTn id="99" dur="1" fill="hold">
+                                        <p:cTn id="97" dur="1" fill="hold">
                                           <p:stCondLst>
                                             <p:cond delay="0"/>
                                           </p:stCondLst>
                                         </p:cTn>
                                         <p:tgtEl>
-                                          <p:spTgt spid="22"/>
+                                          <p:spTgt spid="27"/>
                                         </p:tgtEl>
                                         <p:attrNameLst>
                                           <p:attrName>style.visibility</p:attrName>
@@ -21777,19 +21555,11 @@
                                         <p:strVal val="visible"/>
                                       </p:to>
                                     </p:set>
-                                    <p:animEffect transition="in" filter="fade">
-                                      <p:cBhvr>
-                                        <p:cTn id="100" dur="1000"/>
-                                        <p:tgtEl>
-                                          <p:spTgt spid="22"/>
-                                        </p:tgtEl>
-                                      </p:cBhvr>
-                                    </p:animEffect>
-                                    <p:anim calcmode="lin" valueType="num">
-                                      <p:cBhvr>
-                                        <p:cTn id="101" dur="1000" fill="hold"/>
-                                        <p:tgtEl>
-                                          <p:spTgt spid="22"/>
+                                    <p:anim calcmode="lin" valueType="num">
+                                      <p:cBhvr additive="base">
+                                        <p:cTn id="98" dur="500" fill="hold"/>
+                                        <p:tgtEl>
+                                          <p:spTgt spid="27"/>
                                         </p:tgtEl>
                                         <p:attrNameLst>
                                           <p:attrName>ppt_x</p:attrName>
@@ -21809,10 +21579,10 @@
                                       </p:tavLst>
                                     </p:anim>
                                     <p:anim calcmode="lin" valueType="num">
-                                      <p:cBhvr>
-                                        <p:cTn id="102" dur="1000" fill="hold"/>
-                                        <p:tgtEl>
-                                          <p:spTgt spid="22"/>
+                                      <p:cBhvr additive="base">
+                                        <p:cTn id="99" dur="500" fill="hold"/>
+                                        <p:tgtEl>
+                                          <p:spTgt spid="27"/>
                                         </p:tgtEl>
                                         <p:attrNameLst>
                                           <p:attrName>ppt_y</p:attrName>
@@ -21821,331 +21591,7 @@
                                       <p:tavLst>
                                         <p:tav tm="0">
                                           <p:val>
-                                            <p:strVal val="#ppt_y+.1"/>
-                                          </p:val>
-                                        </p:tav>
-                                        <p:tav tm="100000">
-                                          <p:val>
-                                            <p:strVal val="#ppt_y"/>
-                                          </p:val>
-                                        </p:tav>
-                                      </p:tavLst>
-                                    </p:anim>
-                                  </p:childTnLst>
-                                </p:cTn>
-                              </p:par>
-                              <p:par>
-                                <p:cTn id="103" presetID="42" presetClass="entr" presetSubtype="0" fill="hold" nodeType="withEffect">
-                                  <p:stCondLst>
-                                    <p:cond delay="0"/>
-                                  </p:stCondLst>
-                                  <p:childTnLst>
-                                    <p:set>
-                                      <p:cBhvr>
-                                        <p:cTn id="104" dur="1" fill="hold">
-                                          <p:stCondLst>
-                                            <p:cond delay="0"/>
-                                          </p:stCondLst>
-                                        </p:cTn>
-                                        <p:tgtEl>
-                                          <p:spTgt spid="23"/>
-                                        </p:tgtEl>
-                                        <p:attrNameLst>
-                                          <p:attrName>style.visibility</p:attrName>
-                                        </p:attrNameLst>
-                                      </p:cBhvr>
-                                      <p:to>
-                                        <p:strVal val="visible"/>
-                                      </p:to>
-                                    </p:set>
-                                    <p:animEffect transition="in" filter="fade">
-                                      <p:cBhvr>
-                                        <p:cTn id="105" dur="1000"/>
-                                        <p:tgtEl>
-                                          <p:spTgt spid="23"/>
-                                        </p:tgtEl>
-                                      </p:cBhvr>
-                                    </p:animEffect>
-                                    <p:anim calcmode="lin" valueType="num">
-                                      <p:cBhvr>
-                                        <p:cTn id="106" dur="1000" fill="hold"/>
-                                        <p:tgtEl>
-                                          <p:spTgt spid="23"/>
-                                        </p:tgtEl>
-                                        <p:attrNameLst>
-                                          <p:attrName>ppt_x</p:attrName>
-                                        </p:attrNameLst>
-                                      </p:cBhvr>
-                                      <p:tavLst>
-                                        <p:tav tm="0">
-                                          <p:val>
-                                            <p:strVal val="#ppt_x"/>
-                                          </p:val>
-                                        </p:tav>
-                                        <p:tav tm="100000">
-                                          <p:val>
-                                            <p:strVal val="#ppt_x"/>
-                                          </p:val>
-                                        </p:tav>
-                                      </p:tavLst>
-                                    </p:anim>
-                                    <p:anim calcmode="lin" valueType="num">
-                                      <p:cBhvr>
-                                        <p:cTn id="107" dur="1000" fill="hold"/>
-                                        <p:tgtEl>
-                                          <p:spTgt spid="23"/>
-                                        </p:tgtEl>
-                                        <p:attrNameLst>
-                                          <p:attrName>ppt_y</p:attrName>
-                                        </p:attrNameLst>
-                                      </p:cBhvr>
-                                      <p:tavLst>
-                                        <p:tav tm="0">
-                                          <p:val>
-                                            <p:strVal val="#ppt_y+.1"/>
-                                          </p:val>
-                                        </p:tav>
-                                        <p:tav tm="100000">
-                                          <p:val>
-                                            <p:strVal val="#ppt_y"/>
-                                          </p:val>
-                                        </p:tav>
-                                      </p:tavLst>
-                                    </p:anim>
-                                  </p:childTnLst>
-                                </p:cTn>
-                              </p:par>
-                              <p:par>
-                                <p:cTn id="108" presetID="42" presetClass="entr" presetSubtype="0" fill="hold" grpId="0" nodeType="withEffect">
-                                  <p:stCondLst>
-                                    <p:cond delay="0"/>
-                                  </p:stCondLst>
-                                  <p:childTnLst>
-                                    <p:set>
-                                      <p:cBhvr>
-                                        <p:cTn id="109" dur="1" fill="hold">
-                                          <p:stCondLst>
-                                            <p:cond delay="0"/>
-                                          </p:stCondLst>
-                                        </p:cTn>
-                                        <p:tgtEl>
-                                          <p:spTgt spid="24"/>
-                                        </p:tgtEl>
-                                        <p:attrNameLst>
-                                          <p:attrName>style.visibility</p:attrName>
-                                        </p:attrNameLst>
-                                      </p:cBhvr>
-                                      <p:to>
-                                        <p:strVal val="visible"/>
-                                      </p:to>
-                                    </p:set>
-                                    <p:animEffect transition="in" filter="fade">
-                                      <p:cBhvr>
-                                        <p:cTn id="110" dur="1000"/>
-                                        <p:tgtEl>
-                                          <p:spTgt spid="24"/>
-                                        </p:tgtEl>
-                                      </p:cBhvr>
-                                    </p:animEffect>
-                                    <p:anim calcmode="lin" valueType="num">
-                                      <p:cBhvr>
-                                        <p:cTn id="111" dur="1000" fill="hold"/>
-                                        <p:tgtEl>
-                                          <p:spTgt spid="24"/>
-                                        </p:tgtEl>
-                                        <p:attrNameLst>
-                                          <p:attrName>ppt_x</p:attrName>
-                                        </p:attrNameLst>
-                                      </p:cBhvr>
-                                      <p:tavLst>
-                                        <p:tav tm="0">
-                                          <p:val>
-                                            <p:strVal val="#ppt_x"/>
-                                          </p:val>
-                                        </p:tav>
-                                        <p:tav tm="100000">
-                                          <p:val>
-                                            <p:strVal val="#ppt_x"/>
-                                          </p:val>
-                                        </p:tav>
-                                      </p:tavLst>
-                                    </p:anim>
-                                    <p:anim calcmode="lin" valueType="num">
-                                      <p:cBhvr>
-                                        <p:cTn id="112" dur="1000" fill="hold"/>
-                                        <p:tgtEl>
-                                          <p:spTgt spid="24"/>
-                                        </p:tgtEl>
-                                        <p:attrNameLst>
-                                          <p:attrName>ppt_y</p:attrName>
-                                        </p:attrNameLst>
-                                      </p:cBhvr>
-                                      <p:tavLst>
-                                        <p:tav tm="0">
-                                          <p:val>
-                                            <p:strVal val="#ppt_y+.1"/>
-                                          </p:val>
-                                        </p:tav>
-                                        <p:tav tm="100000">
-                                          <p:val>
-                                            <p:strVal val="#ppt_y"/>
-                                          </p:val>
-                                        </p:tav>
-                                      </p:tavLst>
-                                    </p:anim>
-                                  </p:childTnLst>
-                                </p:cTn>
-                              </p:par>
-                              <p:par>
-                                <p:cTn id="113" presetID="42" presetClass="entr" presetSubtype="0" fill="hold" nodeType="withEffect">
-                                  <p:stCondLst>
-                                    <p:cond delay="0"/>
-                                  </p:stCondLst>
-                                  <p:childTnLst>
-                                    <p:set>
-                                      <p:cBhvr>
-                                        <p:cTn id="114" dur="1" fill="hold">
-                                          <p:stCondLst>
-                                            <p:cond delay="0"/>
-                                          </p:stCondLst>
-                                        </p:cTn>
-                                        <p:tgtEl>
-                                          <p:spTgt spid="25"/>
-                                        </p:tgtEl>
-                                        <p:attrNameLst>
-                                          <p:attrName>style.visibility</p:attrName>
-                                        </p:attrNameLst>
-                                      </p:cBhvr>
-                                      <p:to>
-                                        <p:strVal val="visible"/>
-                                      </p:to>
-                                    </p:set>
-                                    <p:animEffect transition="in" filter="fade">
-                                      <p:cBhvr>
-                                        <p:cTn id="115" dur="1000"/>
-                                        <p:tgtEl>
-                                          <p:spTgt spid="25"/>
-                                        </p:tgtEl>
-                                      </p:cBhvr>
-                                    </p:animEffect>
-                                    <p:anim calcmode="lin" valueType="num">
-                                      <p:cBhvr>
-                                        <p:cTn id="116" dur="1000" fill="hold"/>
-                                        <p:tgtEl>
-                                          <p:spTgt spid="25"/>
-                                        </p:tgtEl>
-                                        <p:attrNameLst>
-                                          <p:attrName>ppt_x</p:attrName>
-                                        </p:attrNameLst>
-                                      </p:cBhvr>
-                                      <p:tavLst>
-                                        <p:tav tm="0">
-                                          <p:val>
-                                            <p:strVal val="#ppt_x"/>
-                                          </p:val>
-                                        </p:tav>
-                                        <p:tav tm="100000">
-                                          <p:val>
-                                            <p:strVal val="#ppt_x"/>
-                                          </p:val>
-                                        </p:tav>
-                                      </p:tavLst>
-                                    </p:anim>
-                                    <p:anim calcmode="lin" valueType="num">
-                                      <p:cBhvr>
-                                        <p:cTn id="117" dur="1000" fill="hold"/>
-                                        <p:tgtEl>
-                                          <p:spTgt spid="25"/>
-                                        </p:tgtEl>
-                                        <p:attrNameLst>
-                                          <p:attrName>ppt_y</p:attrName>
-                                        </p:attrNameLst>
-                                      </p:cBhvr>
-                                      <p:tavLst>
-                                        <p:tav tm="0">
-                                          <p:val>
-                                            <p:strVal val="#ppt_y+.1"/>
-                                          </p:val>
-                                        </p:tav>
-                                        <p:tav tm="100000">
-                                          <p:val>
-                                            <p:strVal val="#ppt_y"/>
-                                          </p:val>
-                                        </p:tav>
-                                      </p:tavLst>
-                                    </p:anim>
-                                  </p:childTnLst>
-                                </p:cTn>
-                              </p:par>
-                              <p:par>
-                                <p:cTn id="118" presetID="42" presetClass="entr" presetSubtype="0" fill="hold" grpId="0" nodeType="withEffect">
-                                  <p:stCondLst>
-                                    <p:cond delay="0"/>
-                                  </p:stCondLst>
-                                  <p:childTnLst>
-                                    <p:set>
-                                      <p:cBhvr>
-                                        <p:cTn id="119" dur="1" fill="hold">
-                                          <p:stCondLst>
-                                            <p:cond delay="0"/>
-                                          </p:stCondLst>
-                                        </p:cTn>
-                                        <p:tgtEl>
-                                          <p:spTgt spid="26"/>
-                                        </p:tgtEl>
-                                        <p:attrNameLst>
-                                          <p:attrName>style.visibility</p:attrName>
-                                        </p:attrNameLst>
-                                      </p:cBhvr>
-                                      <p:to>
-                                        <p:strVal val="visible"/>
-                                      </p:to>
-                                    </p:set>
-                                    <p:animEffect transition="in" filter="fade">
-                                      <p:cBhvr>
-                                        <p:cTn id="120" dur="1000"/>
-                                        <p:tgtEl>
-                                          <p:spTgt spid="26"/>
-                                        </p:tgtEl>
-                                      </p:cBhvr>
-                                    </p:animEffect>
-                                    <p:anim calcmode="lin" valueType="num">
-                                      <p:cBhvr>
-                                        <p:cTn id="121" dur="1000" fill="hold"/>
-                                        <p:tgtEl>
-                                          <p:spTgt spid="26"/>
-                                        </p:tgtEl>
-                                        <p:attrNameLst>
-                                          <p:attrName>ppt_x</p:attrName>
-                                        </p:attrNameLst>
-                                      </p:cBhvr>
-                                      <p:tavLst>
-                                        <p:tav tm="0">
-                                          <p:val>
-                                            <p:strVal val="#ppt_x"/>
-                                          </p:val>
-                                        </p:tav>
-                                        <p:tav tm="100000">
-                                          <p:val>
-                                            <p:strVal val="#ppt_x"/>
-                                          </p:val>
-                                        </p:tav>
-                                      </p:tavLst>
-                                    </p:anim>
-                                    <p:anim calcmode="lin" valueType="num">
-                                      <p:cBhvr>
-                                        <p:cTn id="122" dur="1000" fill="hold"/>
-                                        <p:tgtEl>
-                                          <p:spTgt spid="26"/>
-                                        </p:tgtEl>
-                                        <p:attrNameLst>
-                                          <p:attrName>ppt_y</p:attrName>
-                                        </p:attrNameLst>
-                                      </p:cBhvr>
-                                      <p:tavLst>
-                                        <p:tav tm="0">
-                                          <p:val>
-                                            <p:strVal val="#ppt_y+.1"/>
+                                            <p:strVal val="1+#ppt_h/2"/>
                                           </p:val>
                                         </p:tav>
                                         <p:tav tm="100000">
@@ -22236,7 +21682,7 @@
           <p:nvPr/>
         </p:nvPicPr>
         <p:blipFill>
-          <a:blip r:embed="rId1"/>
+          <a:blip r:embed="rId2"/>
           <a:stretch>
             <a:fillRect/>
           </a:stretch>
@@ -22293,13 +21739,6 @@
               </a:rPr>
               <a:t>将单页面前端应用由单一的单体应用转变为多个小型前端应用聚合为一的应用。</a:t>
             </a:r>
-            <a:endParaRPr lang="zh-CN" altLang="en-US" sz="3200" dirty="0">
-              <a:solidFill>
-                <a:schemeClr val="bg1"/>
-              </a:solidFill>
-              <a:latin typeface="微软雅黑" panose="020B0503020204020204" pitchFamily="34" charset="-122"/>
-              <a:ea typeface="微软雅黑" panose="020B0503020204020204" pitchFamily="34" charset="-122"/>
-            </a:endParaRPr>
           </a:p>
         </p:txBody>
       </p:sp>
@@ -22783,7 +22222,7 @@
         <p:spPr>
           <a:xfrm>
             <a:off x="422986" y="1922106"/>
-            <a:ext cx="11346025" cy="3398751"/>
+            <a:ext cx="11346025" cy="3886064"/>
           </a:xfrm>
           <a:prstGeom prst="rect">
             <a:avLst/>
@@ -22928,13 +22367,6 @@
               </a:rPr>
               <a:t>应用集成进来</a:t>
             </a:r>
-            <a:endParaRPr lang="zh-CN" altLang="en-US" sz="1600" b="1" dirty="0">
-              <a:solidFill>
-                <a:schemeClr val="bg1"/>
-              </a:solidFill>
-              <a:latin typeface="微软雅黑" panose="020B0503020204020204" pitchFamily="34" charset="-122"/>
-              <a:ea typeface="微软雅黑" panose="020B0503020204020204" pitchFamily="34" charset="-122"/>
-            </a:endParaRPr>
           </a:p>
           <a:p>
             <a:pPr>
@@ -22953,7 +22385,7 @@
                 <a:latin typeface="微软雅黑" panose="020B0503020204020204" pitchFamily="34" charset="-122"/>
                 <a:ea typeface="微软雅黑" panose="020B0503020204020204" pitchFamily="34" charset="-122"/>
               </a:rPr>
-              <a:t>项目组目前打算集成另外厂商开发的慢病管理平台。这个场景我估计大多数拿到这个需求的时候首先想到的就是集成代码到自有的项目里面，但是如果是用的相同的技术栈还好，如果是不同的技术栈怎么办。同时单独集成到现有现有的项目，只会让现有项目愈加庞大。</a:t>
+              <a:t>项目组目前正在集成另外厂商开发的慢病管理平台。这个场景我估计大多数拿到这个需求的时候首先想到的就是集成代码到自有的项目里面，但是如果是用的相同的技术栈还好，如果是不同的技术栈怎么办。同时单独集成到现有现有的项目，只会让现有项目愈加庞大，同时工作量也很大。</a:t>
             </a:r>
             <a:endParaRPr lang="en-US" altLang="zh-CN" sz="1400" dirty="0">
               <a:solidFill>
@@ -22997,13 +22429,6 @@
               </a:rPr>
               <a:t>回到前面的问题</a:t>
             </a:r>
-            <a:endParaRPr lang="zh-CN" altLang="en-US" sz="3200" dirty="0">
-              <a:solidFill>
-                <a:schemeClr val="bg1"/>
-              </a:solidFill>
-              <a:latin typeface="微软雅黑" panose="020B0503020204020204" pitchFamily="34" charset="-122"/>
-              <a:ea typeface="微软雅黑" panose="020B0503020204020204" pitchFamily="34" charset="-122"/>
-            </a:endParaRPr>
           </a:p>
         </p:txBody>
       </p:sp>
@@ -23314,13 +22739,6 @@
               </a:rPr>
               <a:t>将现有项目作为主应用</a:t>
             </a:r>
-            <a:endParaRPr lang="zh-CN" altLang="en-US" sz="3200" dirty="0">
-              <a:solidFill>
-                <a:schemeClr val="bg1"/>
-              </a:solidFill>
-              <a:latin typeface="微软雅黑" panose="020B0503020204020204" pitchFamily="34" charset="-122"/>
-              <a:ea typeface="微软雅黑" panose="020B0503020204020204" pitchFamily="34" charset="-122"/>
-            </a:endParaRPr>
           </a:p>
         </p:txBody>
       </p:sp>
@@ -23366,13 +22784,6 @@
               </a:rPr>
               <a:t>其他接入项目作为子应用</a:t>
             </a:r>
-            <a:endParaRPr lang="zh-CN" altLang="en-US" sz="3200" dirty="0">
-              <a:solidFill>
-                <a:schemeClr val="bg1"/>
-              </a:solidFill>
-              <a:latin typeface="微软雅黑" panose="020B0503020204020204" pitchFamily="34" charset="-122"/>
-              <a:ea typeface="微软雅黑" panose="020B0503020204020204" pitchFamily="34" charset="-122"/>
-            </a:endParaRPr>
           </a:p>
         </p:txBody>
       </p:sp>
@@ -23807,6 +23218,7 @@
       </a:bgFillStyleLst>
     </a:fmtScheme>
   </a:themeElements>
+  <a:objectDefaults/>
   <a:extraClrSchemeLst>
     <a:extraClrScheme>
       <a:clrScheme name="">
